--- a/JSTraining.pptx
+++ b/JSTraining.pptx
@@ -137,10 +137,6 @@
 </p:presentation>
 </file>
 
-<file path=ppt/revisionInfo.xml><?xml version="1.0" encoding="utf-8"?>
-<p1510:revInfo xmlns:a="http://schemas.openxmlformats.org/drawingml/2006/main" xmlns:r="http://schemas.openxmlformats.org/officeDocument/2006/relationships" xmlns:p1510="http://schemas.microsoft.com/office/powerpoint/2015/10/main"/>
-</file>
-
 <file path=ppt/notesMasters/notesMaster1.xml><?xml version="1.0" encoding="utf-8"?>
 <p:notesMaster xmlns:a="http://schemas.openxmlformats.org/drawingml/2006/main" xmlns:r="http://schemas.openxmlformats.org/officeDocument/2006/relationships" xmlns:p="http://schemas.openxmlformats.org/presentationml/2006/main">
   <p:cSld>
@@ -223,7 +219,7 @@
           <a:p>
             <a:fld id="{B09D8FFF-C90B-E940-9216-23AD5EAD5BA9}" type="datetimeFigureOut">
               <a:rPr lang="en-GB" smtClean="0"/>
-              <a:t>08/09/2017</a:t>
+              <a:t>01/02/2018</a:t>
             </a:fld>
             <a:endParaRPr lang="en-GB"/>
           </a:p>
@@ -709,7 +705,7 @@
           <a:p>
             <a:fld id="{AD0C2843-B122-3545-BEB5-3CB839A21497}" type="datetimeFigureOut">
               <a:rPr lang="en-GB" smtClean="0"/>
-              <a:t>08/09/2017</a:t>
+              <a:t>01/02/2018</a:t>
             </a:fld>
             <a:endParaRPr lang="en-GB"/>
           </a:p>
@@ -879,7 +875,7 @@
           <a:p>
             <a:fld id="{AD0C2843-B122-3545-BEB5-3CB839A21497}" type="datetimeFigureOut">
               <a:rPr lang="en-GB" smtClean="0"/>
-              <a:t>08/09/2017</a:t>
+              <a:t>01/02/2018</a:t>
             </a:fld>
             <a:endParaRPr lang="en-GB"/>
           </a:p>
@@ -1059,7 +1055,7 @@
           <a:p>
             <a:fld id="{AD0C2843-B122-3545-BEB5-3CB839A21497}" type="datetimeFigureOut">
               <a:rPr lang="en-GB" smtClean="0"/>
-              <a:t>08/09/2017</a:t>
+              <a:t>01/02/2018</a:t>
             </a:fld>
             <a:endParaRPr lang="en-GB"/>
           </a:p>
@@ -1229,7 +1225,7 @@
           <a:p>
             <a:fld id="{AD0C2843-B122-3545-BEB5-3CB839A21497}" type="datetimeFigureOut">
               <a:rPr lang="en-GB" smtClean="0"/>
-              <a:t>08/09/2017</a:t>
+              <a:t>01/02/2018</a:t>
             </a:fld>
             <a:endParaRPr lang="en-GB"/>
           </a:p>
@@ -1475,7 +1471,7 @@
           <a:p>
             <a:fld id="{AD0C2843-B122-3545-BEB5-3CB839A21497}" type="datetimeFigureOut">
               <a:rPr lang="en-GB" smtClean="0"/>
-              <a:t>08/09/2017</a:t>
+              <a:t>01/02/2018</a:t>
             </a:fld>
             <a:endParaRPr lang="en-GB"/>
           </a:p>
@@ -1707,7 +1703,7 @@
           <a:p>
             <a:fld id="{AD0C2843-B122-3545-BEB5-3CB839A21497}" type="datetimeFigureOut">
               <a:rPr lang="en-GB" smtClean="0"/>
-              <a:t>08/09/2017</a:t>
+              <a:t>01/02/2018</a:t>
             </a:fld>
             <a:endParaRPr lang="en-GB"/>
           </a:p>
@@ -2074,7 +2070,7 @@
           <a:p>
             <a:fld id="{AD0C2843-B122-3545-BEB5-3CB839A21497}" type="datetimeFigureOut">
               <a:rPr lang="en-GB" smtClean="0"/>
-              <a:t>08/09/2017</a:t>
+              <a:t>01/02/2018</a:t>
             </a:fld>
             <a:endParaRPr lang="en-GB"/>
           </a:p>
@@ -2192,7 +2188,7 @@
           <a:p>
             <a:fld id="{AD0C2843-B122-3545-BEB5-3CB839A21497}" type="datetimeFigureOut">
               <a:rPr lang="en-GB" smtClean="0"/>
-              <a:t>08/09/2017</a:t>
+              <a:t>01/02/2018</a:t>
             </a:fld>
             <a:endParaRPr lang="en-GB"/>
           </a:p>
@@ -2287,7 +2283,7 @@
           <a:p>
             <a:fld id="{AD0C2843-B122-3545-BEB5-3CB839A21497}" type="datetimeFigureOut">
               <a:rPr lang="en-GB" smtClean="0"/>
-              <a:t>08/09/2017</a:t>
+              <a:t>01/02/2018</a:t>
             </a:fld>
             <a:endParaRPr lang="en-GB"/>
           </a:p>
@@ -2564,7 +2560,7 @@
           <a:p>
             <a:fld id="{AD0C2843-B122-3545-BEB5-3CB839A21497}" type="datetimeFigureOut">
               <a:rPr lang="en-GB" smtClean="0"/>
-              <a:t>08/09/2017</a:t>
+              <a:t>01/02/2018</a:t>
             </a:fld>
             <a:endParaRPr lang="en-GB"/>
           </a:p>
@@ -2817,7 +2813,7 @@
           <a:p>
             <a:fld id="{AD0C2843-B122-3545-BEB5-3CB839A21497}" type="datetimeFigureOut">
               <a:rPr lang="en-GB" smtClean="0"/>
-              <a:t>08/09/2017</a:t>
+              <a:t>01/02/2018</a:t>
             </a:fld>
             <a:endParaRPr lang="en-GB"/>
           </a:p>
@@ -3030,7 +3026,7 @@
           <a:p>
             <a:fld id="{AD0C2843-B122-3545-BEB5-3CB839A21497}" type="datetimeFigureOut">
               <a:rPr lang="en-GB" smtClean="0"/>
-              <a:t>08/09/2017</a:t>
+              <a:t>01/02/2018</a:t>
             </a:fld>
             <a:endParaRPr lang="en-GB"/>
           </a:p>
@@ -3925,15 +3921,7 @@
             </a:r>
             <a:r>
               <a:rPr lang="en-GB" dirty="0"/>
-              <a:t>’); </a:t>
-            </a:r>
-            <a:r>
-              <a:rPr lang="en-GB" dirty="0" err="1"/>
-              <a:t>returs</a:t>
-            </a:r>
-            <a:r>
-              <a:rPr lang="en-GB" dirty="0"/>
-              <a:t> html Collection</a:t>
+              <a:t>’); returns html Collection</a:t>
             </a:r>
           </a:p>
           <a:p>
@@ -4848,13 +4836,8 @@
           <a:p>
             <a:r>
               <a:rPr lang="en-GB" dirty="0"/>
-              <a:t>HTML/CSS/</a:t>
-            </a:r>
-            <a:r>
-              <a:rPr lang="en-GB" dirty="0" err="1"/>
-              <a:t>Javascript</a:t>
-            </a:r>
-            <a:endParaRPr lang="en-GB" dirty="0"/>
+              <a:t>HTML/CSS/JavaScript</a:t>
+            </a:r>
           </a:p>
           <a:p>
             <a:r>

--- a/JSTraining.pptx
+++ b/JSTraining.pptx
@@ -488,6 +488,129 @@
 </file>
 
 <file path=ppt/notesSlides/notesSlide1.xml><?xml version="1.0" encoding="utf-8"?>
+<p:notes xmlns:a="http://schemas.openxmlformats.org/drawingml/2006/main" xmlns:r="http://schemas.openxmlformats.org/officeDocument/2006/relationships" xmlns:p="http://schemas.openxmlformats.org/presentationml/2006/main">
+  <p:cSld>
+    <p:spTree>
+      <p:nvGrpSpPr>
+        <p:cNvPr id="1" name=""/>
+        <p:cNvGrpSpPr/>
+        <p:nvPr/>
+      </p:nvGrpSpPr>
+      <p:grpSpPr>
+        <a:xfrm>
+          <a:off x="0" y="0"/>
+          <a:ext cx="0" cy="0"/>
+          <a:chOff x="0" y="0"/>
+          <a:chExt cx="0" cy="0"/>
+        </a:xfrm>
+      </p:grpSpPr>
+      <p:sp>
+        <p:nvSpPr>
+          <p:cNvPr id="2" name="Folienbildplatzhalter 1"/>
+          <p:cNvSpPr>
+            <a:spLocks noGrp="1" noRot="1" noChangeAspect="1"/>
+          </p:cNvSpPr>
+          <p:nvPr>
+            <p:ph type="sldImg"/>
+          </p:nvPr>
+        </p:nvSpPr>
+        <p:spPr/>
+      </p:sp>
+      <p:sp>
+        <p:nvSpPr>
+          <p:cNvPr id="3" name="Notizenplatzhalter 2"/>
+          <p:cNvSpPr>
+            <a:spLocks noGrp="1"/>
+          </p:cNvSpPr>
+          <p:nvPr>
+            <p:ph type="body" idx="1"/>
+          </p:nvPr>
+        </p:nvSpPr>
+        <p:spPr/>
+        <p:txBody>
+          <a:bodyPr/>
+          <a:lstStyle/>
+          <a:p>
+            <a:r>
+              <a:rPr lang="de-CH" dirty="0"/>
+              <a:t>JavaScript ergänzt die anderen beiden Technologien</a:t>
+            </a:r>
+          </a:p>
+          <a:p>
+            <a:endParaRPr lang="de-CH" dirty="0"/>
+          </a:p>
+          <a:p>
+            <a:r>
+              <a:rPr lang="de-CH" dirty="0"/>
+              <a:t>JS-Engine ist in allen Browsern verbaut, sie kann JavaScript interpretieren</a:t>
+            </a:r>
+          </a:p>
+          <a:p>
+            <a:endParaRPr lang="de-CH" dirty="0"/>
+          </a:p>
+          <a:p>
+            <a:r>
+              <a:rPr lang="de-CH" dirty="0"/>
+              <a:t>Kann überall eingesetzt werden, wo clientseitiger dynamischer Seiteninhalt gewünscht ist.</a:t>
+            </a:r>
+          </a:p>
+          <a:p>
+            <a:endParaRPr lang="de-CH" dirty="0"/>
+          </a:p>
+          <a:p>
+            <a:r>
+              <a:rPr lang="de-CH" dirty="0"/>
+              <a:t>Was ist überhaupt alles möglich mit JS?</a:t>
+            </a:r>
+          </a:p>
+          <a:p>
+            <a:endParaRPr lang="de-CH" dirty="0"/>
+          </a:p>
+          <a:p>
+            <a:r>
+              <a:rPr lang="de-CH" dirty="0"/>
+              <a:t>Frontend/Backend Technologie</a:t>
+            </a:r>
+          </a:p>
+        </p:txBody>
+      </p:sp>
+      <p:sp>
+        <p:nvSpPr>
+          <p:cNvPr id="4" name="Foliennummernplatzhalter 3"/>
+          <p:cNvSpPr>
+            <a:spLocks noGrp="1"/>
+          </p:cNvSpPr>
+          <p:nvPr>
+            <p:ph type="sldNum" sz="quarter" idx="10"/>
+          </p:nvPr>
+        </p:nvSpPr>
+        <p:spPr/>
+        <p:txBody>
+          <a:bodyPr/>
+          <a:lstStyle/>
+          <a:p>
+            <a:fld id="{44771577-2C5A-D741-B4F8-1C3FD3942A98}" type="slidenum">
+              <a:rPr lang="en-GB" smtClean="0"/>
+              <a:t>2</a:t>
+            </a:fld>
+            <a:endParaRPr lang="en-GB"/>
+          </a:p>
+        </p:txBody>
+      </p:sp>
+    </p:spTree>
+    <p:extLst>
+      <p:ext uri="{BB962C8B-B14F-4D97-AF65-F5344CB8AC3E}">
+        <p14:creationId xmlns:p14="http://schemas.microsoft.com/office/powerpoint/2010/main" val="2577796029"/>
+      </p:ext>
+    </p:extLst>
+  </p:cSld>
+  <p:clrMapOvr>
+    <a:masterClrMapping/>
+  </p:clrMapOvr>
+</p:notes>
+</file>
+
+<file path=ppt/notesSlides/notesSlide2.xml><?xml version="1.0" encoding="utf-8"?>
 <p:notes xmlns:a="http://schemas.openxmlformats.org/drawingml/2006/main" xmlns:r="http://schemas.openxmlformats.org/officeDocument/2006/relationships" xmlns:p="http://schemas.openxmlformats.org/presentationml/2006/main">
   <p:cSld>
     <p:spTree>
@@ -3447,7 +3570,7 @@
           <a:lstStyle/>
           <a:p>
             <a:r>
-              <a:rPr lang="en-GB" dirty="0"/>
+              <a:rPr lang="de-CH"/>
               <a:t>JavaScript</a:t>
             </a:r>
           </a:p>
@@ -3469,19 +3592,19 @@
           <a:lstStyle/>
           <a:p>
             <a:r>
-              <a:rPr lang="en-GB" dirty="0"/>
+              <a:rPr lang="de-CH"/>
               <a:t>Philip Marti</a:t>
             </a:r>
           </a:p>
           <a:p>
             <a:r>
-              <a:rPr lang="en-GB" dirty="0">
+              <a:rPr lang="de-CH">
                 <a:hlinkClick r:id="rId2"/>
               </a:rPr>
               <a:t>https://github.com/martiph/JSTraining_ICT-Campus</a:t>
             </a:r>
             <a:r>
-              <a:rPr lang="en-GB" dirty="0"/>
+              <a:rPr lang="de-CH"/>
               <a:t> </a:t>
             </a:r>
           </a:p>
@@ -3533,8 +3656,28 @@
           <a:lstStyle/>
           <a:p>
             <a:r>
-              <a:rPr lang="en-GB" dirty="0"/>
-              <a:t>If, else if, Switch</a:t>
+              <a:rPr lang="de-CH" dirty="0" err="1"/>
+              <a:t>If</a:t>
+            </a:r>
+            <a:r>
+              <a:rPr lang="de-CH" dirty="0"/>
+              <a:t>, </a:t>
+            </a:r>
+            <a:r>
+              <a:rPr lang="de-CH" dirty="0" err="1"/>
+              <a:t>else</a:t>
+            </a:r>
+            <a:r>
+              <a:rPr lang="de-CH" dirty="0"/>
+              <a:t> </a:t>
+            </a:r>
+            <a:r>
+              <a:rPr lang="de-CH" dirty="0" err="1"/>
+              <a:t>if</a:t>
+            </a:r>
+            <a:r>
+              <a:rPr lang="de-CH" dirty="0"/>
+              <a:t>, Switch</a:t>
             </a:r>
           </a:p>
         </p:txBody>
@@ -3554,25 +3697,145 @@
           <a:bodyPr/>
           <a:lstStyle/>
           <a:p>
-            <a:r>
-              <a:rPr lang="en-GB" dirty="0"/>
-              <a:t>if(true){do stuff}</a:t>
-            </a:r>
-          </a:p>
-          <a:p>
-            <a:r>
-              <a:rPr lang="en-GB" dirty="0"/>
-              <a:t>else if(true){do other stuff}</a:t>
-            </a:r>
-          </a:p>
-          <a:p>
-            <a:r>
-              <a:rPr lang="en-GB" dirty="0"/>
-              <a:t>else {do everything else}</a:t>
-            </a:r>
-          </a:p>
-          <a:p>
-            <a:endParaRPr lang="en-GB" dirty="0"/>
+            <a:pPr marL="0" indent="0">
+              <a:buNone/>
+            </a:pPr>
+            <a:r>
+              <a:rPr lang="de-CH" dirty="0" err="1"/>
+              <a:t>if</a:t>
+            </a:r>
+            <a:r>
+              <a:rPr lang="de-CH" dirty="0"/>
+              <a:t>(</a:t>
+            </a:r>
+            <a:r>
+              <a:rPr lang="de-CH" dirty="0" err="1"/>
+              <a:t>true</a:t>
+            </a:r>
+            <a:r>
+              <a:rPr lang="de-CH" dirty="0"/>
+              <a:t>){</a:t>
+            </a:r>
+          </a:p>
+          <a:p>
+            <a:pPr marL="0" indent="0">
+              <a:buNone/>
+            </a:pPr>
+            <a:r>
+              <a:rPr lang="de-CH" dirty="0"/>
+              <a:t>	do </a:t>
+            </a:r>
+            <a:r>
+              <a:rPr lang="de-CH" dirty="0" err="1"/>
+              <a:t>stuff</a:t>
+            </a:r>
+            <a:endParaRPr lang="de-CH" dirty="0"/>
+          </a:p>
+          <a:p>
+            <a:pPr marL="0" indent="0">
+              <a:buNone/>
+            </a:pPr>
+            <a:r>
+              <a:rPr lang="de-CH" dirty="0"/>
+              <a:t>}</a:t>
+            </a:r>
+            <a:r>
+              <a:rPr lang="de-CH" dirty="0" err="1"/>
+              <a:t>else</a:t>
+            </a:r>
+            <a:r>
+              <a:rPr lang="de-CH" dirty="0"/>
+              <a:t> </a:t>
+            </a:r>
+            <a:r>
+              <a:rPr lang="de-CH" dirty="0" err="1"/>
+              <a:t>if</a:t>
+            </a:r>
+            <a:r>
+              <a:rPr lang="de-CH" dirty="0"/>
+              <a:t>(</a:t>
+            </a:r>
+            <a:r>
+              <a:rPr lang="de-CH" dirty="0" err="1"/>
+              <a:t>true</a:t>
+            </a:r>
+            <a:r>
+              <a:rPr lang="de-CH" dirty="0"/>
+              <a:t>){</a:t>
+            </a:r>
+          </a:p>
+          <a:p>
+            <a:pPr marL="0" indent="0">
+              <a:buNone/>
+            </a:pPr>
+            <a:r>
+              <a:rPr lang="de-CH" dirty="0"/>
+              <a:t>	do </a:t>
+            </a:r>
+            <a:r>
+              <a:rPr lang="de-CH" dirty="0" err="1"/>
+              <a:t>other</a:t>
+            </a:r>
+            <a:r>
+              <a:rPr lang="de-CH" dirty="0"/>
+              <a:t> </a:t>
+            </a:r>
+            <a:r>
+              <a:rPr lang="de-CH" dirty="0" err="1"/>
+              <a:t>stuff</a:t>
+            </a:r>
+            <a:endParaRPr lang="de-CH" dirty="0"/>
+          </a:p>
+          <a:p>
+            <a:pPr marL="0" indent="0">
+              <a:buNone/>
+            </a:pPr>
+            <a:r>
+              <a:rPr lang="de-CH" dirty="0"/>
+              <a:t>}</a:t>
+            </a:r>
+            <a:r>
+              <a:rPr lang="de-CH" dirty="0" err="1"/>
+              <a:t>else</a:t>
+            </a:r>
+            <a:r>
+              <a:rPr lang="de-CH" dirty="0"/>
+              <a:t> {</a:t>
+            </a:r>
+          </a:p>
+          <a:p>
+            <a:pPr marL="0" indent="0">
+              <a:buNone/>
+            </a:pPr>
+            <a:r>
+              <a:rPr lang="de-CH" dirty="0"/>
+              <a:t>	do </a:t>
+            </a:r>
+            <a:r>
+              <a:rPr lang="de-CH" dirty="0" err="1"/>
+              <a:t>everything</a:t>
+            </a:r>
+            <a:r>
+              <a:rPr lang="de-CH" dirty="0"/>
+              <a:t> </a:t>
+            </a:r>
+            <a:r>
+              <a:rPr lang="de-CH" dirty="0" err="1"/>
+              <a:t>else</a:t>
+            </a:r>
+            <a:endParaRPr lang="de-CH" dirty="0"/>
+          </a:p>
+          <a:p>
+            <a:pPr marL="0" indent="0">
+              <a:buNone/>
+            </a:pPr>
+            <a:r>
+              <a:rPr lang="de-CH" dirty="0"/>
+              <a:t>}</a:t>
+            </a:r>
+          </a:p>
+          <a:p>
+            <a:endParaRPr lang="de-CH" dirty="0"/>
           </a:p>
         </p:txBody>
       </p:sp>
@@ -3592,8 +3855,8 @@
         </p:blipFill>
         <p:spPr>
           <a:xfrm>
-            <a:off x="838200" y="3499961"/>
-            <a:ext cx="2606488" cy="2560274"/>
+            <a:off x="7181850" y="1825625"/>
+            <a:ext cx="3505200" cy="3443052"/>
           </a:xfrm>
           <a:prstGeom prst="rect">
             <a:avLst/>
@@ -3646,7 +3909,7 @@
           <a:lstStyle/>
           <a:p>
             <a:r>
-              <a:rPr lang="en-GB" dirty="0"/>
+              <a:rPr lang="de-CH" dirty="0"/>
               <a:t>Loops</a:t>
             </a:r>
           </a:p>
@@ -3668,150 +3931,122 @@
           <a:lstStyle/>
           <a:p>
             <a:r>
-              <a:rPr lang="en-GB" dirty="0"/>
-              <a:t>for (</a:t>
-            </a:r>
-            <a:r>
-              <a:rPr lang="en-GB" dirty="0" err="1"/>
-              <a:t>i</a:t>
-            </a:r>
-            <a:r>
-              <a:rPr lang="en-GB" dirty="0"/>
-              <a:t> = 0;i &lt; 10;i++){</a:t>
-            </a:r>
-            <a:r>
-              <a:rPr lang="en-GB" dirty="0" err="1"/>
-              <a:t>console.log</a:t>
-            </a:r>
-            <a:r>
-              <a:rPr lang="en-GB" dirty="0"/>
+              <a:rPr lang="de-CH" dirty="0" err="1"/>
+              <a:t>for</a:t>
+            </a:r>
+            <a:r>
+              <a:rPr lang="de-CH" dirty="0"/>
+              <a:t> (i = 0;i &lt; 10;i++){console.log(i);}</a:t>
+            </a:r>
+          </a:p>
+          <a:p>
+            <a:r>
+              <a:rPr lang="de-CH" dirty="0" err="1"/>
+              <a:t>for</a:t>
+            </a:r>
+            <a:r>
+              <a:rPr lang="de-CH" dirty="0"/>
+              <a:t>(x in </a:t>
+            </a:r>
+            <a:r>
+              <a:rPr lang="de-CH" dirty="0" err="1"/>
+              <a:t>array</a:t>
+            </a:r>
+            <a:r>
+              <a:rPr lang="de-CH" dirty="0"/>
+              <a:t>){console.log(x);}</a:t>
+            </a:r>
+          </a:p>
+          <a:p>
+            <a:r>
+              <a:rPr lang="de-CH" dirty="0" err="1"/>
+              <a:t>while</a:t>
+            </a:r>
+            <a:r>
+              <a:rPr lang="de-CH" dirty="0"/>
+              <a:t> (</a:t>
+            </a:r>
+            <a:r>
+              <a:rPr lang="de-CH" dirty="0" err="1"/>
+              <a:t>true</a:t>
+            </a:r>
+            <a:r>
+              <a:rPr lang="de-CH" dirty="0"/>
+              <a:t>){console.log(i)}</a:t>
+            </a:r>
+          </a:p>
+          <a:p>
+            <a:r>
+              <a:rPr lang="de-CH" dirty="0"/>
+              <a:t>do {console.log(i)} </a:t>
+            </a:r>
+            <a:r>
+              <a:rPr lang="de-CH" dirty="0" err="1"/>
+              <a:t>while</a:t>
+            </a:r>
+            <a:r>
+              <a:rPr lang="de-CH" dirty="0"/>
               <a:t>(</a:t>
             </a:r>
             <a:r>
-              <a:rPr lang="en-GB" dirty="0" err="1"/>
-              <a:t>i</a:t>
-            </a:r>
-            <a:r>
-              <a:rPr lang="en-GB" dirty="0"/>
-              <a:t>);}</a:t>
-            </a:r>
-          </a:p>
-          <a:p>
-            <a:r>
-              <a:rPr lang="en-GB" dirty="0"/>
-              <a:t>for(x in array){</a:t>
-            </a:r>
-            <a:r>
-              <a:rPr lang="en-GB" dirty="0" err="1"/>
-              <a:t>console.log</a:t>
-            </a:r>
-            <a:r>
-              <a:rPr lang="en-GB" dirty="0"/>
-              <a:t>(x);}</a:t>
-            </a:r>
-          </a:p>
-          <a:p>
-            <a:r>
-              <a:rPr lang="en-GB" dirty="0"/>
-              <a:t>while (true){</a:t>
-            </a:r>
-            <a:r>
-              <a:rPr lang="en-GB" dirty="0" err="1"/>
-              <a:t>console.log</a:t>
-            </a:r>
-            <a:r>
-              <a:rPr lang="en-GB" dirty="0"/>
+              <a:rPr lang="de-CH" dirty="0" err="1"/>
+              <a:t>true</a:t>
+            </a:r>
+            <a:r>
+              <a:rPr lang="de-CH" dirty="0"/>
+              <a:t>);</a:t>
+            </a:r>
+          </a:p>
+          <a:p>
+            <a:r>
+              <a:rPr lang="de-CH" dirty="0"/>
+              <a:t>ES6: </a:t>
+            </a:r>
+            <a:r>
+              <a:rPr lang="de-CH" dirty="0" err="1"/>
+              <a:t>array.forEach</a:t>
+            </a:r>
+            <a:r>
+              <a:rPr lang="de-CH" dirty="0"/>
+              <a:t>((</a:t>
+            </a:r>
+            <a:r>
+              <a:rPr lang="de-CH" dirty="0" err="1"/>
+              <a:t>e,i</a:t>
+            </a:r>
+            <a:r>
+              <a:rPr lang="de-CH" dirty="0"/>
+              <a:t>) =&gt; console.log(e));</a:t>
+            </a:r>
+          </a:p>
+          <a:p>
+            <a:r>
+              <a:rPr lang="de-CH" dirty="0"/>
+              <a:t>ES5: </a:t>
+            </a:r>
+            <a:r>
+              <a:rPr lang="de-CH" dirty="0" err="1"/>
+              <a:t>array.forEach</a:t>
+            </a:r>
+            <a:r>
+              <a:rPr lang="de-CH" dirty="0"/>
               <a:t>(</a:t>
             </a:r>
             <a:r>
-              <a:rPr lang="en-GB" dirty="0" err="1"/>
-              <a:t>i</a:t>
-            </a:r>
-            <a:r>
-              <a:rPr lang="en-GB" dirty="0"/>
-              <a:t>)}</a:t>
-            </a:r>
-          </a:p>
-          <a:p>
-            <a:r>
-              <a:rPr lang="en-GB" dirty="0"/>
-              <a:t>do {</a:t>
-            </a:r>
-            <a:r>
-              <a:rPr lang="en-GB" dirty="0" err="1"/>
-              <a:t>console.log</a:t>
-            </a:r>
-            <a:r>
-              <a:rPr lang="en-GB" dirty="0"/>
+              <a:rPr lang="de-CH" dirty="0" err="1"/>
+              <a:t>function</a:t>
+            </a:r>
+            <a:r>
+              <a:rPr lang="de-CH" dirty="0"/>
               <a:t>(</a:t>
             </a:r>
             <a:r>
-              <a:rPr lang="en-GB" dirty="0" err="1"/>
-              <a:t>i</a:t>
-            </a:r>
-            <a:r>
-              <a:rPr lang="en-GB" dirty="0"/>
-              <a:t>)} while(true);</a:t>
-            </a:r>
-          </a:p>
-          <a:p>
-            <a:r>
-              <a:rPr lang="en-GB" dirty="0"/>
-              <a:t>ES6: </a:t>
-            </a:r>
-            <a:r>
-              <a:rPr lang="en-GB" dirty="0" err="1"/>
-              <a:t>array.forEach</a:t>
-            </a:r>
-            <a:r>
-              <a:rPr lang="en-GB" dirty="0"/>
-              <a:t>((</a:t>
-            </a:r>
-            <a:r>
-              <a:rPr lang="en-GB" dirty="0" err="1"/>
+              <a:rPr lang="de-CH" dirty="0" err="1"/>
               <a:t>e,i</a:t>
             </a:r>
             <a:r>
-              <a:rPr lang="en-GB" dirty="0"/>
-              <a:t>) =&gt; </a:t>
-            </a:r>
-            <a:r>
-              <a:rPr lang="en-GB" dirty="0" err="1"/>
-              <a:t>console.log</a:t>
-            </a:r>
-            <a:r>
-              <a:rPr lang="en-GB" dirty="0"/>
-              <a:t>(e));</a:t>
-            </a:r>
-          </a:p>
-          <a:p>
-            <a:r>
-              <a:rPr lang="en-GB" dirty="0"/>
-              <a:t>ES5: </a:t>
-            </a:r>
-            <a:r>
-              <a:rPr lang="en-GB" dirty="0" err="1"/>
-              <a:t>array.forEach</a:t>
-            </a:r>
-            <a:r>
-              <a:rPr lang="en-GB" dirty="0"/>
-              <a:t>(function(</a:t>
-            </a:r>
-            <a:r>
-              <a:rPr lang="en-GB" dirty="0" err="1"/>
-              <a:t>e,i</a:t>
-            </a:r>
-            <a:r>
-              <a:rPr lang="en-GB" dirty="0"/>
-              <a:t>){</a:t>
-            </a:r>
-            <a:r>
-              <a:rPr lang="en-GB" dirty="0" err="1"/>
-              <a:t>console.log</a:t>
-            </a:r>
-            <a:r>
-              <a:rPr lang="en-GB" dirty="0"/>
-              <a:t>(e)});</a:t>
+              <a:rPr lang="de-CH" dirty="0"/>
+              <a:t>){console.log(e)});</a:t>
             </a:r>
           </a:p>
         </p:txBody>
@@ -3862,8 +4097,36 @@
           <a:lstStyle/>
           <a:p>
             <a:r>
-              <a:rPr lang="en-GB" dirty="0"/>
-              <a:t>Get Elements from Document Object Model</a:t>
+              <a:rPr lang="de-CH" dirty="0" err="1"/>
+              <a:t>Get</a:t>
+            </a:r>
+            <a:r>
+              <a:rPr lang="de-CH" dirty="0"/>
+              <a:t> Elements </a:t>
+            </a:r>
+            <a:r>
+              <a:rPr lang="de-CH" dirty="0" err="1"/>
+              <a:t>from</a:t>
+            </a:r>
+            <a:r>
+              <a:rPr lang="de-CH" dirty="0"/>
+              <a:t> </a:t>
+            </a:r>
+            <a:r>
+              <a:rPr lang="de-CH" dirty="0" err="1"/>
+              <a:t>Document</a:t>
+            </a:r>
+            <a:r>
+              <a:rPr lang="de-CH" dirty="0"/>
+              <a:t> </a:t>
+            </a:r>
+            <a:r>
+              <a:rPr lang="de-CH" dirty="0" err="1"/>
+              <a:t>Object</a:t>
+            </a:r>
+            <a:r>
+              <a:rPr lang="de-CH" dirty="0"/>
+              <a:t> Model</a:t>
             </a:r>
           </a:p>
         </p:txBody>
@@ -3884,60 +4147,178 @@
           <a:lstStyle/>
           <a:p>
             <a:r>
-              <a:rPr lang="en-GB" dirty="0"/>
+              <a:rPr lang="de-CH" dirty="0" err="1"/>
               <a:t>document</a:t>
             </a:r>
-          </a:p>
-          <a:p>
-            <a:r>
-              <a:rPr lang="en-GB" dirty="0" err="1"/>
+            <a:endParaRPr lang="de-CH" dirty="0"/>
+          </a:p>
+          <a:p>
+            <a:r>
+              <a:rPr lang="de-CH" dirty="0" err="1"/>
               <a:t>document.getElementsByTagName</a:t>
             </a:r>
             <a:r>
-              <a:rPr lang="en-GB" dirty="0"/>
+              <a:rPr lang="de-CH" dirty="0"/>
               <a:t>(’</a:t>
             </a:r>
             <a:r>
-              <a:rPr lang="en-GB" dirty="0" err="1"/>
+              <a:rPr lang="de-CH" dirty="0" err="1"/>
               <a:t>Tagame</a:t>
             </a:r>
             <a:r>
-              <a:rPr lang="en-GB" dirty="0"/>
-              <a:t>’); returns html Collection</a:t>
-            </a:r>
-          </a:p>
-          <a:p>
-            <a:r>
-              <a:rPr lang="en-GB" dirty="0" err="1"/>
+              <a:rPr lang="de-CH" dirty="0"/>
+              <a:t>’); </a:t>
+            </a:r>
+            <a:r>
+              <a:rPr lang="de-CH" dirty="0" err="1"/>
+              <a:t>returns</a:t>
+            </a:r>
+            <a:r>
+              <a:rPr lang="de-CH" dirty="0"/>
+              <a:t> </a:t>
+            </a:r>
+            <a:r>
+              <a:rPr lang="de-CH" dirty="0" err="1"/>
+              <a:t>html</a:t>
+            </a:r>
+            <a:r>
+              <a:rPr lang="de-CH" dirty="0"/>
+              <a:t> Collection</a:t>
+            </a:r>
+          </a:p>
+          <a:p>
+            <a:r>
+              <a:rPr lang="de-CH" dirty="0" err="1"/>
               <a:t>document.getElementsByClassName</a:t>
             </a:r>
             <a:r>
-              <a:rPr lang="en-GB" dirty="0"/>
+              <a:rPr lang="de-CH" dirty="0"/>
               <a:t>(‘</a:t>
             </a:r>
             <a:r>
-              <a:rPr lang="en-GB" dirty="0" err="1"/>
+              <a:rPr lang="de-CH" dirty="0" err="1"/>
               <a:t>ClassName</a:t>
             </a:r>
             <a:r>
-              <a:rPr lang="en-GB" dirty="0"/>
-              <a:t>’); returns html Collection</a:t>
-            </a:r>
-          </a:p>
-          <a:p>
-            <a:r>
-              <a:rPr lang="en-GB" dirty="0" err="1"/>
+              <a:rPr lang="de-CH" dirty="0"/>
+              <a:t>’); </a:t>
+            </a:r>
+            <a:r>
+              <a:rPr lang="de-CH" dirty="0" err="1"/>
+              <a:t>returns</a:t>
+            </a:r>
+            <a:r>
+              <a:rPr lang="de-CH" dirty="0"/>
+              <a:t> </a:t>
+            </a:r>
+            <a:r>
+              <a:rPr lang="de-CH" dirty="0" err="1"/>
+              <a:t>html</a:t>
+            </a:r>
+            <a:r>
+              <a:rPr lang="de-CH" dirty="0"/>
+              <a:t> Collection</a:t>
+            </a:r>
+          </a:p>
+          <a:p>
+            <a:r>
+              <a:rPr lang="de-CH" dirty="0" err="1"/>
               <a:t>document.getElementById</a:t>
             </a:r>
             <a:r>
-              <a:rPr lang="en-GB" dirty="0"/>
-              <a:t>(‘id’); returns html element</a:t>
-            </a:r>
-          </a:p>
-          <a:p>
-            <a:r>
-              <a:rPr lang="en-GB" dirty="0"/>
-              <a:t>These functions can also be executed on other html elements </a:t>
+              <a:rPr lang="de-CH" dirty="0"/>
+              <a:t>(‘</a:t>
+            </a:r>
+            <a:r>
+              <a:rPr lang="de-CH" dirty="0" err="1"/>
+              <a:t>id</a:t>
+            </a:r>
+            <a:r>
+              <a:rPr lang="de-CH" dirty="0"/>
+              <a:t>’); </a:t>
+            </a:r>
+            <a:r>
+              <a:rPr lang="de-CH" dirty="0" err="1"/>
+              <a:t>returns</a:t>
+            </a:r>
+            <a:r>
+              <a:rPr lang="de-CH" dirty="0"/>
+              <a:t> </a:t>
+            </a:r>
+            <a:r>
+              <a:rPr lang="de-CH" dirty="0" err="1"/>
+              <a:t>html</a:t>
+            </a:r>
+            <a:r>
+              <a:rPr lang="de-CH" dirty="0"/>
+              <a:t> </a:t>
+            </a:r>
+            <a:r>
+              <a:rPr lang="de-CH" dirty="0" err="1"/>
+              <a:t>element</a:t>
+            </a:r>
+            <a:endParaRPr lang="de-CH" dirty="0"/>
+          </a:p>
+          <a:p>
+            <a:r>
+              <a:rPr lang="de-CH" dirty="0"/>
+              <a:t>These </a:t>
+            </a:r>
+            <a:r>
+              <a:rPr lang="de-CH" dirty="0" err="1"/>
+              <a:t>functions</a:t>
+            </a:r>
+            <a:r>
+              <a:rPr lang="de-CH" dirty="0"/>
+              <a:t> </a:t>
+            </a:r>
+            <a:r>
+              <a:rPr lang="de-CH" dirty="0" err="1"/>
+              <a:t>can</a:t>
+            </a:r>
+            <a:r>
+              <a:rPr lang="de-CH" dirty="0"/>
+              <a:t> also </a:t>
+            </a:r>
+            <a:r>
+              <a:rPr lang="de-CH" dirty="0" err="1"/>
+              <a:t>be</a:t>
+            </a:r>
+            <a:r>
+              <a:rPr lang="de-CH" dirty="0"/>
+              <a:t> </a:t>
+            </a:r>
+            <a:r>
+              <a:rPr lang="de-CH" dirty="0" err="1"/>
+              <a:t>executed</a:t>
+            </a:r>
+            <a:r>
+              <a:rPr lang="de-CH" dirty="0"/>
+              <a:t> on </a:t>
+            </a:r>
+            <a:r>
+              <a:rPr lang="de-CH" dirty="0" err="1"/>
+              <a:t>other</a:t>
+            </a:r>
+            <a:r>
+              <a:rPr lang="de-CH" dirty="0"/>
+              <a:t> </a:t>
+            </a:r>
+            <a:r>
+              <a:rPr lang="de-CH" dirty="0" err="1"/>
+              <a:t>html</a:t>
+            </a:r>
+            <a:r>
+              <a:rPr lang="de-CH" dirty="0"/>
+              <a:t> </a:t>
+            </a:r>
+            <a:r>
+              <a:rPr lang="de-CH" dirty="0" err="1"/>
+              <a:t>elements</a:t>
+            </a:r>
+            <a:r>
+              <a:rPr lang="de-CH" dirty="0"/>
+              <a:t> </a:t>
             </a:r>
           </a:p>
         </p:txBody>
@@ -3988,8 +4369,24 @@
           <a:lstStyle/>
           <a:p>
             <a:r>
-              <a:rPr lang="en-GB" dirty="0"/>
-              <a:t>Create Elements in Document Object Model</a:t>
+              <a:rPr lang="de-CH" dirty="0"/>
+              <a:t>Create Elements in </a:t>
+            </a:r>
+            <a:r>
+              <a:rPr lang="de-CH" dirty="0" err="1"/>
+              <a:t>Document</a:t>
+            </a:r>
+            <a:r>
+              <a:rPr lang="de-CH" dirty="0"/>
+              <a:t> </a:t>
+            </a:r>
+            <a:r>
+              <a:rPr lang="de-CH" dirty="0" err="1"/>
+              <a:t>Object</a:t>
+            </a:r>
+            <a:r>
+              <a:rPr lang="de-CH" dirty="0"/>
+              <a:t> Model</a:t>
             </a:r>
           </a:p>
         </p:txBody>
@@ -4010,37 +4407,45 @@
           <a:lstStyle/>
           <a:p>
             <a:r>
-              <a:rPr lang="en-GB" dirty="0" err="1"/>
+              <a:rPr lang="de-CH" dirty="0" err="1"/>
               <a:t>var</a:t>
             </a:r>
             <a:r>
-              <a:rPr lang="en-GB" dirty="0"/>
-              <a:t> element = </a:t>
-            </a:r>
-            <a:r>
-              <a:rPr lang="en-GB" dirty="0" err="1"/>
+              <a:rPr lang="de-CH" dirty="0"/>
+              <a:t> </a:t>
+            </a:r>
+            <a:r>
+              <a:rPr lang="de-CH" dirty="0" err="1"/>
+              <a:t>element</a:t>
+            </a:r>
+            <a:r>
+              <a:rPr lang="de-CH" dirty="0"/>
+              <a:t> = </a:t>
+            </a:r>
+            <a:r>
+              <a:rPr lang="de-CH" dirty="0" err="1"/>
               <a:t>document.createElement</a:t>
             </a:r>
             <a:r>
-              <a:rPr lang="en-GB" dirty="0"/>
+              <a:rPr lang="de-CH" dirty="0"/>
               <a:t>(’</a:t>
             </a:r>
             <a:r>
-              <a:rPr lang="en-GB" dirty="0" err="1"/>
+              <a:rPr lang="de-CH" dirty="0" err="1"/>
               <a:t>tagname</a:t>
             </a:r>
             <a:r>
-              <a:rPr lang="en-GB" dirty="0"/>
+              <a:rPr lang="de-CH" dirty="0"/>
               <a:t>’);</a:t>
             </a:r>
           </a:p>
           <a:p>
             <a:r>
-              <a:rPr lang="en-GB" dirty="0" err="1"/>
+              <a:rPr lang="de-CH" dirty="0" err="1"/>
               <a:t>body.appendChild</a:t>
             </a:r>
             <a:r>
-              <a:rPr lang="en-GB" dirty="0"/>
+              <a:rPr lang="de-CH" dirty="0"/>
               <a:t>(a);</a:t>
             </a:r>
           </a:p>
@@ -4092,8 +4497,8 @@
           <a:lstStyle/>
           <a:p>
             <a:r>
-              <a:rPr lang="en-GB" dirty="0"/>
-              <a:t>Modify html elements</a:t>
+              <a:rPr lang="de-CH" dirty="0"/>
+              <a:t>Manipulation von HTML-Elementen</a:t>
             </a:r>
           </a:p>
         </p:txBody>
@@ -4114,78 +4519,78 @@
           <a:lstStyle/>
           <a:p>
             <a:r>
-              <a:rPr lang="en-GB" dirty="0" err="1"/>
+              <a:rPr lang="de-CH" dirty="0" err="1"/>
               <a:t>element.innerText</a:t>
             </a:r>
             <a:r>
-              <a:rPr lang="en-GB" dirty="0"/>
+              <a:rPr lang="de-CH" dirty="0"/>
               <a:t> = “Hello”;</a:t>
             </a:r>
           </a:p>
           <a:p>
             <a:r>
-              <a:rPr lang="en-GB" dirty="0" err="1"/>
+              <a:rPr lang="de-CH" dirty="0" err="1"/>
               <a:t>element.innerHTML</a:t>
             </a:r>
             <a:r>
-              <a:rPr lang="en-GB" dirty="0"/>
+              <a:rPr lang="de-CH" dirty="0"/>
               <a:t> = ”&lt;a </a:t>
             </a:r>
             <a:r>
-              <a:rPr lang="en-GB" dirty="0" err="1"/>
+              <a:rPr lang="de-CH" dirty="0" err="1"/>
               <a:t>href</a:t>
             </a:r>
             <a:r>
-              <a:rPr lang="en-GB" dirty="0"/>
-              <a:t>=’</a:t>
-            </a:r>
-            <a:r>
-              <a:rPr lang="en-GB" dirty="0" err="1"/>
-              <a:t>google.com</a:t>
-            </a:r>
-            <a:r>
-              <a:rPr lang="en-GB" dirty="0"/>
-              <a:t>’&gt;Link&lt;/a&gt;”;</a:t>
-            </a:r>
-          </a:p>
-          <a:p>
-            <a:r>
-              <a:rPr lang="en-GB" dirty="0" err="1"/>
+              <a:rPr lang="de-CH" dirty="0"/>
+              <a:t>=’google.com’&gt;Link&lt;/a&gt;”;</a:t>
+            </a:r>
+          </a:p>
+          <a:p>
+            <a:r>
+              <a:rPr lang="de-CH" dirty="0" err="1"/>
               <a:t>element.style.backgroundColor</a:t>
             </a:r>
             <a:r>
-              <a:rPr lang="en-GB" dirty="0"/>
-              <a:t> = “blue”;</a:t>
-            </a:r>
-          </a:p>
-          <a:p>
-            <a:r>
-              <a:rPr lang="en-GB" dirty="0" err="1"/>
+              <a:rPr lang="de-CH" dirty="0"/>
+              <a:t> = “</a:t>
+            </a:r>
+            <a:r>
+              <a:rPr lang="de-CH" dirty="0" err="1"/>
+              <a:t>blue</a:t>
+            </a:r>
+            <a:r>
+              <a:rPr lang="de-CH" dirty="0"/>
+              <a:t>”;</a:t>
+            </a:r>
+          </a:p>
+          <a:p>
+            <a:r>
+              <a:rPr lang="de-CH" dirty="0" err="1"/>
               <a:t>element.ClassList.add</a:t>
             </a:r>
             <a:r>
-              <a:rPr lang="en-GB" dirty="0"/>
+              <a:rPr lang="de-CH" dirty="0"/>
               <a:t>(‘Class1’,’Class2’);</a:t>
             </a:r>
           </a:p>
           <a:p>
             <a:r>
-              <a:rPr lang="en-GB" dirty="0" err="1"/>
-              <a:t>element.id</a:t>
-            </a:r>
-            <a:r>
-              <a:rPr lang="en-GB" dirty="0"/>
-              <a:t> = ”unique”;</a:t>
-            </a:r>
-          </a:p>
-          <a:p>
-            <a:r>
-              <a:rPr lang="en-GB" dirty="0"/>
-              <a:t>Many more</a:t>
-            </a:r>
-            <a:r>
-              <a:rPr lang="mr-IN" dirty="0"/>
-              <a:t>…</a:t>
+              <a:rPr lang="de-CH" dirty="0"/>
+              <a:t>element.id = ”</a:t>
+            </a:r>
+            <a:r>
+              <a:rPr lang="de-CH" dirty="0" err="1"/>
+              <a:t>unique</a:t>
+            </a:r>
+            <a:r>
+              <a:rPr lang="de-CH" dirty="0"/>
+              <a:t>”;</a:t>
+            </a:r>
+          </a:p>
+          <a:p>
+            <a:r>
+              <a:rPr lang="de-CH" dirty="0"/>
+              <a:t>Viele mehr…</a:t>
             </a:r>
             <a:endParaRPr lang="en-GB" dirty="0"/>
           </a:p>
@@ -4237,44 +4642,37 @@
           <a:lstStyle/>
           <a:p>
             <a:r>
+              <a:rPr lang="de-CH" dirty="0"/>
+              <a:t>Operators</a:t>
+            </a:r>
+          </a:p>
+        </p:txBody>
+      </p:sp>
+      <p:sp>
+        <p:nvSpPr>
+          <p:cNvPr id="3" name="Content Placeholder 2"/>
+          <p:cNvSpPr>
+            <a:spLocks noGrp="1"/>
+          </p:cNvSpPr>
+          <p:nvPr>
+            <p:ph idx="1"/>
+          </p:nvPr>
+        </p:nvSpPr>
+        <p:spPr/>
+        <p:txBody>
+          <a:bodyPr/>
+          <a:lstStyle/>
+          <a:p>
+            <a:r>
+              <a:rPr lang="en-GB" dirty="0">
+                <a:hlinkClick r:id="rId2"/>
+              </a:rPr>
+              <a:t>http://www.w3schools.com/js/js_operators.asp</a:t>
+            </a:r>
+            <a:r>
               <a:rPr lang="en-GB" dirty="0"/>
-              <a:t>Operators</a:t>
-            </a:r>
-          </a:p>
-        </p:txBody>
-      </p:sp>
-      <p:sp>
-        <p:nvSpPr>
-          <p:cNvPr id="3" name="Content Placeholder 2"/>
-          <p:cNvSpPr>
-            <a:spLocks noGrp="1"/>
-          </p:cNvSpPr>
-          <p:nvPr>
-            <p:ph idx="1"/>
-          </p:nvPr>
-        </p:nvSpPr>
-        <p:spPr/>
-        <p:txBody>
-          <a:bodyPr/>
-          <a:lstStyle/>
-          <a:p>
-            <a:r>
-              <a:rPr lang="en-GB" dirty="0"/>
-              <a:t>http://www.w3schools.com/</a:t>
-            </a:r>
-            <a:r>
-              <a:rPr lang="en-GB" dirty="0" err="1"/>
-              <a:t>js</a:t>
-            </a:r>
-            <a:r>
-              <a:rPr lang="en-GB" dirty="0"/>
-              <a:t>/</a:t>
-            </a:r>
-            <a:r>
-              <a:rPr lang="en-GB" dirty="0" err="1"/>
-              <a:t>js_operators.asp</a:t>
-            </a:r>
-            <a:endParaRPr lang="en-GB" dirty="0"/>
+              <a:t> </a:t>
+            </a:r>
           </a:p>
         </p:txBody>
       </p:sp>
@@ -4324,9 +4722,10 @@
           <a:lstStyle/>
           <a:p>
             <a:r>
-              <a:rPr lang="en-GB" dirty="0"/>
+              <a:rPr lang="de-CH" dirty="0" err="1"/>
               <a:t>Object</a:t>
             </a:r>
+            <a:endParaRPr lang="de-CH" dirty="0"/>
           </a:p>
         </p:txBody>
       </p:sp>
@@ -4346,27 +4745,51 @@
           <a:lstStyle/>
           <a:p>
             <a:r>
-              <a:rPr lang="en-GB" dirty="0" err="1"/>
+              <a:rPr lang="de-CH" dirty="0" err="1"/>
               <a:t>var</a:t>
             </a:r>
             <a:r>
-              <a:rPr lang="en-GB" dirty="0"/>
-              <a:t> person = {name: “name”, </a:t>
-            </a:r>
-            <a:r>
-              <a:rPr lang="en-GB" dirty="0" err="1"/>
+              <a:rPr lang="de-CH" dirty="0"/>
+              <a:t> </a:t>
+            </a:r>
+            <a:r>
+              <a:rPr lang="de-CH" dirty="0" err="1"/>
+              <a:t>person</a:t>
+            </a:r>
+            <a:r>
+              <a:rPr lang="de-CH" dirty="0"/>
+              <a:t> = {</a:t>
+            </a:r>
+            <a:r>
+              <a:rPr lang="de-CH" dirty="0" err="1"/>
+              <a:t>name</a:t>
+            </a:r>
+            <a:r>
+              <a:rPr lang="de-CH" dirty="0"/>
+              <a:t>: “</a:t>
+            </a:r>
+            <a:r>
+              <a:rPr lang="de-CH" dirty="0" err="1"/>
+              <a:t>name</a:t>
+            </a:r>
+            <a:r>
+              <a:rPr lang="de-CH" dirty="0"/>
+              <a:t>”, </a:t>
+            </a:r>
+            <a:r>
+              <a:rPr lang="de-CH" dirty="0" err="1"/>
               <a:t>lastname</a:t>
             </a:r>
             <a:r>
-              <a:rPr lang="en-GB" dirty="0"/>
+              <a:rPr lang="de-CH" dirty="0"/>
               <a:t>: “</a:t>
             </a:r>
             <a:r>
-              <a:rPr lang="en-GB" dirty="0" err="1"/>
+              <a:rPr lang="de-CH" dirty="0" err="1"/>
               <a:t>lastname</a:t>
             </a:r>
             <a:r>
-              <a:rPr lang="en-GB" dirty="0"/>
+              <a:rPr lang="de-CH" dirty="0"/>
               <a:t>”};</a:t>
             </a:r>
           </a:p>
@@ -4418,7 +4841,7 @@
           <a:lstStyle/>
           <a:p>
             <a:r>
-              <a:rPr lang="en-GB" dirty="0"/>
+              <a:rPr lang="de-CH" dirty="0"/>
               <a:t>Array</a:t>
             </a:r>
           </a:p>
@@ -4440,92 +4863,144 @@
           <a:lstStyle/>
           <a:p>
             <a:r>
-              <a:rPr lang="en-GB" dirty="0"/>
+              <a:rPr lang="de-CH" dirty="0"/>
               <a:t>Dynamic</a:t>
             </a:r>
           </a:p>
           <a:p>
             <a:r>
-              <a:rPr lang="en-GB" dirty="0" err="1"/>
+              <a:rPr lang="de-CH" dirty="0" err="1"/>
               <a:t>var</a:t>
             </a:r>
             <a:r>
-              <a:rPr lang="en-GB" dirty="0"/>
-              <a:t> array = [1,2,3,4,5];</a:t>
-            </a:r>
-          </a:p>
-          <a:p>
-            <a:r>
-              <a:rPr lang="en-GB" dirty="0" err="1"/>
+              <a:rPr lang="de-CH" dirty="0"/>
+              <a:t> </a:t>
+            </a:r>
+            <a:r>
+              <a:rPr lang="de-CH" dirty="0" err="1"/>
+              <a:t>array</a:t>
+            </a:r>
+            <a:r>
+              <a:rPr lang="de-CH" dirty="0"/>
+              <a:t> = [1,2,3,4,5];</a:t>
+            </a:r>
+          </a:p>
+          <a:p>
+            <a:r>
+              <a:rPr lang="de-CH" dirty="0" err="1"/>
               <a:t>var</a:t>
             </a:r>
             <a:r>
-              <a:rPr lang="en-GB" dirty="0"/>
-              <a:t> array = new Array();</a:t>
-            </a:r>
-          </a:p>
-          <a:p>
-            <a:r>
-              <a:rPr lang="en-GB" dirty="0" err="1"/>
+              <a:rPr lang="de-CH" dirty="0"/>
+              <a:t> </a:t>
+            </a:r>
+            <a:r>
+              <a:rPr lang="de-CH" dirty="0" err="1"/>
+              <a:t>array</a:t>
+            </a:r>
+            <a:r>
+              <a:rPr lang="de-CH" dirty="0"/>
+              <a:t> = </a:t>
+            </a:r>
+            <a:r>
+              <a:rPr lang="de-CH" dirty="0" err="1"/>
+              <a:t>new</a:t>
+            </a:r>
+            <a:r>
+              <a:rPr lang="de-CH" dirty="0"/>
+              <a:t> Array();</a:t>
+            </a:r>
+          </a:p>
+          <a:p>
+            <a:r>
+              <a:rPr lang="de-CH" dirty="0" err="1"/>
               <a:t>var</a:t>
             </a:r>
             <a:r>
-              <a:rPr lang="en-GB" dirty="0"/>
-              <a:t> array = [];</a:t>
-            </a:r>
-          </a:p>
-          <a:p>
-            <a:r>
-              <a:rPr lang="en-GB" dirty="0"/>
-              <a:t>array[0];</a:t>
-            </a:r>
-          </a:p>
-          <a:p>
-            <a:r>
-              <a:rPr lang="en-GB" dirty="0" err="1"/>
+              <a:rPr lang="de-CH" dirty="0"/>
+              <a:t> </a:t>
+            </a:r>
+            <a:r>
+              <a:rPr lang="de-CH" dirty="0" err="1"/>
+              <a:t>array</a:t>
+            </a:r>
+            <a:r>
+              <a:rPr lang="de-CH" dirty="0"/>
+              <a:t> = [];</a:t>
+            </a:r>
+          </a:p>
+          <a:p>
+            <a:r>
+              <a:rPr lang="de-CH" dirty="0" err="1"/>
+              <a:t>array</a:t>
+            </a:r>
+            <a:r>
+              <a:rPr lang="de-CH" dirty="0"/>
+              <a:t>[0];</a:t>
+            </a:r>
+          </a:p>
+          <a:p>
+            <a:r>
+              <a:rPr lang="de-CH" dirty="0" err="1"/>
               <a:t>array.push</a:t>
             </a:r>
             <a:r>
-              <a:rPr lang="en-GB" dirty="0"/>
+              <a:rPr lang="de-CH" dirty="0"/>
               <a:t>(5);</a:t>
             </a:r>
           </a:p>
           <a:p>
             <a:r>
-              <a:rPr lang="en-GB" dirty="0" err="1"/>
+              <a:rPr lang="de-CH" dirty="0" err="1"/>
               <a:t>var</a:t>
             </a:r>
             <a:r>
-              <a:rPr lang="en-GB" dirty="0"/>
+              <a:rPr lang="de-CH" dirty="0"/>
               <a:t> </a:t>
             </a:r>
             <a:r>
-              <a:rPr lang="en-GB" dirty="0" err="1"/>
+              <a:rPr lang="de-CH" dirty="0" err="1"/>
               <a:t>objectArray</a:t>
             </a:r>
             <a:r>
-              <a:rPr lang="en-GB" dirty="0"/>
-              <a:t> = [{name:"name",</a:t>
-            </a:r>
-            <a:r>
-              <a:rPr lang="en-GB" dirty="0" err="1"/>
+              <a:rPr lang="de-CH" dirty="0"/>
+              <a:t> = [{</a:t>
+            </a:r>
+            <a:r>
+              <a:rPr lang="de-CH" dirty="0" err="1"/>
+              <a:t>name</a:t>
+            </a:r>
+            <a:r>
+              <a:rPr lang="de-CH" dirty="0"/>
+              <a:t>:"</a:t>
+            </a:r>
+            <a:r>
+              <a:rPr lang="de-CH" dirty="0" err="1"/>
+              <a:t>name</a:t>
+            </a:r>
+            <a:r>
+              <a:rPr lang="de-CH" dirty="0"/>
+              <a:t>",</a:t>
+            </a:r>
+            <a:r>
+              <a:rPr lang="de-CH" dirty="0" err="1"/>
               <a:t>lastname</a:t>
             </a:r>
             <a:r>
-              <a:rPr lang="en-GB" dirty="0"/>
+              <a:rPr lang="de-CH" dirty="0"/>
               <a:t>:"</a:t>
             </a:r>
             <a:r>
-              <a:rPr lang="en-GB" dirty="0" err="1"/>
+              <a:rPr lang="de-CH" dirty="0" err="1"/>
               <a:t>lastname</a:t>
             </a:r>
             <a:r>
-              <a:rPr lang="en-GB" dirty="0"/>
+              <a:rPr lang="de-CH" dirty="0"/>
               <a:t>"},{name:"2name",lastname:"2lastname"}]</a:t>
             </a:r>
           </a:p>
           <a:p>
-            <a:endParaRPr lang="en-GB" dirty="0"/>
+            <a:endParaRPr lang="de-CH" dirty="0"/>
           </a:p>
         </p:txBody>
       </p:sp>
@@ -4575,9 +5050,10 @@
           <a:lstStyle/>
           <a:p>
             <a:r>
-              <a:rPr lang="en-GB" dirty="0"/>
+              <a:rPr lang="de-CH" dirty="0" err="1"/>
               <a:t>Functions</a:t>
             </a:r>
+            <a:endParaRPr lang="de-CH" dirty="0"/>
           </a:p>
         </p:txBody>
       </p:sp>
@@ -4694,7 +5170,7 @@
           <a:lstStyle/>
           <a:p>
             <a:r>
-              <a:rPr lang="en-GB" dirty="0"/>
+              <a:rPr lang="de-CH" dirty="0"/>
               <a:t>Objects</a:t>
             </a:r>
           </a:p>
@@ -4813,8 +5289,12 @@
           <a:lstStyle/>
           <a:p>
             <a:r>
+              <a:rPr lang="de-CH" dirty="0"/>
+              <a:t>Überblick</a:t>
+            </a:r>
+            <a:r>
               <a:rPr lang="en-GB" dirty="0"/>
-              <a:t>Overview JavaScript</a:t>
+              <a:t> JavaScript</a:t>
             </a:r>
           </a:p>
         </p:txBody>
@@ -4835,37 +5315,37 @@
           <a:lstStyle/>
           <a:p>
             <a:r>
-              <a:rPr lang="en-GB" dirty="0"/>
+              <a:rPr lang="de-CH" dirty="0"/>
               <a:t>HTML/CSS/JavaScript</a:t>
             </a:r>
           </a:p>
           <a:p>
             <a:r>
-              <a:rPr lang="en-GB" dirty="0"/>
-              <a:t>Engine</a:t>
-            </a:r>
-          </a:p>
-          <a:p>
-            <a:r>
-              <a:rPr lang="en-GB" dirty="0"/>
-              <a:t>Possibilities</a:t>
-            </a:r>
-          </a:p>
-          <a:p>
-            <a:r>
-              <a:rPr lang="en-GB" dirty="0"/>
-              <a:t>Where should you use JavaScript</a:t>
-            </a:r>
-          </a:p>
-          <a:p>
-            <a:r>
-              <a:rPr lang="en-GB" dirty="0"/>
-              <a:t>Runs mostly on client</a:t>
-            </a:r>
-          </a:p>
-          <a:p>
-            <a:r>
-              <a:rPr lang="en-GB" dirty="0"/>
+              <a:rPr lang="de-CH" dirty="0"/>
+              <a:t>JS-Engine</a:t>
+            </a:r>
+          </a:p>
+          <a:p>
+            <a:r>
+              <a:rPr lang="de-CH" dirty="0"/>
+              <a:t>Einsatzmöglichkeiten</a:t>
+            </a:r>
+          </a:p>
+          <a:p>
+            <a:r>
+              <a:rPr lang="de-CH" dirty="0"/>
+              <a:t>Wo JavaScript gebraucht werden sollte</a:t>
+            </a:r>
+          </a:p>
+          <a:p>
+            <a:r>
+              <a:rPr lang="de-CH" dirty="0"/>
+              <a:t>Läuft meistens auf Clients</a:t>
+            </a:r>
+          </a:p>
+          <a:p>
+            <a:r>
+              <a:rPr lang="de-CH" dirty="0"/>
               <a:t>Frontend/Backend</a:t>
             </a:r>
           </a:p>
@@ -4917,8 +5397,12 @@
           <a:lstStyle/>
           <a:p>
             <a:r>
-              <a:rPr lang="en-GB" dirty="0"/>
-              <a:t>Exceptions</a:t>
+              <a:rPr lang="de-CH" dirty="0" err="1"/>
+              <a:t>Exception</a:t>
+            </a:r>
+            <a:r>
+              <a:rPr lang="de-CH" dirty="0"/>
+              <a:t>-Handling</a:t>
             </a:r>
           </a:p>
         </p:txBody>
@@ -4938,17 +5422,110 @@
           <a:bodyPr/>
           <a:lstStyle/>
           <a:p>
-            <a:r>
-              <a:rPr lang="en-GB" dirty="0"/>
-              <a:t>try{stuff}catch(err){</a:t>
-            </a:r>
-            <a:r>
-              <a:rPr lang="en-GB" dirty="0" err="1"/>
-              <a:t>console.log</a:t>
-            </a:r>
-            <a:r>
-              <a:rPr lang="en-GB" dirty="0"/>
-              <a:t>(err);}finally{do anyway}</a:t>
+            <a:pPr marL="0" indent="0">
+              <a:buNone/>
+            </a:pPr>
+            <a:r>
+              <a:rPr lang="de-CH" dirty="0" err="1"/>
+              <a:t>try</a:t>
+            </a:r>
+            <a:r>
+              <a:rPr lang="de-CH" dirty="0"/>
+              <a:t>{</a:t>
+            </a:r>
+          </a:p>
+          <a:p>
+            <a:pPr marL="0" indent="0">
+              <a:buNone/>
+            </a:pPr>
+            <a:r>
+              <a:rPr lang="de-CH" dirty="0"/>
+              <a:t>	do </a:t>
+            </a:r>
+            <a:r>
+              <a:rPr lang="de-CH" dirty="0" err="1"/>
+              <a:t>stuff</a:t>
+            </a:r>
+            <a:r>
+              <a:rPr lang="de-CH" dirty="0"/>
+              <a:t>;</a:t>
+            </a:r>
+          </a:p>
+          <a:p>
+            <a:pPr marL="0" indent="0">
+              <a:buNone/>
+            </a:pPr>
+            <a:r>
+              <a:rPr lang="de-CH" dirty="0"/>
+              <a:t>}catch(</a:t>
+            </a:r>
+            <a:r>
+              <a:rPr lang="de-CH" dirty="0" err="1"/>
+              <a:t>err</a:t>
+            </a:r>
+            <a:r>
+              <a:rPr lang="de-CH" dirty="0"/>
+              <a:t>){</a:t>
+            </a:r>
+          </a:p>
+          <a:p>
+            <a:pPr marL="0" indent="0">
+              <a:buNone/>
+            </a:pPr>
+            <a:r>
+              <a:rPr lang="de-CH" dirty="0"/>
+              <a:t>	console.log(</a:t>
+            </a:r>
+            <a:r>
+              <a:rPr lang="de-CH" dirty="0" err="1"/>
+              <a:t>err</a:t>
+            </a:r>
+            <a:r>
+              <a:rPr lang="de-CH" dirty="0"/>
+              <a:t>);</a:t>
+            </a:r>
+          </a:p>
+          <a:p>
+            <a:pPr marL="0" indent="0">
+              <a:buNone/>
+            </a:pPr>
+            <a:r>
+              <a:rPr lang="de-CH" dirty="0"/>
+              <a:t>}</a:t>
+            </a:r>
+            <a:r>
+              <a:rPr lang="de-CH" dirty="0" err="1"/>
+              <a:t>finally</a:t>
+            </a:r>
+            <a:r>
+              <a:rPr lang="de-CH" dirty="0"/>
+              <a:t>{</a:t>
+            </a:r>
+          </a:p>
+          <a:p>
+            <a:pPr marL="0" indent="0">
+              <a:buNone/>
+            </a:pPr>
+            <a:r>
+              <a:rPr lang="de-CH" dirty="0"/>
+              <a:t>	do </a:t>
+            </a:r>
+            <a:r>
+              <a:rPr lang="de-CH" dirty="0" err="1"/>
+              <a:t>anyway</a:t>
+            </a:r>
+            <a:r>
+              <a:rPr lang="de-CH" dirty="0"/>
+              <a:t>;</a:t>
+            </a:r>
+          </a:p>
+          <a:p>
+            <a:pPr marL="0" indent="0">
+              <a:buNone/>
+            </a:pPr>
+            <a:r>
+              <a:rPr lang="de-CH" dirty="0"/>
+              <a:t>}</a:t>
             </a:r>
           </a:p>
         </p:txBody>
@@ -4999,7 +5576,7 @@
           <a:lstStyle/>
           <a:p>
             <a:r>
-              <a:rPr lang="en-GB" dirty="0"/>
+              <a:rPr lang="de-CH" dirty="0"/>
               <a:t>Debugging</a:t>
             </a:r>
           </a:p>
@@ -5021,24 +5598,27 @@
           <a:lstStyle/>
           <a:p>
             <a:r>
-              <a:rPr lang="en-GB" dirty="0" err="1"/>
-              <a:t>Console.log</a:t>
-            </a:r>
-            <a:r>
-              <a:rPr lang="en-GB" dirty="0"/>
-              <a:t>() ;)</a:t>
-            </a:r>
-          </a:p>
-          <a:p>
-            <a:r>
-              <a:rPr lang="en-GB" dirty="0"/>
-              <a:t>debugger; creates a </a:t>
-            </a:r>
-            <a:r>
-              <a:rPr lang="en-GB" dirty="0" err="1"/>
-              <a:t>Breackpoint</a:t>
-            </a:r>
-            <a:endParaRPr lang="en-GB" dirty="0"/>
+              <a:rPr lang="de-CH" dirty="0"/>
+              <a:t>Console.log() ;)</a:t>
+            </a:r>
+          </a:p>
+          <a:p>
+            <a:r>
+              <a:rPr lang="de-CH" dirty="0" err="1"/>
+              <a:t>debugger</a:t>
+            </a:r>
+            <a:r>
+              <a:rPr lang="de-CH" dirty="0"/>
+              <a:t>; </a:t>
+            </a:r>
+            <a:r>
+              <a:rPr lang="de-CH" dirty="0" err="1"/>
+              <a:t>creates</a:t>
+            </a:r>
+            <a:r>
+              <a:rPr lang="de-CH" dirty="0"/>
+              <a:t> a Breakpoint</a:t>
+            </a:r>
           </a:p>
         </p:txBody>
       </p:sp>
@@ -5110,27 +5690,27 @@
           <a:lstStyle/>
           <a:p>
             <a:r>
-              <a:rPr lang="en-GB" dirty="0"/>
-              <a:t>Install Editor of your choice (VS Code)</a:t>
-            </a:r>
-          </a:p>
-          <a:p>
-            <a:r>
-              <a:rPr lang="en-GB" dirty="0"/>
-              <a:t>Open </a:t>
-            </a:r>
-            <a:r>
-              <a:rPr lang="en-GB" dirty="0">
+              <a:rPr lang="de-CH" dirty="0"/>
+              <a:t>Installiere den Editor deiner Wahl (VS Code)</a:t>
+            </a:r>
+          </a:p>
+          <a:p>
+            <a:r>
+              <a:rPr lang="de-CH" dirty="0"/>
+              <a:t>Gehe auf </a:t>
+            </a:r>
+            <a:r>
+              <a:rPr lang="de-CH" dirty="0">
                 <a:hlinkClick r:id="rId2"/>
               </a:rPr>
               <a:t>Code Academy</a:t>
             </a:r>
-            <a:endParaRPr lang="en-GB" dirty="0"/>
-          </a:p>
-          <a:p>
-            <a:r>
-              <a:rPr lang="en-GB" dirty="0"/>
-              <a:t>Create Account and start with exercises</a:t>
+            <a:endParaRPr lang="de-CH" dirty="0"/>
+          </a:p>
+          <a:p>
+            <a:r>
+              <a:rPr lang="de-CH" dirty="0"/>
+              <a:t>Erstelle einen Account und beginne mit den Übungen</a:t>
             </a:r>
           </a:p>
         </p:txBody>
@@ -5202,27 +5782,22 @@
           <a:bodyPr/>
           <a:lstStyle/>
           <a:p>
-            <a:r>
-              <a:rPr lang="en-GB" dirty="0"/>
-              <a:t>Create </a:t>
-            </a:r>
-            <a:r>
-              <a:rPr lang="en-GB" dirty="0" err="1"/>
-              <a:t>SlideShow</a:t>
-            </a:r>
-            <a:r>
-              <a:rPr lang="en-GB" dirty="0"/>
-              <a:t> like </a:t>
-            </a:r>
-            <a:r>
-              <a:rPr lang="en-GB" dirty="0">
+            <a:pPr marL="0" indent="0">
+              <a:buNone/>
+            </a:pPr>
+            <a:r>
+              <a:rPr lang="de-CH" dirty="0"/>
+              <a:t>Erstelle eine Slideshow, wie </a:t>
+            </a:r>
+            <a:r>
+              <a:rPr lang="de-CH" dirty="0">
                 <a:hlinkClick r:id="rId2"/>
               </a:rPr>
-              <a:t>here</a:t>
-            </a:r>
-            <a:r>
-              <a:rPr lang="en-GB" dirty="0"/>
-              <a:t> but with JavaScript</a:t>
+              <a:t>hier</a:t>
+            </a:r>
+            <a:r>
+              <a:rPr lang="de-CH" dirty="0"/>
+              <a:t> aber mit JavaScript</a:t>
             </a:r>
           </a:p>
         </p:txBody>
@@ -5368,14 +5943,9 @@
           <a:lstStyle/>
           <a:p>
             <a:r>
-              <a:rPr lang="en-GB" dirty="0"/>
-              <a:t>JavaScript </a:t>
-            </a:r>
-            <a:r>
-              <a:rPr lang="en-GB" dirty="0" err="1"/>
-              <a:t>Versionen</a:t>
-            </a:r>
-            <a:endParaRPr lang="en-GB" dirty="0"/>
+              <a:rPr lang="de-CH" dirty="0"/>
+              <a:t>JavaScript Versionen</a:t>
+            </a:r>
           </a:p>
         </p:txBody>
       </p:sp>
@@ -5395,43 +5965,59 @@
           <a:lstStyle/>
           <a:p>
             <a:r>
-              <a:rPr lang="en-GB" dirty="0"/>
+              <a:rPr lang="de-CH" dirty="0"/>
               <a:t>ES5</a:t>
             </a:r>
           </a:p>
           <a:p>
             <a:r>
-              <a:rPr lang="en-GB" dirty="0"/>
+              <a:rPr lang="de-CH" dirty="0"/>
               <a:t>ES6 </a:t>
             </a:r>
             <a:r>
-              <a:rPr lang="en-GB" dirty="0">
+              <a:rPr lang="de-CH" dirty="0">
                 <a:hlinkClick r:id="rId2"/>
               </a:rPr>
               <a:t>http://es6-features.org/#Constants</a:t>
             </a:r>
             <a:r>
-              <a:rPr lang="en-GB" dirty="0"/>
+              <a:rPr lang="de-CH" dirty="0"/>
               <a:t> </a:t>
             </a:r>
           </a:p>
           <a:p>
             <a:r>
-              <a:rPr lang="en-GB" dirty="0"/>
-              <a:t>Classes, Arrow functions, Inheritance, let, </a:t>
-            </a:r>
-            <a:r>
-              <a:rPr lang="en-GB" dirty="0" err="1"/>
+              <a:rPr lang="de-CH" dirty="0"/>
+              <a:t>Klassen, Arrow </a:t>
+            </a:r>
+            <a:r>
+              <a:rPr lang="de-CH" dirty="0" err="1"/>
+              <a:t>functions</a:t>
+            </a:r>
+            <a:r>
+              <a:rPr lang="de-CH" dirty="0"/>
+              <a:t>, Vererbung, </a:t>
+            </a:r>
+            <a:r>
+              <a:rPr lang="de-CH" dirty="0" err="1"/>
+              <a:t>let</a:t>
+            </a:r>
+            <a:r>
+              <a:rPr lang="de-CH" dirty="0"/>
+              <a:t>, </a:t>
+            </a:r>
+            <a:r>
+              <a:rPr lang="de-CH" dirty="0" err="1"/>
               <a:t>const</a:t>
             </a:r>
-            <a:endParaRPr lang="en-GB" dirty="0"/>
-          </a:p>
-          <a:p>
-            <a:r>
-              <a:rPr lang="en-GB" dirty="0" err="1"/>
+            <a:endParaRPr lang="de-CH" dirty="0"/>
+          </a:p>
+          <a:p>
+            <a:r>
+              <a:rPr lang="de-CH" dirty="0" err="1"/>
               <a:t>Transpiling</a:t>
             </a:r>
-            <a:endParaRPr lang="en-GB" dirty="0"/>
+            <a:endParaRPr lang="de-CH" dirty="0"/>
           </a:p>
         </p:txBody>
       </p:sp>
@@ -5535,8 +6121,28 @@
           <a:lstStyle/>
           <a:p>
             <a:r>
-              <a:rPr lang="en-GB" dirty="0"/>
-              <a:t>How to reference JavaScript</a:t>
+              <a:rPr lang="de-CH" dirty="0" err="1"/>
+              <a:t>How</a:t>
+            </a:r>
+            <a:r>
+              <a:rPr lang="de-CH" dirty="0"/>
+              <a:t> </a:t>
+            </a:r>
+            <a:r>
+              <a:rPr lang="de-CH" dirty="0" err="1"/>
+              <a:t>to</a:t>
+            </a:r>
+            <a:r>
+              <a:rPr lang="de-CH" dirty="0"/>
+              <a:t> </a:t>
+            </a:r>
+            <a:r>
+              <a:rPr lang="de-CH" dirty="0" err="1"/>
+              <a:t>reference</a:t>
+            </a:r>
+            <a:r>
+              <a:rPr lang="de-CH" dirty="0"/>
+              <a:t> JavaScript</a:t>
             </a:r>
           </a:p>
         </p:txBody>
@@ -5557,72 +6163,34 @@
           <a:lstStyle/>
           <a:p>
             <a:r>
-              <a:rPr lang="en-GB" dirty="0"/>
+              <a:rPr lang="de-CH" dirty="0"/>
               <a:t>Inline</a:t>
             </a:r>
           </a:p>
           <a:p>
             <a:r>
-              <a:rPr lang="en-GB" dirty="0"/>
-              <a:t>Script-Block</a:t>
-            </a:r>
-          </a:p>
-          <a:p>
-            <a:r>
-              <a:rPr lang="en-GB" dirty="0"/>
-              <a:t>Separate File</a:t>
-            </a:r>
-          </a:p>
-          <a:p>
-            <a:r>
-              <a:rPr lang="en-GB" dirty="0">
+              <a:rPr lang="de-CH" dirty="0" err="1"/>
+              <a:t>Script</a:t>
+            </a:r>
+            <a:r>
+              <a:rPr lang="de-CH" dirty="0"/>
+              <a:t>-Block</a:t>
+            </a:r>
+          </a:p>
+          <a:p>
+            <a:r>
+              <a:rPr lang="de-CH" dirty="0"/>
+              <a:t>Separates File</a:t>
+            </a:r>
+          </a:p>
+          <a:p>
+            <a:r>
+              <a:rPr lang="de-CH" dirty="0">
                 <a:hlinkClick r:id="rId2"/>
               </a:rPr>
-              <a:t>https://</a:t>
-            </a:r>
-            <a:r>
-              <a:rPr lang="en-GB" dirty="0" err="1">
-                <a:hlinkClick r:id="rId2"/>
-              </a:rPr>
-              <a:t>github.com</a:t>
-            </a:r>
-            <a:r>
-              <a:rPr lang="en-GB" dirty="0">
-                <a:hlinkClick r:id="rId2"/>
-              </a:rPr>
-              <a:t>/</a:t>
-            </a:r>
-            <a:r>
-              <a:rPr lang="en-GB" dirty="0" err="1">
-                <a:hlinkClick r:id="rId2"/>
-              </a:rPr>
-              <a:t>jorisbaiutti</a:t>
-            </a:r>
-            <a:r>
-              <a:rPr lang="en-GB" dirty="0">
-                <a:hlinkClick r:id="rId2"/>
-              </a:rPr>
-              <a:t>/</a:t>
-            </a:r>
-            <a:r>
-              <a:rPr lang="en-GB" dirty="0" err="1">
-                <a:hlinkClick r:id="rId2"/>
-              </a:rPr>
-              <a:t>JSTraining</a:t>
-            </a:r>
-            <a:r>
-              <a:rPr lang="en-GB" dirty="0">
-                <a:hlinkClick r:id="rId2"/>
-              </a:rPr>
-              <a:t>/blob/master/</a:t>
-            </a:r>
-            <a:r>
-              <a:rPr lang="en-GB" dirty="0" err="1">
-                <a:hlinkClick r:id="rId2"/>
-              </a:rPr>
-              <a:t>executejavascript.html</a:t>
-            </a:r>
-            <a:endParaRPr lang="en-GB" dirty="0"/>
+              <a:t>https://github.com/jorisbaiutti/JSTraining/blob/master/executejavascript.html</a:t>
+            </a:r>
+            <a:endParaRPr lang="de-CH" dirty="0"/>
           </a:p>
         </p:txBody>
       </p:sp>
@@ -5672,8 +6240,8 @@
           <a:lstStyle/>
           <a:p>
             <a:r>
-              <a:rPr lang="en-GB" dirty="0"/>
-              <a:t>Dev Tools</a:t>
+              <a:rPr lang="de-CH" dirty="0"/>
+              <a:t>Development Tools</a:t>
             </a:r>
           </a:p>
         </p:txBody>
@@ -5694,52 +6262,56 @@
           <a:lstStyle/>
           <a:p>
             <a:r>
-              <a:rPr lang="en-GB" dirty="0"/>
-              <a:t>Firefox</a:t>
-            </a:r>
-          </a:p>
-          <a:p>
-            <a:r>
-              <a:rPr lang="en-GB" dirty="0"/>
+              <a:rPr lang="de-CH" dirty="0"/>
+              <a:t>Firefox (F12)</a:t>
+            </a:r>
+          </a:p>
+          <a:p>
+            <a:r>
+              <a:rPr lang="de-CH" dirty="0"/>
               <a:t>Sublime Text </a:t>
             </a:r>
             <a:r>
-              <a:rPr lang="en-GB" dirty="0">
+              <a:rPr lang="de-CH" dirty="0">
                 <a:hlinkClick r:id="rId2"/>
               </a:rPr>
               <a:t>https://www.sublimetext.com/</a:t>
             </a:r>
-            <a:endParaRPr lang="en-GB" dirty="0"/>
-          </a:p>
-          <a:p>
-            <a:r>
-              <a:rPr lang="en-GB" dirty="0"/>
+            <a:endParaRPr lang="de-CH" dirty="0"/>
+          </a:p>
+          <a:p>
+            <a:r>
+              <a:rPr lang="de-CH" dirty="0"/>
               <a:t>Visual Studio Code </a:t>
             </a:r>
             <a:r>
-              <a:rPr lang="en-GB" dirty="0">
+              <a:rPr lang="de-CH" dirty="0">
                 <a:hlinkClick r:id="rId3"/>
               </a:rPr>
               <a:t>https://code.visualstudio.com/</a:t>
             </a:r>
-            <a:endParaRPr lang="en-GB" dirty="0"/>
-          </a:p>
-          <a:p>
-            <a:r>
-              <a:rPr lang="en-GB" dirty="0"/>
-              <a:t>IntelliJ </a:t>
-            </a:r>
-            <a:r>
-              <a:rPr lang="en-GB" dirty="0">
+            <a:endParaRPr lang="de-CH" dirty="0"/>
+          </a:p>
+          <a:p>
+            <a:r>
+              <a:rPr lang="de-CH" dirty="0" err="1"/>
+              <a:t>IntelliJ</a:t>
+            </a:r>
+            <a:r>
+              <a:rPr lang="de-CH" dirty="0"/>
+              <a:t> </a:t>
+            </a:r>
+            <a:r>
+              <a:rPr lang="de-CH" dirty="0">
                 <a:hlinkClick r:id="rId4"/>
               </a:rPr>
               <a:t>https://www.jetbrains.com/idea/</a:t>
             </a:r>
-            <a:endParaRPr lang="en-GB" dirty="0"/>
-          </a:p>
-          <a:p>
-            <a:r>
-              <a:rPr lang="en-GB" dirty="0"/>
+            <a:endParaRPr lang="de-CH" dirty="0"/>
+          </a:p>
+          <a:p>
+            <a:r>
+              <a:rPr lang="de-CH" dirty="0"/>
               <a:t>Notepad ;)</a:t>
             </a:r>
           </a:p>
@@ -5791,8 +6363,8 @@
           <a:lstStyle/>
           <a:p>
             <a:r>
-              <a:rPr lang="en-GB" dirty="0"/>
-              <a:t>Syntax like C or Java</a:t>
+              <a:rPr lang="de-CH" dirty="0"/>
+              <a:t>Syntax wie C oder Java</a:t>
             </a:r>
           </a:p>
         </p:txBody>
@@ -5843,7 +6415,7 @@
           <a:lstStyle/>
           <a:p>
             <a:r>
-              <a:rPr lang="en-GB" dirty="0"/>
+              <a:rPr lang="de-CH" dirty="0"/>
               <a:t>Variables</a:t>
             </a:r>
           </a:p>
@@ -5865,59 +6437,124 @@
           <a:lstStyle/>
           <a:p>
             <a:r>
-              <a:rPr lang="en-GB" dirty="0"/>
+              <a:rPr lang="de-CH" dirty="0"/>
               <a:t>ES5 </a:t>
             </a:r>
             <a:r>
-              <a:rPr lang="en-GB" dirty="0" err="1"/>
+              <a:rPr lang="de-CH" dirty="0" err="1"/>
               <a:t>var</a:t>
             </a:r>
             <a:r>
-              <a:rPr lang="en-GB" dirty="0"/>
+              <a:rPr lang="de-CH" dirty="0"/>
               <a:t> x; </a:t>
             </a:r>
             <a:r>
-              <a:rPr lang="en-GB" dirty="0" err="1"/>
+              <a:rPr lang="de-CH" dirty="0" err="1"/>
               <a:t>var</a:t>
             </a:r>
             <a:r>
-              <a:rPr lang="en-GB" dirty="0"/>
+              <a:rPr lang="de-CH" dirty="0"/>
               <a:t> y = 10; </a:t>
             </a:r>
             <a:r>
-              <a:rPr lang="en-GB" dirty="0" err="1"/>
+              <a:rPr lang="de-CH" dirty="0" err="1"/>
               <a:t>var</a:t>
             </a:r>
             <a:r>
-              <a:rPr lang="en-GB" dirty="0"/>
+              <a:rPr lang="de-CH" dirty="0"/>
               <a:t> z = “Hello”;</a:t>
             </a:r>
           </a:p>
           <a:p>
             <a:r>
-              <a:rPr lang="en-GB" dirty="0"/>
-              <a:t>ES6 let, </a:t>
-            </a:r>
-            <a:r>
-              <a:rPr lang="en-GB" dirty="0" err="1"/>
+              <a:rPr lang="de-CH" dirty="0"/>
+              <a:t>ES6 </a:t>
+            </a:r>
+            <a:r>
+              <a:rPr lang="de-CH" dirty="0" err="1"/>
+              <a:t>let</a:t>
+            </a:r>
+            <a:r>
+              <a:rPr lang="de-CH" dirty="0"/>
+              <a:t>, </a:t>
+            </a:r>
+            <a:r>
+              <a:rPr lang="de-CH" dirty="0" err="1"/>
               <a:t>const</a:t>
             </a:r>
-            <a:endParaRPr lang="en-GB" dirty="0"/>
-          </a:p>
-          <a:p>
-            <a:r>
-              <a:rPr lang="en-GB" dirty="0"/>
-              <a:t>let no re-declaring, different Scope</a:t>
-            </a:r>
-          </a:p>
-          <a:p>
-            <a:r>
-              <a:rPr lang="en-GB" dirty="0" err="1"/>
+            <a:endParaRPr lang="de-CH" dirty="0"/>
+          </a:p>
+          <a:p>
+            <a:r>
+              <a:rPr lang="de-CH" dirty="0" err="1"/>
+              <a:t>let</a:t>
+            </a:r>
+            <a:r>
+              <a:rPr lang="de-CH" dirty="0"/>
+              <a:t> </a:t>
+            </a:r>
+            <a:r>
+              <a:rPr lang="de-CH" dirty="0" err="1"/>
+              <a:t>no</a:t>
+            </a:r>
+            <a:r>
+              <a:rPr lang="de-CH" dirty="0"/>
+              <a:t> </a:t>
+            </a:r>
+            <a:r>
+              <a:rPr lang="de-CH" dirty="0" err="1"/>
+              <a:t>re-declaring</a:t>
+            </a:r>
+            <a:r>
+              <a:rPr lang="de-CH" dirty="0"/>
+              <a:t>, different </a:t>
+            </a:r>
+            <a:r>
+              <a:rPr lang="de-CH" dirty="0" err="1"/>
+              <a:t>Scope</a:t>
+            </a:r>
+            <a:endParaRPr lang="de-CH" dirty="0"/>
+          </a:p>
+          <a:p>
+            <a:r>
+              <a:rPr lang="de-CH" dirty="0" err="1"/>
               <a:t>const</a:t>
             </a:r>
             <a:r>
-              <a:rPr lang="en-GB" dirty="0"/>
-              <a:t> no re-declaring, no re-assignment </a:t>
+              <a:rPr lang="de-CH" dirty="0"/>
+              <a:t> </a:t>
+            </a:r>
+            <a:r>
+              <a:rPr lang="de-CH" dirty="0" err="1"/>
+              <a:t>no</a:t>
+            </a:r>
+            <a:r>
+              <a:rPr lang="de-CH" dirty="0"/>
+              <a:t> </a:t>
+            </a:r>
+            <a:r>
+              <a:rPr lang="de-CH" dirty="0" err="1"/>
+              <a:t>re-declaring</a:t>
+            </a:r>
+            <a:r>
+              <a:rPr lang="de-CH" dirty="0"/>
+              <a:t>, </a:t>
+            </a:r>
+            <a:r>
+              <a:rPr lang="de-CH" dirty="0" err="1"/>
+              <a:t>no</a:t>
+            </a:r>
+            <a:r>
+              <a:rPr lang="de-CH" dirty="0"/>
+              <a:t> </a:t>
+            </a:r>
+            <a:r>
+              <a:rPr lang="de-CH" dirty="0" err="1"/>
+              <a:t>re-assignment</a:t>
+            </a:r>
+            <a:r>
+              <a:rPr lang="de-CH" dirty="0"/>
+              <a:t> </a:t>
             </a:r>
           </a:p>
         </p:txBody>

--- a/JSTraining.pptx
+++ b/JSTraining.pptx
@@ -137,6 +137,10 @@
 </p:presentation>
 </file>
 
+<file path=ppt/revisionInfo.xml><?xml version="1.0" encoding="utf-8"?>
+<p1510:revInfo xmlns:a="http://schemas.openxmlformats.org/drawingml/2006/main" xmlns:r="http://schemas.openxmlformats.org/officeDocument/2006/relationships" xmlns:p1510="http://schemas.microsoft.com/office/powerpoint/2015/10/main"/>
+</file>
+
 <file path=ppt/notesMasters/notesMaster1.xml><?xml version="1.0" encoding="utf-8"?>
 <p:notesMaster xmlns:a="http://schemas.openxmlformats.org/drawingml/2006/main" xmlns:r="http://schemas.openxmlformats.org/officeDocument/2006/relationships" xmlns:p="http://schemas.openxmlformats.org/presentationml/2006/main">
   <p:cSld>
@@ -219,7 +223,7 @@
           <a:p>
             <a:fld id="{B09D8FFF-C90B-E940-9216-23AD5EAD5BA9}" type="datetimeFigureOut">
               <a:rPr lang="en-GB" smtClean="0"/>
-              <a:t>01/02/2018</a:t>
+              <a:t>16/02/2018</a:t>
             </a:fld>
             <a:endParaRPr lang="en-GB"/>
           </a:p>
@@ -551,7 +555,27 @@
           <a:p>
             <a:r>
               <a:rPr lang="de-CH" dirty="0"/>
-              <a:t>Kann überall eingesetzt werden, wo clientseitiger dynamischer Seiteninhalt gewünscht ist.</a:t>
+              <a:t>Kann überall eingesetzt werden, wo clientseitiger dynamischer Seiteninhalt gewünscht ist. Aber dank </a:t>
+            </a:r>
+            <a:r>
+              <a:rPr lang="de-CH" dirty="0" err="1"/>
+              <a:t>Node</a:t>
+            </a:r>
+            <a:r>
+              <a:rPr lang="de-CH" dirty="0"/>
+              <a:t> kann JS auch serverseitig eingesetzt werden.</a:t>
+            </a:r>
+          </a:p>
+          <a:p>
+            <a:r>
+              <a:rPr lang="de-CH" dirty="0"/>
+              <a:t>Was ist überhaupt alles möglich mit JS?</a:t>
+            </a:r>
+          </a:p>
+          <a:p>
+            <a:r>
+              <a:rPr lang="de-CH" dirty="0"/>
+              <a:t>-Problematik JS disabled ansprechen</a:t>
             </a:r>
           </a:p>
           <a:p>
@@ -560,17 +584,45 @@
           <a:p>
             <a:r>
               <a:rPr lang="de-CH" dirty="0"/>
-              <a:t>Was ist überhaupt alles möglich mit JS?</a:t>
+              <a:t>Frontend/Backend Technologie</a:t>
             </a:r>
           </a:p>
           <a:p>
             <a:endParaRPr lang="de-CH" dirty="0"/>
           </a:p>
           <a:p>
-            <a:r>
-              <a:rPr lang="de-CH" dirty="0"/>
-              <a:t>Frontend/Backend Technologie</a:t>
-            </a:r>
+            <a:pPr marL="0" marR="0" lvl="0" indent="0" algn="l" defTabSz="914400" rtl="0" eaLnBrk="1" fontAlgn="auto" latinLnBrk="0" hangingPunct="1">
+              <a:lnSpc>
+                <a:spcPct val="100000"/>
+              </a:lnSpc>
+              <a:spcBef>
+                <a:spcPts val="0"/>
+              </a:spcBef>
+              <a:spcAft>
+                <a:spcPts val="0"/>
+              </a:spcAft>
+              <a:buClrTx/>
+              <a:buSzTx/>
+              <a:buFontTx/>
+              <a:buNone/>
+              <a:tabLst/>
+              <a:defRPr/>
+            </a:pPr>
+            <a:r>
+              <a:rPr lang="de-CH" dirty="0"/>
+              <a:t>JS ist Grundlage für weiterführende Frameworks ( https://medium.com/the-node-js-collection/modern-javascript-explained-for-dinosaurs-f695e9747b70 ), Angular baut auf </a:t>
+            </a:r>
+            <a:r>
+              <a:rPr lang="de-CH" dirty="0" err="1"/>
+              <a:t>TypeScript</a:t>
+            </a:r>
+            <a:r>
+              <a:rPr lang="de-CH" dirty="0"/>
+              <a:t> auf, was auf «normalem» JavaScript basiert</a:t>
+            </a:r>
+          </a:p>
+          <a:p>
+            <a:endParaRPr lang="de-CH" dirty="0"/>
           </a:p>
         </p:txBody>
       </p:sp>
@@ -697,6 +749,300 @@
 </p:notes>
 </file>
 
+<file path=ppt/notesSlides/notesSlide3.xml><?xml version="1.0" encoding="utf-8"?>
+<p:notes xmlns:a="http://schemas.openxmlformats.org/drawingml/2006/main" xmlns:r="http://schemas.openxmlformats.org/officeDocument/2006/relationships" xmlns:p="http://schemas.openxmlformats.org/presentationml/2006/main">
+  <p:cSld>
+    <p:spTree>
+      <p:nvGrpSpPr>
+        <p:cNvPr id="1" name=""/>
+        <p:cNvGrpSpPr/>
+        <p:nvPr/>
+      </p:nvGrpSpPr>
+      <p:grpSpPr>
+        <a:xfrm>
+          <a:off x="0" y="0"/>
+          <a:ext cx="0" cy="0"/>
+          <a:chOff x="0" y="0"/>
+          <a:chExt cx="0" cy="0"/>
+        </a:xfrm>
+      </p:grpSpPr>
+      <p:sp>
+        <p:nvSpPr>
+          <p:cNvPr id="2" name="Folienbildplatzhalter 1"/>
+          <p:cNvSpPr>
+            <a:spLocks noGrp="1" noRot="1" noChangeAspect="1"/>
+          </p:cNvSpPr>
+          <p:nvPr>
+            <p:ph type="sldImg"/>
+          </p:nvPr>
+        </p:nvSpPr>
+        <p:spPr/>
+      </p:sp>
+      <p:sp>
+        <p:nvSpPr>
+          <p:cNvPr id="3" name="Notizenplatzhalter 2"/>
+          <p:cNvSpPr>
+            <a:spLocks noGrp="1"/>
+          </p:cNvSpPr>
+          <p:nvPr>
+            <p:ph type="body" idx="1"/>
+          </p:nvPr>
+        </p:nvSpPr>
+        <p:spPr/>
+        <p:txBody>
+          <a:bodyPr/>
+          <a:lstStyle/>
+          <a:p>
+            <a:r>
+              <a:rPr lang="de-CH" dirty="0" err="1"/>
+              <a:t>ECMAScript</a:t>
+            </a:r>
+            <a:r>
+              <a:rPr lang="de-CH" dirty="0"/>
+              <a:t> </a:t>
+            </a:r>
+            <a:r>
+              <a:rPr lang="de-CH" dirty="0">
+                <a:sym typeface="Wingdings" panose="05000000000000000000" pitchFamily="2" charset="2"/>
+              </a:rPr>
+              <a:t> Standard für Skriptsprachen im Web, JavaScript, JScript, </a:t>
+            </a:r>
+            <a:r>
+              <a:rPr lang="de-CH" dirty="0" err="1">
+                <a:sym typeface="Wingdings" panose="05000000000000000000" pitchFamily="2" charset="2"/>
+              </a:rPr>
+              <a:t>ActionScript</a:t>
+            </a:r>
+            <a:r>
+              <a:rPr lang="de-CH" dirty="0">
+                <a:sym typeface="Wingdings" panose="05000000000000000000" pitchFamily="2" charset="2"/>
+              </a:rPr>
+              <a:t> implementieren den Standard</a:t>
+            </a:r>
+          </a:p>
+          <a:p>
+            <a:endParaRPr lang="de-CH" dirty="0">
+              <a:sym typeface="Wingdings" panose="05000000000000000000" pitchFamily="2" charset="2"/>
+            </a:endParaRPr>
+          </a:p>
+          <a:p>
+            <a:r>
+              <a:rPr lang="de-CH" dirty="0">
+                <a:sym typeface="Wingdings" panose="05000000000000000000" pitchFamily="2" charset="2"/>
+              </a:rPr>
+              <a:t>ES5 in allen modernen Browsern unterstützt (https://www.w3schools.com/js/js_versions.asp). </a:t>
+            </a:r>
+            <a:endParaRPr lang="de-CH" dirty="0"/>
+          </a:p>
+        </p:txBody>
+      </p:sp>
+      <p:sp>
+        <p:nvSpPr>
+          <p:cNvPr id="4" name="Foliennummernplatzhalter 3"/>
+          <p:cNvSpPr>
+            <a:spLocks noGrp="1"/>
+          </p:cNvSpPr>
+          <p:nvPr>
+            <p:ph type="sldNum" sz="quarter" idx="10"/>
+          </p:nvPr>
+        </p:nvSpPr>
+        <p:spPr/>
+        <p:txBody>
+          <a:bodyPr/>
+          <a:lstStyle/>
+          <a:p>
+            <a:fld id="{44771577-2C5A-D741-B4F8-1C3FD3942A98}" type="slidenum">
+              <a:rPr lang="en-GB" smtClean="0"/>
+              <a:t>4</a:t>
+            </a:fld>
+            <a:endParaRPr lang="en-GB"/>
+          </a:p>
+        </p:txBody>
+      </p:sp>
+    </p:spTree>
+    <p:extLst>
+      <p:ext uri="{BB962C8B-B14F-4D97-AF65-F5344CB8AC3E}">
+        <p14:creationId xmlns:p14="http://schemas.microsoft.com/office/powerpoint/2010/main" val="931714068"/>
+      </p:ext>
+    </p:extLst>
+  </p:cSld>
+  <p:clrMapOvr>
+    <a:masterClrMapping/>
+  </p:clrMapOvr>
+</p:notes>
+</file>
+
+<file path=ppt/notesSlides/notesSlide4.xml><?xml version="1.0" encoding="utf-8"?>
+<p:notes xmlns:a="http://schemas.openxmlformats.org/drawingml/2006/main" xmlns:r="http://schemas.openxmlformats.org/officeDocument/2006/relationships" xmlns:p="http://schemas.openxmlformats.org/presentationml/2006/main">
+  <p:cSld>
+    <p:spTree>
+      <p:nvGrpSpPr>
+        <p:cNvPr id="1" name=""/>
+        <p:cNvGrpSpPr/>
+        <p:nvPr/>
+      </p:nvGrpSpPr>
+      <p:grpSpPr>
+        <a:xfrm>
+          <a:off x="0" y="0"/>
+          <a:ext cx="0" cy="0"/>
+          <a:chOff x="0" y="0"/>
+          <a:chExt cx="0" cy="0"/>
+        </a:xfrm>
+      </p:grpSpPr>
+      <p:sp>
+        <p:nvSpPr>
+          <p:cNvPr id="2" name="Folienbildplatzhalter 1"/>
+          <p:cNvSpPr>
+            <a:spLocks noGrp="1" noRot="1" noChangeAspect="1"/>
+          </p:cNvSpPr>
+          <p:nvPr>
+            <p:ph type="sldImg"/>
+          </p:nvPr>
+        </p:nvSpPr>
+        <p:spPr/>
+      </p:sp>
+      <p:sp>
+        <p:nvSpPr>
+          <p:cNvPr id="3" name="Notizenplatzhalter 2"/>
+          <p:cNvSpPr>
+            <a:spLocks noGrp="1"/>
+          </p:cNvSpPr>
+          <p:nvPr>
+            <p:ph type="body" idx="1"/>
+          </p:nvPr>
+        </p:nvSpPr>
+        <p:spPr/>
+        <p:txBody>
+          <a:bodyPr/>
+          <a:lstStyle/>
+          <a:p>
+            <a:r>
+              <a:rPr lang="de-CH" dirty="0"/>
+              <a:t>Demo im Browser</a:t>
+            </a:r>
+          </a:p>
+        </p:txBody>
+      </p:sp>
+      <p:sp>
+        <p:nvSpPr>
+          <p:cNvPr id="4" name="Foliennummernplatzhalter 3"/>
+          <p:cNvSpPr>
+            <a:spLocks noGrp="1"/>
+          </p:cNvSpPr>
+          <p:nvPr>
+            <p:ph type="sldNum" sz="quarter" idx="10"/>
+          </p:nvPr>
+        </p:nvSpPr>
+        <p:spPr/>
+        <p:txBody>
+          <a:bodyPr/>
+          <a:lstStyle/>
+          <a:p>
+            <a:fld id="{44771577-2C5A-D741-B4F8-1C3FD3942A98}" type="slidenum">
+              <a:rPr lang="en-GB" smtClean="0"/>
+              <a:t>5</a:t>
+            </a:fld>
+            <a:endParaRPr lang="en-GB"/>
+          </a:p>
+        </p:txBody>
+      </p:sp>
+    </p:spTree>
+    <p:extLst>
+      <p:ext uri="{BB962C8B-B14F-4D97-AF65-F5344CB8AC3E}">
+        <p14:creationId xmlns:p14="http://schemas.microsoft.com/office/powerpoint/2010/main" val="3106792936"/>
+      </p:ext>
+    </p:extLst>
+  </p:cSld>
+  <p:clrMapOvr>
+    <a:masterClrMapping/>
+  </p:clrMapOvr>
+</p:notes>
+</file>
+
+<file path=ppt/notesSlides/notesSlide5.xml><?xml version="1.0" encoding="utf-8"?>
+<p:notes xmlns:a="http://schemas.openxmlformats.org/drawingml/2006/main" xmlns:r="http://schemas.openxmlformats.org/officeDocument/2006/relationships" xmlns:p="http://schemas.openxmlformats.org/presentationml/2006/main">
+  <p:cSld>
+    <p:spTree>
+      <p:nvGrpSpPr>
+        <p:cNvPr id="1" name=""/>
+        <p:cNvGrpSpPr/>
+        <p:nvPr/>
+      </p:nvGrpSpPr>
+      <p:grpSpPr>
+        <a:xfrm>
+          <a:off x="0" y="0"/>
+          <a:ext cx="0" cy="0"/>
+          <a:chOff x="0" y="0"/>
+          <a:chExt cx="0" cy="0"/>
+        </a:xfrm>
+      </p:grpSpPr>
+      <p:sp>
+        <p:nvSpPr>
+          <p:cNvPr id="2" name="Folienbildplatzhalter 1"/>
+          <p:cNvSpPr>
+            <a:spLocks noGrp="1" noRot="1" noChangeAspect="1"/>
+          </p:cNvSpPr>
+          <p:nvPr>
+            <p:ph type="sldImg"/>
+          </p:nvPr>
+        </p:nvSpPr>
+        <p:spPr/>
+      </p:sp>
+      <p:sp>
+        <p:nvSpPr>
+          <p:cNvPr id="3" name="Notizenplatzhalter 2"/>
+          <p:cNvSpPr>
+            <a:spLocks noGrp="1"/>
+          </p:cNvSpPr>
+          <p:nvPr>
+            <p:ph type="body" idx="1"/>
+          </p:nvPr>
+        </p:nvSpPr>
+        <p:spPr/>
+        <p:txBody>
+          <a:bodyPr/>
+          <a:lstStyle/>
+          <a:p>
+            <a:endParaRPr lang="de-CH" dirty="0"/>
+          </a:p>
+        </p:txBody>
+      </p:sp>
+      <p:sp>
+        <p:nvSpPr>
+          <p:cNvPr id="4" name="Foliennummernplatzhalter 3"/>
+          <p:cNvSpPr>
+            <a:spLocks noGrp="1"/>
+          </p:cNvSpPr>
+          <p:nvPr>
+            <p:ph type="sldNum" sz="quarter" idx="10"/>
+          </p:nvPr>
+        </p:nvSpPr>
+        <p:spPr/>
+        <p:txBody>
+          <a:bodyPr/>
+          <a:lstStyle/>
+          <a:p>
+            <a:fld id="{44771577-2C5A-D741-B4F8-1C3FD3942A98}" type="slidenum">
+              <a:rPr lang="en-GB" smtClean="0"/>
+              <a:t>6</a:t>
+            </a:fld>
+            <a:endParaRPr lang="en-GB"/>
+          </a:p>
+        </p:txBody>
+      </p:sp>
+    </p:spTree>
+    <p:extLst>
+      <p:ext uri="{BB962C8B-B14F-4D97-AF65-F5344CB8AC3E}">
+        <p14:creationId xmlns:p14="http://schemas.microsoft.com/office/powerpoint/2010/main" val="2373445722"/>
+      </p:ext>
+    </p:extLst>
+  </p:cSld>
+  <p:clrMapOvr>
+    <a:masterClrMapping/>
+  </p:clrMapOvr>
+</p:notes>
+</file>
+
 <file path=ppt/slideLayouts/slideLayout1.xml><?xml version="1.0" encoding="utf-8"?>
 <p:sldLayout xmlns:a="http://schemas.openxmlformats.org/drawingml/2006/main" xmlns:r="http://schemas.openxmlformats.org/officeDocument/2006/relationships" xmlns:p="http://schemas.openxmlformats.org/presentationml/2006/main" type="title" preserve="1">
   <p:cSld name="Title Slide">
@@ -828,7 +1174,7 @@
           <a:p>
             <a:fld id="{AD0C2843-B122-3545-BEB5-3CB839A21497}" type="datetimeFigureOut">
               <a:rPr lang="en-GB" smtClean="0"/>
-              <a:t>01/02/2018</a:t>
+              <a:t>16/02/2018</a:t>
             </a:fld>
             <a:endParaRPr lang="en-GB"/>
           </a:p>
@@ -998,7 +1344,7 @@
           <a:p>
             <a:fld id="{AD0C2843-B122-3545-BEB5-3CB839A21497}" type="datetimeFigureOut">
               <a:rPr lang="en-GB" smtClean="0"/>
-              <a:t>01/02/2018</a:t>
+              <a:t>16/02/2018</a:t>
             </a:fld>
             <a:endParaRPr lang="en-GB"/>
           </a:p>
@@ -1178,7 +1524,7 @@
           <a:p>
             <a:fld id="{AD0C2843-B122-3545-BEB5-3CB839A21497}" type="datetimeFigureOut">
               <a:rPr lang="en-GB" smtClean="0"/>
-              <a:t>01/02/2018</a:t>
+              <a:t>16/02/2018</a:t>
             </a:fld>
             <a:endParaRPr lang="en-GB"/>
           </a:p>
@@ -1348,7 +1694,7 @@
           <a:p>
             <a:fld id="{AD0C2843-B122-3545-BEB5-3CB839A21497}" type="datetimeFigureOut">
               <a:rPr lang="en-GB" smtClean="0"/>
-              <a:t>01/02/2018</a:t>
+              <a:t>16/02/2018</a:t>
             </a:fld>
             <a:endParaRPr lang="en-GB"/>
           </a:p>
@@ -1594,7 +1940,7 @@
           <a:p>
             <a:fld id="{AD0C2843-B122-3545-BEB5-3CB839A21497}" type="datetimeFigureOut">
               <a:rPr lang="en-GB" smtClean="0"/>
-              <a:t>01/02/2018</a:t>
+              <a:t>16/02/2018</a:t>
             </a:fld>
             <a:endParaRPr lang="en-GB"/>
           </a:p>
@@ -1826,7 +2172,7 @@
           <a:p>
             <a:fld id="{AD0C2843-B122-3545-BEB5-3CB839A21497}" type="datetimeFigureOut">
               <a:rPr lang="en-GB" smtClean="0"/>
-              <a:t>01/02/2018</a:t>
+              <a:t>16/02/2018</a:t>
             </a:fld>
             <a:endParaRPr lang="en-GB"/>
           </a:p>
@@ -2193,7 +2539,7 @@
           <a:p>
             <a:fld id="{AD0C2843-B122-3545-BEB5-3CB839A21497}" type="datetimeFigureOut">
               <a:rPr lang="en-GB" smtClean="0"/>
-              <a:t>01/02/2018</a:t>
+              <a:t>16/02/2018</a:t>
             </a:fld>
             <a:endParaRPr lang="en-GB"/>
           </a:p>
@@ -2311,7 +2657,7 @@
           <a:p>
             <a:fld id="{AD0C2843-B122-3545-BEB5-3CB839A21497}" type="datetimeFigureOut">
               <a:rPr lang="en-GB" smtClean="0"/>
-              <a:t>01/02/2018</a:t>
+              <a:t>16/02/2018</a:t>
             </a:fld>
             <a:endParaRPr lang="en-GB"/>
           </a:p>
@@ -2406,7 +2752,7 @@
           <a:p>
             <a:fld id="{AD0C2843-B122-3545-BEB5-3CB839A21497}" type="datetimeFigureOut">
               <a:rPr lang="en-GB" smtClean="0"/>
-              <a:t>01/02/2018</a:t>
+              <a:t>16/02/2018</a:t>
             </a:fld>
             <a:endParaRPr lang="en-GB"/>
           </a:p>
@@ -2683,7 +3029,7 @@
           <a:p>
             <a:fld id="{AD0C2843-B122-3545-BEB5-3CB839A21497}" type="datetimeFigureOut">
               <a:rPr lang="en-GB" smtClean="0"/>
-              <a:t>01/02/2018</a:t>
+              <a:t>16/02/2018</a:t>
             </a:fld>
             <a:endParaRPr lang="en-GB"/>
           </a:p>
@@ -2936,7 +3282,7 @@
           <a:p>
             <a:fld id="{AD0C2843-B122-3545-BEB5-3CB839A21497}" type="datetimeFigureOut">
               <a:rPr lang="en-GB" smtClean="0"/>
-              <a:t>01/02/2018</a:t>
+              <a:t>16/02/2018</a:t>
             </a:fld>
             <a:endParaRPr lang="en-GB"/>
           </a:p>
@@ -3149,7 +3495,7 @@
           <a:p>
             <a:fld id="{AD0C2843-B122-3545-BEB5-3CB839A21497}" type="datetimeFigureOut">
               <a:rPr lang="en-GB" smtClean="0"/>
-              <a:t>01/02/2018</a:t>
+              <a:t>16/02/2018</a:t>
             </a:fld>
             <a:endParaRPr lang="en-GB"/>
           </a:p>
@@ -3610,6 +3956,36 @@
           </a:p>
         </p:txBody>
       </p:sp>
+      <p:pic>
+        <p:nvPicPr>
+          <p:cNvPr id="6" name="Grafik 5">
+            <a:extLst>
+              <a:ext uri="{FF2B5EF4-FFF2-40B4-BE49-F238E27FC236}">
+                <a16:creationId xmlns:a16="http://schemas.microsoft.com/office/drawing/2014/main" id="{8AF76385-FFC9-421A-B27C-F1C18FEC7A87}"/>
+              </a:ext>
+            </a:extLst>
+          </p:cNvPr>
+          <p:cNvPicPr>
+            <a:picLocks noChangeAspect="1"/>
+          </p:cNvPicPr>
+          <p:nvPr/>
+        </p:nvPicPr>
+        <p:blipFill>
+          <a:blip r:embed="rId3"/>
+          <a:stretch>
+            <a:fillRect/>
+          </a:stretch>
+        </p:blipFill>
+        <p:spPr>
+          <a:xfrm>
+            <a:off x="9596437" y="341313"/>
+            <a:ext cx="2143125" cy="2143125"/>
+          </a:xfrm>
+          <a:prstGeom prst="rect">
+            <a:avLst/>
+          </a:prstGeom>
+        </p:spPr>
+      </p:pic>
     </p:spTree>
     <p:extLst>
       <p:ext uri="{BB962C8B-B14F-4D97-AF65-F5344CB8AC3E}">
@@ -4163,7 +4539,7 @@
             </a:r>
             <a:r>
               <a:rPr lang="de-CH" dirty="0" err="1"/>
-              <a:t>Tagame</a:t>
+              <a:t>Tagname</a:t>
             </a:r>
             <a:r>
               <a:rPr lang="de-CH" dirty="0"/>
@@ -5976,7 +6352,7 @@
             </a:r>
             <a:r>
               <a:rPr lang="de-CH" dirty="0">
-                <a:hlinkClick r:id="rId2"/>
+                <a:hlinkClick r:id="rId3"/>
               </a:rPr>
               <a:t>http://es6-features.org/#Constants</a:t>
             </a:r>
@@ -6016,6 +6392,24 @@
             <a:r>
               <a:rPr lang="de-CH" dirty="0" err="1"/>
               <a:t>Transpiling</a:t>
+            </a:r>
+            <a:r>
+              <a:rPr lang="de-CH" dirty="0"/>
+              <a:t> (z. Bsp. </a:t>
+            </a:r>
+            <a:r>
+              <a:rPr lang="de-CH" dirty="0" err="1"/>
+              <a:t>TypeScript</a:t>
+            </a:r>
+            <a:r>
+              <a:rPr lang="de-CH" dirty="0"/>
+              <a:t> </a:t>
+            </a:r>
+            <a:r>
+              <a:rPr lang="de-CH" dirty="0">
+                <a:sym typeface="Wingdings" panose="05000000000000000000" pitchFamily="2" charset="2"/>
+              </a:rPr>
+              <a:t> JavaScript)</a:t>
             </a:r>
             <a:endParaRPr lang="de-CH" dirty="0"/>
           </a:p>
@@ -6186,7 +6580,7 @@
           <a:p>
             <a:r>
               <a:rPr lang="de-CH" dirty="0">
-                <a:hlinkClick r:id="rId2"/>
+                <a:hlinkClick r:id="rId3"/>
               </a:rPr>
               <a:t>https://github.com/jorisbaiutti/JSTraining/blob/master/executejavascript.html</a:t>
             </a:r>

--- a/JSTraining.pptx
+++ b/JSTraining.pptx
@@ -133,6 +133,9 @@
     <p:ext uri="{EFAFB233-063F-42B5-8137-9DF3F51BA10A}">
       <p15:sldGuideLst xmlns:p15="http://schemas.microsoft.com/office/powerpoint/2012/main"/>
     </p:ext>
+    <p:ext uri="{2D200454-40CA-4A62-9FC3-DE9A4176ACB9}">
+      <p15:notesGuideLst xmlns:p15="http://schemas.microsoft.com/office/powerpoint/2012/main"/>
+    </p:ext>
   </p:extLst>
 </p:presentation>
 </file>
@@ -223,7 +226,7 @@
           <a:p>
             <a:fld id="{B09D8FFF-C90B-E940-9216-23AD5EAD5BA9}" type="datetimeFigureOut">
               <a:rPr lang="en-GB" smtClean="0"/>
-              <a:t>16/02/2018</a:t>
+              <a:t>22/02/2018</a:t>
             </a:fld>
             <a:endParaRPr lang="en-GB"/>
           </a:p>
@@ -1174,7 +1177,7 @@
           <a:p>
             <a:fld id="{AD0C2843-B122-3545-BEB5-3CB839A21497}" type="datetimeFigureOut">
               <a:rPr lang="en-GB" smtClean="0"/>
-              <a:t>16/02/2018</a:t>
+              <a:t>22/02/2018</a:t>
             </a:fld>
             <a:endParaRPr lang="en-GB"/>
           </a:p>
@@ -1344,7 +1347,7 @@
           <a:p>
             <a:fld id="{AD0C2843-B122-3545-BEB5-3CB839A21497}" type="datetimeFigureOut">
               <a:rPr lang="en-GB" smtClean="0"/>
-              <a:t>16/02/2018</a:t>
+              <a:t>22/02/2018</a:t>
             </a:fld>
             <a:endParaRPr lang="en-GB"/>
           </a:p>
@@ -1524,7 +1527,7 @@
           <a:p>
             <a:fld id="{AD0C2843-B122-3545-BEB5-3CB839A21497}" type="datetimeFigureOut">
               <a:rPr lang="en-GB" smtClean="0"/>
-              <a:t>16/02/2018</a:t>
+              <a:t>22/02/2018</a:t>
             </a:fld>
             <a:endParaRPr lang="en-GB"/>
           </a:p>
@@ -1694,7 +1697,7 @@
           <a:p>
             <a:fld id="{AD0C2843-B122-3545-BEB5-3CB839A21497}" type="datetimeFigureOut">
               <a:rPr lang="en-GB" smtClean="0"/>
-              <a:t>16/02/2018</a:t>
+              <a:t>22/02/2018</a:t>
             </a:fld>
             <a:endParaRPr lang="en-GB"/>
           </a:p>
@@ -1940,7 +1943,7 @@
           <a:p>
             <a:fld id="{AD0C2843-B122-3545-BEB5-3CB839A21497}" type="datetimeFigureOut">
               <a:rPr lang="en-GB" smtClean="0"/>
-              <a:t>16/02/2018</a:t>
+              <a:t>22/02/2018</a:t>
             </a:fld>
             <a:endParaRPr lang="en-GB"/>
           </a:p>
@@ -2172,7 +2175,7 @@
           <a:p>
             <a:fld id="{AD0C2843-B122-3545-BEB5-3CB839A21497}" type="datetimeFigureOut">
               <a:rPr lang="en-GB" smtClean="0"/>
-              <a:t>16/02/2018</a:t>
+              <a:t>22/02/2018</a:t>
             </a:fld>
             <a:endParaRPr lang="en-GB"/>
           </a:p>
@@ -2539,7 +2542,7 @@
           <a:p>
             <a:fld id="{AD0C2843-B122-3545-BEB5-3CB839A21497}" type="datetimeFigureOut">
               <a:rPr lang="en-GB" smtClean="0"/>
-              <a:t>16/02/2018</a:t>
+              <a:t>22/02/2018</a:t>
             </a:fld>
             <a:endParaRPr lang="en-GB"/>
           </a:p>
@@ -2657,7 +2660,7 @@
           <a:p>
             <a:fld id="{AD0C2843-B122-3545-BEB5-3CB839A21497}" type="datetimeFigureOut">
               <a:rPr lang="en-GB" smtClean="0"/>
-              <a:t>16/02/2018</a:t>
+              <a:t>22/02/2018</a:t>
             </a:fld>
             <a:endParaRPr lang="en-GB"/>
           </a:p>
@@ -2752,7 +2755,7 @@
           <a:p>
             <a:fld id="{AD0C2843-B122-3545-BEB5-3CB839A21497}" type="datetimeFigureOut">
               <a:rPr lang="en-GB" smtClean="0"/>
-              <a:t>16/02/2018</a:t>
+              <a:t>22/02/2018</a:t>
             </a:fld>
             <a:endParaRPr lang="en-GB"/>
           </a:p>
@@ -3029,7 +3032,7 @@
           <a:p>
             <a:fld id="{AD0C2843-B122-3545-BEB5-3CB839A21497}" type="datetimeFigureOut">
               <a:rPr lang="en-GB" smtClean="0"/>
-              <a:t>16/02/2018</a:t>
+              <a:t>22/02/2018</a:t>
             </a:fld>
             <a:endParaRPr lang="en-GB"/>
           </a:p>
@@ -3282,7 +3285,7 @@
           <a:p>
             <a:fld id="{AD0C2843-B122-3545-BEB5-3CB839A21497}" type="datetimeFigureOut">
               <a:rPr lang="en-GB" smtClean="0"/>
-              <a:t>16/02/2018</a:t>
+              <a:t>22/02/2018</a:t>
             </a:fld>
             <a:endParaRPr lang="en-GB"/>
           </a:p>
@@ -3495,7 +3498,7 @@
           <a:p>
             <a:fld id="{AD0C2843-B122-3545-BEB5-3CB839A21497}" type="datetimeFigureOut">
               <a:rPr lang="en-GB" smtClean="0"/>
-              <a:t>16/02/2018</a:t>
+              <a:t>22/02/2018</a:t>
             </a:fld>
             <a:endParaRPr lang="en-GB"/>
           </a:p>
@@ -6358,7 +6361,7 @@
             </a:r>
             <a:r>
               <a:rPr lang="de-CH" dirty="0"/>
-              <a:t> </a:t>
+              <a:t> (ES2015)</a:t>
             </a:r>
           </a:p>
           <a:p>
@@ -6412,6 +6415,18 @@
               <a:t> JavaScript)</a:t>
             </a:r>
             <a:endParaRPr lang="de-CH" dirty="0"/>
+          </a:p>
+          <a:p>
+            <a:r>
+              <a:rPr lang="de-CH" dirty="0"/>
+              <a:t>ES2016</a:t>
+            </a:r>
+          </a:p>
+          <a:p>
+            <a:r>
+              <a:rPr lang="de-CH" dirty="0"/>
+              <a:t>ES2017</a:t>
+            </a:r>
           </a:p>
         </p:txBody>
       </p:sp>

--- a/JSTraining.pptx
+++ b/JSTraining.pptx
@@ -10,7 +10,7 @@
   <p:sldIdLst>
     <p:sldId id="256" r:id="rId2"/>
     <p:sldId id="257" r:id="rId3"/>
-    <p:sldId id="259" r:id="rId4"/>
+    <p:sldId id="280" r:id="rId4"/>
     <p:sldId id="258" r:id="rId5"/>
     <p:sldId id="261" r:id="rId6"/>
     <p:sldId id="262" r:id="rId7"/>
@@ -226,7 +226,7 @@
           <a:p>
             <a:fld id="{B09D8FFF-C90B-E940-9216-23AD5EAD5BA9}" type="datetimeFigureOut">
               <a:rPr lang="en-GB" smtClean="0"/>
-              <a:t>22/02/2018</a:t>
+              <a:t>01/03/2018</a:t>
             </a:fld>
             <a:endParaRPr lang="en-GB"/>
           </a:p>
@@ -709,10 +709,53 @@
           <a:bodyPr/>
           <a:lstStyle/>
           <a:p>
+            <a:pPr marL="0" marR="0" lvl="0" indent="0" algn="l" defTabSz="914400" rtl="0" eaLnBrk="1" fontAlgn="auto" latinLnBrk="0" hangingPunct="1">
+              <a:lnSpc>
+                <a:spcPct val="100000"/>
+              </a:lnSpc>
+              <a:spcBef>
+                <a:spcPts val="0"/>
+              </a:spcBef>
+              <a:spcAft>
+                <a:spcPts val="0"/>
+              </a:spcAft>
+              <a:buClrTx/>
+              <a:buSzTx/>
+              <a:buFontTx/>
+              <a:buNone/>
+              <a:tabLst/>
+              <a:defRPr/>
+            </a:pPr>
+            <a:r>
+              <a:rPr lang="de-CH" dirty="0"/>
+              <a:t>Sprachbeliebtheit</a:t>
+            </a:r>
+          </a:p>
+          <a:p>
+            <a:pPr marL="0" marR="0" lvl="0" indent="0" algn="l" defTabSz="914400" rtl="0" eaLnBrk="1" fontAlgn="auto" latinLnBrk="0" hangingPunct="1">
+              <a:lnSpc>
+                <a:spcPct val="100000"/>
+              </a:lnSpc>
+              <a:spcBef>
+                <a:spcPts val="0"/>
+              </a:spcBef>
+              <a:spcAft>
+                <a:spcPts val="0"/>
+              </a:spcAft>
+              <a:buClrTx/>
+              <a:buSzTx/>
+              <a:buFontTx/>
+              <a:buNone/>
+              <a:tabLst/>
+              <a:defRPr/>
+            </a:pPr>
             <a:r>
               <a:rPr lang="de-CH" dirty="0"/>
               <a:t>https://www.tiobe.com/tiobe-index/ </a:t>
             </a:r>
+          </a:p>
+          <a:p>
+            <a:endParaRPr lang="de-CH" dirty="0"/>
           </a:p>
         </p:txBody>
       </p:sp>
@@ -742,7 +785,7 @@
     </p:spTree>
     <p:extLst>
       <p:ext uri="{BB962C8B-B14F-4D97-AF65-F5344CB8AC3E}">
-        <p14:creationId xmlns:p14="http://schemas.microsoft.com/office/powerpoint/2010/main" val="2155264239"/>
+        <p14:creationId xmlns:p14="http://schemas.microsoft.com/office/powerpoint/2010/main" val="762233202"/>
       </p:ext>
     </p:extLst>
   </p:cSld>
@@ -924,6 +967,35 @@
               <a:t>Demo im Browser</a:t>
             </a:r>
           </a:p>
+          <a:p>
+            <a:endParaRPr lang="de-CH" dirty="0"/>
+          </a:p>
+          <a:p>
+            <a:r>
+              <a:rPr lang="de-CH" dirty="0" err="1"/>
+              <a:t>about:config</a:t>
+            </a:r>
+            <a:r>
+              <a:rPr lang="de-CH" dirty="0"/>
+              <a:t>; </a:t>
+            </a:r>
+            <a:r>
+              <a:rPr lang="de-CH" dirty="0" err="1"/>
+              <a:t>ctrl+f</a:t>
+            </a:r>
+            <a:r>
+              <a:rPr lang="de-CH" dirty="0"/>
+              <a:t> «</a:t>
+            </a:r>
+            <a:r>
+              <a:rPr lang="de-CH" dirty="0" err="1"/>
+              <a:t>javascript.enabled</a:t>
+            </a:r>
+            <a:r>
+              <a:rPr lang="de-CH" dirty="0"/>
+              <a:t>»</a:t>
+            </a:r>
+          </a:p>
         </p:txBody>
       </p:sp>
       <p:sp>
@@ -1046,6 +1118,93 @@
 </p:notes>
 </file>
 
+<file path=ppt/notesSlides/notesSlide6.xml><?xml version="1.0" encoding="utf-8"?>
+<p:notes xmlns:a="http://schemas.openxmlformats.org/drawingml/2006/main" xmlns:r="http://schemas.openxmlformats.org/officeDocument/2006/relationships" xmlns:p="http://schemas.openxmlformats.org/presentationml/2006/main">
+  <p:cSld>
+    <p:spTree>
+      <p:nvGrpSpPr>
+        <p:cNvPr id="1" name=""/>
+        <p:cNvGrpSpPr/>
+        <p:nvPr/>
+      </p:nvGrpSpPr>
+      <p:grpSpPr>
+        <a:xfrm>
+          <a:off x="0" y="0"/>
+          <a:ext cx="0" cy="0"/>
+          <a:chOff x="0" y="0"/>
+          <a:chExt cx="0" cy="0"/>
+        </a:xfrm>
+      </p:grpSpPr>
+      <p:sp>
+        <p:nvSpPr>
+          <p:cNvPr id="2" name="Folienbildplatzhalter 1"/>
+          <p:cNvSpPr>
+            <a:spLocks noGrp="1" noRot="1" noChangeAspect="1"/>
+          </p:cNvSpPr>
+          <p:nvPr>
+            <p:ph type="sldImg"/>
+          </p:nvPr>
+        </p:nvSpPr>
+        <p:spPr/>
+      </p:sp>
+      <p:sp>
+        <p:nvSpPr>
+          <p:cNvPr id="3" name="Notizenplatzhalter 2"/>
+          <p:cNvSpPr>
+            <a:spLocks noGrp="1"/>
+          </p:cNvSpPr>
+          <p:nvPr>
+            <p:ph type="body" idx="1"/>
+          </p:nvPr>
+        </p:nvSpPr>
+        <p:spPr/>
+        <p:txBody>
+          <a:bodyPr/>
+          <a:lstStyle/>
+          <a:p>
+            <a:r>
+              <a:rPr lang="de-CH" dirty="0"/>
+              <a:t>Diese Funktionen können auch auf anderen Elementen ausgeführt werden</a:t>
+            </a:r>
+          </a:p>
+        </p:txBody>
+      </p:sp>
+      <p:sp>
+        <p:nvSpPr>
+          <p:cNvPr id="4" name="Foliennummernplatzhalter 3"/>
+          <p:cNvSpPr>
+            <a:spLocks noGrp="1"/>
+          </p:cNvSpPr>
+          <p:nvPr>
+            <p:ph type="sldNum" sz="quarter" idx="10"/>
+          </p:nvPr>
+        </p:nvSpPr>
+        <p:spPr/>
+        <p:txBody>
+          <a:bodyPr/>
+          <a:lstStyle/>
+          <a:p>
+            <a:fld id="{44771577-2C5A-D741-B4F8-1C3FD3942A98}" type="slidenum">
+              <a:rPr lang="en-GB" smtClean="0"/>
+              <a:t>12</a:t>
+            </a:fld>
+            <a:endParaRPr lang="en-GB"/>
+          </a:p>
+        </p:txBody>
+      </p:sp>
+    </p:spTree>
+    <p:extLst>
+      <p:ext uri="{BB962C8B-B14F-4D97-AF65-F5344CB8AC3E}">
+        <p14:creationId xmlns:p14="http://schemas.microsoft.com/office/powerpoint/2010/main" val="2865203434"/>
+      </p:ext>
+    </p:extLst>
+  </p:cSld>
+  <p:clrMapOvr>
+    <a:masterClrMapping/>
+  </p:clrMapOvr>
+</p:notes>
+</file>
+
 <file path=ppt/slideLayouts/slideLayout1.xml><?xml version="1.0" encoding="utf-8"?>
 <p:sldLayout xmlns:a="http://schemas.openxmlformats.org/drawingml/2006/main" xmlns:r="http://schemas.openxmlformats.org/officeDocument/2006/relationships" xmlns:p="http://schemas.openxmlformats.org/presentationml/2006/main" type="title" preserve="1">
   <p:cSld name="Title Slide">
@@ -1177,7 +1336,7 @@
           <a:p>
             <a:fld id="{AD0C2843-B122-3545-BEB5-3CB839A21497}" type="datetimeFigureOut">
               <a:rPr lang="en-GB" smtClean="0"/>
-              <a:t>22/02/2018</a:t>
+              <a:t>01/03/2018</a:t>
             </a:fld>
             <a:endParaRPr lang="en-GB"/>
           </a:p>
@@ -1347,7 +1506,7 @@
           <a:p>
             <a:fld id="{AD0C2843-B122-3545-BEB5-3CB839A21497}" type="datetimeFigureOut">
               <a:rPr lang="en-GB" smtClean="0"/>
-              <a:t>22/02/2018</a:t>
+              <a:t>01/03/2018</a:t>
             </a:fld>
             <a:endParaRPr lang="en-GB"/>
           </a:p>
@@ -1527,7 +1686,7 @@
           <a:p>
             <a:fld id="{AD0C2843-B122-3545-BEB5-3CB839A21497}" type="datetimeFigureOut">
               <a:rPr lang="en-GB" smtClean="0"/>
-              <a:t>22/02/2018</a:t>
+              <a:t>01/03/2018</a:t>
             </a:fld>
             <a:endParaRPr lang="en-GB"/>
           </a:p>
@@ -1697,7 +1856,7 @@
           <a:p>
             <a:fld id="{AD0C2843-B122-3545-BEB5-3CB839A21497}" type="datetimeFigureOut">
               <a:rPr lang="en-GB" smtClean="0"/>
-              <a:t>22/02/2018</a:t>
+              <a:t>01/03/2018</a:t>
             </a:fld>
             <a:endParaRPr lang="en-GB"/>
           </a:p>
@@ -1943,7 +2102,7 @@
           <a:p>
             <a:fld id="{AD0C2843-B122-3545-BEB5-3CB839A21497}" type="datetimeFigureOut">
               <a:rPr lang="en-GB" smtClean="0"/>
-              <a:t>22/02/2018</a:t>
+              <a:t>01/03/2018</a:t>
             </a:fld>
             <a:endParaRPr lang="en-GB"/>
           </a:p>
@@ -2175,7 +2334,7 @@
           <a:p>
             <a:fld id="{AD0C2843-B122-3545-BEB5-3CB839A21497}" type="datetimeFigureOut">
               <a:rPr lang="en-GB" smtClean="0"/>
-              <a:t>22/02/2018</a:t>
+              <a:t>01/03/2018</a:t>
             </a:fld>
             <a:endParaRPr lang="en-GB"/>
           </a:p>
@@ -2542,7 +2701,7 @@
           <a:p>
             <a:fld id="{AD0C2843-B122-3545-BEB5-3CB839A21497}" type="datetimeFigureOut">
               <a:rPr lang="en-GB" smtClean="0"/>
-              <a:t>22/02/2018</a:t>
+              <a:t>01/03/2018</a:t>
             </a:fld>
             <a:endParaRPr lang="en-GB"/>
           </a:p>
@@ -2660,7 +2819,7 @@
           <a:p>
             <a:fld id="{AD0C2843-B122-3545-BEB5-3CB839A21497}" type="datetimeFigureOut">
               <a:rPr lang="en-GB" smtClean="0"/>
-              <a:t>22/02/2018</a:t>
+              <a:t>01/03/2018</a:t>
             </a:fld>
             <a:endParaRPr lang="en-GB"/>
           </a:p>
@@ -2755,7 +2914,7 @@
           <a:p>
             <a:fld id="{AD0C2843-B122-3545-BEB5-3CB839A21497}" type="datetimeFigureOut">
               <a:rPr lang="en-GB" smtClean="0"/>
-              <a:t>22/02/2018</a:t>
+              <a:t>01/03/2018</a:t>
             </a:fld>
             <a:endParaRPr lang="en-GB"/>
           </a:p>
@@ -3032,7 +3191,7 @@
           <a:p>
             <a:fld id="{AD0C2843-B122-3545-BEB5-3CB839A21497}" type="datetimeFigureOut">
               <a:rPr lang="en-GB" smtClean="0"/>
-              <a:t>22/02/2018</a:t>
+              <a:t>01/03/2018</a:t>
             </a:fld>
             <a:endParaRPr lang="en-GB"/>
           </a:p>
@@ -3285,7 +3444,7 @@
           <a:p>
             <a:fld id="{AD0C2843-B122-3545-BEB5-3CB839A21497}" type="datetimeFigureOut">
               <a:rPr lang="en-GB" smtClean="0"/>
-              <a:t>22/02/2018</a:t>
+              <a:t>01/03/2018</a:t>
             </a:fld>
             <a:endParaRPr lang="en-GB"/>
           </a:p>
@@ -3498,7 +3657,7 @@
           <a:p>
             <a:fld id="{AD0C2843-B122-3545-BEB5-3CB839A21497}" type="datetimeFigureOut">
               <a:rPr lang="en-GB" smtClean="0"/>
-              <a:t>22/02/2018</a:t>
+              <a:t>01/03/2018</a:t>
             </a:fld>
             <a:endParaRPr lang="en-GB"/>
           </a:p>
@@ -4080,19 +4239,27 @@
               <a:buNone/>
             </a:pPr>
             <a:r>
-              <a:rPr lang="de-CH" dirty="0" err="1"/>
+              <a:rPr lang="de-CH" dirty="0" err="1">
+                <a:latin typeface="Consolas" panose="020B0609020204030204" pitchFamily="49" charset="0"/>
+              </a:rPr>
               <a:t>if</a:t>
             </a:r>
             <a:r>
-              <a:rPr lang="de-CH" dirty="0"/>
+              <a:rPr lang="de-CH" dirty="0">
+                <a:latin typeface="Consolas" panose="020B0609020204030204" pitchFamily="49" charset="0"/>
+              </a:rPr>
               <a:t>(</a:t>
             </a:r>
             <a:r>
-              <a:rPr lang="de-CH" dirty="0" err="1"/>
+              <a:rPr lang="de-CH" dirty="0" err="1">
+                <a:latin typeface="Consolas" panose="020B0609020204030204" pitchFamily="49" charset="0"/>
+              </a:rPr>
               <a:t>true</a:t>
             </a:r>
             <a:r>
-              <a:rPr lang="de-CH" dirty="0"/>
+              <a:rPr lang="de-CH" dirty="0">
+                <a:latin typeface="Consolas" panose="020B0609020204030204" pitchFamily="49" charset="0"/>
+              </a:rPr>
               <a:t>){</a:t>
             </a:r>
           </a:p>
@@ -4101,45 +4268,65 @@
               <a:buNone/>
             </a:pPr>
             <a:r>
-              <a:rPr lang="de-CH" dirty="0"/>
+              <a:rPr lang="de-CH" dirty="0">
+                <a:latin typeface="Consolas" panose="020B0609020204030204" pitchFamily="49" charset="0"/>
+              </a:rPr>
               <a:t>	do </a:t>
             </a:r>
             <a:r>
-              <a:rPr lang="de-CH" dirty="0" err="1"/>
+              <a:rPr lang="de-CH" dirty="0" err="1">
+                <a:latin typeface="Consolas" panose="020B0609020204030204" pitchFamily="49" charset="0"/>
+              </a:rPr>
               <a:t>stuff</a:t>
             </a:r>
-            <a:endParaRPr lang="de-CH" dirty="0"/>
+            <a:endParaRPr lang="de-CH" dirty="0">
+              <a:latin typeface="Consolas" panose="020B0609020204030204" pitchFamily="49" charset="0"/>
+            </a:endParaRPr>
           </a:p>
           <a:p>
             <a:pPr marL="0" indent="0">
               <a:buNone/>
             </a:pPr>
             <a:r>
-              <a:rPr lang="de-CH" dirty="0"/>
+              <a:rPr lang="de-CH" dirty="0">
+                <a:latin typeface="Consolas" panose="020B0609020204030204" pitchFamily="49" charset="0"/>
+              </a:rPr>
               <a:t>}</a:t>
             </a:r>
             <a:r>
-              <a:rPr lang="de-CH" dirty="0" err="1"/>
+              <a:rPr lang="de-CH" dirty="0" err="1">
+                <a:latin typeface="Consolas" panose="020B0609020204030204" pitchFamily="49" charset="0"/>
+              </a:rPr>
               <a:t>else</a:t>
             </a:r>
             <a:r>
-              <a:rPr lang="de-CH" dirty="0"/>
+              <a:rPr lang="de-CH" dirty="0">
+                <a:latin typeface="Consolas" panose="020B0609020204030204" pitchFamily="49" charset="0"/>
+              </a:rPr>
               <a:t> </a:t>
             </a:r>
             <a:r>
-              <a:rPr lang="de-CH" dirty="0" err="1"/>
+              <a:rPr lang="de-CH" dirty="0" err="1">
+                <a:latin typeface="Consolas" panose="020B0609020204030204" pitchFamily="49" charset="0"/>
+              </a:rPr>
               <a:t>if</a:t>
             </a:r>
             <a:r>
-              <a:rPr lang="de-CH" dirty="0"/>
+              <a:rPr lang="de-CH" dirty="0">
+                <a:latin typeface="Consolas" panose="020B0609020204030204" pitchFamily="49" charset="0"/>
+              </a:rPr>
               <a:t>(</a:t>
             </a:r>
             <a:r>
-              <a:rPr lang="de-CH" dirty="0" err="1"/>
+              <a:rPr lang="de-CH" dirty="0" err="1">
+                <a:latin typeface="Consolas" panose="020B0609020204030204" pitchFamily="49" charset="0"/>
+              </a:rPr>
               <a:t>true</a:t>
             </a:r>
             <a:r>
-              <a:rPr lang="de-CH" dirty="0"/>
+              <a:rPr lang="de-CH" dirty="0">
+                <a:latin typeface="Consolas" panose="020B0609020204030204" pitchFamily="49" charset="0"/>
+              </a:rPr>
               <a:t>){</a:t>
             </a:r>
           </a:p>
@@ -4148,37 +4335,53 @@
               <a:buNone/>
             </a:pPr>
             <a:r>
-              <a:rPr lang="de-CH" dirty="0"/>
+              <a:rPr lang="de-CH" dirty="0">
+                <a:latin typeface="Consolas" panose="020B0609020204030204" pitchFamily="49" charset="0"/>
+              </a:rPr>
               <a:t>	do </a:t>
             </a:r>
             <a:r>
-              <a:rPr lang="de-CH" dirty="0" err="1"/>
+              <a:rPr lang="de-CH" dirty="0" err="1">
+                <a:latin typeface="Consolas" panose="020B0609020204030204" pitchFamily="49" charset="0"/>
+              </a:rPr>
               <a:t>other</a:t>
             </a:r>
             <a:r>
-              <a:rPr lang="de-CH" dirty="0"/>
+              <a:rPr lang="de-CH" dirty="0">
+                <a:latin typeface="Consolas" panose="020B0609020204030204" pitchFamily="49" charset="0"/>
+              </a:rPr>
               <a:t> </a:t>
             </a:r>
             <a:r>
-              <a:rPr lang="de-CH" dirty="0" err="1"/>
+              <a:rPr lang="de-CH" dirty="0" err="1">
+                <a:latin typeface="Consolas" panose="020B0609020204030204" pitchFamily="49" charset="0"/>
+              </a:rPr>
               <a:t>stuff</a:t>
             </a:r>
-            <a:endParaRPr lang="de-CH" dirty="0"/>
+            <a:endParaRPr lang="de-CH" dirty="0">
+              <a:latin typeface="Consolas" panose="020B0609020204030204" pitchFamily="49" charset="0"/>
+            </a:endParaRPr>
           </a:p>
           <a:p>
             <a:pPr marL="0" indent="0">
               <a:buNone/>
             </a:pPr>
             <a:r>
-              <a:rPr lang="de-CH" dirty="0"/>
+              <a:rPr lang="de-CH" dirty="0">
+                <a:latin typeface="Consolas" panose="020B0609020204030204" pitchFamily="49" charset="0"/>
+              </a:rPr>
               <a:t>}</a:t>
             </a:r>
             <a:r>
-              <a:rPr lang="de-CH" dirty="0" err="1"/>
+              <a:rPr lang="de-CH" dirty="0" err="1">
+                <a:latin typeface="Consolas" panose="020B0609020204030204" pitchFamily="49" charset="0"/>
+              </a:rPr>
               <a:t>else</a:t>
             </a:r>
             <a:r>
-              <a:rPr lang="de-CH" dirty="0"/>
+              <a:rPr lang="de-CH" dirty="0">
+                <a:latin typeface="Consolas" panose="020B0609020204030204" pitchFamily="49" charset="0"/>
+              </a:rPr>
               <a:t> {</a:t>
             </a:r>
           </a:p>
@@ -4187,29 +4390,41 @@
               <a:buNone/>
             </a:pPr>
             <a:r>
-              <a:rPr lang="de-CH" dirty="0"/>
+              <a:rPr lang="de-CH" dirty="0">
+                <a:latin typeface="Consolas" panose="020B0609020204030204" pitchFamily="49" charset="0"/>
+              </a:rPr>
               <a:t>	do </a:t>
             </a:r>
             <a:r>
-              <a:rPr lang="de-CH" dirty="0" err="1"/>
+              <a:rPr lang="de-CH" dirty="0" err="1">
+                <a:latin typeface="Consolas" panose="020B0609020204030204" pitchFamily="49" charset="0"/>
+              </a:rPr>
               <a:t>everything</a:t>
             </a:r>
             <a:r>
-              <a:rPr lang="de-CH" dirty="0"/>
+              <a:rPr lang="de-CH" dirty="0">
+                <a:latin typeface="Consolas" panose="020B0609020204030204" pitchFamily="49" charset="0"/>
+              </a:rPr>
               <a:t> </a:t>
             </a:r>
             <a:r>
-              <a:rPr lang="de-CH" dirty="0" err="1"/>
+              <a:rPr lang="de-CH" dirty="0" err="1">
+                <a:latin typeface="Consolas" panose="020B0609020204030204" pitchFamily="49" charset="0"/>
+              </a:rPr>
               <a:t>else</a:t>
             </a:r>
-            <a:endParaRPr lang="de-CH" dirty="0"/>
+            <a:endParaRPr lang="de-CH" dirty="0">
+              <a:latin typeface="Consolas" panose="020B0609020204030204" pitchFamily="49" charset="0"/>
+            </a:endParaRPr>
           </a:p>
           <a:p>
             <a:pPr marL="0" indent="0">
               <a:buNone/>
             </a:pPr>
             <a:r>
-              <a:rPr lang="de-CH" dirty="0"/>
+              <a:rPr lang="de-CH" dirty="0">
+                <a:latin typeface="Consolas" panose="020B0609020204030204" pitchFamily="49" charset="0"/>
+              </a:rPr>
               <a:t>}</a:t>
             </a:r>
           </a:p>
@@ -4310,122 +4525,213 @@
           <a:lstStyle/>
           <a:p>
             <a:r>
-              <a:rPr lang="de-CH" dirty="0" err="1"/>
+              <a:rPr lang="de-CH" dirty="0" err="1">
+                <a:latin typeface="Consolas" panose="020B0609020204030204" pitchFamily="49" charset="0"/>
+              </a:rPr>
               <a:t>for</a:t>
             </a:r>
             <a:r>
-              <a:rPr lang="de-CH" dirty="0"/>
-              <a:t> (i = 0;i &lt; 10;i++){console.log(i);}</a:t>
-            </a:r>
-          </a:p>
-          <a:p>
-            <a:r>
-              <a:rPr lang="de-CH" dirty="0" err="1"/>
+              <a:rPr lang="de-CH" dirty="0">
+                <a:latin typeface="Consolas" panose="020B0609020204030204" pitchFamily="49" charset="0"/>
+              </a:rPr>
+              <a:t> (i = </a:t>
+            </a:r>
+            <a:r>
+              <a:rPr lang="de-CH">
+                <a:latin typeface="Consolas" panose="020B0609020204030204" pitchFamily="49" charset="0"/>
+              </a:rPr>
+              <a:t>0; i </a:t>
+            </a:r>
+            <a:r>
+              <a:rPr lang="de-CH" dirty="0">
+                <a:latin typeface="Consolas" panose="020B0609020204030204" pitchFamily="49" charset="0"/>
+              </a:rPr>
+              <a:t>&lt; </a:t>
+            </a:r>
+            <a:r>
+              <a:rPr lang="de-CH">
+                <a:latin typeface="Consolas" panose="020B0609020204030204" pitchFamily="49" charset="0"/>
+              </a:rPr>
+              <a:t>10; i</a:t>
+            </a:r>
+            <a:r>
+              <a:rPr lang="de-CH" dirty="0">
+                <a:latin typeface="Consolas" panose="020B0609020204030204" pitchFamily="49" charset="0"/>
+              </a:rPr>
+              <a:t>++){console.log(i);}</a:t>
+            </a:r>
+          </a:p>
+          <a:p>
+            <a:r>
+              <a:rPr lang="de-CH" dirty="0" err="1">
+                <a:latin typeface="Consolas" panose="020B0609020204030204" pitchFamily="49" charset="0"/>
+              </a:rPr>
               <a:t>for</a:t>
             </a:r>
             <a:r>
-              <a:rPr lang="de-CH" dirty="0"/>
-              <a:t>(x in </a:t>
-            </a:r>
-            <a:r>
-              <a:rPr lang="de-CH" dirty="0" err="1"/>
+              <a:rPr lang="de-CH" dirty="0">
+                <a:latin typeface="Consolas" panose="020B0609020204030204" pitchFamily="49" charset="0"/>
+              </a:rPr>
+              <a:t>(</a:t>
+            </a:r>
+            <a:r>
+              <a:rPr lang="de-CH" dirty="0" err="1">
+                <a:latin typeface="Consolas" panose="020B0609020204030204" pitchFamily="49" charset="0"/>
+              </a:rPr>
+              <a:t>elem</a:t>
+            </a:r>
+            <a:r>
+              <a:rPr lang="de-CH" dirty="0">
+                <a:latin typeface="Consolas" panose="020B0609020204030204" pitchFamily="49" charset="0"/>
+              </a:rPr>
+              <a:t> in </a:t>
+            </a:r>
+            <a:r>
+              <a:rPr lang="de-CH" dirty="0" err="1">
+                <a:latin typeface="Consolas" panose="020B0609020204030204" pitchFamily="49" charset="0"/>
+              </a:rPr>
               <a:t>array</a:t>
             </a:r>
             <a:r>
-              <a:rPr lang="de-CH" dirty="0"/>
+              <a:rPr lang="de-CH" dirty="0">
+                <a:latin typeface="Consolas" panose="020B0609020204030204" pitchFamily="49" charset="0"/>
+              </a:rPr>
               <a:t>){console.log(x);}</a:t>
             </a:r>
           </a:p>
           <a:p>
             <a:r>
-              <a:rPr lang="de-CH" dirty="0" err="1"/>
+              <a:rPr lang="de-CH" dirty="0" err="1">
+                <a:latin typeface="Consolas" panose="020B0609020204030204" pitchFamily="49" charset="0"/>
+              </a:rPr>
               <a:t>while</a:t>
             </a:r>
             <a:r>
-              <a:rPr lang="de-CH" dirty="0"/>
+              <a:rPr lang="de-CH" dirty="0">
+                <a:latin typeface="Consolas" panose="020B0609020204030204" pitchFamily="49" charset="0"/>
+              </a:rPr>
               <a:t> (</a:t>
             </a:r>
             <a:r>
-              <a:rPr lang="de-CH" dirty="0" err="1"/>
+              <a:rPr lang="de-CH" dirty="0" err="1">
+                <a:latin typeface="Consolas" panose="020B0609020204030204" pitchFamily="49" charset="0"/>
+              </a:rPr>
               <a:t>true</a:t>
             </a:r>
             <a:r>
-              <a:rPr lang="de-CH" dirty="0"/>
+              <a:rPr lang="de-CH" dirty="0">
+                <a:latin typeface="Consolas" panose="020B0609020204030204" pitchFamily="49" charset="0"/>
+              </a:rPr>
               <a:t>){console.log(i)}</a:t>
             </a:r>
           </a:p>
           <a:p>
             <a:r>
-              <a:rPr lang="de-CH" dirty="0"/>
+              <a:rPr lang="de-CH" dirty="0">
+                <a:latin typeface="Consolas" panose="020B0609020204030204" pitchFamily="49" charset="0"/>
+              </a:rPr>
               <a:t>do {console.log(i)} </a:t>
             </a:r>
             <a:r>
-              <a:rPr lang="de-CH" dirty="0" err="1"/>
+              <a:rPr lang="de-CH" dirty="0" err="1">
+                <a:latin typeface="Consolas" panose="020B0609020204030204" pitchFamily="49" charset="0"/>
+              </a:rPr>
               <a:t>while</a:t>
             </a:r>
             <a:r>
-              <a:rPr lang="de-CH" dirty="0"/>
+              <a:rPr lang="de-CH" dirty="0">
+                <a:latin typeface="Consolas" panose="020B0609020204030204" pitchFamily="49" charset="0"/>
+              </a:rPr>
               <a:t>(</a:t>
             </a:r>
             <a:r>
-              <a:rPr lang="de-CH" dirty="0" err="1"/>
+              <a:rPr lang="de-CH" dirty="0" err="1">
+                <a:latin typeface="Consolas" panose="020B0609020204030204" pitchFamily="49" charset="0"/>
+              </a:rPr>
               <a:t>true</a:t>
             </a:r>
             <a:r>
-              <a:rPr lang="de-CH" dirty="0"/>
+              <a:rPr lang="de-CH" dirty="0">
+                <a:latin typeface="Consolas" panose="020B0609020204030204" pitchFamily="49" charset="0"/>
+              </a:rPr>
               <a:t>);</a:t>
             </a:r>
           </a:p>
           <a:p>
-            <a:r>
-              <a:rPr lang="de-CH" dirty="0"/>
-              <a:t>ES6: </a:t>
-            </a:r>
-            <a:r>
-              <a:rPr lang="de-CH" dirty="0" err="1"/>
+            <a:endParaRPr lang="de-CH" dirty="0">
+              <a:latin typeface="Consolas" panose="020B0609020204030204" pitchFamily="49" charset="0"/>
+            </a:endParaRPr>
+          </a:p>
+          <a:p>
+            <a:r>
+              <a:rPr lang="de-CH" dirty="0" err="1">
+                <a:latin typeface="Consolas" panose="020B0609020204030204" pitchFamily="49" charset="0"/>
+              </a:rPr>
               <a:t>array.forEach</a:t>
             </a:r>
             <a:r>
-              <a:rPr lang="de-CH" dirty="0"/>
+              <a:rPr lang="de-CH" dirty="0">
+                <a:latin typeface="Consolas" panose="020B0609020204030204" pitchFamily="49" charset="0"/>
+              </a:rPr>
               <a:t>((</a:t>
             </a:r>
             <a:r>
-              <a:rPr lang="de-CH" dirty="0" err="1"/>
+              <a:rPr lang="de-CH" dirty="0" err="1">
+                <a:latin typeface="Consolas" panose="020B0609020204030204" pitchFamily="49" charset="0"/>
+              </a:rPr>
               <a:t>e,i</a:t>
             </a:r>
             <a:r>
-              <a:rPr lang="de-CH" dirty="0"/>
-              <a:t>) =&gt; console.log(e));</a:t>
-            </a:r>
-          </a:p>
-          <a:p>
-            <a:r>
-              <a:rPr lang="de-CH" dirty="0"/>
-              <a:t>ES5: </a:t>
-            </a:r>
-            <a:r>
-              <a:rPr lang="de-CH" dirty="0" err="1"/>
+              <a:rPr lang="de-CH" dirty="0">
+                <a:latin typeface="Consolas" panose="020B0609020204030204" pitchFamily="49" charset="0"/>
+              </a:rPr>
+              <a:t>) =&gt; console.log(e)); //</a:t>
+            </a:r>
+            <a:r>
+              <a:rPr lang="de-CH" dirty="0"/>
+              <a:t>(ES6)</a:t>
+            </a:r>
+          </a:p>
+          <a:p>
+            <a:r>
+              <a:rPr lang="de-CH" dirty="0" err="1">
+                <a:latin typeface="Consolas" panose="020B0609020204030204" pitchFamily="49" charset="0"/>
+              </a:rPr>
               <a:t>array.forEach</a:t>
             </a:r>
             <a:r>
-              <a:rPr lang="de-CH" dirty="0"/>
+              <a:rPr lang="de-CH" dirty="0">
+                <a:latin typeface="Consolas" panose="020B0609020204030204" pitchFamily="49" charset="0"/>
+              </a:rPr>
               <a:t>(</a:t>
             </a:r>
             <a:r>
-              <a:rPr lang="de-CH" dirty="0" err="1"/>
+              <a:rPr lang="de-CH" dirty="0" err="1">
+                <a:latin typeface="Consolas" panose="020B0609020204030204" pitchFamily="49" charset="0"/>
+              </a:rPr>
               <a:t>function</a:t>
             </a:r>
             <a:r>
-              <a:rPr lang="de-CH" dirty="0"/>
+              <a:rPr lang="de-CH" dirty="0">
+                <a:latin typeface="Consolas" panose="020B0609020204030204" pitchFamily="49" charset="0"/>
+              </a:rPr>
               <a:t>(</a:t>
             </a:r>
             <a:r>
-              <a:rPr lang="de-CH" dirty="0" err="1"/>
+              <a:rPr lang="de-CH" dirty="0" err="1">
+                <a:latin typeface="Consolas" panose="020B0609020204030204" pitchFamily="49" charset="0"/>
+              </a:rPr>
               <a:t>e,i</a:t>
             </a:r>
             <a:r>
-              <a:rPr lang="de-CH" dirty="0"/>
+              <a:rPr lang="de-CH" dirty="0">
+                <a:latin typeface="Consolas" panose="020B0609020204030204" pitchFamily="49" charset="0"/>
+              </a:rPr>
               <a:t>){console.log(e)});</a:t>
+            </a:r>
+            <a:r>
+              <a:rPr lang="de-CH" dirty="0"/>
+              <a:t> //(ES5)</a:t>
             </a:r>
           </a:p>
         </p:txBody>
@@ -4526,179 +4832,173 @@
           <a:lstStyle/>
           <a:p>
             <a:r>
-              <a:rPr lang="de-CH" dirty="0" err="1"/>
+              <a:rPr lang="de-CH" dirty="0" err="1">
+                <a:latin typeface="Consolas" panose="020B0609020204030204" pitchFamily="49" charset="0"/>
+              </a:rPr>
               <a:t>document</a:t>
             </a:r>
-            <a:endParaRPr lang="de-CH" dirty="0"/>
-          </a:p>
-          <a:p>
-            <a:r>
-              <a:rPr lang="de-CH" dirty="0" err="1"/>
+            <a:endParaRPr lang="de-CH" dirty="0">
+              <a:latin typeface="Consolas" panose="020B0609020204030204" pitchFamily="49" charset="0"/>
+            </a:endParaRPr>
+          </a:p>
+          <a:p>
+            <a:r>
+              <a:rPr lang="de-CH" dirty="0" err="1">
+                <a:latin typeface="Consolas" panose="020B0609020204030204" pitchFamily="49" charset="0"/>
+              </a:rPr>
               <a:t>document.getElementsByTagName</a:t>
             </a:r>
             <a:r>
-              <a:rPr lang="de-CH" dirty="0"/>
+              <a:rPr lang="de-CH" dirty="0">
+                <a:latin typeface="Consolas" panose="020B0609020204030204" pitchFamily="49" charset="0"/>
+              </a:rPr>
               <a:t>(’</a:t>
             </a:r>
             <a:r>
-              <a:rPr lang="de-CH" dirty="0" err="1"/>
+              <a:rPr lang="de-CH" dirty="0" err="1">
+                <a:latin typeface="Consolas" panose="020B0609020204030204" pitchFamily="49" charset="0"/>
+              </a:rPr>
               <a:t>Tagname</a:t>
             </a:r>
             <a:r>
-              <a:rPr lang="de-CH" dirty="0"/>
-              <a:t>’); </a:t>
-            </a:r>
-            <a:r>
-              <a:rPr lang="de-CH" dirty="0" err="1"/>
+              <a:rPr lang="de-CH" dirty="0">
+                <a:latin typeface="Consolas" panose="020B0609020204030204" pitchFamily="49" charset="0"/>
+              </a:rPr>
+              <a:t>’); //</a:t>
+            </a:r>
+            <a:r>
+              <a:rPr lang="de-CH" dirty="0" err="1">
+                <a:latin typeface="Consolas" panose="020B0609020204030204" pitchFamily="49" charset="0"/>
+              </a:rPr>
               <a:t>returns</a:t>
             </a:r>
             <a:r>
-              <a:rPr lang="de-CH" dirty="0"/>
+              <a:rPr lang="de-CH" dirty="0">
+                <a:latin typeface="Consolas" panose="020B0609020204030204" pitchFamily="49" charset="0"/>
+              </a:rPr>
               <a:t> </a:t>
             </a:r>
             <a:r>
-              <a:rPr lang="de-CH" dirty="0" err="1"/>
+              <a:rPr lang="de-CH" dirty="0" err="1">
+                <a:latin typeface="Consolas" panose="020B0609020204030204" pitchFamily="49" charset="0"/>
+              </a:rPr>
               <a:t>html</a:t>
             </a:r>
             <a:r>
-              <a:rPr lang="de-CH" dirty="0"/>
+              <a:rPr lang="de-CH" dirty="0">
+                <a:latin typeface="Consolas" panose="020B0609020204030204" pitchFamily="49" charset="0"/>
+              </a:rPr>
               <a:t> Collection</a:t>
             </a:r>
           </a:p>
           <a:p>
             <a:r>
-              <a:rPr lang="de-CH" dirty="0" err="1"/>
+              <a:rPr lang="de-CH" dirty="0" err="1">
+                <a:latin typeface="Consolas" panose="020B0609020204030204" pitchFamily="49" charset="0"/>
+              </a:rPr>
               <a:t>document.getElementsByClassName</a:t>
             </a:r>
             <a:r>
-              <a:rPr lang="de-CH" dirty="0"/>
+              <a:rPr lang="de-CH" dirty="0">
+                <a:latin typeface="Consolas" panose="020B0609020204030204" pitchFamily="49" charset="0"/>
+              </a:rPr>
               <a:t>(‘</a:t>
             </a:r>
             <a:r>
-              <a:rPr lang="de-CH" dirty="0" err="1"/>
+              <a:rPr lang="de-CH" dirty="0" err="1">
+                <a:latin typeface="Consolas" panose="020B0609020204030204" pitchFamily="49" charset="0"/>
+              </a:rPr>
               <a:t>ClassName</a:t>
             </a:r>
             <a:r>
-              <a:rPr lang="de-CH" dirty="0"/>
-              <a:t>’); </a:t>
-            </a:r>
-            <a:r>
-              <a:rPr lang="de-CH" dirty="0" err="1"/>
+              <a:rPr lang="de-CH" dirty="0">
+                <a:latin typeface="Consolas" panose="020B0609020204030204" pitchFamily="49" charset="0"/>
+              </a:rPr>
+              <a:t>’); //</a:t>
+            </a:r>
+            <a:r>
+              <a:rPr lang="de-CH" dirty="0" err="1">
+                <a:latin typeface="Consolas" panose="020B0609020204030204" pitchFamily="49" charset="0"/>
+              </a:rPr>
               <a:t>returns</a:t>
             </a:r>
             <a:r>
-              <a:rPr lang="de-CH" dirty="0"/>
+              <a:rPr lang="de-CH" dirty="0">
+                <a:latin typeface="Consolas" panose="020B0609020204030204" pitchFamily="49" charset="0"/>
+              </a:rPr>
               <a:t> </a:t>
             </a:r>
             <a:r>
-              <a:rPr lang="de-CH" dirty="0" err="1"/>
+              <a:rPr lang="de-CH" dirty="0" err="1">
+                <a:latin typeface="Consolas" panose="020B0609020204030204" pitchFamily="49" charset="0"/>
+              </a:rPr>
               <a:t>html</a:t>
             </a:r>
             <a:r>
-              <a:rPr lang="de-CH" dirty="0"/>
+              <a:rPr lang="de-CH" dirty="0">
+                <a:latin typeface="Consolas" panose="020B0609020204030204" pitchFamily="49" charset="0"/>
+              </a:rPr>
               <a:t> Collection</a:t>
             </a:r>
           </a:p>
           <a:p>
             <a:r>
-              <a:rPr lang="de-CH" dirty="0" err="1"/>
+              <a:rPr lang="de-CH" dirty="0" err="1">
+                <a:latin typeface="Consolas" panose="020B0609020204030204" pitchFamily="49" charset="0"/>
+              </a:rPr>
               <a:t>document.getElementById</a:t>
             </a:r>
             <a:r>
-              <a:rPr lang="de-CH" dirty="0"/>
+              <a:rPr lang="de-CH" dirty="0">
+                <a:latin typeface="Consolas" panose="020B0609020204030204" pitchFamily="49" charset="0"/>
+              </a:rPr>
               <a:t>(‘</a:t>
             </a:r>
             <a:r>
-              <a:rPr lang="de-CH" dirty="0" err="1"/>
+              <a:rPr lang="de-CH" dirty="0" err="1">
+                <a:latin typeface="Consolas" panose="020B0609020204030204" pitchFamily="49" charset="0"/>
+              </a:rPr>
               <a:t>id</a:t>
             </a:r>
             <a:r>
-              <a:rPr lang="de-CH" dirty="0"/>
-              <a:t>’); </a:t>
-            </a:r>
-            <a:r>
-              <a:rPr lang="de-CH" dirty="0" err="1"/>
+              <a:rPr lang="de-CH" dirty="0">
+                <a:latin typeface="Consolas" panose="020B0609020204030204" pitchFamily="49" charset="0"/>
+              </a:rPr>
+              <a:t>’); //</a:t>
+            </a:r>
+            <a:r>
+              <a:rPr lang="de-CH" dirty="0" err="1">
+                <a:latin typeface="Consolas" panose="020B0609020204030204" pitchFamily="49" charset="0"/>
+              </a:rPr>
               <a:t>returns</a:t>
             </a:r>
             <a:r>
-              <a:rPr lang="de-CH" dirty="0"/>
+              <a:rPr lang="de-CH" dirty="0">
+                <a:latin typeface="Consolas" panose="020B0609020204030204" pitchFamily="49" charset="0"/>
+              </a:rPr>
               <a:t> </a:t>
             </a:r>
             <a:r>
-              <a:rPr lang="de-CH" dirty="0" err="1"/>
+              <a:rPr lang="de-CH" dirty="0" err="1">
+                <a:latin typeface="Consolas" panose="020B0609020204030204" pitchFamily="49" charset="0"/>
+              </a:rPr>
               <a:t>html</a:t>
             </a:r>
             <a:r>
-              <a:rPr lang="de-CH" dirty="0"/>
+              <a:rPr lang="de-CH" dirty="0">
+                <a:latin typeface="Consolas" panose="020B0609020204030204" pitchFamily="49" charset="0"/>
+              </a:rPr>
               <a:t> </a:t>
             </a:r>
             <a:r>
-              <a:rPr lang="de-CH" dirty="0" err="1"/>
+              <a:rPr lang="de-CH" dirty="0" err="1">
+                <a:latin typeface="Consolas" panose="020B0609020204030204" pitchFamily="49" charset="0"/>
+              </a:rPr>
               <a:t>element</a:t>
             </a:r>
-            <a:endParaRPr lang="de-CH" dirty="0"/>
-          </a:p>
-          <a:p>
-            <a:r>
-              <a:rPr lang="de-CH" dirty="0"/>
-              <a:t>These </a:t>
-            </a:r>
-            <a:r>
-              <a:rPr lang="de-CH" dirty="0" err="1"/>
-              <a:t>functions</a:t>
-            </a:r>
-            <a:r>
-              <a:rPr lang="de-CH" dirty="0"/>
-              <a:t> </a:t>
-            </a:r>
-            <a:r>
-              <a:rPr lang="de-CH" dirty="0" err="1"/>
-              <a:t>can</a:t>
-            </a:r>
-            <a:r>
-              <a:rPr lang="de-CH" dirty="0"/>
-              <a:t> also </a:t>
-            </a:r>
-            <a:r>
-              <a:rPr lang="de-CH" dirty="0" err="1"/>
-              <a:t>be</a:t>
-            </a:r>
-            <a:r>
-              <a:rPr lang="de-CH" dirty="0"/>
-              <a:t> </a:t>
-            </a:r>
-            <a:r>
-              <a:rPr lang="de-CH" dirty="0" err="1"/>
-              <a:t>executed</a:t>
-            </a:r>
-            <a:r>
-              <a:rPr lang="de-CH" dirty="0"/>
-              <a:t> on </a:t>
-            </a:r>
-            <a:r>
-              <a:rPr lang="de-CH" dirty="0" err="1"/>
-              <a:t>other</a:t>
-            </a:r>
-            <a:r>
-              <a:rPr lang="de-CH" dirty="0"/>
-              <a:t> </a:t>
-            </a:r>
-            <a:r>
-              <a:rPr lang="de-CH" dirty="0" err="1"/>
-              <a:t>html</a:t>
-            </a:r>
-            <a:r>
-              <a:rPr lang="de-CH" dirty="0"/>
-              <a:t> </a:t>
-            </a:r>
-            <a:r>
-              <a:rPr lang="de-CH" dirty="0" err="1"/>
-              <a:t>elements</a:t>
-            </a:r>
-            <a:r>
-              <a:rPr lang="de-CH" dirty="0"/>
-              <a:t> </a:t>
-            </a:r>
+            <a:endParaRPr lang="de-CH" dirty="0">
+              <a:latin typeface="Consolas" panose="020B0609020204030204" pitchFamily="49" charset="0"/>
+            </a:endParaRPr>
           </a:p>
         </p:txBody>
       </p:sp>
@@ -4786,45 +5086,65 @@
           <a:lstStyle/>
           <a:p>
             <a:r>
-              <a:rPr lang="de-CH" dirty="0" err="1"/>
+              <a:rPr lang="de-CH" dirty="0" err="1">
+                <a:latin typeface="Consolas" panose="020B0609020204030204" pitchFamily="49" charset="0"/>
+              </a:rPr>
               <a:t>var</a:t>
             </a:r>
             <a:r>
-              <a:rPr lang="de-CH" dirty="0"/>
+              <a:rPr lang="de-CH" dirty="0">
+                <a:latin typeface="Consolas" panose="020B0609020204030204" pitchFamily="49" charset="0"/>
+              </a:rPr>
               <a:t> </a:t>
             </a:r>
             <a:r>
-              <a:rPr lang="de-CH" dirty="0" err="1"/>
+              <a:rPr lang="de-CH" dirty="0" err="1">
+                <a:latin typeface="Consolas" panose="020B0609020204030204" pitchFamily="49" charset="0"/>
+              </a:rPr>
               <a:t>element</a:t>
             </a:r>
             <a:r>
-              <a:rPr lang="de-CH" dirty="0"/>
+              <a:rPr lang="de-CH" dirty="0">
+                <a:latin typeface="Consolas" panose="020B0609020204030204" pitchFamily="49" charset="0"/>
+              </a:rPr>
               <a:t> = </a:t>
             </a:r>
             <a:r>
-              <a:rPr lang="de-CH" dirty="0" err="1"/>
+              <a:rPr lang="de-CH" dirty="0" err="1">
+                <a:latin typeface="Consolas" panose="020B0609020204030204" pitchFamily="49" charset="0"/>
+              </a:rPr>
               <a:t>document.createElement</a:t>
             </a:r>
             <a:r>
-              <a:rPr lang="de-CH" dirty="0"/>
+              <a:rPr lang="de-CH" dirty="0">
+                <a:latin typeface="Consolas" panose="020B0609020204030204" pitchFamily="49" charset="0"/>
+              </a:rPr>
               <a:t>(’</a:t>
             </a:r>
             <a:r>
-              <a:rPr lang="de-CH" dirty="0" err="1"/>
+              <a:rPr lang="de-CH" dirty="0" err="1">
+                <a:latin typeface="Consolas" panose="020B0609020204030204" pitchFamily="49" charset="0"/>
+              </a:rPr>
               <a:t>tagname</a:t>
             </a:r>
             <a:r>
-              <a:rPr lang="de-CH" dirty="0"/>
+              <a:rPr lang="de-CH" dirty="0">
+                <a:latin typeface="Consolas" panose="020B0609020204030204" pitchFamily="49" charset="0"/>
+              </a:rPr>
               <a:t>’);</a:t>
             </a:r>
           </a:p>
           <a:p>
             <a:r>
-              <a:rPr lang="de-CH" dirty="0" err="1"/>
+              <a:rPr lang="de-CH" dirty="0" err="1">
+                <a:latin typeface="Consolas" panose="020B0609020204030204" pitchFamily="49" charset="0"/>
+              </a:rPr>
               <a:t>body.appendChild</a:t>
             </a:r>
             <a:r>
-              <a:rPr lang="de-CH" dirty="0"/>
+              <a:rPr lang="de-CH" dirty="0">
+                <a:latin typeface="Consolas" panose="020B0609020204030204" pitchFamily="49" charset="0"/>
+              </a:rPr>
               <a:t>(a);</a:t>
             </a:r>
           </a:p>
@@ -4898,78 +5218,108 @@
           <a:lstStyle/>
           <a:p>
             <a:r>
-              <a:rPr lang="de-CH" dirty="0" err="1"/>
+              <a:rPr lang="de-CH" dirty="0" err="1">
+                <a:latin typeface="Consolas" panose="020B0609020204030204" pitchFamily="49" charset="0"/>
+              </a:rPr>
               <a:t>element.innerText</a:t>
             </a:r>
             <a:r>
-              <a:rPr lang="de-CH" dirty="0"/>
+              <a:rPr lang="de-CH" dirty="0">
+                <a:latin typeface="Consolas" panose="020B0609020204030204" pitchFamily="49" charset="0"/>
+              </a:rPr>
               <a:t> = “Hello”;</a:t>
             </a:r>
           </a:p>
           <a:p>
             <a:r>
-              <a:rPr lang="de-CH" dirty="0" err="1"/>
+              <a:rPr lang="de-CH" dirty="0" err="1">
+                <a:latin typeface="Consolas" panose="020B0609020204030204" pitchFamily="49" charset="0"/>
+              </a:rPr>
               <a:t>element.innerHTML</a:t>
             </a:r>
             <a:r>
-              <a:rPr lang="de-CH" dirty="0"/>
+              <a:rPr lang="de-CH" dirty="0">
+                <a:latin typeface="Consolas" panose="020B0609020204030204" pitchFamily="49" charset="0"/>
+              </a:rPr>
               <a:t> = ”&lt;a </a:t>
             </a:r>
             <a:r>
-              <a:rPr lang="de-CH" dirty="0" err="1"/>
+              <a:rPr lang="de-CH" dirty="0" err="1">
+                <a:latin typeface="Consolas" panose="020B0609020204030204" pitchFamily="49" charset="0"/>
+              </a:rPr>
               <a:t>href</a:t>
             </a:r>
             <a:r>
-              <a:rPr lang="de-CH" dirty="0"/>
+              <a:rPr lang="de-CH" dirty="0">
+                <a:latin typeface="Consolas" panose="020B0609020204030204" pitchFamily="49" charset="0"/>
+              </a:rPr>
               <a:t>=’google.com’&gt;Link&lt;/a&gt;”;</a:t>
             </a:r>
           </a:p>
           <a:p>
             <a:r>
-              <a:rPr lang="de-CH" dirty="0" err="1"/>
+              <a:rPr lang="de-CH" dirty="0" err="1">
+                <a:latin typeface="Consolas" panose="020B0609020204030204" pitchFamily="49" charset="0"/>
+              </a:rPr>
               <a:t>element.style.backgroundColor</a:t>
             </a:r>
             <a:r>
-              <a:rPr lang="de-CH" dirty="0"/>
+              <a:rPr lang="de-CH" dirty="0">
+                <a:latin typeface="Consolas" panose="020B0609020204030204" pitchFamily="49" charset="0"/>
+              </a:rPr>
               <a:t> = “</a:t>
             </a:r>
             <a:r>
-              <a:rPr lang="de-CH" dirty="0" err="1"/>
+              <a:rPr lang="de-CH" dirty="0" err="1">
+                <a:latin typeface="Consolas" panose="020B0609020204030204" pitchFamily="49" charset="0"/>
+              </a:rPr>
               <a:t>blue</a:t>
             </a:r>
             <a:r>
-              <a:rPr lang="de-CH" dirty="0"/>
+              <a:rPr lang="de-CH" dirty="0">
+                <a:latin typeface="Consolas" panose="020B0609020204030204" pitchFamily="49" charset="0"/>
+              </a:rPr>
               <a:t>”;</a:t>
             </a:r>
           </a:p>
           <a:p>
             <a:r>
-              <a:rPr lang="de-CH" dirty="0" err="1"/>
+              <a:rPr lang="de-CH" dirty="0" err="1">
+                <a:latin typeface="Consolas" panose="020B0609020204030204" pitchFamily="49" charset="0"/>
+              </a:rPr>
               <a:t>element.ClassList.add</a:t>
             </a:r>
             <a:r>
-              <a:rPr lang="de-CH" dirty="0"/>
+              <a:rPr lang="de-CH" dirty="0">
+                <a:latin typeface="Consolas" panose="020B0609020204030204" pitchFamily="49" charset="0"/>
+              </a:rPr>
               <a:t>(‘Class1’,’Class2’);</a:t>
             </a:r>
           </a:p>
           <a:p>
             <a:r>
-              <a:rPr lang="de-CH" dirty="0"/>
+              <a:rPr lang="de-CH" dirty="0">
+                <a:latin typeface="Consolas" panose="020B0609020204030204" pitchFamily="49" charset="0"/>
+              </a:rPr>
               <a:t>element.id = ”</a:t>
             </a:r>
             <a:r>
-              <a:rPr lang="de-CH" dirty="0" err="1"/>
+              <a:rPr lang="de-CH" dirty="0" err="1">
+                <a:latin typeface="Consolas" panose="020B0609020204030204" pitchFamily="49" charset="0"/>
+              </a:rPr>
               <a:t>unique</a:t>
             </a:r>
             <a:r>
-              <a:rPr lang="de-CH" dirty="0"/>
+              <a:rPr lang="de-CH" dirty="0">
+                <a:latin typeface="Consolas" panose="020B0609020204030204" pitchFamily="49" charset="0"/>
+              </a:rPr>
               <a:t>”;</a:t>
             </a:r>
           </a:p>
           <a:p>
             <a:r>
               <a:rPr lang="de-CH" dirty="0"/>
-              <a:t>Viele mehr…</a:t>
+              <a:t>Und viele mehr…</a:t>
             </a:r>
             <a:endParaRPr lang="en-GB" dirty="0"/>
           </a:p>
@@ -5124,51 +5474,75 @@
           <a:lstStyle/>
           <a:p>
             <a:r>
-              <a:rPr lang="de-CH" dirty="0" err="1"/>
+              <a:rPr lang="de-CH" dirty="0" err="1">
+                <a:latin typeface="Consolas" panose="020B0609020204030204" pitchFamily="49" charset="0"/>
+              </a:rPr>
               <a:t>var</a:t>
             </a:r>
             <a:r>
-              <a:rPr lang="de-CH" dirty="0"/>
+              <a:rPr lang="de-CH" dirty="0">
+                <a:latin typeface="Consolas" panose="020B0609020204030204" pitchFamily="49" charset="0"/>
+              </a:rPr>
               <a:t> </a:t>
             </a:r>
             <a:r>
-              <a:rPr lang="de-CH" dirty="0" err="1"/>
+              <a:rPr lang="de-CH" dirty="0" err="1">
+                <a:latin typeface="Consolas" panose="020B0609020204030204" pitchFamily="49" charset="0"/>
+              </a:rPr>
               <a:t>person</a:t>
             </a:r>
             <a:r>
-              <a:rPr lang="de-CH" dirty="0"/>
+              <a:rPr lang="de-CH" dirty="0">
+                <a:latin typeface="Consolas" panose="020B0609020204030204" pitchFamily="49" charset="0"/>
+              </a:rPr>
               <a:t> = {</a:t>
             </a:r>
             <a:r>
-              <a:rPr lang="de-CH" dirty="0" err="1"/>
+              <a:rPr lang="de-CH" dirty="0" err="1">
+                <a:latin typeface="Consolas" panose="020B0609020204030204" pitchFamily="49" charset="0"/>
+              </a:rPr>
               <a:t>name</a:t>
             </a:r>
             <a:r>
-              <a:rPr lang="de-CH" dirty="0"/>
+              <a:rPr lang="de-CH" dirty="0">
+                <a:latin typeface="Consolas" panose="020B0609020204030204" pitchFamily="49" charset="0"/>
+              </a:rPr>
               <a:t>: “</a:t>
             </a:r>
             <a:r>
-              <a:rPr lang="de-CH" dirty="0" err="1"/>
+              <a:rPr lang="de-CH" dirty="0" err="1">
+                <a:latin typeface="Consolas" panose="020B0609020204030204" pitchFamily="49" charset="0"/>
+              </a:rPr>
               <a:t>name</a:t>
             </a:r>
             <a:r>
-              <a:rPr lang="de-CH" dirty="0"/>
+              <a:rPr lang="de-CH" dirty="0">
+                <a:latin typeface="Consolas" panose="020B0609020204030204" pitchFamily="49" charset="0"/>
+              </a:rPr>
               <a:t>”, </a:t>
             </a:r>
             <a:r>
-              <a:rPr lang="de-CH" dirty="0" err="1"/>
+              <a:rPr lang="de-CH" dirty="0" err="1">
+                <a:latin typeface="Consolas" panose="020B0609020204030204" pitchFamily="49" charset="0"/>
+              </a:rPr>
               <a:t>lastname</a:t>
             </a:r>
             <a:r>
-              <a:rPr lang="de-CH" dirty="0"/>
+              <a:rPr lang="de-CH" dirty="0">
+                <a:latin typeface="Consolas" panose="020B0609020204030204" pitchFamily="49" charset="0"/>
+              </a:rPr>
               <a:t>: “</a:t>
             </a:r>
             <a:r>
-              <a:rPr lang="de-CH" dirty="0" err="1"/>
+              <a:rPr lang="de-CH" dirty="0" err="1">
+                <a:latin typeface="Consolas" panose="020B0609020204030204" pitchFamily="49" charset="0"/>
+              </a:rPr>
               <a:t>lastname</a:t>
             </a:r>
             <a:r>
-              <a:rPr lang="de-CH" dirty="0"/>
+              <a:rPr lang="de-CH" dirty="0">
+                <a:latin typeface="Consolas" panose="020B0609020204030204" pitchFamily="49" charset="0"/>
+              </a:rPr>
               <a:t>”};</a:t>
             </a:r>
           </a:p>
@@ -5248,133 +5622,193 @@
           </a:p>
           <a:p>
             <a:r>
-              <a:rPr lang="de-CH" dirty="0" err="1"/>
+              <a:rPr lang="de-CH" dirty="0" err="1">
+                <a:latin typeface="Consolas" panose="020B0609020204030204" pitchFamily="49" charset="0"/>
+              </a:rPr>
               <a:t>var</a:t>
             </a:r>
             <a:r>
-              <a:rPr lang="de-CH" dirty="0"/>
+              <a:rPr lang="de-CH" dirty="0">
+                <a:latin typeface="Consolas" panose="020B0609020204030204" pitchFamily="49" charset="0"/>
+              </a:rPr>
               <a:t> </a:t>
             </a:r>
             <a:r>
-              <a:rPr lang="de-CH" dirty="0" err="1"/>
+              <a:rPr lang="de-CH" dirty="0" err="1">
+                <a:latin typeface="Consolas" panose="020B0609020204030204" pitchFamily="49" charset="0"/>
+              </a:rPr>
               <a:t>array</a:t>
             </a:r>
             <a:r>
-              <a:rPr lang="de-CH" dirty="0"/>
+              <a:rPr lang="de-CH" dirty="0">
+                <a:latin typeface="Consolas" panose="020B0609020204030204" pitchFamily="49" charset="0"/>
+              </a:rPr>
               <a:t> = [1,2,3,4,5];</a:t>
             </a:r>
           </a:p>
           <a:p>
             <a:r>
-              <a:rPr lang="de-CH" dirty="0" err="1"/>
+              <a:rPr lang="de-CH" dirty="0" err="1">
+                <a:latin typeface="Consolas" panose="020B0609020204030204" pitchFamily="49" charset="0"/>
+              </a:rPr>
               <a:t>var</a:t>
             </a:r>
             <a:r>
-              <a:rPr lang="de-CH" dirty="0"/>
+              <a:rPr lang="de-CH" dirty="0">
+                <a:latin typeface="Consolas" panose="020B0609020204030204" pitchFamily="49" charset="0"/>
+              </a:rPr>
               <a:t> </a:t>
             </a:r>
             <a:r>
-              <a:rPr lang="de-CH" dirty="0" err="1"/>
+              <a:rPr lang="de-CH" dirty="0" err="1">
+                <a:latin typeface="Consolas" panose="020B0609020204030204" pitchFamily="49" charset="0"/>
+              </a:rPr>
               <a:t>array</a:t>
             </a:r>
             <a:r>
-              <a:rPr lang="de-CH" dirty="0"/>
+              <a:rPr lang="de-CH" dirty="0">
+                <a:latin typeface="Consolas" panose="020B0609020204030204" pitchFamily="49" charset="0"/>
+              </a:rPr>
               <a:t> = </a:t>
             </a:r>
             <a:r>
-              <a:rPr lang="de-CH" dirty="0" err="1"/>
+              <a:rPr lang="de-CH" dirty="0" err="1">
+                <a:latin typeface="Consolas" panose="020B0609020204030204" pitchFamily="49" charset="0"/>
+              </a:rPr>
               <a:t>new</a:t>
             </a:r>
             <a:r>
-              <a:rPr lang="de-CH" dirty="0"/>
+              <a:rPr lang="de-CH" dirty="0">
+                <a:latin typeface="Consolas" panose="020B0609020204030204" pitchFamily="49" charset="0"/>
+              </a:rPr>
               <a:t> Array();</a:t>
             </a:r>
           </a:p>
           <a:p>
             <a:r>
-              <a:rPr lang="de-CH" dirty="0" err="1"/>
+              <a:rPr lang="de-CH" dirty="0" err="1">
+                <a:latin typeface="Consolas" panose="020B0609020204030204" pitchFamily="49" charset="0"/>
+              </a:rPr>
               <a:t>var</a:t>
             </a:r>
             <a:r>
-              <a:rPr lang="de-CH" dirty="0"/>
+              <a:rPr lang="de-CH" dirty="0">
+                <a:latin typeface="Consolas" panose="020B0609020204030204" pitchFamily="49" charset="0"/>
+              </a:rPr>
               <a:t> </a:t>
             </a:r>
             <a:r>
-              <a:rPr lang="de-CH" dirty="0" err="1"/>
+              <a:rPr lang="de-CH" dirty="0" err="1">
+                <a:latin typeface="Consolas" panose="020B0609020204030204" pitchFamily="49" charset="0"/>
+              </a:rPr>
               <a:t>array</a:t>
             </a:r>
             <a:r>
-              <a:rPr lang="de-CH" dirty="0"/>
+              <a:rPr lang="de-CH" dirty="0">
+                <a:latin typeface="Consolas" panose="020B0609020204030204" pitchFamily="49" charset="0"/>
+              </a:rPr>
               <a:t> = [];</a:t>
             </a:r>
           </a:p>
           <a:p>
             <a:r>
-              <a:rPr lang="de-CH" dirty="0" err="1"/>
+              <a:rPr lang="de-CH" dirty="0" err="1">
+                <a:latin typeface="Consolas" panose="020B0609020204030204" pitchFamily="49" charset="0"/>
+              </a:rPr>
               <a:t>array</a:t>
             </a:r>
             <a:r>
-              <a:rPr lang="de-CH" dirty="0"/>
+              <a:rPr lang="de-CH" dirty="0">
+                <a:latin typeface="Consolas" panose="020B0609020204030204" pitchFamily="49" charset="0"/>
+              </a:rPr>
               <a:t>[0];</a:t>
             </a:r>
           </a:p>
           <a:p>
             <a:r>
-              <a:rPr lang="de-CH" dirty="0" err="1"/>
+              <a:rPr lang="de-CH" dirty="0" err="1">
+                <a:latin typeface="Consolas" panose="020B0609020204030204" pitchFamily="49" charset="0"/>
+              </a:rPr>
               <a:t>array.push</a:t>
             </a:r>
             <a:r>
-              <a:rPr lang="de-CH" dirty="0"/>
+              <a:rPr lang="de-CH" dirty="0">
+                <a:latin typeface="Consolas" panose="020B0609020204030204" pitchFamily="49" charset="0"/>
+              </a:rPr>
               <a:t>(5);</a:t>
             </a:r>
           </a:p>
           <a:p>
             <a:r>
-              <a:rPr lang="de-CH" dirty="0" err="1"/>
+              <a:rPr lang="de-CH" dirty="0" err="1">
+                <a:latin typeface="Consolas" panose="020B0609020204030204" pitchFamily="49" charset="0"/>
+              </a:rPr>
               <a:t>var</a:t>
             </a:r>
             <a:r>
-              <a:rPr lang="de-CH" dirty="0"/>
+              <a:rPr lang="de-CH" dirty="0">
+                <a:latin typeface="Consolas" panose="020B0609020204030204" pitchFamily="49" charset="0"/>
+              </a:rPr>
               <a:t> </a:t>
             </a:r>
             <a:r>
-              <a:rPr lang="de-CH" dirty="0" err="1"/>
+              <a:rPr lang="de-CH" dirty="0" err="1">
+                <a:latin typeface="Consolas" panose="020B0609020204030204" pitchFamily="49" charset="0"/>
+              </a:rPr>
               <a:t>objectArray</a:t>
             </a:r>
             <a:r>
-              <a:rPr lang="de-CH" dirty="0"/>
+              <a:rPr lang="de-CH" dirty="0">
+                <a:latin typeface="Consolas" panose="020B0609020204030204" pitchFamily="49" charset="0"/>
+              </a:rPr>
               <a:t> = [{</a:t>
             </a:r>
             <a:r>
-              <a:rPr lang="de-CH" dirty="0" err="1"/>
+              <a:rPr lang="de-CH" dirty="0" err="1">
+                <a:latin typeface="Consolas" panose="020B0609020204030204" pitchFamily="49" charset="0"/>
+              </a:rPr>
               <a:t>name</a:t>
             </a:r>
             <a:r>
-              <a:rPr lang="de-CH" dirty="0"/>
+              <a:rPr lang="de-CH" dirty="0">
+                <a:latin typeface="Consolas" panose="020B0609020204030204" pitchFamily="49" charset="0"/>
+              </a:rPr>
               <a:t>:"</a:t>
             </a:r>
             <a:r>
-              <a:rPr lang="de-CH" dirty="0" err="1"/>
+              <a:rPr lang="de-CH" dirty="0" err="1">
+                <a:latin typeface="Consolas" panose="020B0609020204030204" pitchFamily="49" charset="0"/>
+              </a:rPr>
               <a:t>name</a:t>
             </a:r>
             <a:r>
-              <a:rPr lang="de-CH" dirty="0"/>
+              <a:rPr lang="de-CH" dirty="0">
+                <a:latin typeface="Consolas" panose="020B0609020204030204" pitchFamily="49" charset="0"/>
+              </a:rPr>
               <a:t>",</a:t>
             </a:r>
             <a:r>
-              <a:rPr lang="de-CH" dirty="0" err="1"/>
+              <a:rPr lang="de-CH" dirty="0" err="1">
+                <a:latin typeface="Consolas" panose="020B0609020204030204" pitchFamily="49" charset="0"/>
+              </a:rPr>
               <a:t>lastname</a:t>
             </a:r>
             <a:r>
-              <a:rPr lang="de-CH" dirty="0"/>
+              <a:rPr lang="de-CH" dirty="0">
+                <a:latin typeface="Consolas" panose="020B0609020204030204" pitchFamily="49" charset="0"/>
+              </a:rPr>
               <a:t>:"</a:t>
             </a:r>
             <a:r>
-              <a:rPr lang="de-CH" dirty="0" err="1"/>
+              <a:rPr lang="de-CH" dirty="0" err="1">
+                <a:latin typeface="Consolas" panose="020B0609020204030204" pitchFamily="49" charset="0"/>
+              </a:rPr>
               <a:t>lastname</a:t>
             </a:r>
             <a:r>
-              <a:rPr lang="de-CH" dirty="0"/>
+              <a:rPr lang="de-CH" dirty="0">
+                <a:latin typeface="Consolas" panose="020B0609020204030204" pitchFamily="49" charset="0"/>
+              </a:rPr>
               <a:t>"},{name:"2name",lastname:"2lastname"}]</a:t>
             </a:r>
           </a:p>
@@ -5713,12 +6147,6 @@
           <a:p>
             <a:r>
               <a:rPr lang="de-CH" dirty="0"/>
-              <a:t>Wo JavaScript gebraucht werden sollte</a:t>
-            </a:r>
-          </a:p>
-          <a:p>
-            <a:r>
-              <a:rPr lang="de-CH" dirty="0"/>
               <a:t>Läuft meistens auf Clients</a:t>
             </a:r>
           </a:p>
@@ -5805,11 +6233,15 @@
               <a:buNone/>
             </a:pPr>
             <a:r>
-              <a:rPr lang="de-CH" dirty="0" err="1"/>
+              <a:rPr lang="de-CH" dirty="0" err="1">
+                <a:latin typeface="Consolas" panose="020B0609020204030204" pitchFamily="49" charset="0"/>
+              </a:rPr>
               <a:t>try</a:t>
             </a:r>
             <a:r>
-              <a:rPr lang="de-CH" dirty="0"/>
+              <a:rPr lang="de-CH" dirty="0">
+                <a:latin typeface="Consolas" panose="020B0609020204030204" pitchFamily="49" charset="0"/>
+              </a:rPr>
               <a:t>{</a:t>
             </a:r>
           </a:p>
@@ -5818,15 +6250,21 @@
               <a:buNone/>
             </a:pPr>
             <a:r>
-              <a:rPr lang="de-CH" dirty="0"/>
+              <a:rPr lang="de-CH" dirty="0">
+                <a:latin typeface="Consolas" panose="020B0609020204030204" pitchFamily="49" charset="0"/>
+              </a:rPr>
               <a:t>	do </a:t>
             </a:r>
             <a:r>
-              <a:rPr lang="de-CH" dirty="0" err="1"/>
+              <a:rPr lang="de-CH" dirty="0" err="1">
+                <a:latin typeface="Consolas" panose="020B0609020204030204" pitchFamily="49" charset="0"/>
+              </a:rPr>
               <a:t>stuff</a:t>
             </a:r>
             <a:r>
-              <a:rPr lang="de-CH" dirty="0"/>
+              <a:rPr lang="de-CH" dirty="0">
+                <a:latin typeface="Consolas" panose="020B0609020204030204" pitchFamily="49" charset="0"/>
+              </a:rPr>
               <a:t>;</a:t>
             </a:r>
           </a:p>
@@ -5835,15 +6273,21 @@
               <a:buNone/>
             </a:pPr>
             <a:r>
-              <a:rPr lang="de-CH" dirty="0"/>
+              <a:rPr lang="de-CH" dirty="0">
+                <a:latin typeface="Consolas" panose="020B0609020204030204" pitchFamily="49" charset="0"/>
+              </a:rPr>
               <a:t>}catch(</a:t>
             </a:r>
             <a:r>
-              <a:rPr lang="de-CH" dirty="0" err="1"/>
+              <a:rPr lang="de-CH" dirty="0" err="1">
+                <a:latin typeface="Consolas" panose="020B0609020204030204" pitchFamily="49" charset="0"/>
+              </a:rPr>
               <a:t>err</a:t>
             </a:r>
             <a:r>
-              <a:rPr lang="de-CH" dirty="0"/>
+              <a:rPr lang="de-CH" dirty="0">
+                <a:latin typeface="Consolas" panose="020B0609020204030204" pitchFamily="49" charset="0"/>
+              </a:rPr>
               <a:t>){</a:t>
             </a:r>
           </a:p>
@@ -5852,15 +6296,21 @@
               <a:buNone/>
             </a:pPr>
             <a:r>
-              <a:rPr lang="de-CH" dirty="0"/>
+              <a:rPr lang="de-CH" dirty="0">
+                <a:latin typeface="Consolas" panose="020B0609020204030204" pitchFamily="49" charset="0"/>
+              </a:rPr>
               <a:t>	console.log(</a:t>
             </a:r>
             <a:r>
-              <a:rPr lang="de-CH" dirty="0" err="1"/>
+              <a:rPr lang="de-CH" dirty="0" err="1">
+                <a:latin typeface="Consolas" panose="020B0609020204030204" pitchFamily="49" charset="0"/>
+              </a:rPr>
               <a:t>err</a:t>
             </a:r>
             <a:r>
-              <a:rPr lang="de-CH" dirty="0"/>
+              <a:rPr lang="de-CH" dirty="0">
+                <a:latin typeface="Consolas" panose="020B0609020204030204" pitchFamily="49" charset="0"/>
+              </a:rPr>
               <a:t>);</a:t>
             </a:r>
           </a:p>
@@ -5869,15 +6319,21 @@
               <a:buNone/>
             </a:pPr>
             <a:r>
-              <a:rPr lang="de-CH" dirty="0"/>
+              <a:rPr lang="de-CH" dirty="0">
+                <a:latin typeface="Consolas" panose="020B0609020204030204" pitchFamily="49" charset="0"/>
+              </a:rPr>
               <a:t>}</a:t>
             </a:r>
             <a:r>
-              <a:rPr lang="de-CH" dirty="0" err="1"/>
+              <a:rPr lang="de-CH" dirty="0" err="1">
+                <a:latin typeface="Consolas" panose="020B0609020204030204" pitchFamily="49" charset="0"/>
+              </a:rPr>
               <a:t>finally</a:t>
             </a:r>
             <a:r>
-              <a:rPr lang="de-CH" dirty="0"/>
+              <a:rPr lang="de-CH" dirty="0">
+                <a:latin typeface="Consolas" panose="020B0609020204030204" pitchFamily="49" charset="0"/>
+              </a:rPr>
               <a:t>{</a:t>
             </a:r>
           </a:p>
@@ -5886,15 +6342,21 @@
               <a:buNone/>
             </a:pPr>
             <a:r>
-              <a:rPr lang="de-CH" dirty="0"/>
+              <a:rPr lang="de-CH" dirty="0">
+                <a:latin typeface="Consolas" panose="020B0609020204030204" pitchFamily="49" charset="0"/>
+              </a:rPr>
               <a:t>	do </a:t>
             </a:r>
             <a:r>
-              <a:rPr lang="de-CH" dirty="0" err="1"/>
+              <a:rPr lang="de-CH" dirty="0" err="1">
+                <a:latin typeface="Consolas" panose="020B0609020204030204" pitchFamily="49" charset="0"/>
+              </a:rPr>
               <a:t>anyway</a:t>
             </a:r>
             <a:r>
-              <a:rPr lang="de-CH" dirty="0"/>
+              <a:rPr lang="de-CH" dirty="0">
+                <a:latin typeface="Consolas" panose="020B0609020204030204" pitchFamily="49" charset="0"/>
+              </a:rPr>
               <a:t>;</a:t>
             </a:r>
           </a:p>
@@ -5903,7 +6365,9 @@
               <a:buNone/>
             </a:pPr>
             <a:r>
-              <a:rPr lang="de-CH" dirty="0"/>
+              <a:rPr lang="de-CH" dirty="0">
+                <a:latin typeface="Consolas" panose="020B0609020204030204" pitchFamily="49" charset="0"/>
+              </a:rPr>
               <a:t>}</a:t>
             </a:r>
           </a:p>
@@ -5977,25 +6441,35 @@
           <a:lstStyle/>
           <a:p>
             <a:r>
-              <a:rPr lang="de-CH" dirty="0"/>
+              <a:rPr lang="de-CH" dirty="0">
+                <a:latin typeface="Consolas" panose="020B0609020204030204" pitchFamily="49" charset="0"/>
+              </a:rPr>
               <a:t>Console.log() ;)</a:t>
             </a:r>
           </a:p>
           <a:p>
             <a:r>
-              <a:rPr lang="de-CH" dirty="0" err="1"/>
+              <a:rPr lang="de-CH" dirty="0" err="1">
+                <a:latin typeface="Consolas" panose="020B0609020204030204" pitchFamily="49" charset="0"/>
+              </a:rPr>
               <a:t>debugger</a:t>
             </a:r>
             <a:r>
-              <a:rPr lang="de-CH" dirty="0"/>
-              <a:t>; </a:t>
-            </a:r>
-            <a:r>
-              <a:rPr lang="de-CH" dirty="0" err="1"/>
+              <a:rPr lang="de-CH" dirty="0">
+                <a:latin typeface="Consolas" panose="020B0609020204030204" pitchFamily="49" charset="0"/>
+              </a:rPr>
+              <a:t>; //</a:t>
+            </a:r>
+            <a:r>
+              <a:rPr lang="de-CH" dirty="0" err="1">
+                <a:latin typeface="Consolas" panose="020B0609020204030204" pitchFamily="49" charset="0"/>
+              </a:rPr>
               <a:t>creates</a:t>
             </a:r>
             <a:r>
-              <a:rPr lang="de-CH" dirty="0"/>
+              <a:rPr lang="de-CH" dirty="0">
+                <a:latin typeface="Consolas" panose="020B0609020204030204" pitchFamily="49" charset="0"/>
+              </a:rPr>
               <a:t> a Breakpoint</a:t>
             </a:r>
           </a:p>
@@ -6211,75 +6685,89 @@
           <a:chExt cx="0" cy="0"/>
         </a:xfrm>
       </p:grpSpPr>
+      <p:sp>
+        <p:nvSpPr>
+          <p:cNvPr id="2" name="Titel 1">
+            <a:extLst>
+              <a:ext uri="{FF2B5EF4-FFF2-40B4-BE49-F238E27FC236}">
+                <a16:creationId xmlns:a16="http://schemas.microsoft.com/office/drawing/2014/main" id="{A4A116BE-8DF3-4080-A64A-B11908422230}"/>
+              </a:ext>
+            </a:extLst>
+          </p:cNvPr>
+          <p:cNvSpPr>
+            <a:spLocks noGrp="1"/>
+          </p:cNvSpPr>
+          <p:nvPr>
+            <p:ph type="title"/>
+          </p:nvPr>
+        </p:nvSpPr>
+        <p:spPr/>
+        <p:txBody>
+          <a:bodyPr/>
+          <a:lstStyle/>
+          <a:p>
+            <a:endParaRPr lang="de-CH"/>
+          </a:p>
+        </p:txBody>
+      </p:sp>
+      <p:sp>
+        <p:nvSpPr>
+          <p:cNvPr id="3" name="Inhaltsplatzhalter 2">
+            <a:extLst>
+              <a:ext uri="{FF2B5EF4-FFF2-40B4-BE49-F238E27FC236}">
+                <a16:creationId xmlns:a16="http://schemas.microsoft.com/office/drawing/2014/main" id="{A45A5657-8511-43BD-B841-5A3531F74DA4}"/>
+              </a:ext>
+            </a:extLst>
+          </p:cNvPr>
+          <p:cNvSpPr>
+            <a:spLocks noGrp="1"/>
+          </p:cNvSpPr>
+          <p:nvPr>
+            <p:ph idx="1"/>
+          </p:nvPr>
+        </p:nvSpPr>
+        <p:spPr/>
+        <p:txBody>
+          <a:bodyPr/>
+          <a:lstStyle/>
+          <a:p>
+            <a:endParaRPr lang="de-CH"/>
+          </a:p>
+        </p:txBody>
+      </p:sp>
       <p:pic>
         <p:nvPicPr>
-          <p:cNvPr id="2" name="Picture 1"/>
+          <p:cNvPr id="4" name="Grafik 3">
+            <a:extLst>
+              <a:ext uri="{FF2B5EF4-FFF2-40B4-BE49-F238E27FC236}">
+                <a16:creationId xmlns:a16="http://schemas.microsoft.com/office/drawing/2014/main" id="{CEAC43F0-AF07-443A-9112-262ED8CEDBDB}"/>
+              </a:ext>
+            </a:extLst>
+          </p:cNvPr>
           <p:cNvPicPr>
             <a:picLocks noChangeAspect="1"/>
           </p:cNvPicPr>
           <p:nvPr/>
         </p:nvPicPr>
-        <p:blipFill>
+        <p:blipFill rotWithShape="1">
           <a:blip r:embed="rId3"/>
-          <a:stretch>
-            <a:fillRect/>
-          </a:stretch>
+          <a:srcRect b="15255"/>
+          <a:stretch/>
         </p:blipFill>
         <p:spPr>
           <a:xfrm>
-            <a:off x="2057400" y="1085850"/>
-            <a:ext cx="8077200" cy="4686300"/>
+            <a:off x="1992442" y="365125"/>
+            <a:ext cx="8207115" cy="5811838"/>
           </a:xfrm>
           <a:prstGeom prst="rect">
             <a:avLst/>
           </a:prstGeom>
         </p:spPr>
       </p:pic>
-      <p:sp>
-        <p:nvSpPr>
-          <p:cNvPr id="3" name="Textfeld 2">
-            <a:extLst>
-              <a:ext uri="{FF2B5EF4-FFF2-40B4-BE49-F238E27FC236}">
-                <a16:creationId xmlns:a16="http://schemas.microsoft.com/office/drawing/2014/main" id="{A0ECBB95-E2D8-4423-BD03-A8EB1BA57B52}"/>
-              </a:ext>
-            </a:extLst>
-          </p:cNvPr>
-          <p:cNvSpPr txBox="1"/>
-          <p:nvPr/>
-        </p:nvSpPr>
-        <p:spPr>
-          <a:xfrm>
-            <a:off x="1266092" y="6063175"/>
-            <a:ext cx="4037428" cy="369332"/>
-          </a:xfrm>
-          <a:prstGeom prst="rect">
-            <a:avLst/>
-          </a:prstGeom>
-          <a:noFill/>
-        </p:spPr>
-        <p:txBody>
-          <a:bodyPr wrap="square" rtlCol="0">
-            <a:spAutoFit/>
-          </a:bodyPr>
-          <a:lstStyle/>
-          <a:p>
-            <a:r>
-              <a:rPr lang="de-CH" dirty="0">
-                <a:hlinkClick r:id="rId4"/>
-              </a:rPr>
-              <a:t>https://www.tiobe.com/tiobe-index/</a:t>
-            </a:r>
-            <a:r>
-              <a:rPr lang="de-CH" dirty="0"/>
-              <a:t> </a:t>
-            </a:r>
-          </a:p>
-        </p:txBody>
-      </p:sp>
     </p:spTree>
     <p:extLst>
       <p:ext uri="{BB962C8B-B14F-4D97-AF65-F5344CB8AC3E}">
-        <p14:creationId xmlns:p14="http://schemas.microsoft.com/office/powerpoint/2010/main" val="1224296795"/>
+        <p14:creationId xmlns:p14="http://schemas.microsoft.com/office/powerpoint/2010/main" val="4010205060"/>
       </p:ext>
     </p:extLst>
   </p:cSld>
@@ -6900,15 +7388,7 @@
             </a:r>
             <a:r>
               <a:rPr lang="de-CH" dirty="0"/>
-              <a:t> </a:t>
-            </a:r>
-            <a:r>
-              <a:rPr lang="de-CH" dirty="0" err="1"/>
-              <a:t>no</a:t>
-            </a:r>
-            <a:r>
-              <a:rPr lang="de-CH" dirty="0"/>
-              <a:t> </a:t>
+              <a:t>: kein </a:t>
             </a:r>
             <a:r>
               <a:rPr lang="de-CH" dirty="0" err="1"/>
@@ -6916,7 +7396,7 @@
             </a:r>
             <a:r>
               <a:rPr lang="de-CH" dirty="0"/>
-              <a:t>, different </a:t>
+              <a:t>, anderer </a:t>
             </a:r>
             <a:r>
               <a:rPr lang="de-CH" dirty="0" err="1"/>
@@ -6931,15 +7411,7 @@
             </a:r>
             <a:r>
               <a:rPr lang="de-CH" dirty="0"/>
-              <a:t> </a:t>
-            </a:r>
-            <a:r>
-              <a:rPr lang="de-CH" dirty="0" err="1"/>
-              <a:t>no</a:t>
-            </a:r>
-            <a:r>
-              <a:rPr lang="de-CH" dirty="0"/>
-              <a:t> </a:t>
+              <a:t>: kein </a:t>
             </a:r>
             <a:r>
               <a:rPr lang="de-CH" dirty="0" err="1"/>
@@ -6947,15 +7419,7 @@
             </a:r>
             <a:r>
               <a:rPr lang="de-CH" dirty="0"/>
-              <a:t>, </a:t>
-            </a:r>
-            <a:r>
-              <a:rPr lang="de-CH" dirty="0" err="1"/>
-              <a:t>no</a:t>
-            </a:r>
-            <a:r>
-              <a:rPr lang="de-CH" dirty="0"/>
-              <a:t> </a:t>
+              <a:t>, kein </a:t>
             </a:r>
             <a:r>
               <a:rPr lang="de-CH" dirty="0" err="1"/>

--- a/JSTraining.pptx
+++ b/JSTraining.pptx
@@ -226,7 +226,7 @@
           <a:p>
             <a:fld id="{B09D8FFF-C90B-E940-9216-23AD5EAD5BA9}" type="datetimeFigureOut">
               <a:rPr lang="en-GB" smtClean="0"/>
-              <a:t>01/03/2018</a:t>
+              <a:t>06/03/2018</a:t>
             </a:fld>
             <a:endParaRPr lang="en-GB"/>
           </a:p>
@@ -1336,7 +1336,7 @@
           <a:p>
             <a:fld id="{AD0C2843-B122-3545-BEB5-3CB839A21497}" type="datetimeFigureOut">
               <a:rPr lang="en-GB" smtClean="0"/>
-              <a:t>01/03/2018</a:t>
+              <a:t>06/03/2018</a:t>
             </a:fld>
             <a:endParaRPr lang="en-GB"/>
           </a:p>
@@ -1506,7 +1506,7 @@
           <a:p>
             <a:fld id="{AD0C2843-B122-3545-BEB5-3CB839A21497}" type="datetimeFigureOut">
               <a:rPr lang="en-GB" smtClean="0"/>
-              <a:t>01/03/2018</a:t>
+              <a:t>06/03/2018</a:t>
             </a:fld>
             <a:endParaRPr lang="en-GB"/>
           </a:p>
@@ -1686,7 +1686,7 @@
           <a:p>
             <a:fld id="{AD0C2843-B122-3545-BEB5-3CB839A21497}" type="datetimeFigureOut">
               <a:rPr lang="en-GB" smtClean="0"/>
-              <a:t>01/03/2018</a:t>
+              <a:t>06/03/2018</a:t>
             </a:fld>
             <a:endParaRPr lang="en-GB"/>
           </a:p>
@@ -1856,7 +1856,7 @@
           <a:p>
             <a:fld id="{AD0C2843-B122-3545-BEB5-3CB839A21497}" type="datetimeFigureOut">
               <a:rPr lang="en-GB" smtClean="0"/>
-              <a:t>01/03/2018</a:t>
+              <a:t>06/03/2018</a:t>
             </a:fld>
             <a:endParaRPr lang="en-GB"/>
           </a:p>
@@ -2102,7 +2102,7 @@
           <a:p>
             <a:fld id="{AD0C2843-B122-3545-BEB5-3CB839A21497}" type="datetimeFigureOut">
               <a:rPr lang="en-GB" smtClean="0"/>
-              <a:t>01/03/2018</a:t>
+              <a:t>06/03/2018</a:t>
             </a:fld>
             <a:endParaRPr lang="en-GB"/>
           </a:p>
@@ -2334,7 +2334,7 @@
           <a:p>
             <a:fld id="{AD0C2843-B122-3545-BEB5-3CB839A21497}" type="datetimeFigureOut">
               <a:rPr lang="en-GB" smtClean="0"/>
-              <a:t>01/03/2018</a:t>
+              <a:t>06/03/2018</a:t>
             </a:fld>
             <a:endParaRPr lang="en-GB"/>
           </a:p>
@@ -2701,7 +2701,7 @@
           <a:p>
             <a:fld id="{AD0C2843-B122-3545-BEB5-3CB839A21497}" type="datetimeFigureOut">
               <a:rPr lang="en-GB" smtClean="0"/>
-              <a:t>01/03/2018</a:t>
+              <a:t>06/03/2018</a:t>
             </a:fld>
             <a:endParaRPr lang="en-GB"/>
           </a:p>
@@ -2819,7 +2819,7 @@
           <a:p>
             <a:fld id="{AD0C2843-B122-3545-BEB5-3CB839A21497}" type="datetimeFigureOut">
               <a:rPr lang="en-GB" smtClean="0"/>
-              <a:t>01/03/2018</a:t>
+              <a:t>06/03/2018</a:t>
             </a:fld>
             <a:endParaRPr lang="en-GB"/>
           </a:p>
@@ -2914,7 +2914,7 @@
           <a:p>
             <a:fld id="{AD0C2843-B122-3545-BEB5-3CB839A21497}" type="datetimeFigureOut">
               <a:rPr lang="en-GB" smtClean="0"/>
-              <a:t>01/03/2018</a:t>
+              <a:t>06/03/2018</a:t>
             </a:fld>
             <a:endParaRPr lang="en-GB"/>
           </a:p>
@@ -3191,7 +3191,7 @@
           <a:p>
             <a:fld id="{AD0C2843-B122-3545-BEB5-3CB839A21497}" type="datetimeFigureOut">
               <a:rPr lang="en-GB" smtClean="0"/>
-              <a:t>01/03/2018</a:t>
+              <a:t>06/03/2018</a:t>
             </a:fld>
             <a:endParaRPr lang="en-GB"/>
           </a:p>
@@ -3444,7 +3444,7 @@
           <a:p>
             <a:fld id="{AD0C2843-B122-3545-BEB5-3CB839A21497}" type="datetimeFigureOut">
               <a:rPr lang="en-GB" smtClean="0"/>
-              <a:t>01/03/2018</a:t>
+              <a:t>06/03/2018</a:t>
             </a:fld>
             <a:endParaRPr lang="en-GB"/>
           </a:p>
@@ -3657,7 +3657,7 @@
           <a:p>
             <a:fld id="{AD0C2843-B122-3545-BEB5-3CB839A21497}" type="datetimeFigureOut">
               <a:rPr lang="en-GB" smtClean="0"/>
-              <a:t>01/03/2018</a:t>
+              <a:t>06/03/2018</a:t>
             </a:fld>
             <a:endParaRPr lang="en-GB"/>
           </a:p>
@@ -7209,7 +7209,7 @@
           <a:p>
             <a:r>
               <a:rPr lang="de-CH" dirty="0"/>
-              <a:t>Notepad ;)</a:t>
+              <a:t>Notepad++</a:t>
             </a:r>
           </a:p>
         </p:txBody>

--- a/JSTraining.pptx
+++ b/JSTraining.pptx
@@ -5,7 +5,7 @@
     <p:sldMasterId id="2147483648" r:id="rId1"/>
   </p:sldMasterIdLst>
   <p:notesMasterIdLst>
-    <p:notesMasterId r:id="rId25"/>
+    <p:notesMasterId r:id="rId26"/>
   </p:notesMasterIdLst>
   <p:sldIdLst>
     <p:sldId id="256" r:id="rId2"/>
@@ -15,22 +15,23 @@
     <p:sldId id="261" r:id="rId6"/>
     <p:sldId id="262" r:id="rId7"/>
     <p:sldId id="263" r:id="rId8"/>
-    <p:sldId id="264" r:id="rId9"/>
-    <p:sldId id="265" r:id="rId10"/>
-    <p:sldId id="266" r:id="rId11"/>
-    <p:sldId id="267" r:id="rId12"/>
-    <p:sldId id="268" r:id="rId13"/>
-    <p:sldId id="269" r:id="rId14"/>
-    <p:sldId id="270" r:id="rId15"/>
-    <p:sldId id="271" r:id="rId16"/>
-    <p:sldId id="273" r:id="rId17"/>
-    <p:sldId id="272" r:id="rId18"/>
-    <p:sldId id="274" r:id="rId19"/>
-    <p:sldId id="275" r:id="rId20"/>
-    <p:sldId id="276" r:id="rId21"/>
-    <p:sldId id="277" r:id="rId22"/>
+    <p:sldId id="265" r:id="rId9"/>
+    <p:sldId id="266" r:id="rId10"/>
+    <p:sldId id="267" r:id="rId11"/>
+    <p:sldId id="268" r:id="rId12"/>
+    <p:sldId id="269" r:id="rId13"/>
+    <p:sldId id="270" r:id="rId14"/>
+    <p:sldId id="271" r:id="rId15"/>
+    <p:sldId id="273" r:id="rId16"/>
+    <p:sldId id="272" r:id="rId17"/>
+    <p:sldId id="274" r:id="rId18"/>
+    <p:sldId id="275" r:id="rId19"/>
+    <p:sldId id="276" r:id="rId20"/>
+    <p:sldId id="277" r:id="rId21"/>
+    <p:sldId id="282" r:id="rId22"/>
     <p:sldId id="278" r:id="rId23"/>
     <p:sldId id="279" r:id="rId24"/>
+    <p:sldId id="281" r:id="rId25"/>
   </p:sldIdLst>
   <p:sldSz cx="12192000" cy="6858000"/>
   <p:notesSz cx="6858000" cy="9144000"/>
@@ -544,16 +545,10 @@
             </a:r>
           </a:p>
           <a:p>
-            <a:endParaRPr lang="de-CH" dirty="0"/>
-          </a:p>
-          <a:p>
             <a:r>
               <a:rPr lang="de-CH" dirty="0"/>
               <a:t>JS-Engine ist in allen Browsern verbaut, sie kann JavaScript interpretieren</a:t>
             </a:r>
-          </a:p>
-          <a:p>
-            <a:endParaRPr lang="de-CH" dirty="0"/>
           </a:p>
           <a:p>
             <a:r>
@@ -582,16 +577,10 @@
             </a:r>
           </a:p>
           <a:p>
-            <a:endParaRPr lang="de-CH" dirty="0"/>
-          </a:p>
-          <a:p>
             <a:r>
               <a:rPr lang="de-CH" dirty="0"/>
               <a:t>Frontend/Backend Technologie</a:t>
             </a:r>
-          </a:p>
-          <a:p>
-            <a:endParaRPr lang="de-CH" dirty="0"/>
           </a:p>
           <a:p>
             <a:pPr marL="0" marR="0" lvl="0" indent="0" algn="l" defTabSz="914400" rtl="0" eaLnBrk="1" fontAlgn="auto" latinLnBrk="0" hangingPunct="1">
@@ -624,9 +613,6 @@
               <a:t> auf, was auf «normalem» JavaScript basiert</a:t>
             </a:r>
           </a:p>
-          <a:p>
-            <a:endParaRPr lang="de-CH" dirty="0"/>
-          </a:p>
         </p:txBody>
       </p:sp>
       <p:sp>
@@ -656,6 +642,99 @@
     <p:extLst>
       <p:ext uri="{BB962C8B-B14F-4D97-AF65-F5344CB8AC3E}">
         <p14:creationId xmlns:p14="http://schemas.microsoft.com/office/powerpoint/2010/main" val="2577796029"/>
+      </p:ext>
+    </p:extLst>
+  </p:cSld>
+  <p:clrMapOvr>
+    <a:masterClrMapping/>
+  </p:clrMapOvr>
+</p:notes>
+</file>
+
+<file path=ppt/notesSlides/notesSlide10.xml><?xml version="1.0" encoding="utf-8"?>
+<p:notes xmlns:a="http://schemas.openxmlformats.org/drawingml/2006/main" xmlns:r="http://schemas.openxmlformats.org/officeDocument/2006/relationships" xmlns:p="http://schemas.openxmlformats.org/presentationml/2006/main">
+  <p:cSld>
+    <p:spTree>
+      <p:nvGrpSpPr>
+        <p:cNvPr id="1" name=""/>
+        <p:cNvGrpSpPr/>
+        <p:nvPr/>
+      </p:nvGrpSpPr>
+      <p:grpSpPr>
+        <a:xfrm>
+          <a:off x="0" y="0"/>
+          <a:ext cx="0" cy="0"/>
+          <a:chOff x="0" y="0"/>
+          <a:chExt cx="0" cy="0"/>
+        </a:xfrm>
+      </p:grpSpPr>
+      <p:sp>
+        <p:nvSpPr>
+          <p:cNvPr id="2" name="Folienbildplatzhalter 1"/>
+          <p:cNvSpPr>
+            <a:spLocks noGrp="1" noRot="1" noChangeAspect="1"/>
+          </p:cNvSpPr>
+          <p:nvPr>
+            <p:ph type="sldImg"/>
+          </p:nvPr>
+        </p:nvSpPr>
+        <p:spPr/>
+      </p:sp>
+      <p:sp>
+        <p:nvSpPr>
+          <p:cNvPr id="3" name="Notizenplatzhalter 2"/>
+          <p:cNvSpPr>
+            <a:spLocks noGrp="1"/>
+          </p:cNvSpPr>
+          <p:nvPr>
+            <p:ph type="body" idx="1"/>
+          </p:nvPr>
+        </p:nvSpPr>
+        <p:spPr/>
+        <p:txBody>
+          <a:bodyPr/>
+          <a:lstStyle/>
+          <a:p>
+            <a:r>
+              <a:rPr lang="de-CH" dirty="0"/>
+              <a:t>JS unsicher, weil Variablen keine Deklaration brauchen</a:t>
+            </a:r>
+          </a:p>
+          <a:p>
+            <a:r>
+              <a:rPr lang="de-CH" dirty="0"/>
+              <a:t>https://www.w3schools.com/js/js_strict.asp</a:t>
+            </a:r>
+          </a:p>
+        </p:txBody>
+      </p:sp>
+      <p:sp>
+        <p:nvSpPr>
+          <p:cNvPr id="4" name="Foliennummernplatzhalter 3"/>
+          <p:cNvSpPr>
+            <a:spLocks noGrp="1"/>
+          </p:cNvSpPr>
+          <p:nvPr>
+            <p:ph type="sldNum" sz="quarter" idx="10"/>
+          </p:nvPr>
+        </p:nvSpPr>
+        <p:spPr/>
+        <p:txBody>
+          <a:bodyPr/>
+          <a:lstStyle/>
+          <a:p>
+            <a:fld id="{44771577-2C5A-D741-B4F8-1C3FD3942A98}" type="slidenum">
+              <a:rPr lang="en-GB" smtClean="0"/>
+              <a:t>21</a:t>
+            </a:fld>
+            <a:endParaRPr lang="en-GB"/>
+          </a:p>
+        </p:txBody>
+      </p:sp>
+    </p:spTree>
+    <p:extLst>
+      <p:ext uri="{BB962C8B-B14F-4D97-AF65-F5344CB8AC3E}">
+        <p14:creationId xmlns:p14="http://schemas.microsoft.com/office/powerpoint/2010/main" val="3091983525"/>
       </p:ext>
     </p:extLst>
   </p:cSld>
@@ -728,7 +807,7 @@
             </a:pPr>
             <a:r>
               <a:rPr lang="de-CH" dirty="0"/>
-              <a:t>Sprachbeliebtheit</a:t>
+              <a:t>Sprachbeliebtheit (keine Aussage, wie gut eine Sprache ist)</a:t>
             </a:r>
           </a:p>
           <a:p>
@@ -878,7 +957,14 @@
               </a:rPr>
               <a:t>ES5 in allen modernen Browsern unterstützt (https://www.w3schools.com/js/js_versions.asp). </a:t>
             </a:r>
-            <a:endParaRPr lang="de-CH" dirty="0"/>
+          </a:p>
+          <a:p>
+            <a:r>
+              <a:rPr lang="de-CH" dirty="0">
+                <a:sym typeface="Wingdings" panose="05000000000000000000" pitchFamily="2" charset="2"/>
+              </a:rPr>
+              <a:t>Für noch mehr Infos zu ES6: https://webapplog.com/es6/</a:t>
+            </a:r>
           </a:p>
         </p:txBody>
       </p:sp>
@@ -968,9 +1054,6 @@
             </a:r>
           </a:p>
           <a:p>
-            <a:endParaRPr lang="de-CH" dirty="0"/>
-          </a:p>
-          <a:p>
             <a:r>
               <a:rPr lang="de-CH" dirty="0" err="1"/>
               <a:t>about:config</a:t>
@@ -1162,10 +1245,54 @@
           <a:bodyPr/>
           <a:lstStyle/>
           <a:p>
-            <a:r>
-              <a:rPr lang="de-CH" dirty="0"/>
-              <a:t>Diese Funktionen können auch auf anderen Elementen ausgeführt werden</a:t>
-            </a:r>
+            <a:pPr marL="0" marR="0" lvl="0" indent="0" algn="l" defTabSz="914400" rtl="0" eaLnBrk="1" fontAlgn="auto" latinLnBrk="0" hangingPunct="1">
+              <a:lnSpc>
+                <a:spcPct val="100000"/>
+              </a:lnSpc>
+              <a:spcBef>
+                <a:spcPts val="0"/>
+              </a:spcBef>
+              <a:spcAft>
+                <a:spcPts val="0"/>
+              </a:spcAft>
+              <a:buClrTx/>
+              <a:buSzTx/>
+              <a:buFontTx/>
+              <a:buNone/>
+              <a:tabLst/>
+              <a:defRPr/>
+            </a:pPr>
+            <a:r>
+              <a:rPr lang="de-CH" dirty="0">
+                <a:sym typeface="Wingdings" panose="05000000000000000000" pitchFamily="2" charset="2"/>
+              </a:rPr>
+              <a:t> Demo </a:t>
+            </a:r>
+            <a:r>
+              <a:rPr lang="de-CH" dirty="0" err="1">
+                <a:sym typeface="Wingdings" panose="05000000000000000000" pitchFamily="2" charset="2"/>
+              </a:rPr>
+              <a:t>var</a:t>
+            </a:r>
+            <a:r>
+              <a:rPr lang="de-CH" dirty="0">
+                <a:sym typeface="Wingdings" panose="05000000000000000000" pitchFamily="2" charset="2"/>
+              </a:rPr>
+              <a:t> vs. </a:t>
+            </a:r>
+            <a:r>
+              <a:rPr lang="de-CH" dirty="0" err="1">
+                <a:sym typeface="Wingdings" panose="05000000000000000000" pitchFamily="2" charset="2"/>
+              </a:rPr>
+              <a:t>let</a:t>
+            </a:r>
+            <a:r>
+              <a:rPr lang="de-CH" dirty="0">
+                <a:sym typeface="Wingdings" panose="05000000000000000000" pitchFamily="2" charset="2"/>
+              </a:rPr>
+              <a:t> (im Browser)</a:t>
+            </a:r>
+            <a:endParaRPr lang="de-CH" dirty="0"/>
           </a:p>
         </p:txBody>
       </p:sp>
@@ -1186,7 +1313,181 @@
           <a:p>
             <a:fld id="{44771577-2C5A-D741-B4F8-1C3FD3942A98}" type="slidenum">
               <a:rPr lang="en-GB" smtClean="0"/>
-              <a:t>12</a:t>
+              <a:t>8</a:t>
+            </a:fld>
+            <a:endParaRPr lang="en-GB"/>
+          </a:p>
+        </p:txBody>
+      </p:sp>
+    </p:spTree>
+    <p:extLst>
+      <p:ext uri="{BB962C8B-B14F-4D97-AF65-F5344CB8AC3E}">
+        <p14:creationId xmlns:p14="http://schemas.microsoft.com/office/powerpoint/2010/main" val="922053855"/>
+      </p:ext>
+    </p:extLst>
+  </p:cSld>
+  <p:clrMapOvr>
+    <a:masterClrMapping/>
+  </p:clrMapOvr>
+</p:notes>
+</file>
+
+<file path=ppt/notesSlides/notesSlide7.xml><?xml version="1.0" encoding="utf-8"?>
+<p:notes xmlns:a="http://schemas.openxmlformats.org/drawingml/2006/main" xmlns:r="http://schemas.openxmlformats.org/officeDocument/2006/relationships" xmlns:p="http://schemas.openxmlformats.org/presentationml/2006/main">
+  <p:cSld>
+    <p:spTree>
+      <p:nvGrpSpPr>
+        <p:cNvPr id="1" name=""/>
+        <p:cNvGrpSpPr/>
+        <p:nvPr/>
+      </p:nvGrpSpPr>
+      <p:grpSpPr>
+        <a:xfrm>
+          <a:off x="0" y="0"/>
+          <a:ext cx="0" cy="0"/>
+          <a:chOff x="0" y="0"/>
+          <a:chExt cx="0" cy="0"/>
+        </a:xfrm>
+      </p:grpSpPr>
+      <p:sp>
+        <p:nvSpPr>
+          <p:cNvPr id="2" name="Folienbildplatzhalter 1"/>
+          <p:cNvSpPr>
+            <a:spLocks noGrp="1" noRot="1" noChangeAspect="1"/>
+          </p:cNvSpPr>
+          <p:nvPr>
+            <p:ph type="sldImg"/>
+          </p:nvPr>
+        </p:nvSpPr>
+        <p:spPr/>
+      </p:sp>
+      <p:sp>
+        <p:nvSpPr>
+          <p:cNvPr id="3" name="Notizenplatzhalter 2"/>
+          <p:cNvSpPr>
+            <a:spLocks noGrp="1"/>
+          </p:cNvSpPr>
+          <p:nvPr>
+            <p:ph type="body" idx="1"/>
+          </p:nvPr>
+        </p:nvSpPr>
+        <p:spPr/>
+        <p:txBody>
+          <a:bodyPr/>
+          <a:lstStyle/>
+          <a:p>
+            <a:r>
+              <a:rPr lang="de-CH" dirty="0"/>
+              <a:t>https://developer.mozilla.org/de/docs/Web/JavaScript/Reference/Global_Objects/Array/forEach</a:t>
+            </a:r>
+          </a:p>
+        </p:txBody>
+      </p:sp>
+      <p:sp>
+        <p:nvSpPr>
+          <p:cNvPr id="4" name="Foliennummernplatzhalter 3"/>
+          <p:cNvSpPr>
+            <a:spLocks noGrp="1"/>
+          </p:cNvSpPr>
+          <p:nvPr>
+            <p:ph type="sldNum" sz="quarter" idx="10"/>
+          </p:nvPr>
+        </p:nvSpPr>
+        <p:spPr/>
+        <p:txBody>
+          <a:bodyPr/>
+          <a:lstStyle/>
+          <a:p>
+            <a:fld id="{44771577-2C5A-D741-B4F8-1C3FD3942A98}" type="slidenum">
+              <a:rPr lang="en-GB" smtClean="0"/>
+              <a:t>10</a:t>
+            </a:fld>
+            <a:endParaRPr lang="en-GB"/>
+          </a:p>
+        </p:txBody>
+      </p:sp>
+    </p:spTree>
+    <p:extLst>
+      <p:ext uri="{BB962C8B-B14F-4D97-AF65-F5344CB8AC3E}">
+        <p14:creationId xmlns:p14="http://schemas.microsoft.com/office/powerpoint/2010/main" val="1294132467"/>
+      </p:ext>
+    </p:extLst>
+  </p:cSld>
+  <p:clrMapOvr>
+    <a:masterClrMapping/>
+  </p:clrMapOvr>
+</p:notes>
+</file>
+
+<file path=ppt/notesSlides/notesSlide8.xml><?xml version="1.0" encoding="utf-8"?>
+<p:notes xmlns:a="http://schemas.openxmlformats.org/drawingml/2006/main" xmlns:r="http://schemas.openxmlformats.org/officeDocument/2006/relationships" xmlns:p="http://schemas.openxmlformats.org/presentationml/2006/main">
+  <p:cSld>
+    <p:spTree>
+      <p:nvGrpSpPr>
+        <p:cNvPr id="1" name=""/>
+        <p:cNvGrpSpPr/>
+        <p:nvPr/>
+      </p:nvGrpSpPr>
+      <p:grpSpPr>
+        <a:xfrm>
+          <a:off x="0" y="0"/>
+          <a:ext cx="0" cy="0"/>
+          <a:chOff x="0" y="0"/>
+          <a:chExt cx="0" cy="0"/>
+        </a:xfrm>
+      </p:grpSpPr>
+      <p:sp>
+        <p:nvSpPr>
+          <p:cNvPr id="2" name="Folienbildplatzhalter 1"/>
+          <p:cNvSpPr>
+            <a:spLocks noGrp="1" noRot="1" noChangeAspect="1"/>
+          </p:cNvSpPr>
+          <p:nvPr>
+            <p:ph type="sldImg"/>
+          </p:nvPr>
+        </p:nvSpPr>
+        <p:spPr/>
+      </p:sp>
+      <p:sp>
+        <p:nvSpPr>
+          <p:cNvPr id="3" name="Notizenplatzhalter 2"/>
+          <p:cNvSpPr>
+            <a:spLocks noGrp="1"/>
+          </p:cNvSpPr>
+          <p:nvPr>
+            <p:ph type="body" idx="1"/>
+          </p:nvPr>
+        </p:nvSpPr>
+        <p:spPr/>
+        <p:txBody>
+          <a:bodyPr/>
+          <a:lstStyle/>
+          <a:p>
+            <a:r>
+              <a:rPr lang="de-CH" dirty="0"/>
+              <a:t>Diese Funktionen können auch auf anderen Elementen ausgeführt werden</a:t>
+            </a:r>
+          </a:p>
+        </p:txBody>
+      </p:sp>
+      <p:sp>
+        <p:nvSpPr>
+          <p:cNvPr id="4" name="Foliennummernplatzhalter 3"/>
+          <p:cNvSpPr>
+            <a:spLocks noGrp="1"/>
+          </p:cNvSpPr>
+          <p:nvPr>
+            <p:ph type="sldNum" sz="quarter" idx="10"/>
+          </p:nvPr>
+        </p:nvSpPr>
+        <p:spPr/>
+        <p:txBody>
+          <a:bodyPr/>
+          <a:lstStyle/>
+          <a:p>
+            <a:fld id="{44771577-2C5A-D741-B4F8-1C3FD3942A98}" type="slidenum">
+              <a:rPr lang="en-GB" smtClean="0"/>
+              <a:t>11</a:t>
             </a:fld>
             <a:endParaRPr lang="en-GB"/>
           </a:p>
@@ -1196,6 +1497,93 @@
     <p:extLst>
       <p:ext uri="{BB962C8B-B14F-4D97-AF65-F5344CB8AC3E}">
         <p14:creationId xmlns:p14="http://schemas.microsoft.com/office/powerpoint/2010/main" val="2865203434"/>
+      </p:ext>
+    </p:extLst>
+  </p:cSld>
+  <p:clrMapOvr>
+    <a:masterClrMapping/>
+  </p:clrMapOvr>
+</p:notes>
+</file>
+
+<file path=ppt/notesSlides/notesSlide9.xml><?xml version="1.0" encoding="utf-8"?>
+<p:notes xmlns:a="http://schemas.openxmlformats.org/drawingml/2006/main" xmlns:r="http://schemas.openxmlformats.org/officeDocument/2006/relationships" xmlns:p="http://schemas.openxmlformats.org/presentationml/2006/main">
+  <p:cSld>
+    <p:spTree>
+      <p:nvGrpSpPr>
+        <p:cNvPr id="1" name=""/>
+        <p:cNvGrpSpPr/>
+        <p:nvPr/>
+      </p:nvGrpSpPr>
+      <p:grpSpPr>
+        <a:xfrm>
+          <a:off x="0" y="0"/>
+          <a:ext cx="0" cy="0"/>
+          <a:chOff x="0" y="0"/>
+          <a:chExt cx="0" cy="0"/>
+        </a:xfrm>
+      </p:grpSpPr>
+      <p:sp>
+        <p:nvSpPr>
+          <p:cNvPr id="2" name="Folienbildplatzhalter 1"/>
+          <p:cNvSpPr>
+            <a:spLocks noGrp="1" noRot="1" noChangeAspect="1"/>
+          </p:cNvSpPr>
+          <p:nvPr>
+            <p:ph type="sldImg"/>
+          </p:nvPr>
+        </p:nvSpPr>
+        <p:spPr/>
+      </p:sp>
+      <p:sp>
+        <p:nvSpPr>
+          <p:cNvPr id="3" name="Notizenplatzhalter 2"/>
+          <p:cNvSpPr>
+            <a:spLocks noGrp="1"/>
+          </p:cNvSpPr>
+          <p:nvPr>
+            <p:ph type="body" idx="1"/>
+          </p:nvPr>
+        </p:nvSpPr>
+        <p:spPr/>
+        <p:txBody>
+          <a:bodyPr/>
+          <a:lstStyle/>
+          <a:p>
+            <a:r>
+              <a:rPr lang="de-CH" dirty="0"/>
+              <a:t>https://www.w3schools.com/js/js_array_methods.asp </a:t>
+            </a:r>
+          </a:p>
+        </p:txBody>
+      </p:sp>
+      <p:sp>
+        <p:nvSpPr>
+          <p:cNvPr id="4" name="Foliennummernplatzhalter 3"/>
+          <p:cNvSpPr>
+            <a:spLocks noGrp="1"/>
+          </p:cNvSpPr>
+          <p:nvPr>
+            <p:ph type="sldNum" sz="quarter" idx="10"/>
+          </p:nvPr>
+        </p:nvSpPr>
+        <p:spPr/>
+        <p:txBody>
+          <a:bodyPr/>
+          <a:lstStyle/>
+          <a:p>
+            <a:fld id="{44771577-2C5A-D741-B4F8-1C3FD3942A98}" type="slidenum">
+              <a:rPr lang="en-GB" smtClean="0"/>
+              <a:t>16</a:t>
+            </a:fld>
+            <a:endParaRPr lang="en-GB"/>
+          </a:p>
+        </p:txBody>
+      </p:sp>
+    </p:spTree>
+    <p:extLst>
+      <p:ext uri="{BB962C8B-B14F-4D97-AF65-F5344CB8AC3E}">
+        <p14:creationId xmlns:p14="http://schemas.microsoft.com/office/powerpoint/2010/main" val="3629272503"/>
       </p:ext>
     </p:extLst>
   </p:cSld>
@@ -4194,28 +4582,8 @@
           <a:lstStyle/>
           <a:p>
             <a:r>
-              <a:rPr lang="de-CH" dirty="0" err="1"/>
-              <a:t>If</a:t>
-            </a:r>
-            <a:r>
-              <a:rPr lang="de-CH" dirty="0"/>
-              <a:t>, </a:t>
-            </a:r>
-            <a:r>
-              <a:rPr lang="de-CH" dirty="0" err="1"/>
-              <a:t>else</a:t>
-            </a:r>
-            <a:r>
-              <a:rPr lang="de-CH" dirty="0"/>
-              <a:t> </a:t>
-            </a:r>
-            <a:r>
-              <a:rPr lang="de-CH" dirty="0" err="1"/>
-              <a:t>if</a:t>
-            </a:r>
-            <a:r>
-              <a:rPr lang="de-CH" dirty="0"/>
-              <a:t>, Switch</a:t>
+              <a:rPr lang="de-CH" dirty="0"/>
+              <a:t>Loops</a:t>
             </a:r>
           </a:p>
         </p:txBody>
@@ -4235,14 +4603,49 @@
           <a:bodyPr/>
           <a:lstStyle/>
           <a:p>
-            <a:pPr marL="0" indent="0">
-              <a:buNone/>
-            </a:pPr>
             <a:r>
               <a:rPr lang="de-CH" dirty="0" err="1">
                 <a:latin typeface="Consolas" panose="020B0609020204030204" pitchFamily="49" charset="0"/>
               </a:rPr>
-              <a:t>if</a:t>
+              <a:t>for</a:t>
+            </a:r>
+            <a:r>
+              <a:rPr lang="de-CH" dirty="0">
+                <a:latin typeface="Consolas" panose="020B0609020204030204" pitchFamily="49" charset="0"/>
+              </a:rPr>
+              <a:t> (i = </a:t>
+            </a:r>
+            <a:r>
+              <a:rPr lang="de-CH">
+                <a:latin typeface="Consolas" panose="020B0609020204030204" pitchFamily="49" charset="0"/>
+              </a:rPr>
+              <a:t>0; i </a:t>
+            </a:r>
+            <a:r>
+              <a:rPr lang="de-CH" dirty="0">
+                <a:latin typeface="Consolas" panose="020B0609020204030204" pitchFamily="49" charset="0"/>
+              </a:rPr>
+              <a:t>&lt; </a:t>
+            </a:r>
+            <a:r>
+              <a:rPr lang="de-CH">
+                <a:latin typeface="Consolas" panose="020B0609020204030204" pitchFamily="49" charset="0"/>
+              </a:rPr>
+              <a:t>10; i</a:t>
+            </a:r>
+            <a:r>
+              <a:rPr lang="de-CH" dirty="0">
+                <a:latin typeface="Consolas" panose="020B0609020204030204" pitchFamily="49" charset="0"/>
+              </a:rPr>
+              <a:t>++){console.log(i);}</a:t>
+            </a:r>
+          </a:p>
+          <a:p>
+            <a:r>
+              <a:rPr lang="de-CH" dirty="0" err="1">
+                <a:latin typeface="Consolas" panose="020B0609020204030204" pitchFamily="49" charset="0"/>
+              </a:rPr>
+              <a:t>for</a:t>
             </a:r>
             <a:r>
               <a:rPr lang="de-CH" dirty="0">
@@ -4254,62 +4657,126 @@
               <a:rPr lang="de-CH" dirty="0" err="1">
                 <a:latin typeface="Consolas" panose="020B0609020204030204" pitchFamily="49" charset="0"/>
               </a:rPr>
+              <a:t>elem</a:t>
+            </a:r>
+            <a:r>
+              <a:rPr lang="de-CH" dirty="0">
+                <a:latin typeface="Consolas" panose="020B0609020204030204" pitchFamily="49" charset="0"/>
+              </a:rPr>
+              <a:t> in </a:t>
+            </a:r>
+            <a:r>
+              <a:rPr lang="de-CH" dirty="0" err="1">
+                <a:latin typeface="Consolas" panose="020B0609020204030204" pitchFamily="49" charset="0"/>
+              </a:rPr>
+              <a:t>array</a:t>
+            </a:r>
+            <a:r>
+              <a:rPr lang="de-CH" dirty="0">
+                <a:latin typeface="Consolas" panose="020B0609020204030204" pitchFamily="49" charset="0"/>
+              </a:rPr>
+              <a:t>){console.log(x);}</a:t>
+            </a:r>
+          </a:p>
+          <a:p>
+            <a:r>
+              <a:rPr lang="de-CH" dirty="0" err="1">
+                <a:latin typeface="Consolas" panose="020B0609020204030204" pitchFamily="49" charset="0"/>
+              </a:rPr>
+              <a:t>while</a:t>
+            </a:r>
+            <a:r>
+              <a:rPr lang="de-CH" dirty="0">
+                <a:latin typeface="Consolas" panose="020B0609020204030204" pitchFamily="49" charset="0"/>
+              </a:rPr>
+              <a:t> (</a:t>
+            </a:r>
+            <a:r>
+              <a:rPr lang="de-CH" dirty="0" err="1">
+                <a:latin typeface="Consolas" panose="020B0609020204030204" pitchFamily="49" charset="0"/>
+              </a:rPr>
               <a:t>true</a:t>
             </a:r>
             <a:r>
               <a:rPr lang="de-CH" dirty="0">
                 <a:latin typeface="Consolas" panose="020B0609020204030204" pitchFamily="49" charset="0"/>
               </a:rPr>
-              <a:t>){</a:t>
-            </a:r>
-          </a:p>
-          <a:p>
-            <a:pPr marL="0" indent="0">
-              <a:buNone/>
-            </a:pPr>
-            <a:r>
-              <a:rPr lang="de-CH" dirty="0">
-                <a:latin typeface="Consolas" panose="020B0609020204030204" pitchFamily="49" charset="0"/>
-              </a:rPr>
-              <a:t>	do </a:t>
+              <a:t>){console.log(i)}</a:t>
+            </a:r>
+          </a:p>
+          <a:p>
+            <a:r>
+              <a:rPr lang="de-CH" dirty="0">
+                <a:latin typeface="Consolas" panose="020B0609020204030204" pitchFamily="49" charset="0"/>
+              </a:rPr>
+              <a:t>do {console.log(i)} </a:t>
             </a:r>
             <a:r>
               <a:rPr lang="de-CH" dirty="0" err="1">
                 <a:latin typeface="Consolas" panose="020B0609020204030204" pitchFamily="49" charset="0"/>
               </a:rPr>
-              <a:t>stuff</a:t>
-            </a:r>
+              <a:t>while</a:t>
+            </a:r>
+            <a:r>
+              <a:rPr lang="de-CH" dirty="0">
+                <a:latin typeface="Consolas" panose="020B0609020204030204" pitchFamily="49" charset="0"/>
+              </a:rPr>
+              <a:t>(</a:t>
+            </a:r>
+            <a:r>
+              <a:rPr lang="de-CH" dirty="0" err="1">
+                <a:latin typeface="Consolas" panose="020B0609020204030204" pitchFamily="49" charset="0"/>
+              </a:rPr>
+              <a:t>true</a:t>
+            </a:r>
+            <a:r>
+              <a:rPr lang="de-CH" dirty="0">
+                <a:latin typeface="Consolas" panose="020B0609020204030204" pitchFamily="49" charset="0"/>
+              </a:rPr>
+              <a:t>);</a:t>
+            </a:r>
+          </a:p>
+          <a:p>
             <a:endParaRPr lang="de-CH" dirty="0">
               <a:latin typeface="Consolas" panose="020B0609020204030204" pitchFamily="49" charset="0"/>
             </a:endParaRPr>
           </a:p>
           <a:p>
-            <a:pPr marL="0" indent="0">
-              <a:buNone/>
-            </a:pPr>
-            <a:r>
-              <a:rPr lang="de-CH" dirty="0">
-                <a:latin typeface="Consolas" panose="020B0609020204030204" pitchFamily="49" charset="0"/>
-              </a:rPr>
-              <a:t>}</a:t>
-            </a:r>
             <a:r>
               <a:rPr lang="de-CH" dirty="0" err="1">
                 <a:latin typeface="Consolas" panose="020B0609020204030204" pitchFamily="49" charset="0"/>
               </a:rPr>
-              <a:t>else</a:t>
-            </a:r>
-            <a:r>
-              <a:rPr lang="de-CH" dirty="0">
-                <a:latin typeface="Consolas" panose="020B0609020204030204" pitchFamily="49" charset="0"/>
-              </a:rPr>
-              <a:t> </a:t>
+              <a:t>array.forEach</a:t>
+            </a:r>
+            <a:r>
+              <a:rPr lang="de-CH" dirty="0">
+                <a:latin typeface="Consolas" panose="020B0609020204030204" pitchFamily="49" charset="0"/>
+              </a:rPr>
+              <a:t>((</a:t>
             </a:r>
             <a:r>
               <a:rPr lang="de-CH" dirty="0" err="1">
                 <a:latin typeface="Consolas" panose="020B0609020204030204" pitchFamily="49" charset="0"/>
               </a:rPr>
-              <a:t>if</a:t>
+              <a:t>e,i</a:t>
+            </a:r>
+            <a:r>
+              <a:rPr lang="de-CH" dirty="0">
+                <a:latin typeface="Consolas" panose="020B0609020204030204" pitchFamily="49" charset="0"/>
+              </a:rPr>
+              <a:t>) =&gt; console.log(e)); //</a:t>
+            </a:r>
+            <a:r>
+              <a:rPr lang="de-CH" dirty="0"/>
+              <a:t>(ES6)</a:t>
+            </a:r>
+          </a:p>
+          <a:p>
+            <a:r>
+              <a:rPr lang="de-CH" dirty="0" err="1">
+                <a:latin typeface="Consolas" panose="020B0609020204030204" pitchFamily="49" charset="0"/>
+              </a:rPr>
+              <a:t>array.forEach</a:t>
             </a:r>
             <a:r>
               <a:rPr lang="de-CH" dirty="0">
@@ -4321,146 +4788,37 @@
               <a:rPr lang="de-CH" dirty="0" err="1">
                 <a:latin typeface="Consolas" panose="020B0609020204030204" pitchFamily="49" charset="0"/>
               </a:rPr>
-              <a:t>true</a:t>
-            </a:r>
-            <a:r>
-              <a:rPr lang="de-CH" dirty="0">
-                <a:latin typeface="Consolas" panose="020B0609020204030204" pitchFamily="49" charset="0"/>
-              </a:rPr>
-              <a:t>){</a:t>
-            </a:r>
-          </a:p>
-          <a:p>
-            <a:pPr marL="0" indent="0">
-              <a:buNone/>
-            </a:pPr>
-            <a:r>
-              <a:rPr lang="de-CH" dirty="0">
-                <a:latin typeface="Consolas" panose="020B0609020204030204" pitchFamily="49" charset="0"/>
-              </a:rPr>
-              <a:t>	do </a:t>
+              <a:t>function</a:t>
+            </a:r>
+            <a:r>
+              <a:rPr lang="de-CH" dirty="0">
+                <a:latin typeface="Consolas" panose="020B0609020204030204" pitchFamily="49" charset="0"/>
+              </a:rPr>
+              <a:t>(</a:t>
             </a:r>
             <a:r>
               <a:rPr lang="de-CH" dirty="0" err="1">
                 <a:latin typeface="Consolas" panose="020B0609020204030204" pitchFamily="49" charset="0"/>
               </a:rPr>
-              <a:t>other</a:t>
-            </a:r>
-            <a:r>
-              <a:rPr lang="de-CH" dirty="0">
-                <a:latin typeface="Consolas" panose="020B0609020204030204" pitchFamily="49" charset="0"/>
-              </a:rPr>
-              <a:t> </a:t>
-            </a:r>
-            <a:r>
-              <a:rPr lang="de-CH" dirty="0" err="1">
-                <a:latin typeface="Consolas" panose="020B0609020204030204" pitchFamily="49" charset="0"/>
-              </a:rPr>
-              <a:t>stuff</a:t>
-            </a:r>
-            <a:endParaRPr lang="de-CH" dirty="0">
-              <a:latin typeface="Consolas" panose="020B0609020204030204" pitchFamily="49" charset="0"/>
-            </a:endParaRPr>
-          </a:p>
-          <a:p>
-            <a:pPr marL="0" indent="0">
-              <a:buNone/>
-            </a:pPr>
-            <a:r>
-              <a:rPr lang="de-CH" dirty="0">
-                <a:latin typeface="Consolas" panose="020B0609020204030204" pitchFamily="49" charset="0"/>
-              </a:rPr>
-              <a:t>}</a:t>
-            </a:r>
-            <a:r>
-              <a:rPr lang="de-CH" dirty="0" err="1">
-                <a:latin typeface="Consolas" panose="020B0609020204030204" pitchFamily="49" charset="0"/>
-              </a:rPr>
-              <a:t>else</a:t>
-            </a:r>
-            <a:r>
-              <a:rPr lang="de-CH" dirty="0">
-                <a:latin typeface="Consolas" panose="020B0609020204030204" pitchFamily="49" charset="0"/>
-              </a:rPr>
-              <a:t> {</a:t>
-            </a:r>
-          </a:p>
-          <a:p>
-            <a:pPr marL="0" indent="0">
-              <a:buNone/>
-            </a:pPr>
-            <a:r>
-              <a:rPr lang="de-CH" dirty="0">
-                <a:latin typeface="Consolas" panose="020B0609020204030204" pitchFamily="49" charset="0"/>
-              </a:rPr>
-              <a:t>	do </a:t>
-            </a:r>
-            <a:r>
-              <a:rPr lang="de-CH" dirty="0" err="1">
-                <a:latin typeface="Consolas" panose="020B0609020204030204" pitchFamily="49" charset="0"/>
-              </a:rPr>
-              <a:t>everything</a:t>
-            </a:r>
-            <a:r>
-              <a:rPr lang="de-CH" dirty="0">
-                <a:latin typeface="Consolas" panose="020B0609020204030204" pitchFamily="49" charset="0"/>
-              </a:rPr>
-              <a:t> </a:t>
-            </a:r>
-            <a:r>
-              <a:rPr lang="de-CH" dirty="0" err="1">
-                <a:latin typeface="Consolas" panose="020B0609020204030204" pitchFamily="49" charset="0"/>
-              </a:rPr>
-              <a:t>else</a:t>
-            </a:r>
-            <a:endParaRPr lang="de-CH" dirty="0">
-              <a:latin typeface="Consolas" panose="020B0609020204030204" pitchFamily="49" charset="0"/>
-            </a:endParaRPr>
-          </a:p>
-          <a:p>
-            <a:pPr marL="0" indent="0">
-              <a:buNone/>
-            </a:pPr>
-            <a:r>
-              <a:rPr lang="de-CH" dirty="0">
-                <a:latin typeface="Consolas" panose="020B0609020204030204" pitchFamily="49" charset="0"/>
-              </a:rPr>
-              <a:t>}</a:t>
-            </a:r>
-          </a:p>
-          <a:p>
-            <a:endParaRPr lang="de-CH" dirty="0"/>
-          </a:p>
-        </p:txBody>
-      </p:sp>
-      <p:pic>
-        <p:nvPicPr>
-          <p:cNvPr id="4" name="Picture 3"/>
-          <p:cNvPicPr>
-            <a:picLocks noChangeAspect="1"/>
-          </p:cNvPicPr>
-          <p:nvPr/>
-        </p:nvPicPr>
-        <p:blipFill>
-          <a:blip r:embed="rId2"/>
-          <a:stretch>
-            <a:fillRect/>
-          </a:stretch>
-        </p:blipFill>
-        <p:spPr>
-          <a:xfrm>
-            <a:off x="7181850" y="1825625"/>
-            <a:ext cx="3505200" cy="3443052"/>
-          </a:xfrm>
-          <a:prstGeom prst="rect">
-            <a:avLst/>
-          </a:prstGeom>
-        </p:spPr>
-      </p:pic>
+              <a:t>e,i</a:t>
+            </a:r>
+            <a:r>
+              <a:rPr lang="de-CH" dirty="0">
+                <a:latin typeface="Consolas" panose="020B0609020204030204" pitchFamily="49" charset="0"/>
+              </a:rPr>
+              <a:t>){console.log(e)});</a:t>
+            </a:r>
+            <a:r>
+              <a:rPr lang="de-CH" dirty="0"/>
+              <a:t> //(ES5)</a:t>
+            </a:r>
+          </a:p>
+        </p:txBody>
+      </p:sp>
     </p:spTree>
     <p:extLst>
       <p:ext uri="{BB962C8B-B14F-4D97-AF65-F5344CB8AC3E}">
-        <p14:creationId xmlns:p14="http://schemas.microsoft.com/office/powerpoint/2010/main" val="1450258862"/>
+        <p14:creationId xmlns:p14="http://schemas.microsoft.com/office/powerpoint/2010/main" val="702184386"/>
       </p:ext>
     </p:extLst>
   </p:cSld>
@@ -4504,7 +4862,23 @@
           <a:p>
             <a:r>
               <a:rPr lang="de-CH" dirty="0"/>
-              <a:t>Loops</a:t>
+              <a:t>Elemente vom </a:t>
+            </a:r>
+            <a:r>
+              <a:rPr lang="de-CH" dirty="0" err="1"/>
+              <a:t>Document</a:t>
+            </a:r>
+            <a:r>
+              <a:rPr lang="de-CH" dirty="0"/>
+              <a:t> </a:t>
+            </a:r>
+            <a:r>
+              <a:rPr lang="de-CH" dirty="0" err="1"/>
+              <a:t>Object</a:t>
+            </a:r>
+            <a:r>
+              <a:rPr lang="de-CH" dirty="0"/>
+              <a:t> Model</a:t>
             </a:r>
           </a:p>
         </p:txBody>
@@ -4528,136 +4902,8 @@
               <a:rPr lang="de-CH" dirty="0" err="1">
                 <a:latin typeface="Consolas" panose="020B0609020204030204" pitchFamily="49" charset="0"/>
               </a:rPr>
-              <a:t>for</a:t>
-            </a:r>
-            <a:r>
-              <a:rPr lang="de-CH" dirty="0">
-                <a:latin typeface="Consolas" panose="020B0609020204030204" pitchFamily="49" charset="0"/>
-              </a:rPr>
-              <a:t> (i = </a:t>
-            </a:r>
-            <a:r>
-              <a:rPr lang="de-CH">
-                <a:latin typeface="Consolas" panose="020B0609020204030204" pitchFamily="49" charset="0"/>
-              </a:rPr>
-              <a:t>0; i </a:t>
-            </a:r>
-            <a:r>
-              <a:rPr lang="de-CH" dirty="0">
-                <a:latin typeface="Consolas" panose="020B0609020204030204" pitchFamily="49" charset="0"/>
-              </a:rPr>
-              <a:t>&lt; </a:t>
-            </a:r>
-            <a:r>
-              <a:rPr lang="de-CH">
-                <a:latin typeface="Consolas" panose="020B0609020204030204" pitchFamily="49" charset="0"/>
-              </a:rPr>
-              <a:t>10; i</a:t>
-            </a:r>
-            <a:r>
-              <a:rPr lang="de-CH" dirty="0">
-                <a:latin typeface="Consolas" panose="020B0609020204030204" pitchFamily="49" charset="0"/>
-              </a:rPr>
-              <a:t>++){console.log(i);}</a:t>
-            </a:r>
-          </a:p>
-          <a:p>
-            <a:r>
-              <a:rPr lang="de-CH" dirty="0" err="1">
-                <a:latin typeface="Consolas" panose="020B0609020204030204" pitchFamily="49" charset="0"/>
-              </a:rPr>
-              <a:t>for</a:t>
-            </a:r>
-            <a:r>
-              <a:rPr lang="de-CH" dirty="0">
-                <a:latin typeface="Consolas" panose="020B0609020204030204" pitchFamily="49" charset="0"/>
-              </a:rPr>
-              <a:t>(</a:t>
-            </a:r>
-            <a:r>
-              <a:rPr lang="de-CH" dirty="0" err="1">
-                <a:latin typeface="Consolas" panose="020B0609020204030204" pitchFamily="49" charset="0"/>
-              </a:rPr>
-              <a:t>elem</a:t>
-            </a:r>
-            <a:r>
-              <a:rPr lang="de-CH" dirty="0">
-                <a:latin typeface="Consolas" panose="020B0609020204030204" pitchFamily="49" charset="0"/>
-              </a:rPr>
-              <a:t> in </a:t>
-            </a:r>
-            <a:r>
-              <a:rPr lang="de-CH" dirty="0" err="1">
-                <a:latin typeface="Consolas" panose="020B0609020204030204" pitchFamily="49" charset="0"/>
-              </a:rPr>
-              <a:t>array</a:t>
-            </a:r>
-            <a:r>
-              <a:rPr lang="de-CH" dirty="0">
-                <a:latin typeface="Consolas" panose="020B0609020204030204" pitchFamily="49" charset="0"/>
-              </a:rPr>
-              <a:t>){console.log(x);}</a:t>
-            </a:r>
-          </a:p>
-          <a:p>
-            <a:r>
-              <a:rPr lang="de-CH" dirty="0" err="1">
-                <a:latin typeface="Consolas" panose="020B0609020204030204" pitchFamily="49" charset="0"/>
-              </a:rPr>
-              <a:t>while</a:t>
-            </a:r>
-            <a:r>
-              <a:rPr lang="de-CH" dirty="0">
-                <a:latin typeface="Consolas" panose="020B0609020204030204" pitchFamily="49" charset="0"/>
-              </a:rPr>
-              <a:t> (</a:t>
-            </a:r>
-            <a:r>
-              <a:rPr lang="de-CH" dirty="0" err="1">
-                <a:latin typeface="Consolas" panose="020B0609020204030204" pitchFamily="49" charset="0"/>
-              </a:rPr>
-              <a:t>true</a:t>
-            </a:r>
-            <a:r>
-              <a:rPr lang="de-CH" dirty="0">
-                <a:latin typeface="Consolas" panose="020B0609020204030204" pitchFamily="49" charset="0"/>
-              </a:rPr>
-              <a:t>){console.log(i)}</a:t>
-            </a:r>
-          </a:p>
-          <a:p>
-            <a:r>
-              <a:rPr lang="de-CH" dirty="0">
-                <a:latin typeface="Consolas" panose="020B0609020204030204" pitchFamily="49" charset="0"/>
-              </a:rPr>
-              <a:t>do {console.log(i)} </a:t>
-            </a:r>
-            <a:r>
-              <a:rPr lang="de-CH" dirty="0" err="1">
-                <a:latin typeface="Consolas" panose="020B0609020204030204" pitchFamily="49" charset="0"/>
-              </a:rPr>
-              <a:t>while</a:t>
-            </a:r>
-            <a:r>
-              <a:rPr lang="de-CH" dirty="0">
-                <a:latin typeface="Consolas" panose="020B0609020204030204" pitchFamily="49" charset="0"/>
-              </a:rPr>
-              <a:t>(</a:t>
-            </a:r>
-            <a:r>
-              <a:rPr lang="de-CH" dirty="0" err="1">
-                <a:latin typeface="Consolas" panose="020B0609020204030204" pitchFamily="49" charset="0"/>
-              </a:rPr>
-              <a:t>true</a:t>
-            </a:r>
-            <a:r>
-              <a:rPr lang="de-CH" dirty="0">
-                <a:latin typeface="Consolas" panose="020B0609020204030204" pitchFamily="49" charset="0"/>
-              </a:rPr>
-              <a:t>);</a:t>
-            </a:r>
-          </a:p>
-          <a:p>
+              <a:t>document</a:t>
+            </a:r>
             <a:endParaRPr lang="de-CH" dirty="0">
               <a:latin typeface="Consolas" panose="020B0609020204030204" pitchFamily="49" charset="0"/>
             </a:endParaRPr>
@@ -4667,79 +4913,166 @@
               <a:rPr lang="de-CH" dirty="0" err="1">
                 <a:latin typeface="Consolas" panose="020B0609020204030204" pitchFamily="49" charset="0"/>
               </a:rPr>
-              <a:t>array.forEach</a:t>
-            </a:r>
-            <a:r>
-              <a:rPr lang="de-CH" dirty="0">
-                <a:latin typeface="Consolas" panose="020B0609020204030204" pitchFamily="49" charset="0"/>
-              </a:rPr>
-              <a:t>((</a:t>
+              <a:t>document.getElementsByTagName</a:t>
+            </a:r>
+            <a:r>
+              <a:rPr lang="de-CH" dirty="0">
+                <a:latin typeface="Consolas" panose="020B0609020204030204" pitchFamily="49" charset="0"/>
+              </a:rPr>
+              <a:t>(’</a:t>
             </a:r>
             <a:r>
               <a:rPr lang="de-CH" dirty="0" err="1">
                 <a:latin typeface="Consolas" panose="020B0609020204030204" pitchFamily="49" charset="0"/>
               </a:rPr>
-              <a:t>e,i</a:t>
-            </a:r>
-            <a:r>
-              <a:rPr lang="de-CH" dirty="0">
-                <a:latin typeface="Consolas" panose="020B0609020204030204" pitchFamily="49" charset="0"/>
-              </a:rPr>
-              <a:t>) =&gt; console.log(e)); //</a:t>
-            </a:r>
-            <a:r>
-              <a:rPr lang="de-CH" dirty="0"/>
-              <a:t>(ES6)</a:t>
-            </a:r>
-          </a:p>
-          <a:p>
+              <a:t>Tagname</a:t>
+            </a:r>
+            <a:r>
+              <a:rPr lang="de-CH" dirty="0">
+                <a:latin typeface="Consolas" panose="020B0609020204030204" pitchFamily="49" charset="0"/>
+              </a:rPr>
+              <a:t>’); //</a:t>
+            </a:r>
             <a:r>
               <a:rPr lang="de-CH" dirty="0" err="1">
                 <a:latin typeface="Consolas" panose="020B0609020204030204" pitchFamily="49" charset="0"/>
               </a:rPr>
-              <a:t>array.forEach</a:t>
-            </a:r>
-            <a:r>
-              <a:rPr lang="de-CH" dirty="0">
-                <a:latin typeface="Consolas" panose="020B0609020204030204" pitchFamily="49" charset="0"/>
-              </a:rPr>
-              <a:t>(</a:t>
+              <a:t>returns</a:t>
+            </a:r>
+            <a:r>
+              <a:rPr lang="de-CH" dirty="0">
+                <a:latin typeface="Consolas" panose="020B0609020204030204" pitchFamily="49" charset="0"/>
+              </a:rPr>
+              <a:t> </a:t>
             </a:r>
             <a:r>
               <a:rPr lang="de-CH" dirty="0" err="1">
                 <a:latin typeface="Consolas" panose="020B0609020204030204" pitchFamily="49" charset="0"/>
               </a:rPr>
-              <a:t>function</a:t>
-            </a:r>
-            <a:r>
-              <a:rPr lang="de-CH" dirty="0">
-                <a:latin typeface="Consolas" panose="020B0609020204030204" pitchFamily="49" charset="0"/>
-              </a:rPr>
-              <a:t>(</a:t>
-            </a:r>
+              <a:t>html</a:t>
+            </a:r>
+            <a:r>
+              <a:rPr lang="de-CH" dirty="0">
+                <a:latin typeface="Consolas" panose="020B0609020204030204" pitchFamily="49" charset="0"/>
+              </a:rPr>
+              <a:t> Collection</a:t>
+            </a:r>
+          </a:p>
+          <a:p>
             <a:r>
               <a:rPr lang="de-CH" dirty="0" err="1">
                 <a:latin typeface="Consolas" panose="020B0609020204030204" pitchFamily="49" charset="0"/>
               </a:rPr>
-              <a:t>e,i</a:t>
-            </a:r>
-            <a:r>
-              <a:rPr lang="de-CH" dirty="0">
-                <a:latin typeface="Consolas" panose="020B0609020204030204" pitchFamily="49" charset="0"/>
-              </a:rPr>
-              <a:t>){console.log(e)});</a:t>
-            </a:r>
-            <a:r>
-              <a:rPr lang="de-CH" dirty="0"/>
-              <a:t> //(ES5)</a:t>
-            </a:r>
+              <a:t>document.getElementsByClassName</a:t>
+            </a:r>
+            <a:r>
+              <a:rPr lang="de-CH" dirty="0">
+                <a:latin typeface="Consolas" panose="020B0609020204030204" pitchFamily="49" charset="0"/>
+              </a:rPr>
+              <a:t>(‘</a:t>
+            </a:r>
+            <a:r>
+              <a:rPr lang="de-CH" dirty="0" err="1">
+                <a:latin typeface="Consolas" panose="020B0609020204030204" pitchFamily="49" charset="0"/>
+              </a:rPr>
+              <a:t>ClassName</a:t>
+            </a:r>
+            <a:r>
+              <a:rPr lang="de-CH" dirty="0">
+                <a:latin typeface="Consolas" panose="020B0609020204030204" pitchFamily="49" charset="0"/>
+              </a:rPr>
+              <a:t>’); //</a:t>
+            </a:r>
+            <a:r>
+              <a:rPr lang="de-CH" dirty="0" err="1">
+                <a:latin typeface="Consolas" panose="020B0609020204030204" pitchFamily="49" charset="0"/>
+              </a:rPr>
+              <a:t>returns</a:t>
+            </a:r>
+            <a:r>
+              <a:rPr lang="de-CH" dirty="0">
+                <a:latin typeface="Consolas" panose="020B0609020204030204" pitchFamily="49" charset="0"/>
+              </a:rPr>
+              <a:t> </a:t>
+            </a:r>
+            <a:r>
+              <a:rPr lang="de-CH" dirty="0" err="1">
+                <a:latin typeface="Consolas" panose="020B0609020204030204" pitchFamily="49" charset="0"/>
+              </a:rPr>
+              <a:t>html</a:t>
+            </a:r>
+            <a:r>
+              <a:rPr lang="de-CH" dirty="0">
+                <a:latin typeface="Consolas" panose="020B0609020204030204" pitchFamily="49" charset="0"/>
+              </a:rPr>
+              <a:t> Collection</a:t>
+            </a:r>
+          </a:p>
+          <a:p>
+            <a:r>
+              <a:rPr lang="de-CH" dirty="0" err="1">
+                <a:latin typeface="Consolas" panose="020B0609020204030204" pitchFamily="49" charset="0"/>
+              </a:rPr>
+              <a:t>document.getElementById</a:t>
+            </a:r>
+            <a:r>
+              <a:rPr lang="de-CH" dirty="0">
+                <a:latin typeface="Consolas" panose="020B0609020204030204" pitchFamily="49" charset="0"/>
+              </a:rPr>
+              <a:t>(‘</a:t>
+            </a:r>
+            <a:r>
+              <a:rPr lang="de-CH" dirty="0" err="1">
+                <a:latin typeface="Consolas" panose="020B0609020204030204" pitchFamily="49" charset="0"/>
+              </a:rPr>
+              <a:t>id</a:t>
+            </a:r>
+            <a:r>
+              <a:rPr lang="de-CH" dirty="0">
+                <a:latin typeface="Consolas" panose="020B0609020204030204" pitchFamily="49" charset="0"/>
+              </a:rPr>
+              <a:t>’); //</a:t>
+            </a:r>
+            <a:r>
+              <a:rPr lang="de-CH" dirty="0" err="1">
+                <a:latin typeface="Consolas" panose="020B0609020204030204" pitchFamily="49" charset="0"/>
+              </a:rPr>
+              <a:t>returns</a:t>
+            </a:r>
+            <a:r>
+              <a:rPr lang="de-CH" dirty="0">
+                <a:latin typeface="Consolas" panose="020B0609020204030204" pitchFamily="49" charset="0"/>
+              </a:rPr>
+              <a:t> </a:t>
+            </a:r>
+            <a:r>
+              <a:rPr lang="de-CH" dirty="0" err="1">
+                <a:latin typeface="Consolas" panose="020B0609020204030204" pitchFamily="49" charset="0"/>
+              </a:rPr>
+              <a:t>html</a:t>
+            </a:r>
+            <a:r>
+              <a:rPr lang="de-CH" dirty="0">
+                <a:latin typeface="Consolas" panose="020B0609020204030204" pitchFamily="49" charset="0"/>
+              </a:rPr>
+              <a:t> </a:t>
+            </a:r>
+            <a:r>
+              <a:rPr lang="de-CH" dirty="0" err="1">
+                <a:latin typeface="Consolas" panose="020B0609020204030204" pitchFamily="49" charset="0"/>
+              </a:rPr>
+              <a:t>element</a:t>
+            </a:r>
+            <a:endParaRPr lang="de-CH" dirty="0">
+              <a:latin typeface="Consolas" panose="020B0609020204030204" pitchFamily="49" charset="0"/>
+            </a:endParaRPr>
           </a:p>
         </p:txBody>
       </p:sp>
     </p:spTree>
     <p:extLst>
       <p:ext uri="{BB962C8B-B14F-4D97-AF65-F5344CB8AC3E}">
-        <p14:creationId xmlns:p14="http://schemas.microsoft.com/office/powerpoint/2010/main" val="702184386"/>
+        <p14:creationId xmlns:p14="http://schemas.microsoft.com/office/powerpoint/2010/main" val="680424845"/>
       </p:ext>
     </p:extLst>
   </p:cSld>
@@ -4782,20 +5115,8 @@
           <a:lstStyle/>
           <a:p>
             <a:r>
-              <a:rPr lang="de-CH" dirty="0" err="1"/>
-              <a:t>Get</a:t>
-            </a:r>
-            <a:r>
-              <a:rPr lang="de-CH" dirty="0"/>
-              <a:t> Elements </a:t>
-            </a:r>
-            <a:r>
-              <a:rPr lang="de-CH" dirty="0" err="1"/>
-              <a:t>from</a:t>
-            </a:r>
-            <a:r>
-              <a:rPr lang="de-CH" dirty="0"/>
-              <a:t> </a:t>
+              <a:rPr lang="de-CH" dirty="0"/>
+              <a:t>Neues Element im </a:t>
             </a:r>
             <a:r>
               <a:rPr lang="de-CH" dirty="0" err="1"/>
@@ -4835,18 +5156,31 @@
               <a:rPr lang="de-CH" dirty="0" err="1">
                 <a:latin typeface="Consolas" panose="020B0609020204030204" pitchFamily="49" charset="0"/>
               </a:rPr>
-              <a:t>document</a:t>
-            </a:r>
-            <a:endParaRPr lang="de-CH" dirty="0">
-              <a:latin typeface="Consolas" panose="020B0609020204030204" pitchFamily="49" charset="0"/>
-            </a:endParaRPr>
-          </a:p>
-          <a:p>
+              <a:t>var</a:t>
+            </a:r>
+            <a:r>
+              <a:rPr lang="de-CH" dirty="0">
+                <a:latin typeface="Consolas" panose="020B0609020204030204" pitchFamily="49" charset="0"/>
+              </a:rPr>
+              <a:t> </a:t>
+            </a:r>
             <a:r>
               <a:rPr lang="de-CH" dirty="0" err="1">
                 <a:latin typeface="Consolas" panose="020B0609020204030204" pitchFamily="49" charset="0"/>
               </a:rPr>
-              <a:t>document.getElementsByTagName</a:t>
+              <a:t>elem</a:t>
+            </a:r>
+            <a:r>
+              <a:rPr lang="de-CH" dirty="0">
+                <a:latin typeface="Consolas" panose="020B0609020204030204" pitchFamily="49" charset="0"/>
+              </a:rPr>
+              <a:t> = </a:t>
+            </a:r>
+            <a:r>
+              <a:rPr lang="de-CH" dirty="0" err="1">
+                <a:latin typeface="Consolas" panose="020B0609020204030204" pitchFamily="49" charset="0"/>
+              </a:rPr>
+              <a:t>document.createElement</a:t>
             </a:r>
             <a:r>
               <a:rPr lang="de-CH" dirty="0">
@@ -4858,154 +5192,47 @@
               <a:rPr lang="de-CH" dirty="0" err="1">
                 <a:latin typeface="Consolas" panose="020B0609020204030204" pitchFamily="49" charset="0"/>
               </a:rPr>
-              <a:t>Tagname</a:t>
-            </a:r>
-            <a:r>
-              <a:rPr lang="de-CH" dirty="0">
-                <a:latin typeface="Consolas" panose="020B0609020204030204" pitchFamily="49" charset="0"/>
-              </a:rPr>
-              <a:t>’); //</a:t>
-            </a:r>
+              <a:t>tagname</a:t>
+            </a:r>
+            <a:r>
+              <a:rPr lang="de-CH" dirty="0">
+                <a:latin typeface="Consolas" panose="020B0609020204030204" pitchFamily="49" charset="0"/>
+              </a:rPr>
+              <a:t>’);</a:t>
+            </a:r>
+          </a:p>
+          <a:p>
             <a:r>
               <a:rPr lang="de-CH" dirty="0" err="1">
                 <a:latin typeface="Consolas" panose="020B0609020204030204" pitchFamily="49" charset="0"/>
               </a:rPr>
-              <a:t>returns</a:t>
-            </a:r>
-            <a:r>
-              <a:rPr lang="de-CH" dirty="0">
-                <a:latin typeface="Consolas" panose="020B0609020204030204" pitchFamily="49" charset="0"/>
-              </a:rPr>
-              <a:t> </a:t>
+              <a:t>body.appendChild</a:t>
+            </a:r>
+            <a:r>
+              <a:rPr lang="de-CH" dirty="0">
+                <a:latin typeface="Consolas" panose="020B0609020204030204" pitchFamily="49" charset="0"/>
+              </a:rPr>
+              <a:t>(</a:t>
             </a:r>
             <a:r>
               <a:rPr lang="de-CH" dirty="0" err="1">
                 <a:latin typeface="Consolas" panose="020B0609020204030204" pitchFamily="49" charset="0"/>
               </a:rPr>
-              <a:t>html</a:t>
-            </a:r>
-            <a:r>
-              <a:rPr lang="de-CH" dirty="0">
-                <a:latin typeface="Consolas" panose="020B0609020204030204" pitchFamily="49" charset="0"/>
-              </a:rPr>
-              <a:t> Collection</a:t>
-            </a:r>
-          </a:p>
-          <a:p>
-            <a:r>
-              <a:rPr lang="de-CH" dirty="0" err="1">
-                <a:latin typeface="Consolas" panose="020B0609020204030204" pitchFamily="49" charset="0"/>
-              </a:rPr>
-              <a:t>document.getElementsByClassName</a:t>
-            </a:r>
-            <a:r>
-              <a:rPr lang="de-CH" dirty="0">
-                <a:latin typeface="Consolas" panose="020B0609020204030204" pitchFamily="49" charset="0"/>
-              </a:rPr>
-              <a:t>(‘</a:t>
-            </a:r>
-            <a:r>
-              <a:rPr lang="de-CH" dirty="0" err="1">
-                <a:latin typeface="Consolas" panose="020B0609020204030204" pitchFamily="49" charset="0"/>
-              </a:rPr>
-              <a:t>ClassName</a:t>
-            </a:r>
-            <a:r>
-              <a:rPr lang="de-CH" dirty="0">
-                <a:latin typeface="Consolas" panose="020B0609020204030204" pitchFamily="49" charset="0"/>
-              </a:rPr>
-              <a:t>’); //</a:t>
-            </a:r>
-            <a:r>
-              <a:rPr lang="de-CH" dirty="0" err="1">
-                <a:latin typeface="Consolas" panose="020B0609020204030204" pitchFamily="49" charset="0"/>
-              </a:rPr>
-              <a:t>returns</a:t>
-            </a:r>
-            <a:r>
-              <a:rPr lang="de-CH" dirty="0">
-                <a:latin typeface="Consolas" panose="020B0609020204030204" pitchFamily="49" charset="0"/>
-              </a:rPr>
-              <a:t> </a:t>
-            </a:r>
-            <a:r>
-              <a:rPr lang="de-CH" dirty="0" err="1">
-                <a:latin typeface="Consolas" panose="020B0609020204030204" pitchFamily="49" charset="0"/>
-              </a:rPr>
-              <a:t>html</a:t>
-            </a:r>
-            <a:r>
-              <a:rPr lang="de-CH" dirty="0">
-                <a:latin typeface="Consolas" panose="020B0609020204030204" pitchFamily="49" charset="0"/>
-              </a:rPr>
-              <a:t> Collection</a:t>
-            </a:r>
-          </a:p>
-          <a:p>
-            <a:r>
-              <a:rPr lang="de-CH" dirty="0" err="1">
-                <a:latin typeface="Consolas" panose="020B0609020204030204" pitchFamily="49" charset="0"/>
-              </a:rPr>
-              <a:t>document.getElementById</a:t>
-            </a:r>
-            <a:r>
-              <a:rPr lang="de-CH" dirty="0">
-                <a:latin typeface="Consolas" panose="020B0609020204030204" pitchFamily="49" charset="0"/>
-              </a:rPr>
-              <a:t>(‘</a:t>
-            </a:r>
-            <a:r>
-              <a:rPr lang="de-CH" dirty="0" err="1">
-                <a:latin typeface="Consolas" panose="020B0609020204030204" pitchFamily="49" charset="0"/>
-              </a:rPr>
-              <a:t>id</a:t>
-            </a:r>
-            <a:r>
-              <a:rPr lang="de-CH" dirty="0">
-                <a:latin typeface="Consolas" panose="020B0609020204030204" pitchFamily="49" charset="0"/>
-              </a:rPr>
-              <a:t>’); //</a:t>
-            </a:r>
-            <a:r>
-              <a:rPr lang="de-CH" dirty="0" err="1">
-                <a:latin typeface="Consolas" panose="020B0609020204030204" pitchFamily="49" charset="0"/>
-              </a:rPr>
-              <a:t>returns</a:t>
-            </a:r>
-            <a:r>
-              <a:rPr lang="de-CH" dirty="0">
-                <a:latin typeface="Consolas" panose="020B0609020204030204" pitchFamily="49" charset="0"/>
-              </a:rPr>
-              <a:t> </a:t>
-            </a:r>
-            <a:r>
-              <a:rPr lang="de-CH" dirty="0" err="1">
-                <a:latin typeface="Consolas" panose="020B0609020204030204" pitchFamily="49" charset="0"/>
-              </a:rPr>
-              <a:t>html</a:t>
-            </a:r>
-            <a:r>
-              <a:rPr lang="de-CH" dirty="0">
-                <a:latin typeface="Consolas" panose="020B0609020204030204" pitchFamily="49" charset="0"/>
-              </a:rPr>
-              <a:t> </a:t>
-            </a:r>
-            <a:r>
-              <a:rPr lang="de-CH" dirty="0" err="1">
-                <a:latin typeface="Consolas" panose="020B0609020204030204" pitchFamily="49" charset="0"/>
-              </a:rPr>
-              <a:t>element</a:t>
-            </a:r>
-            <a:endParaRPr lang="de-CH" dirty="0">
-              <a:latin typeface="Consolas" panose="020B0609020204030204" pitchFamily="49" charset="0"/>
-            </a:endParaRPr>
+              <a:t>elem</a:t>
+            </a:r>
+            <a:r>
+              <a:rPr lang="de-CH" dirty="0">
+                <a:latin typeface="Consolas" panose="020B0609020204030204" pitchFamily="49" charset="0"/>
+              </a:rPr>
+              <a:t>);</a:t>
+            </a:r>
           </a:p>
         </p:txBody>
       </p:sp>
     </p:spTree>
     <p:extLst>
       <p:ext uri="{BB962C8B-B14F-4D97-AF65-F5344CB8AC3E}">
-        <p14:creationId xmlns:p14="http://schemas.microsoft.com/office/powerpoint/2010/main" val="680424845"/>
+        <p14:creationId xmlns:p14="http://schemas.microsoft.com/office/powerpoint/2010/main" val="459377849"/>
       </p:ext>
     </p:extLst>
   </p:cSld>
@@ -5049,23 +5276,7 @@
           <a:p>
             <a:r>
               <a:rPr lang="de-CH" dirty="0"/>
-              <a:t>Create Elements in </a:t>
-            </a:r>
-            <a:r>
-              <a:rPr lang="de-CH" dirty="0" err="1"/>
-              <a:t>Document</a:t>
-            </a:r>
-            <a:r>
-              <a:rPr lang="de-CH" dirty="0"/>
-              <a:t> </a:t>
-            </a:r>
-            <a:r>
-              <a:rPr lang="de-CH" dirty="0" err="1"/>
-              <a:t>Object</a:t>
-            </a:r>
-            <a:r>
-              <a:rPr lang="de-CH" dirty="0"/>
-              <a:t> Model</a:t>
+              <a:t>Manipulation von HTML-Elementen</a:t>
             </a:r>
           </a:p>
         </p:txBody>
@@ -5089,71 +5300,114 @@
               <a:rPr lang="de-CH" dirty="0" err="1">
                 <a:latin typeface="Consolas" panose="020B0609020204030204" pitchFamily="49" charset="0"/>
               </a:rPr>
-              <a:t>var</a:t>
-            </a:r>
-            <a:r>
-              <a:rPr lang="de-CH" dirty="0">
-                <a:latin typeface="Consolas" panose="020B0609020204030204" pitchFamily="49" charset="0"/>
-              </a:rPr>
-              <a:t> </a:t>
-            </a:r>
+              <a:t>element.innerText</a:t>
+            </a:r>
+            <a:r>
+              <a:rPr lang="de-CH" dirty="0">
+                <a:latin typeface="Consolas" panose="020B0609020204030204" pitchFamily="49" charset="0"/>
+              </a:rPr>
+              <a:t> = “Hello”;</a:t>
+            </a:r>
+          </a:p>
+          <a:p>
             <a:r>
               <a:rPr lang="de-CH" dirty="0" err="1">
                 <a:latin typeface="Consolas" panose="020B0609020204030204" pitchFamily="49" charset="0"/>
               </a:rPr>
-              <a:t>element</a:t>
-            </a:r>
-            <a:r>
-              <a:rPr lang="de-CH" dirty="0">
-                <a:latin typeface="Consolas" panose="020B0609020204030204" pitchFamily="49" charset="0"/>
-              </a:rPr>
-              <a:t> = </a:t>
+              <a:t>element.innerHTML</a:t>
+            </a:r>
+            <a:r>
+              <a:rPr lang="de-CH" dirty="0">
+                <a:latin typeface="Consolas" panose="020B0609020204030204" pitchFamily="49" charset="0"/>
+              </a:rPr>
+              <a:t> = ”&lt;a </a:t>
             </a:r>
             <a:r>
               <a:rPr lang="de-CH" dirty="0" err="1">
                 <a:latin typeface="Consolas" panose="020B0609020204030204" pitchFamily="49" charset="0"/>
               </a:rPr>
-              <a:t>document.createElement</a:t>
-            </a:r>
-            <a:r>
-              <a:rPr lang="de-CH" dirty="0">
-                <a:latin typeface="Consolas" panose="020B0609020204030204" pitchFamily="49" charset="0"/>
-              </a:rPr>
-              <a:t>(’</a:t>
-            </a:r>
+              <a:t>href</a:t>
+            </a:r>
+            <a:r>
+              <a:rPr lang="de-CH" dirty="0">
+                <a:latin typeface="Consolas" panose="020B0609020204030204" pitchFamily="49" charset="0"/>
+              </a:rPr>
+              <a:t>=’google.com’&gt;Link&lt;/a&gt;”;</a:t>
+            </a:r>
+          </a:p>
+          <a:p>
             <a:r>
               <a:rPr lang="de-CH" dirty="0" err="1">
                 <a:latin typeface="Consolas" panose="020B0609020204030204" pitchFamily="49" charset="0"/>
               </a:rPr>
-              <a:t>tagname</a:t>
-            </a:r>
-            <a:r>
-              <a:rPr lang="de-CH" dirty="0">
-                <a:latin typeface="Consolas" panose="020B0609020204030204" pitchFamily="49" charset="0"/>
-              </a:rPr>
-              <a:t>’);</a:t>
-            </a:r>
-          </a:p>
-          <a:p>
+              <a:t>element.style.backgroundColor</a:t>
+            </a:r>
+            <a:r>
+              <a:rPr lang="de-CH" dirty="0">
+                <a:latin typeface="Consolas" panose="020B0609020204030204" pitchFamily="49" charset="0"/>
+              </a:rPr>
+              <a:t> = “</a:t>
+            </a:r>
             <a:r>
               <a:rPr lang="de-CH" dirty="0" err="1">
                 <a:latin typeface="Consolas" panose="020B0609020204030204" pitchFamily="49" charset="0"/>
               </a:rPr>
-              <a:t>body.appendChild</a:t>
-            </a:r>
-            <a:r>
-              <a:rPr lang="de-CH" dirty="0">
-                <a:latin typeface="Consolas" panose="020B0609020204030204" pitchFamily="49" charset="0"/>
-              </a:rPr>
-              <a:t>(a);</a:t>
-            </a:r>
+              <a:t>blue</a:t>
+            </a:r>
+            <a:r>
+              <a:rPr lang="de-CH" dirty="0">
+                <a:latin typeface="Consolas" panose="020B0609020204030204" pitchFamily="49" charset="0"/>
+              </a:rPr>
+              <a:t>”;</a:t>
+            </a:r>
+          </a:p>
+          <a:p>
+            <a:r>
+              <a:rPr lang="de-CH" dirty="0" err="1">
+                <a:latin typeface="Consolas" panose="020B0609020204030204" pitchFamily="49" charset="0"/>
+              </a:rPr>
+              <a:t>element.ClassList.add</a:t>
+            </a:r>
+            <a:r>
+              <a:rPr lang="de-CH" dirty="0">
+                <a:latin typeface="Consolas" panose="020B0609020204030204" pitchFamily="49" charset="0"/>
+              </a:rPr>
+              <a:t>(‘Class1’,’Class2’);</a:t>
+            </a:r>
+          </a:p>
+          <a:p>
+            <a:r>
+              <a:rPr lang="de-CH" dirty="0">
+                <a:latin typeface="Consolas" panose="020B0609020204030204" pitchFamily="49" charset="0"/>
+              </a:rPr>
+              <a:t>element.id = ”</a:t>
+            </a:r>
+            <a:r>
+              <a:rPr lang="de-CH" dirty="0" err="1">
+                <a:latin typeface="Consolas" panose="020B0609020204030204" pitchFamily="49" charset="0"/>
+              </a:rPr>
+              <a:t>unique</a:t>
+            </a:r>
+            <a:r>
+              <a:rPr lang="de-CH" dirty="0">
+                <a:latin typeface="Consolas" panose="020B0609020204030204" pitchFamily="49" charset="0"/>
+              </a:rPr>
+              <a:t>”;</a:t>
+            </a:r>
+          </a:p>
+          <a:p>
+            <a:r>
+              <a:rPr lang="de-CH" dirty="0"/>
+              <a:t>Und viele mehr…</a:t>
+            </a:r>
+            <a:endParaRPr lang="en-GB" dirty="0"/>
           </a:p>
         </p:txBody>
       </p:sp>
     </p:spTree>
     <p:extLst>
       <p:ext uri="{BB962C8B-B14F-4D97-AF65-F5344CB8AC3E}">
-        <p14:creationId xmlns:p14="http://schemas.microsoft.com/office/powerpoint/2010/main" val="459377849"/>
+        <p14:creationId xmlns:p14="http://schemas.microsoft.com/office/powerpoint/2010/main" val="1534285705"/>
       </p:ext>
     </p:extLst>
   </p:cSld>
@@ -5197,7 +5451,7 @@
           <a:p>
             <a:r>
               <a:rPr lang="de-CH" dirty="0"/>
-              <a:t>Manipulation von HTML-Elementen</a:t>
+              <a:t>Operators</a:t>
             </a:r>
           </a:p>
         </p:txBody>
@@ -5218,117 +5472,22 @@
           <a:lstStyle/>
           <a:p>
             <a:r>
-              <a:rPr lang="de-CH" dirty="0" err="1">
-                <a:latin typeface="Consolas" panose="020B0609020204030204" pitchFamily="49" charset="0"/>
-              </a:rPr>
-              <a:t>element.innerText</a:t>
-            </a:r>
-            <a:r>
-              <a:rPr lang="de-CH" dirty="0">
-                <a:latin typeface="Consolas" panose="020B0609020204030204" pitchFamily="49" charset="0"/>
-              </a:rPr>
-              <a:t> = “Hello”;</a:t>
-            </a:r>
-          </a:p>
-          <a:p>
-            <a:r>
-              <a:rPr lang="de-CH" dirty="0" err="1">
-                <a:latin typeface="Consolas" panose="020B0609020204030204" pitchFamily="49" charset="0"/>
-              </a:rPr>
-              <a:t>element.innerHTML</a:t>
-            </a:r>
-            <a:r>
-              <a:rPr lang="de-CH" dirty="0">
-                <a:latin typeface="Consolas" panose="020B0609020204030204" pitchFamily="49" charset="0"/>
-              </a:rPr>
-              <a:t> = ”&lt;a </a:t>
-            </a:r>
-            <a:r>
-              <a:rPr lang="de-CH" dirty="0" err="1">
-                <a:latin typeface="Consolas" panose="020B0609020204030204" pitchFamily="49" charset="0"/>
-              </a:rPr>
-              <a:t>href</a:t>
-            </a:r>
-            <a:r>
-              <a:rPr lang="de-CH" dirty="0">
-                <a:latin typeface="Consolas" panose="020B0609020204030204" pitchFamily="49" charset="0"/>
-              </a:rPr>
-              <a:t>=’google.com’&gt;Link&lt;/a&gt;”;</a:t>
-            </a:r>
-          </a:p>
-          <a:p>
-            <a:r>
-              <a:rPr lang="de-CH" dirty="0" err="1">
-                <a:latin typeface="Consolas" panose="020B0609020204030204" pitchFamily="49" charset="0"/>
-              </a:rPr>
-              <a:t>element.style.backgroundColor</a:t>
-            </a:r>
-            <a:r>
-              <a:rPr lang="de-CH" dirty="0">
-                <a:latin typeface="Consolas" panose="020B0609020204030204" pitchFamily="49" charset="0"/>
-              </a:rPr>
-              <a:t> = “</a:t>
-            </a:r>
-            <a:r>
-              <a:rPr lang="de-CH" dirty="0" err="1">
-                <a:latin typeface="Consolas" panose="020B0609020204030204" pitchFamily="49" charset="0"/>
-              </a:rPr>
-              <a:t>blue</a:t>
-            </a:r>
-            <a:r>
-              <a:rPr lang="de-CH" dirty="0">
-                <a:latin typeface="Consolas" panose="020B0609020204030204" pitchFamily="49" charset="0"/>
-              </a:rPr>
-              <a:t>”;</a:t>
-            </a:r>
-          </a:p>
-          <a:p>
-            <a:r>
-              <a:rPr lang="de-CH" dirty="0" err="1">
-                <a:latin typeface="Consolas" panose="020B0609020204030204" pitchFamily="49" charset="0"/>
-              </a:rPr>
-              <a:t>element.ClassList.add</a:t>
-            </a:r>
-            <a:r>
-              <a:rPr lang="de-CH" dirty="0">
-                <a:latin typeface="Consolas" panose="020B0609020204030204" pitchFamily="49" charset="0"/>
-              </a:rPr>
-              <a:t>(‘Class1’,’Class2’);</a:t>
-            </a:r>
-          </a:p>
-          <a:p>
-            <a:r>
-              <a:rPr lang="de-CH" dirty="0">
-                <a:latin typeface="Consolas" panose="020B0609020204030204" pitchFamily="49" charset="0"/>
-              </a:rPr>
-              <a:t>element.id = ”</a:t>
-            </a:r>
-            <a:r>
-              <a:rPr lang="de-CH" dirty="0" err="1">
-                <a:latin typeface="Consolas" panose="020B0609020204030204" pitchFamily="49" charset="0"/>
-              </a:rPr>
-              <a:t>unique</a:t>
-            </a:r>
-            <a:r>
-              <a:rPr lang="de-CH" dirty="0">
-                <a:latin typeface="Consolas" panose="020B0609020204030204" pitchFamily="49" charset="0"/>
-              </a:rPr>
-              <a:t>”;</a:t>
-            </a:r>
-          </a:p>
-          <a:p>
-            <a:r>
-              <a:rPr lang="de-CH" dirty="0"/>
-              <a:t>Und viele mehr…</a:t>
-            </a:r>
-            <a:endParaRPr lang="en-GB" dirty="0"/>
+              <a:rPr lang="en-GB" dirty="0">
+                <a:hlinkClick r:id="rId2"/>
+              </a:rPr>
+              <a:t>http://www.w3schools.com/js/js_operators.asp</a:t>
+            </a:r>
+            <a:r>
+              <a:rPr lang="en-GB" dirty="0"/>
+              <a:t> </a:t>
+            </a:r>
           </a:p>
         </p:txBody>
       </p:sp>
     </p:spTree>
     <p:extLst>
       <p:ext uri="{BB962C8B-B14F-4D97-AF65-F5344CB8AC3E}">
-        <p14:creationId xmlns:p14="http://schemas.microsoft.com/office/powerpoint/2010/main" val="1534285705"/>
+        <p14:creationId xmlns:p14="http://schemas.microsoft.com/office/powerpoint/2010/main" val="2047387429"/>
       </p:ext>
     </p:extLst>
   </p:cSld>
@@ -5371,9 +5530,10 @@
           <a:lstStyle/>
           <a:p>
             <a:r>
-              <a:rPr lang="de-CH" dirty="0"/>
-              <a:t>Operators</a:t>
-            </a:r>
+              <a:rPr lang="de-CH" dirty="0" err="1"/>
+              <a:t>Object</a:t>
+            </a:r>
+            <a:endParaRPr lang="de-CH" dirty="0"/>
           </a:p>
         </p:txBody>
       </p:sp>
@@ -5393,14 +5553,76 @@
           <a:lstStyle/>
           <a:p>
             <a:r>
-              <a:rPr lang="en-GB" dirty="0">
-                <a:hlinkClick r:id="rId2"/>
-              </a:rPr>
-              <a:t>http://www.w3schools.com/js/js_operators.asp</a:t>
-            </a:r>
-            <a:r>
-              <a:rPr lang="en-GB" dirty="0"/>
+              <a:rPr lang="de-CH" dirty="0" err="1">
+                <a:latin typeface="Consolas" panose="020B0609020204030204" pitchFamily="49" charset="0"/>
+              </a:rPr>
+              <a:t>var</a:t>
+            </a:r>
+            <a:r>
+              <a:rPr lang="de-CH" dirty="0">
+                <a:latin typeface="Consolas" panose="020B0609020204030204" pitchFamily="49" charset="0"/>
+              </a:rPr>
               <a:t> </a:t>
+            </a:r>
+            <a:r>
+              <a:rPr lang="de-CH" dirty="0" err="1">
+                <a:latin typeface="Consolas" panose="020B0609020204030204" pitchFamily="49" charset="0"/>
+              </a:rPr>
+              <a:t>person</a:t>
+            </a:r>
+            <a:r>
+              <a:rPr lang="de-CH" dirty="0">
+                <a:latin typeface="Consolas" panose="020B0609020204030204" pitchFamily="49" charset="0"/>
+              </a:rPr>
+              <a:t> = {</a:t>
+            </a:r>
+            <a:r>
+              <a:rPr lang="de-CH" dirty="0" err="1">
+                <a:latin typeface="Consolas" panose="020B0609020204030204" pitchFamily="49" charset="0"/>
+              </a:rPr>
+              <a:t>name</a:t>
+            </a:r>
+            <a:r>
+              <a:rPr lang="de-CH" dirty="0">
+                <a:latin typeface="Consolas" panose="020B0609020204030204" pitchFamily="49" charset="0"/>
+              </a:rPr>
+              <a:t>: “</a:t>
+            </a:r>
+            <a:r>
+              <a:rPr lang="de-CH" dirty="0" err="1">
+                <a:latin typeface="Consolas" panose="020B0609020204030204" pitchFamily="49" charset="0"/>
+              </a:rPr>
+              <a:t>name</a:t>
+            </a:r>
+            <a:r>
+              <a:rPr lang="de-CH" dirty="0">
+                <a:latin typeface="Consolas" panose="020B0609020204030204" pitchFamily="49" charset="0"/>
+              </a:rPr>
+              <a:t>”, </a:t>
+            </a:r>
+            <a:r>
+              <a:rPr lang="de-CH" dirty="0" err="1">
+                <a:latin typeface="Consolas" panose="020B0609020204030204" pitchFamily="49" charset="0"/>
+              </a:rPr>
+              <a:t>lastname</a:t>
+            </a:r>
+            <a:r>
+              <a:rPr lang="de-CH" dirty="0">
+                <a:latin typeface="Consolas" panose="020B0609020204030204" pitchFamily="49" charset="0"/>
+              </a:rPr>
+              <a:t>: “</a:t>
+            </a:r>
+            <a:r>
+              <a:rPr lang="de-CH" dirty="0" err="1">
+                <a:latin typeface="Consolas" panose="020B0609020204030204" pitchFamily="49" charset="0"/>
+              </a:rPr>
+              <a:t>lastname</a:t>
+            </a:r>
+            <a:r>
+              <a:rPr lang="de-CH" dirty="0">
+                <a:latin typeface="Consolas" panose="020B0609020204030204" pitchFamily="49" charset="0"/>
+              </a:rPr>
+              <a:t>”};</a:t>
             </a:r>
           </a:p>
         </p:txBody>
@@ -5408,7 +5630,7 @@
     </p:spTree>
     <p:extLst>
       <p:ext uri="{BB962C8B-B14F-4D97-AF65-F5344CB8AC3E}">
-        <p14:creationId xmlns:p14="http://schemas.microsoft.com/office/powerpoint/2010/main" val="2047387429"/>
+        <p14:creationId xmlns:p14="http://schemas.microsoft.com/office/powerpoint/2010/main" val="518010740"/>
       </p:ext>
     </p:extLst>
   </p:cSld>
@@ -5451,107 +5673,233 @@
           <a:lstStyle/>
           <a:p>
             <a:r>
-              <a:rPr lang="de-CH" dirty="0" err="1"/>
-              <a:t>Object</a:t>
-            </a:r>
+              <a:rPr lang="de-CH" dirty="0"/>
+              <a:t>Array</a:t>
+            </a:r>
+          </a:p>
+        </p:txBody>
+      </p:sp>
+      <p:sp>
+        <p:nvSpPr>
+          <p:cNvPr id="3" name="Content Placeholder 2"/>
+          <p:cNvSpPr>
+            <a:spLocks noGrp="1"/>
+          </p:cNvSpPr>
+          <p:nvPr>
+            <p:ph idx="1"/>
+          </p:nvPr>
+        </p:nvSpPr>
+        <p:spPr/>
+        <p:txBody>
+          <a:bodyPr/>
+          <a:lstStyle/>
+          <a:p>
+            <a:r>
+              <a:rPr lang="de-CH" dirty="0"/>
+              <a:t>Dynamic</a:t>
+            </a:r>
+          </a:p>
+          <a:p>
+            <a:r>
+              <a:rPr lang="de-CH" dirty="0" err="1">
+                <a:latin typeface="Consolas" panose="020B0609020204030204" pitchFamily="49" charset="0"/>
+              </a:rPr>
+              <a:t>var</a:t>
+            </a:r>
+            <a:r>
+              <a:rPr lang="de-CH" dirty="0">
+                <a:latin typeface="Consolas" panose="020B0609020204030204" pitchFamily="49" charset="0"/>
+              </a:rPr>
+              <a:t> </a:t>
+            </a:r>
+            <a:r>
+              <a:rPr lang="de-CH" dirty="0" err="1">
+                <a:latin typeface="Consolas" panose="020B0609020204030204" pitchFamily="49" charset="0"/>
+              </a:rPr>
+              <a:t>array</a:t>
+            </a:r>
+            <a:r>
+              <a:rPr lang="de-CH" dirty="0">
+                <a:latin typeface="Consolas" panose="020B0609020204030204" pitchFamily="49" charset="0"/>
+              </a:rPr>
+              <a:t> = [1,2,3,4,5];</a:t>
+            </a:r>
+          </a:p>
+          <a:p>
+            <a:r>
+              <a:rPr lang="de-CH" dirty="0" err="1">
+                <a:latin typeface="Consolas" panose="020B0609020204030204" pitchFamily="49" charset="0"/>
+              </a:rPr>
+              <a:t>var</a:t>
+            </a:r>
+            <a:r>
+              <a:rPr lang="de-CH" dirty="0">
+                <a:latin typeface="Consolas" panose="020B0609020204030204" pitchFamily="49" charset="0"/>
+              </a:rPr>
+              <a:t> </a:t>
+            </a:r>
+            <a:r>
+              <a:rPr lang="de-CH" dirty="0" err="1">
+                <a:latin typeface="Consolas" panose="020B0609020204030204" pitchFamily="49" charset="0"/>
+              </a:rPr>
+              <a:t>array</a:t>
+            </a:r>
+            <a:r>
+              <a:rPr lang="de-CH" dirty="0">
+                <a:latin typeface="Consolas" panose="020B0609020204030204" pitchFamily="49" charset="0"/>
+              </a:rPr>
+              <a:t> = </a:t>
+            </a:r>
+            <a:r>
+              <a:rPr lang="de-CH" dirty="0" err="1">
+                <a:latin typeface="Consolas" panose="020B0609020204030204" pitchFamily="49" charset="0"/>
+              </a:rPr>
+              <a:t>new</a:t>
+            </a:r>
+            <a:r>
+              <a:rPr lang="de-CH" dirty="0">
+                <a:latin typeface="Consolas" panose="020B0609020204030204" pitchFamily="49" charset="0"/>
+              </a:rPr>
+              <a:t> Array();</a:t>
+            </a:r>
+          </a:p>
+          <a:p>
+            <a:r>
+              <a:rPr lang="de-CH" dirty="0" err="1">
+                <a:latin typeface="Consolas" panose="020B0609020204030204" pitchFamily="49" charset="0"/>
+              </a:rPr>
+              <a:t>var</a:t>
+            </a:r>
+            <a:r>
+              <a:rPr lang="de-CH" dirty="0">
+                <a:latin typeface="Consolas" panose="020B0609020204030204" pitchFamily="49" charset="0"/>
+              </a:rPr>
+              <a:t> </a:t>
+            </a:r>
+            <a:r>
+              <a:rPr lang="de-CH" dirty="0" err="1">
+                <a:latin typeface="Consolas" panose="020B0609020204030204" pitchFamily="49" charset="0"/>
+              </a:rPr>
+              <a:t>array</a:t>
+            </a:r>
+            <a:r>
+              <a:rPr lang="de-CH" dirty="0">
+                <a:latin typeface="Consolas" panose="020B0609020204030204" pitchFamily="49" charset="0"/>
+              </a:rPr>
+              <a:t> = [];</a:t>
+            </a:r>
+          </a:p>
+          <a:p>
+            <a:r>
+              <a:rPr lang="de-CH" dirty="0" err="1">
+                <a:latin typeface="Consolas" panose="020B0609020204030204" pitchFamily="49" charset="0"/>
+              </a:rPr>
+              <a:t>array</a:t>
+            </a:r>
+            <a:r>
+              <a:rPr lang="de-CH" dirty="0">
+                <a:latin typeface="Consolas" panose="020B0609020204030204" pitchFamily="49" charset="0"/>
+              </a:rPr>
+              <a:t>[0];</a:t>
+            </a:r>
+          </a:p>
+          <a:p>
+            <a:r>
+              <a:rPr lang="de-CH" dirty="0" err="1">
+                <a:latin typeface="Consolas" panose="020B0609020204030204" pitchFamily="49" charset="0"/>
+              </a:rPr>
+              <a:t>array.push</a:t>
+            </a:r>
+            <a:r>
+              <a:rPr lang="de-CH" dirty="0">
+                <a:latin typeface="Consolas" panose="020B0609020204030204" pitchFamily="49" charset="0"/>
+              </a:rPr>
+              <a:t>(5);</a:t>
+            </a:r>
+          </a:p>
+          <a:p>
+            <a:r>
+              <a:rPr lang="de-CH" dirty="0" err="1">
+                <a:latin typeface="Consolas" panose="020B0609020204030204" pitchFamily="49" charset="0"/>
+              </a:rPr>
+              <a:t>var</a:t>
+            </a:r>
+            <a:r>
+              <a:rPr lang="de-CH" dirty="0">
+                <a:latin typeface="Consolas" panose="020B0609020204030204" pitchFamily="49" charset="0"/>
+              </a:rPr>
+              <a:t> </a:t>
+            </a:r>
+            <a:r>
+              <a:rPr lang="de-CH" dirty="0" err="1">
+                <a:latin typeface="Consolas" panose="020B0609020204030204" pitchFamily="49" charset="0"/>
+              </a:rPr>
+              <a:t>objectArray</a:t>
+            </a:r>
+            <a:r>
+              <a:rPr lang="de-CH" dirty="0">
+                <a:latin typeface="Consolas" panose="020B0609020204030204" pitchFamily="49" charset="0"/>
+              </a:rPr>
+              <a:t> = [{</a:t>
+            </a:r>
+            <a:r>
+              <a:rPr lang="de-CH" dirty="0" err="1">
+                <a:latin typeface="Consolas" panose="020B0609020204030204" pitchFamily="49" charset="0"/>
+              </a:rPr>
+              <a:t>name</a:t>
+            </a:r>
+            <a:r>
+              <a:rPr lang="de-CH" dirty="0">
+                <a:latin typeface="Consolas" panose="020B0609020204030204" pitchFamily="49" charset="0"/>
+              </a:rPr>
+              <a:t>:"</a:t>
+            </a:r>
+            <a:r>
+              <a:rPr lang="de-CH" dirty="0" err="1">
+                <a:latin typeface="Consolas" panose="020B0609020204030204" pitchFamily="49" charset="0"/>
+              </a:rPr>
+              <a:t>name</a:t>
+            </a:r>
+            <a:r>
+              <a:rPr lang="de-CH" dirty="0">
+                <a:latin typeface="Consolas" panose="020B0609020204030204" pitchFamily="49" charset="0"/>
+              </a:rPr>
+              <a:t>",</a:t>
+            </a:r>
+            <a:r>
+              <a:rPr lang="de-CH" dirty="0" err="1">
+                <a:latin typeface="Consolas" panose="020B0609020204030204" pitchFamily="49" charset="0"/>
+              </a:rPr>
+              <a:t>lastname</a:t>
+            </a:r>
+            <a:r>
+              <a:rPr lang="de-CH" dirty="0">
+                <a:latin typeface="Consolas" panose="020B0609020204030204" pitchFamily="49" charset="0"/>
+              </a:rPr>
+              <a:t>:"</a:t>
+            </a:r>
+            <a:r>
+              <a:rPr lang="de-CH" dirty="0" err="1">
+                <a:latin typeface="Consolas" panose="020B0609020204030204" pitchFamily="49" charset="0"/>
+              </a:rPr>
+              <a:t>lastname</a:t>
+            </a:r>
+            <a:r>
+              <a:rPr lang="de-CH" dirty="0">
+                <a:latin typeface="Consolas" panose="020B0609020204030204" pitchFamily="49" charset="0"/>
+              </a:rPr>
+              <a:t>"},{name:"2name",lastname:"2lastname"}]</a:t>
+            </a:r>
+          </a:p>
+          <a:p>
             <a:endParaRPr lang="de-CH" dirty="0"/>
-          </a:p>
-        </p:txBody>
-      </p:sp>
-      <p:sp>
-        <p:nvSpPr>
-          <p:cNvPr id="3" name="Content Placeholder 2"/>
-          <p:cNvSpPr>
-            <a:spLocks noGrp="1"/>
-          </p:cNvSpPr>
-          <p:nvPr>
-            <p:ph idx="1"/>
-          </p:nvPr>
-        </p:nvSpPr>
-        <p:spPr/>
-        <p:txBody>
-          <a:bodyPr/>
-          <a:lstStyle/>
-          <a:p>
-            <a:r>
-              <a:rPr lang="de-CH" dirty="0" err="1">
-                <a:latin typeface="Consolas" panose="020B0609020204030204" pitchFamily="49" charset="0"/>
-              </a:rPr>
-              <a:t>var</a:t>
-            </a:r>
-            <a:r>
-              <a:rPr lang="de-CH" dirty="0">
-                <a:latin typeface="Consolas" panose="020B0609020204030204" pitchFamily="49" charset="0"/>
-              </a:rPr>
-              <a:t> </a:t>
-            </a:r>
-            <a:r>
-              <a:rPr lang="de-CH" dirty="0" err="1">
-                <a:latin typeface="Consolas" panose="020B0609020204030204" pitchFamily="49" charset="0"/>
-              </a:rPr>
-              <a:t>person</a:t>
-            </a:r>
-            <a:r>
-              <a:rPr lang="de-CH" dirty="0">
-                <a:latin typeface="Consolas" panose="020B0609020204030204" pitchFamily="49" charset="0"/>
-              </a:rPr>
-              <a:t> = {</a:t>
-            </a:r>
-            <a:r>
-              <a:rPr lang="de-CH" dirty="0" err="1">
-                <a:latin typeface="Consolas" panose="020B0609020204030204" pitchFamily="49" charset="0"/>
-              </a:rPr>
-              <a:t>name</a:t>
-            </a:r>
-            <a:r>
-              <a:rPr lang="de-CH" dirty="0">
-                <a:latin typeface="Consolas" panose="020B0609020204030204" pitchFamily="49" charset="0"/>
-              </a:rPr>
-              <a:t>: “</a:t>
-            </a:r>
-            <a:r>
-              <a:rPr lang="de-CH" dirty="0" err="1">
-                <a:latin typeface="Consolas" panose="020B0609020204030204" pitchFamily="49" charset="0"/>
-              </a:rPr>
-              <a:t>name</a:t>
-            </a:r>
-            <a:r>
-              <a:rPr lang="de-CH" dirty="0">
-                <a:latin typeface="Consolas" panose="020B0609020204030204" pitchFamily="49" charset="0"/>
-              </a:rPr>
-              <a:t>”, </a:t>
-            </a:r>
-            <a:r>
-              <a:rPr lang="de-CH" dirty="0" err="1">
-                <a:latin typeface="Consolas" panose="020B0609020204030204" pitchFamily="49" charset="0"/>
-              </a:rPr>
-              <a:t>lastname</a:t>
-            </a:r>
-            <a:r>
-              <a:rPr lang="de-CH" dirty="0">
-                <a:latin typeface="Consolas" panose="020B0609020204030204" pitchFamily="49" charset="0"/>
-              </a:rPr>
-              <a:t>: “</a:t>
-            </a:r>
-            <a:r>
-              <a:rPr lang="de-CH" dirty="0" err="1">
-                <a:latin typeface="Consolas" panose="020B0609020204030204" pitchFamily="49" charset="0"/>
-              </a:rPr>
-              <a:t>lastname</a:t>
-            </a:r>
-            <a:r>
-              <a:rPr lang="de-CH" dirty="0">
-                <a:latin typeface="Consolas" panose="020B0609020204030204" pitchFamily="49" charset="0"/>
-              </a:rPr>
-              <a:t>”};</a:t>
-            </a:r>
           </a:p>
         </p:txBody>
       </p:sp>
     </p:spTree>
     <p:extLst>
       <p:ext uri="{BB962C8B-B14F-4D97-AF65-F5344CB8AC3E}">
-        <p14:creationId xmlns:p14="http://schemas.microsoft.com/office/powerpoint/2010/main" val="518010740"/>
+        <p14:creationId xmlns:p14="http://schemas.microsoft.com/office/powerpoint/2010/main" val="365940414"/>
       </p:ext>
     </p:extLst>
   </p:cSld>
@@ -5594,8 +5942,8 @@
           <a:lstStyle/>
           <a:p>
             <a:r>
-              <a:rPr lang="de-CH" dirty="0"/>
-              <a:t>Array</a:t>
+              <a:rPr lang="en-US" dirty="0"/>
+              <a:t>Functions</a:t>
             </a:r>
           </a:p>
         </p:txBody>
@@ -5617,210 +5965,32 @@
           <a:p>
             <a:r>
               <a:rPr lang="de-CH" dirty="0"/>
-              <a:t>Dynamic</a:t>
-            </a:r>
-          </a:p>
-          <a:p>
-            <a:r>
-              <a:rPr lang="de-CH" dirty="0" err="1">
-                <a:latin typeface="Consolas" panose="020B0609020204030204" pitchFamily="49" charset="0"/>
-              </a:rPr>
-              <a:t>var</a:t>
-            </a:r>
-            <a:r>
-              <a:rPr lang="de-CH" dirty="0">
-                <a:latin typeface="Consolas" panose="020B0609020204030204" pitchFamily="49" charset="0"/>
-              </a:rPr>
-              <a:t> </a:t>
-            </a:r>
-            <a:r>
-              <a:rPr lang="de-CH" dirty="0" err="1">
-                <a:latin typeface="Consolas" panose="020B0609020204030204" pitchFamily="49" charset="0"/>
-              </a:rPr>
-              <a:t>array</a:t>
-            </a:r>
-            <a:r>
-              <a:rPr lang="de-CH" dirty="0">
-                <a:latin typeface="Consolas" panose="020B0609020204030204" pitchFamily="49" charset="0"/>
-              </a:rPr>
-              <a:t> = [1,2,3,4,5];</a:t>
-            </a:r>
-          </a:p>
-          <a:p>
-            <a:r>
-              <a:rPr lang="de-CH" dirty="0" err="1">
-                <a:latin typeface="Consolas" panose="020B0609020204030204" pitchFamily="49" charset="0"/>
-              </a:rPr>
-              <a:t>var</a:t>
-            </a:r>
-            <a:r>
-              <a:rPr lang="de-CH" dirty="0">
-                <a:latin typeface="Consolas" panose="020B0609020204030204" pitchFamily="49" charset="0"/>
-              </a:rPr>
-              <a:t> </a:t>
-            </a:r>
-            <a:r>
-              <a:rPr lang="de-CH" dirty="0" err="1">
-                <a:latin typeface="Consolas" panose="020B0609020204030204" pitchFamily="49" charset="0"/>
-              </a:rPr>
-              <a:t>array</a:t>
-            </a:r>
-            <a:r>
-              <a:rPr lang="de-CH" dirty="0">
-                <a:latin typeface="Consolas" panose="020B0609020204030204" pitchFamily="49" charset="0"/>
-              </a:rPr>
-              <a:t> = </a:t>
-            </a:r>
-            <a:r>
-              <a:rPr lang="de-CH" dirty="0" err="1">
-                <a:latin typeface="Consolas" panose="020B0609020204030204" pitchFamily="49" charset="0"/>
-              </a:rPr>
-              <a:t>new</a:t>
-            </a:r>
-            <a:r>
-              <a:rPr lang="de-CH" dirty="0">
-                <a:latin typeface="Consolas" panose="020B0609020204030204" pitchFamily="49" charset="0"/>
-              </a:rPr>
-              <a:t> Array();</a:t>
-            </a:r>
-          </a:p>
-          <a:p>
-            <a:r>
-              <a:rPr lang="de-CH" dirty="0" err="1">
-                <a:latin typeface="Consolas" panose="020B0609020204030204" pitchFamily="49" charset="0"/>
-              </a:rPr>
-              <a:t>var</a:t>
-            </a:r>
-            <a:r>
-              <a:rPr lang="de-CH" dirty="0">
-                <a:latin typeface="Consolas" panose="020B0609020204030204" pitchFamily="49" charset="0"/>
-              </a:rPr>
-              <a:t> </a:t>
-            </a:r>
-            <a:r>
-              <a:rPr lang="de-CH" dirty="0" err="1">
-                <a:latin typeface="Consolas" panose="020B0609020204030204" pitchFamily="49" charset="0"/>
-              </a:rPr>
-              <a:t>array</a:t>
-            </a:r>
-            <a:r>
-              <a:rPr lang="de-CH" dirty="0">
-                <a:latin typeface="Consolas" panose="020B0609020204030204" pitchFamily="49" charset="0"/>
-              </a:rPr>
-              <a:t> = [];</a:t>
-            </a:r>
-          </a:p>
-          <a:p>
-            <a:r>
-              <a:rPr lang="de-CH" dirty="0" err="1">
-                <a:latin typeface="Consolas" panose="020B0609020204030204" pitchFamily="49" charset="0"/>
-              </a:rPr>
-              <a:t>array</a:t>
-            </a:r>
-            <a:r>
-              <a:rPr lang="de-CH" dirty="0">
-                <a:latin typeface="Consolas" panose="020B0609020204030204" pitchFamily="49" charset="0"/>
-              </a:rPr>
-              <a:t>[0];</a:t>
-            </a:r>
-          </a:p>
-          <a:p>
-            <a:r>
-              <a:rPr lang="de-CH" dirty="0" err="1">
-                <a:latin typeface="Consolas" panose="020B0609020204030204" pitchFamily="49" charset="0"/>
-              </a:rPr>
-              <a:t>array.push</a:t>
-            </a:r>
-            <a:r>
-              <a:rPr lang="de-CH" dirty="0">
-                <a:latin typeface="Consolas" panose="020B0609020204030204" pitchFamily="49" charset="0"/>
-              </a:rPr>
-              <a:t>(5);</a:t>
-            </a:r>
-          </a:p>
-          <a:p>
-            <a:r>
-              <a:rPr lang="de-CH" dirty="0" err="1">
-                <a:latin typeface="Consolas" panose="020B0609020204030204" pitchFamily="49" charset="0"/>
-              </a:rPr>
-              <a:t>var</a:t>
-            </a:r>
-            <a:r>
-              <a:rPr lang="de-CH" dirty="0">
-                <a:latin typeface="Consolas" panose="020B0609020204030204" pitchFamily="49" charset="0"/>
-              </a:rPr>
-              <a:t> </a:t>
-            </a:r>
-            <a:r>
-              <a:rPr lang="de-CH" dirty="0" err="1">
-                <a:latin typeface="Consolas" panose="020B0609020204030204" pitchFamily="49" charset="0"/>
-              </a:rPr>
-              <a:t>objectArray</a:t>
-            </a:r>
-            <a:r>
-              <a:rPr lang="de-CH" dirty="0">
-                <a:latin typeface="Consolas" panose="020B0609020204030204" pitchFamily="49" charset="0"/>
-              </a:rPr>
-              <a:t> = [{</a:t>
-            </a:r>
-            <a:r>
-              <a:rPr lang="de-CH" dirty="0" err="1">
-                <a:latin typeface="Consolas" panose="020B0609020204030204" pitchFamily="49" charset="0"/>
-              </a:rPr>
-              <a:t>name</a:t>
-            </a:r>
-            <a:r>
-              <a:rPr lang="de-CH" dirty="0">
-                <a:latin typeface="Consolas" panose="020B0609020204030204" pitchFamily="49" charset="0"/>
-              </a:rPr>
-              <a:t>:"</a:t>
-            </a:r>
-            <a:r>
-              <a:rPr lang="de-CH" dirty="0" err="1">
-                <a:latin typeface="Consolas" panose="020B0609020204030204" pitchFamily="49" charset="0"/>
-              </a:rPr>
-              <a:t>name</a:t>
-            </a:r>
-            <a:r>
-              <a:rPr lang="de-CH" dirty="0">
-                <a:latin typeface="Consolas" panose="020B0609020204030204" pitchFamily="49" charset="0"/>
-              </a:rPr>
-              <a:t>",</a:t>
-            </a:r>
-            <a:r>
-              <a:rPr lang="de-CH" dirty="0" err="1">
-                <a:latin typeface="Consolas" panose="020B0609020204030204" pitchFamily="49" charset="0"/>
-              </a:rPr>
-              <a:t>lastname</a:t>
-            </a:r>
-            <a:r>
-              <a:rPr lang="de-CH" dirty="0">
-                <a:latin typeface="Consolas" panose="020B0609020204030204" pitchFamily="49" charset="0"/>
-              </a:rPr>
-              <a:t>:"</a:t>
-            </a:r>
-            <a:r>
-              <a:rPr lang="de-CH" dirty="0" err="1">
-                <a:latin typeface="Consolas" panose="020B0609020204030204" pitchFamily="49" charset="0"/>
-              </a:rPr>
-              <a:t>lastname</a:t>
-            </a:r>
-            <a:r>
-              <a:rPr lang="de-CH" dirty="0">
-                <a:latin typeface="Consolas" panose="020B0609020204030204" pitchFamily="49" charset="0"/>
-              </a:rPr>
-              <a:t>"},{name:"2name",lastname:"2lastname"}]</a:t>
-            </a:r>
-          </a:p>
-          <a:p>
+              <a:t>Codeblock, welcher explizit aufgerufen werden muss</a:t>
+            </a:r>
+          </a:p>
+          <a:p>
+            <a:endParaRPr lang="de-CH" dirty="0">
+              <a:hlinkClick r:id="rId2"/>
+            </a:endParaRPr>
+          </a:p>
+          <a:p>
+            <a:r>
+              <a:rPr lang="de-CH" dirty="0">
+                <a:hlinkClick r:id="rId2"/>
+              </a:rPr>
+              <a:t>https://github.com/martiph/JSTraining_ICT-Campus/blob/master/functions.js</a:t>
+            </a:r>
             <a:endParaRPr lang="de-CH" dirty="0"/>
+          </a:p>
+          <a:p>
+            <a:endParaRPr lang="en-GB" dirty="0"/>
           </a:p>
         </p:txBody>
       </p:sp>
     </p:spTree>
     <p:extLst>
       <p:ext uri="{BB962C8B-B14F-4D97-AF65-F5344CB8AC3E}">
-        <p14:creationId xmlns:p14="http://schemas.microsoft.com/office/powerpoint/2010/main" val="365940414"/>
+        <p14:creationId xmlns:p14="http://schemas.microsoft.com/office/powerpoint/2010/main" val="1574849871"/>
       </p:ext>
     </p:extLst>
   </p:cSld>
@@ -5863,10 +6033,9 @@
           <a:lstStyle/>
           <a:p>
             <a:r>
-              <a:rPr lang="de-CH" dirty="0" err="1"/>
-              <a:t>Functions</a:t>
-            </a:r>
-            <a:endParaRPr lang="de-CH" dirty="0"/>
+              <a:rPr lang="de-CH" dirty="0"/>
+              <a:t>Objects</a:t>
+            </a:r>
           </a:p>
         </p:txBody>
       </p:sp>
@@ -5925,13 +6094,13 @@
               <a:rPr lang="en-GB" dirty="0">
                 <a:hlinkClick r:id="rId2"/>
               </a:rPr>
-              <a:t>/blob/master/</a:t>
+              <a:t>/blob/master/Objects/</a:t>
             </a:r>
             <a:r>
               <a:rPr lang="en-GB" dirty="0" err="1">
                 <a:hlinkClick r:id="rId2"/>
               </a:rPr>
-              <a:t>functions.js</a:t>
+              <a:t>Objects.js</a:t>
             </a:r>
             <a:endParaRPr lang="en-GB" dirty="0"/>
           </a:p>
@@ -5940,7 +6109,7 @@
     </p:spTree>
     <p:extLst>
       <p:ext uri="{BB962C8B-B14F-4D97-AF65-F5344CB8AC3E}">
-        <p14:creationId xmlns:p14="http://schemas.microsoft.com/office/powerpoint/2010/main" val="1574849871"/>
+        <p14:creationId xmlns:p14="http://schemas.microsoft.com/office/powerpoint/2010/main" val="1633889420"/>
       </p:ext>
     </p:extLst>
   </p:cSld>
@@ -5983,8 +6152,12 @@
           <a:lstStyle/>
           <a:p>
             <a:r>
-              <a:rPr lang="de-CH" dirty="0"/>
-              <a:t>Objects</a:t>
+              <a:rPr lang="de-CH" dirty="0" err="1"/>
+              <a:t>Exception</a:t>
+            </a:r>
+            <a:r>
+              <a:rPr lang="de-CH" dirty="0"/>
+              <a:t>-Handling</a:t>
             </a:r>
           </a:p>
         </p:txBody>
@@ -6004,62 +6177,154 @@
           <a:bodyPr/>
           <a:lstStyle/>
           <a:p>
-            <a:r>
-              <a:rPr lang="en-GB" dirty="0">
-                <a:hlinkClick r:id="rId2"/>
-              </a:rPr>
-              <a:t>https://</a:t>
-            </a:r>
-            <a:r>
-              <a:rPr lang="en-GB" dirty="0" err="1">
-                <a:hlinkClick r:id="rId2"/>
-              </a:rPr>
-              <a:t>github.com</a:t>
-            </a:r>
-            <a:r>
-              <a:rPr lang="en-GB" dirty="0">
-                <a:hlinkClick r:id="rId2"/>
-              </a:rPr>
-              <a:t>/</a:t>
-            </a:r>
-            <a:r>
-              <a:rPr lang="en-GB" dirty="0" err="1">
-                <a:hlinkClick r:id="rId2"/>
-              </a:rPr>
-              <a:t>jorisbaiutti</a:t>
-            </a:r>
-            <a:r>
-              <a:rPr lang="en-GB" dirty="0">
-                <a:hlinkClick r:id="rId2"/>
-              </a:rPr>
-              <a:t>/</a:t>
-            </a:r>
-            <a:r>
-              <a:rPr lang="en-GB" dirty="0" err="1">
-                <a:hlinkClick r:id="rId2"/>
-              </a:rPr>
-              <a:t>JSTraining</a:t>
-            </a:r>
-            <a:r>
-              <a:rPr lang="en-GB" dirty="0">
-                <a:hlinkClick r:id="rId2"/>
-              </a:rPr>
-              <a:t>/blob/master/Objects/</a:t>
-            </a:r>
-            <a:r>
-              <a:rPr lang="en-GB" dirty="0" err="1">
-                <a:hlinkClick r:id="rId2"/>
-              </a:rPr>
-              <a:t>Objects.js</a:t>
-            </a:r>
-            <a:endParaRPr lang="en-GB" dirty="0"/>
+            <a:pPr marL="0" indent="0">
+              <a:buNone/>
+            </a:pPr>
+            <a:r>
+              <a:rPr lang="de-CH" dirty="0" err="1">
+                <a:latin typeface="Consolas" panose="020B0609020204030204" pitchFamily="49" charset="0"/>
+              </a:rPr>
+              <a:t>try</a:t>
+            </a:r>
+            <a:r>
+              <a:rPr lang="de-CH" dirty="0">
+                <a:latin typeface="Consolas" panose="020B0609020204030204" pitchFamily="49" charset="0"/>
+              </a:rPr>
+              <a:t>{</a:t>
+            </a:r>
+          </a:p>
+          <a:p>
+            <a:pPr marL="0" indent="0">
+              <a:buNone/>
+            </a:pPr>
+            <a:r>
+              <a:rPr lang="de-CH" dirty="0">
+                <a:latin typeface="Consolas" panose="020B0609020204030204" pitchFamily="49" charset="0"/>
+              </a:rPr>
+              <a:t>	do </a:t>
+            </a:r>
+            <a:r>
+              <a:rPr lang="de-CH" dirty="0" err="1">
+                <a:latin typeface="Consolas" panose="020B0609020204030204" pitchFamily="49" charset="0"/>
+              </a:rPr>
+              <a:t>stuff</a:t>
+            </a:r>
+            <a:r>
+              <a:rPr lang="de-CH" dirty="0">
+                <a:latin typeface="Consolas" panose="020B0609020204030204" pitchFamily="49" charset="0"/>
+              </a:rPr>
+              <a:t>;</a:t>
+            </a:r>
+          </a:p>
+          <a:p>
+            <a:pPr marL="0" indent="0">
+              <a:buNone/>
+            </a:pPr>
+            <a:r>
+              <a:rPr lang="de-CH" dirty="0">
+                <a:latin typeface="Consolas" panose="020B0609020204030204" pitchFamily="49" charset="0"/>
+              </a:rPr>
+              <a:t>}catch(</a:t>
+            </a:r>
+            <a:r>
+              <a:rPr lang="de-CH" dirty="0" err="1">
+                <a:latin typeface="Consolas" panose="020B0609020204030204" pitchFamily="49" charset="0"/>
+              </a:rPr>
+              <a:t>err</a:t>
+            </a:r>
+            <a:r>
+              <a:rPr lang="de-CH" dirty="0">
+                <a:latin typeface="Consolas" panose="020B0609020204030204" pitchFamily="49" charset="0"/>
+              </a:rPr>
+              <a:t>){</a:t>
+            </a:r>
+          </a:p>
+          <a:p>
+            <a:pPr marL="0" indent="0">
+              <a:buNone/>
+            </a:pPr>
+            <a:r>
+              <a:rPr lang="de-CH" dirty="0">
+                <a:latin typeface="Consolas" panose="020B0609020204030204" pitchFamily="49" charset="0"/>
+              </a:rPr>
+              <a:t>	console.log(</a:t>
+            </a:r>
+            <a:r>
+              <a:rPr lang="de-CH" dirty="0" err="1">
+                <a:latin typeface="Consolas" panose="020B0609020204030204" pitchFamily="49" charset="0"/>
+              </a:rPr>
+              <a:t>err</a:t>
+            </a:r>
+            <a:r>
+              <a:rPr lang="de-CH" dirty="0">
+                <a:latin typeface="Consolas" panose="020B0609020204030204" pitchFamily="49" charset="0"/>
+              </a:rPr>
+              <a:t>);</a:t>
+            </a:r>
+          </a:p>
+          <a:p>
+            <a:pPr marL="0" indent="0">
+              <a:buNone/>
+            </a:pPr>
+            <a:r>
+              <a:rPr lang="de-CH" dirty="0">
+                <a:latin typeface="Consolas" panose="020B0609020204030204" pitchFamily="49" charset="0"/>
+              </a:rPr>
+              <a:t>}</a:t>
+            </a:r>
+            <a:r>
+              <a:rPr lang="de-CH" dirty="0" err="1">
+                <a:latin typeface="Consolas" panose="020B0609020204030204" pitchFamily="49" charset="0"/>
+              </a:rPr>
+              <a:t>finally</a:t>
+            </a:r>
+            <a:r>
+              <a:rPr lang="de-CH" dirty="0">
+                <a:latin typeface="Consolas" panose="020B0609020204030204" pitchFamily="49" charset="0"/>
+              </a:rPr>
+              <a:t>{</a:t>
+            </a:r>
+          </a:p>
+          <a:p>
+            <a:pPr marL="0" indent="0">
+              <a:buNone/>
+            </a:pPr>
+            <a:r>
+              <a:rPr lang="de-CH" dirty="0">
+                <a:latin typeface="Consolas" panose="020B0609020204030204" pitchFamily="49" charset="0"/>
+              </a:rPr>
+              <a:t>	do </a:t>
+            </a:r>
+            <a:r>
+              <a:rPr lang="de-CH" dirty="0" err="1">
+                <a:latin typeface="Consolas" panose="020B0609020204030204" pitchFamily="49" charset="0"/>
+              </a:rPr>
+              <a:t>anyway</a:t>
+            </a:r>
+            <a:r>
+              <a:rPr lang="de-CH" dirty="0">
+                <a:latin typeface="Consolas" panose="020B0609020204030204" pitchFamily="49" charset="0"/>
+              </a:rPr>
+              <a:t>;</a:t>
+            </a:r>
+          </a:p>
+          <a:p>
+            <a:pPr marL="0" indent="0">
+              <a:buNone/>
+            </a:pPr>
+            <a:r>
+              <a:rPr lang="de-CH" dirty="0">
+                <a:latin typeface="Consolas" panose="020B0609020204030204" pitchFamily="49" charset="0"/>
+              </a:rPr>
+              <a:t>}</a:t>
+            </a:r>
           </a:p>
         </p:txBody>
       </p:sp>
     </p:spTree>
     <p:extLst>
       <p:ext uri="{BB962C8B-B14F-4D97-AF65-F5344CB8AC3E}">
-        <p14:creationId xmlns:p14="http://schemas.microsoft.com/office/powerpoint/2010/main" val="1633889420"/>
+        <p14:creationId xmlns:p14="http://schemas.microsoft.com/office/powerpoint/2010/main" val="1512234174"/>
       </p:ext>
     </p:extLst>
   </p:cSld>
@@ -6204,12 +6469,8 @@
           <a:lstStyle/>
           <a:p>
             <a:r>
-              <a:rPr lang="de-CH" dirty="0" err="1"/>
-              <a:t>Exception</a:t>
-            </a:r>
-            <a:r>
-              <a:rPr lang="de-CH" dirty="0"/>
-              <a:t>-Handling</a:t>
+              <a:rPr lang="de-CH" dirty="0"/>
+              <a:t>Debugging</a:t>
             </a:r>
           </a:p>
         </p:txBody>
@@ -6229,146 +6490,25 @@
           <a:bodyPr/>
           <a:lstStyle/>
           <a:p>
-            <a:pPr marL="0" indent="0">
-              <a:buNone/>
-            </a:pPr>
+            <a:r>
+              <a:rPr lang="de-CH" dirty="0">
+                <a:latin typeface="Consolas" panose="020B0609020204030204" pitchFamily="49" charset="0"/>
+              </a:rPr>
+              <a:t>Console.log() ;)</a:t>
+            </a:r>
+          </a:p>
+          <a:p>
             <a:r>
               <a:rPr lang="de-CH" dirty="0" err="1">
                 <a:latin typeface="Consolas" panose="020B0609020204030204" pitchFamily="49" charset="0"/>
               </a:rPr>
-              <a:t>try</a:t>
-            </a:r>
-            <a:r>
-              <a:rPr lang="de-CH" dirty="0">
-                <a:latin typeface="Consolas" panose="020B0609020204030204" pitchFamily="49" charset="0"/>
-              </a:rPr>
-              <a:t>{</a:t>
-            </a:r>
-          </a:p>
-          <a:p>
-            <a:pPr marL="0" indent="0">
-              <a:buNone/>
-            </a:pPr>
-            <a:r>
-              <a:rPr lang="de-CH" dirty="0">
-                <a:latin typeface="Consolas" panose="020B0609020204030204" pitchFamily="49" charset="0"/>
-              </a:rPr>
-              <a:t>	do </a:t>
-            </a:r>
-            <a:r>
-              <a:rPr lang="de-CH" dirty="0" err="1">
-                <a:latin typeface="Consolas" panose="020B0609020204030204" pitchFamily="49" charset="0"/>
-              </a:rPr>
-              <a:t>stuff</a:t>
-            </a:r>
-            <a:r>
-              <a:rPr lang="de-CH" dirty="0">
-                <a:latin typeface="Consolas" panose="020B0609020204030204" pitchFamily="49" charset="0"/>
-              </a:rPr>
-              <a:t>;</a:t>
-            </a:r>
-          </a:p>
-          <a:p>
-            <a:pPr marL="0" indent="0">
-              <a:buNone/>
-            </a:pPr>
-            <a:r>
-              <a:rPr lang="de-CH" dirty="0">
-                <a:latin typeface="Consolas" panose="020B0609020204030204" pitchFamily="49" charset="0"/>
-              </a:rPr>
-              <a:t>}catch(</a:t>
-            </a:r>
-            <a:r>
-              <a:rPr lang="de-CH" dirty="0" err="1">
-                <a:latin typeface="Consolas" panose="020B0609020204030204" pitchFamily="49" charset="0"/>
-              </a:rPr>
-              <a:t>err</a:t>
-            </a:r>
-            <a:r>
-              <a:rPr lang="de-CH" dirty="0">
-                <a:latin typeface="Consolas" panose="020B0609020204030204" pitchFamily="49" charset="0"/>
-              </a:rPr>
-              <a:t>){</a:t>
-            </a:r>
-          </a:p>
-          <a:p>
-            <a:pPr marL="0" indent="0">
-              <a:buNone/>
-            </a:pPr>
-            <a:r>
-              <a:rPr lang="de-CH" dirty="0">
-                <a:latin typeface="Consolas" panose="020B0609020204030204" pitchFamily="49" charset="0"/>
-              </a:rPr>
-              <a:t>	console.log(</a:t>
-            </a:r>
-            <a:r>
-              <a:rPr lang="de-CH" dirty="0" err="1">
-                <a:latin typeface="Consolas" panose="020B0609020204030204" pitchFamily="49" charset="0"/>
-              </a:rPr>
-              <a:t>err</a:t>
-            </a:r>
-            <a:r>
-              <a:rPr lang="de-CH" dirty="0">
-                <a:latin typeface="Consolas" panose="020B0609020204030204" pitchFamily="49" charset="0"/>
-              </a:rPr>
-              <a:t>);</a:t>
-            </a:r>
-          </a:p>
-          <a:p>
-            <a:pPr marL="0" indent="0">
-              <a:buNone/>
-            </a:pPr>
-            <a:r>
-              <a:rPr lang="de-CH" dirty="0">
-                <a:latin typeface="Consolas" panose="020B0609020204030204" pitchFamily="49" charset="0"/>
-              </a:rPr>
-              <a:t>}</a:t>
-            </a:r>
-            <a:r>
-              <a:rPr lang="de-CH" dirty="0" err="1">
-                <a:latin typeface="Consolas" panose="020B0609020204030204" pitchFamily="49" charset="0"/>
-              </a:rPr>
-              <a:t>finally</a:t>
-            </a:r>
-            <a:r>
-              <a:rPr lang="de-CH" dirty="0">
-                <a:latin typeface="Consolas" panose="020B0609020204030204" pitchFamily="49" charset="0"/>
-              </a:rPr>
-              <a:t>{</a:t>
-            </a:r>
-          </a:p>
-          <a:p>
-            <a:pPr marL="0" indent="0">
-              <a:buNone/>
-            </a:pPr>
-            <a:r>
-              <a:rPr lang="de-CH" dirty="0">
-                <a:latin typeface="Consolas" panose="020B0609020204030204" pitchFamily="49" charset="0"/>
-              </a:rPr>
-              <a:t>	do </a:t>
-            </a:r>
-            <a:r>
-              <a:rPr lang="de-CH" dirty="0" err="1">
-                <a:latin typeface="Consolas" panose="020B0609020204030204" pitchFamily="49" charset="0"/>
-              </a:rPr>
-              <a:t>anyway</a:t>
-            </a:r>
-            <a:r>
-              <a:rPr lang="de-CH" dirty="0">
-                <a:latin typeface="Consolas" panose="020B0609020204030204" pitchFamily="49" charset="0"/>
-              </a:rPr>
-              <a:t>;</a:t>
-            </a:r>
-          </a:p>
-          <a:p>
-            <a:pPr marL="0" indent="0">
-              <a:buNone/>
-            </a:pPr>
-            <a:r>
-              <a:rPr lang="de-CH" dirty="0">
-                <a:latin typeface="Consolas" panose="020B0609020204030204" pitchFamily="49" charset="0"/>
-              </a:rPr>
-              <a:t>}</a:t>
+              <a:t>debugger</a:t>
+            </a:r>
+            <a:r>
+              <a:rPr lang="de-CH" dirty="0">
+                <a:latin typeface="Consolas" panose="020B0609020204030204" pitchFamily="49" charset="0"/>
+              </a:rPr>
+              <a:t>; //erstellt einen Breakpoint</a:t>
             </a:r>
           </a:p>
         </p:txBody>
@@ -6376,7 +6516,7 @@
     </p:spTree>
     <p:extLst>
       <p:ext uri="{BB962C8B-B14F-4D97-AF65-F5344CB8AC3E}">
-        <p14:creationId xmlns:p14="http://schemas.microsoft.com/office/powerpoint/2010/main" val="1512234174"/>
+        <p14:creationId xmlns:p14="http://schemas.microsoft.com/office/powerpoint/2010/main" val="34123637"/>
       </p:ext>
     </p:extLst>
   </p:cSld>
@@ -6405,7 +6545,13 @@
       </p:grpSpPr>
       <p:sp>
         <p:nvSpPr>
-          <p:cNvPr id="2" name="Title 1"/>
+          <p:cNvPr id="2" name="Titel 1">
+            <a:extLst>
+              <a:ext uri="{FF2B5EF4-FFF2-40B4-BE49-F238E27FC236}">
+                <a16:creationId xmlns:a16="http://schemas.microsoft.com/office/drawing/2014/main" id="{0016EDD1-C5C8-4540-A7E4-E9F9435164D6}"/>
+              </a:ext>
+            </a:extLst>
+          </p:cNvPr>
           <p:cNvSpPr>
             <a:spLocks noGrp="1"/>
           </p:cNvSpPr>
@@ -6419,15 +6565,25 @@
           <a:lstStyle/>
           <a:p>
             <a:r>
-              <a:rPr lang="de-CH" dirty="0"/>
-              <a:t>Debugging</a:t>
-            </a:r>
-          </a:p>
-        </p:txBody>
-      </p:sp>
-      <p:sp>
-        <p:nvSpPr>
-          <p:cNvPr id="3" name="Content Placeholder 2"/>
+              <a:rPr lang="de-CH" dirty="0" err="1"/>
+              <a:t>Strict</a:t>
+            </a:r>
+            <a:r>
+              <a:rPr lang="de-CH" dirty="0"/>
+              <a:t> Mode</a:t>
+            </a:r>
+          </a:p>
+        </p:txBody>
+      </p:sp>
+      <p:sp>
+        <p:nvSpPr>
+          <p:cNvPr id="3" name="Inhaltsplatzhalter 2">
+            <a:extLst>
+              <a:ext uri="{FF2B5EF4-FFF2-40B4-BE49-F238E27FC236}">
+                <a16:creationId xmlns:a16="http://schemas.microsoft.com/office/drawing/2014/main" id="{F9275C41-2819-45CC-A074-C1B6D29A3359}"/>
+              </a:ext>
+            </a:extLst>
+          </p:cNvPr>
           <p:cNvSpPr>
             <a:spLocks noGrp="1"/>
           </p:cNvSpPr>
@@ -6441,36 +6597,89 @@
           <a:lstStyle/>
           <a:p>
             <a:r>
-              <a:rPr lang="de-CH" dirty="0">
-                <a:latin typeface="Consolas" panose="020B0609020204030204" pitchFamily="49" charset="0"/>
-              </a:rPr>
-              <a:t>Console.log() ;)</a:t>
-            </a:r>
-          </a:p>
-          <a:p>
+              <a:rPr lang="de-CH" dirty="0"/>
+              <a:t>Seit ES5</a:t>
+            </a:r>
+          </a:p>
+          <a:p>
+            <a:r>
+              <a:rPr lang="de-CH" dirty="0"/>
+              <a:t>JavaScript ist unsicher</a:t>
+            </a:r>
+          </a:p>
+          <a:p>
+            <a:r>
+              <a:rPr lang="de-CH" dirty="0">
+                <a:latin typeface="Consolas" panose="020B0609020204030204" pitchFamily="49" charset="0"/>
+              </a:rPr>
+              <a:t>‘‘</a:t>
+            </a:r>
             <a:r>
               <a:rPr lang="de-CH" dirty="0" err="1">
                 <a:latin typeface="Consolas" panose="020B0609020204030204" pitchFamily="49" charset="0"/>
               </a:rPr>
-              <a:t>debugger</a:t>
-            </a:r>
-            <a:r>
-              <a:rPr lang="de-CH" dirty="0">
-                <a:latin typeface="Consolas" panose="020B0609020204030204" pitchFamily="49" charset="0"/>
-              </a:rPr>
-              <a:t>; //</a:t>
+              <a:t>use</a:t>
+            </a:r>
+            <a:r>
+              <a:rPr lang="de-CH" dirty="0">
+                <a:latin typeface="Consolas" panose="020B0609020204030204" pitchFamily="49" charset="0"/>
+              </a:rPr>
+              <a:t> </a:t>
             </a:r>
             <a:r>
               <a:rPr lang="de-CH" dirty="0" err="1">
                 <a:latin typeface="Consolas" panose="020B0609020204030204" pitchFamily="49" charset="0"/>
               </a:rPr>
-              <a:t>creates</a:t>
-            </a:r>
-            <a:r>
-              <a:rPr lang="de-CH" dirty="0">
-                <a:latin typeface="Consolas" panose="020B0609020204030204" pitchFamily="49" charset="0"/>
-              </a:rPr>
-              <a:t> a Breakpoint</a:t>
+              <a:t>strict</a:t>
+            </a:r>
+            <a:r>
+              <a:rPr lang="de-CH" dirty="0">
+                <a:latin typeface="Consolas" panose="020B0609020204030204" pitchFamily="49" charset="0"/>
+              </a:rPr>
+              <a:t>’’;</a:t>
+            </a:r>
+          </a:p>
+          <a:p>
+            <a:r>
+              <a:rPr lang="de-CH" dirty="0"/>
+              <a:t>Verhindert:</a:t>
+            </a:r>
+          </a:p>
+          <a:p>
+            <a:pPr lvl="1"/>
+            <a:r>
+              <a:rPr lang="de-CH" sz="2800" dirty="0"/>
+              <a:t>Verwendung von nicht deklarierten Variablen/Objekten</a:t>
+            </a:r>
+          </a:p>
+          <a:p>
+            <a:pPr lvl="1"/>
+            <a:r>
+              <a:rPr lang="de-CH" sz="2800" dirty="0"/>
+              <a:t>Löschen von Funktionen/Variablen/Objekten (mit </a:t>
+            </a:r>
+            <a:r>
+              <a:rPr lang="de-CH" sz="2800" dirty="0" err="1">
+                <a:latin typeface="Consolas" panose="020B0609020204030204" pitchFamily="49" charset="0"/>
+              </a:rPr>
+              <a:t>delete</a:t>
+            </a:r>
+            <a:r>
+              <a:rPr lang="de-CH" sz="2800" dirty="0">
+                <a:latin typeface="Consolas" panose="020B0609020204030204" pitchFamily="49" charset="0"/>
+              </a:rPr>
+              <a:t> x;</a:t>
+            </a:r>
+            <a:r>
+              <a:rPr lang="de-CH" sz="2800" dirty="0"/>
+              <a:t>)</a:t>
+            </a:r>
+          </a:p>
+          <a:p>
+            <a:pPr lvl="1"/>
+            <a:r>
+              <a:rPr lang="de-CH" sz="2800" dirty="0"/>
+              <a:t>Gebrauch von reservierten Wörtern</a:t>
             </a:r>
           </a:p>
         </p:txBody>
@@ -6478,7 +6687,7 @@
     </p:spTree>
     <p:extLst>
       <p:ext uri="{BB962C8B-B14F-4D97-AF65-F5344CB8AC3E}">
-        <p14:creationId xmlns:p14="http://schemas.microsoft.com/office/powerpoint/2010/main" val="34123637"/>
+        <p14:creationId xmlns:p14="http://schemas.microsoft.com/office/powerpoint/2010/main" val="2227674156"/>
       </p:ext>
     </p:extLst>
   </p:cSld>
@@ -6659,6 +6868,140 @@
     <p:extLst>
       <p:ext uri="{BB962C8B-B14F-4D97-AF65-F5344CB8AC3E}">
         <p14:creationId xmlns:p14="http://schemas.microsoft.com/office/powerpoint/2010/main" val="68433193"/>
+      </p:ext>
+    </p:extLst>
+  </p:cSld>
+  <p:clrMapOvr>
+    <a:masterClrMapping/>
+  </p:clrMapOvr>
+</p:sld>
+</file>
+
+<file path=ppt/slides/slide24.xml><?xml version="1.0" encoding="utf-8"?>
+<p:sld xmlns:a="http://schemas.openxmlformats.org/drawingml/2006/main" xmlns:r="http://schemas.openxmlformats.org/officeDocument/2006/relationships" xmlns:p="http://schemas.openxmlformats.org/presentationml/2006/main">
+  <p:cSld>
+    <p:spTree>
+      <p:nvGrpSpPr>
+        <p:cNvPr id="1" name=""/>
+        <p:cNvGrpSpPr/>
+        <p:nvPr/>
+      </p:nvGrpSpPr>
+      <p:grpSpPr>
+        <a:xfrm>
+          <a:off x="0" y="0"/>
+          <a:ext cx="0" cy="0"/>
+          <a:chOff x="0" y="0"/>
+          <a:chExt cx="0" cy="0"/>
+        </a:xfrm>
+      </p:grpSpPr>
+      <p:sp>
+        <p:nvSpPr>
+          <p:cNvPr id="2" name="Titel 1">
+            <a:extLst>
+              <a:ext uri="{FF2B5EF4-FFF2-40B4-BE49-F238E27FC236}">
+                <a16:creationId xmlns:a16="http://schemas.microsoft.com/office/drawing/2014/main" id="{52FF255E-6B70-47EB-B322-AE0EDE058B39}"/>
+              </a:ext>
+            </a:extLst>
+          </p:cNvPr>
+          <p:cNvSpPr>
+            <a:spLocks noGrp="1"/>
+          </p:cNvSpPr>
+          <p:nvPr>
+            <p:ph type="title"/>
+          </p:nvPr>
+        </p:nvSpPr>
+        <p:spPr/>
+        <p:txBody>
+          <a:bodyPr/>
+          <a:lstStyle/>
+          <a:p>
+            <a:r>
+              <a:rPr lang="de-CH" dirty="0"/>
+              <a:t>Nützliche Links</a:t>
+            </a:r>
+          </a:p>
+        </p:txBody>
+      </p:sp>
+      <p:sp>
+        <p:nvSpPr>
+          <p:cNvPr id="3" name="Inhaltsplatzhalter 2">
+            <a:extLst>
+              <a:ext uri="{FF2B5EF4-FFF2-40B4-BE49-F238E27FC236}">
+                <a16:creationId xmlns:a16="http://schemas.microsoft.com/office/drawing/2014/main" id="{ACC111F8-6EB7-4823-BCA6-4458C8F4C2B7}"/>
+              </a:ext>
+            </a:extLst>
+          </p:cNvPr>
+          <p:cNvSpPr>
+            <a:spLocks noGrp="1"/>
+          </p:cNvSpPr>
+          <p:nvPr>
+            <p:ph idx="1"/>
+          </p:nvPr>
+        </p:nvSpPr>
+        <p:spPr/>
+        <p:txBody>
+          <a:bodyPr/>
+          <a:lstStyle/>
+          <a:p>
+            <a:r>
+              <a:rPr lang="de-CH" dirty="0">
+                <a:hlinkClick r:id="rId2"/>
+              </a:rPr>
+              <a:t>https://developer.mozilla.org/de/docs/Web/</a:t>
+            </a:r>
+            <a:r>
+              <a:rPr lang="de-CH" dirty="0"/>
+              <a:t> (Generelle Übersicht)</a:t>
+            </a:r>
+            <a:endParaRPr lang="de-CH" dirty="0">
+              <a:hlinkClick r:id="rId3"/>
+            </a:endParaRPr>
+          </a:p>
+          <a:p>
+            <a:r>
+              <a:rPr lang="de-CH" dirty="0">
+                <a:hlinkClick r:id="rId3"/>
+              </a:rPr>
+              <a:t>https://developer.mozilla.org/de/docs/Web/JavaScript</a:t>
+            </a:r>
+            <a:r>
+              <a:rPr lang="de-CH" dirty="0"/>
+              <a:t> (JS)</a:t>
+            </a:r>
+          </a:p>
+          <a:p>
+            <a:r>
+              <a:rPr lang="de-CH" dirty="0">
+                <a:hlinkClick r:id="rId4"/>
+              </a:rPr>
+              <a:t>https://www.w3schools.com/js/</a:t>
+            </a:r>
+            <a:r>
+              <a:rPr lang="de-CH" dirty="0"/>
+              <a:t> (JS)</a:t>
+            </a:r>
+          </a:p>
+          <a:p>
+            <a:r>
+              <a:rPr lang="de-CH" dirty="0">
+                <a:hlinkClick r:id="rId5"/>
+              </a:rPr>
+              <a:t>https://www.w3schools.com/js/js_htmldom.asp</a:t>
+            </a:r>
+            <a:r>
+              <a:rPr lang="de-CH" dirty="0"/>
+              <a:t> (DOM Manipulation)</a:t>
+            </a:r>
+          </a:p>
+          <a:p>
+            <a:endParaRPr lang="de-CH" dirty="0"/>
+          </a:p>
+        </p:txBody>
+      </p:sp>
+    </p:spTree>
+    <p:extLst>
+      <p:ext uri="{BB962C8B-B14F-4D97-AF65-F5344CB8AC3E}">
+        <p14:creationId xmlns:p14="http://schemas.microsoft.com/office/powerpoint/2010/main" val="1210188577"/>
       </p:ext>
     </p:extLst>
   </p:cSld>
@@ -7085,8 +7428,14 @@
               <a:rPr lang="de-CH" dirty="0">
                 <a:hlinkClick r:id="rId3"/>
               </a:rPr>
-              <a:t>https://github.com/jorisbaiutti/JSTraining/blob/master/executejavascript.html</a:t>
-            </a:r>
+              <a:t>https://github.com/martiph/JSTraining_ICT-Campus/blob/master/HowToReferenceJS/index.html</a:t>
+            </a:r>
+            <a:endParaRPr lang="de-CH" dirty="0"/>
+          </a:p>
+          <a:p>
+            <a:pPr marL="0" indent="0">
+              <a:buNone/>
+            </a:pPr>
             <a:endParaRPr lang="de-CH" dirty="0"/>
           </a:p>
         </p:txBody>
@@ -7261,7 +7610,121 @@
           <a:p>
             <a:r>
               <a:rPr lang="de-CH" dirty="0"/>
-              <a:t>Syntax wie C oder Java</a:t>
+              <a:t>Variablen</a:t>
+            </a:r>
+          </a:p>
+        </p:txBody>
+      </p:sp>
+      <p:sp>
+        <p:nvSpPr>
+          <p:cNvPr id="3" name="Content Placeholder 2"/>
+          <p:cNvSpPr>
+            <a:spLocks noGrp="1"/>
+          </p:cNvSpPr>
+          <p:nvPr>
+            <p:ph idx="1"/>
+          </p:nvPr>
+        </p:nvSpPr>
+        <p:spPr/>
+        <p:txBody>
+          <a:bodyPr/>
+          <a:lstStyle/>
+          <a:p>
+            <a:r>
+              <a:rPr lang="de-CH" dirty="0"/>
+              <a:t>ES5 </a:t>
+            </a:r>
+            <a:r>
+              <a:rPr lang="de-CH" dirty="0" err="1"/>
+              <a:t>var</a:t>
+            </a:r>
+            <a:r>
+              <a:rPr lang="de-CH" dirty="0"/>
+              <a:t> x; </a:t>
+            </a:r>
+            <a:r>
+              <a:rPr lang="de-CH" dirty="0" err="1"/>
+              <a:t>var</a:t>
+            </a:r>
+            <a:r>
+              <a:rPr lang="de-CH" dirty="0"/>
+              <a:t> y = 10; </a:t>
+            </a:r>
+            <a:r>
+              <a:rPr lang="de-CH" dirty="0" err="1"/>
+              <a:t>var</a:t>
+            </a:r>
+            <a:r>
+              <a:rPr lang="de-CH" dirty="0"/>
+              <a:t> z = “Hello”;</a:t>
+            </a:r>
+          </a:p>
+          <a:p>
+            <a:r>
+              <a:rPr lang="de-CH" dirty="0"/>
+              <a:t>ES6 </a:t>
+            </a:r>
+            <a:r>
+              <a:rPr lang="de-CH" dirty="0" err="1"/>
+              <a:t>let</a:t>
+            </a:r>
+            <a:r>
+              <a:rPr lang="de-CH" dirty="0"/>
+              <a:t>, </a:t>
+            </a:r>
+            <a:r>
+              <a:rPr lang="de-CH" dirty="0" err="1"/>
+              <a:t>const</a:t>
+            </a:r>
+            <a:endParaRPr lang="de-CH" dirty="0"/>
+          </a:p>
+          <a:p>
+            <a:r>
+              <a:rPr lang="de-CH" dirty="0" err="1"/>
+              <a:t>let</a:t>
+            </a:r>
+            <a:r>
+              <a:rPr lang="de-CH" dirty="0"/>
+              <a:t>: kein </a:t>
+            </a:r>
+            <a:r>
+              <a:rPr lang="de-CH" dirty="0" err="1"/>
+              <a:t>re-declaring</a:t>
+            </a:r>
+            <a:r>
+              <a:rPr lang="de-CH" dirty="0"/>
+              <a:t>, anderer </a:t>
+            </a:r>
+            <a:r>
+              <a:rPr lang="de-CH" dirty="0" err="1"/>
+              <a:t>Scope</a:t>
+            </a:r>
+            <a:endParaRPr lang="de-CH" dirty="0"/>
+          </a:p>
+          <a:p>
+            <a:r>
+              <a:rPr lang="de-CH" dirty="0" err="1"/>
+              <a:t>const</a:t>
+            </a:r>
+            <a:r>
+              <a:rPr lang="de-CH" dirty="0"/>
+              <a:t>: kein </a:t>
+            </a:r>
+            <a:r>
+              <a:rPr lang="de-CH" dirty="0" err="1"/>
+              <a:t>re-declaring</a:t>
+            </a:r>
+            <a:r>
+              <a:rPr lang="de-CH" dirty="0"/>
+              <a:t>, kein </a:t>
+            </a:r>
+            <a:r>
+              <a:rPr lang="de-CH" dirty="0" err="1"/>
+              <a:t>re-assignment</a:t>
+            </a:r>
+            <a:r>
+              <a:rPr lang="de-CH" dirty="0"/>
+              <a:t> </a:t>
             </a:r>
           </a:p>
         </p:txBody>
@@ -7269,7 +7732,7 @@
     </p:spTree>
     <p:extLst>
       <p:ext uri="{BB962C8B-B14F-4D97-AF65-F5344CB8AC3E}">
-        <p14:creationId xmlns:p14="http://schemas.microsoft.com/office/powerpoint/2010/main" val="820764902"/>
+        <p14:creationId xmlns:p14="http://schemas.microsoft.com/office/powerpoint/2010/main" val="1754301545"/>
       </p:ext>
     </p:extLst>
   </p:cSld>
@@ -7312,8 +7775,28 @@
           <a:lstStyle/>
           <a:p>
             <a:r>
-              <a:rPr lang="de-CH" dirty="0"/>
-              <a:t>Variables</a:t>
+              <a:rPr lang="de-CH" dirty="0" err="1"/>
+              <a:t>If</a:t>
+            </a:r>
+            <a:r>
+              <a:rPr lang="de-CH" dirty="0"/>
+              <a:t>, </a:t>
+            </a:r>
+            <a:r>
+              <a:rPr lang="de-CH" dirty="0" err="1"/>
+              <a:t>else</a:t>
+            </a:r>
+            <a:r>
+              <a:rPr lang="de-CH" dirty="0"/>
+              <a:t> </a:t>
+            </a:r>
+            <a:r>
+              <a:rPr lang="de-CH" dirty="0" err="1"/>
+              <a:t>if</a:t>
+            </a:r>
+            <a:r>
+              <a:rPr lang="de-CH" dirty="0"/>
+              <a:t>, Switch</a:t>
             </a:r>
           </a:p>
         </p:txBody>
@@ -7333,109 +7816,232 @@
           <a:bodyPr/>
           <a:lstStyle/>
           <a:p>
-            <a:r>
-              <a:rPr lang="de-CH" dirty="0"/>
-              <a:t>ES5 </a:t>
-            </a:r>
-            <a:r>
-              <a:rPr lang="de-CH" dirty="0" err="1"/>
-              <a:t>var</a:t>
-            </a:r>
-            <a:r>
-              <a:rPr lang="de-CH" dirty="0"/>
-              <a:t> x; </a:t>
-            </a:r>
-            <a:r>
-              <a:rPr lang="de-CH" dirty="0" err="1"/>
-              <a:t>var</a:t>
-            </a:r>
-            <a:r>
-              <a:rPr lang="de-CH" dirty="0"/>
-              <a:t> y = 10; </a:t>
-            </a:r>
-            <a:r>
-              <a:rPr lang="de-CH" dirty="0" err="1"/>
-              <a:t>var</a:t>
-            </a:r>
-            <a:r>
-              <a:rPr lang="de-CH" dirty="0"/>
-              <a:t> z = “Hello”;</a:t>
-            </a:r>
-          </a:p>
-          <a:p>
-            <a:r>
-              <a:rPr lang="de-CH" dirty="0"/>
-              <a:t>ES6 </a:t>
-            </a:r>
-            <a:r>
-              <a:rPr lang="de-CH" dirty="0" err="1"/>
-              <a:t>let</a:t>
-            </a:r>
-            <a:r>
-              <a:rPr lang="de-CH" dirty="0"/>
-              <a:t>, </a:t>
-            </a:r>
-            <a:r>
-              <a:rPr lang="de-CH" dirty="0" err="1"/>
-              <a:t>const</a:t>
-            </a:r>
+            <a:pPr marL="0" indent="0">
+              <a:buNone/>
+            </a:pPr>
+            <a:r>
+              <a:rPr lang="de-CH" dirty="0" err="1">
+                <a:latin typeface="Consolas" panose="020B0609020204030204" pitchFamily="49" charset="0"/>
+              </a:rPr>
+              <a:t>if</a:t>
+            </a:r>
+            <a:r>
+              <a:rPr lang="de-CH" dirty="0">
+                <a:latin typeface="Consolas" panose="020B0609020204030204" pitchFamily="49" charset="0"/>
+              </a:rPr>
+              <a:t>(</a:t>
+            </a:r>
+            <a:r>
+              <a:rPr lang="de-CH" dirty="0" err="1">
+                <a:latin typeface="Consolas" panose="020B0609020204030204" pitchFamily="49" charset="0"/>
+              </a:rPr>
+              <a:t>true</a:t>
+            </a:r>
+            <a:r>
+              <a:rPr lang="de-CH" dirty="0">
+                <a:latin typeface="Consolas" panose="020B0609020204030204" pitchFamily="49" charset="0"/>
+              </a:rPr>
+              <a:t>){</a:t>
+            </a:r>
+          </a:p>
+          <a:p>
+            <a:pPr marL="0" indent="0">
+              <a:buNone/>
+            </a:pPr>
+            <a:r>
+              <a:rPr lang="de-CH" dirty="0">
+                <a:latin typeface="Consolas" panose="020B0609020204030204" pitchFamily="49" charset="0"/>
+              </a:rPr>
+              <a:t>	do </a:t>
+            </a:r>
+            <a:r>
+              <a:rPr lang="de-CH" dirty="0" err="1">
+                <a:latin typeface="Consolas" panose="020B0609020204030204" pitchFamily="49" charset="0"/>
+              </a:rPr>
+              <a:t>stuff</a:t>
+            </a:r>
+            <a:endParaRPr lang="de-CH" dirty="0">
+              <a:latin typeface="Consolas" panose="020B0609020204030204" pitchFamily="49" charset="0"/>
+            </a:endParaRPr>
+          </a:p>
+          <a:p>
+            <a:pPr marL="0" indent="0">
+              <a:buNone/>
+            </a:pPr>
+            <a:r>
+              <a:rPr lang="de-CH" dirty="0">
+                <a:latin typeface="Consolas" panose="020B0609020204030204" pitchFamily="49" charset="0"/>
+              </a:rPr>
+              <a:t>}</a:t>
+            </a:r>
+            <a:r>
+              <a:rPr lang="de-CH" dirty="0" err="1">
+                <a:latin typeface="Consolas" panose="020B0609020204030204" pitchFamily="49" charset="0"/>
+              </a:rPr>
+              <a:t>else</a:t>
+            </a:r>
+            <a:r>
+              <a:rPr lang="de-CH" dirty="0">
+                <a:latin typeface="Consolas" panose="020B0609020204030204" pitchFamily="49" charset="0"/>
+              </a:rPr>
+              <a:t> </a:t>
+            </a:r>
+            <a:r>
+              <a:rPr lang="de-CH" dirty="0" err="1">
+                <a:latin typeface="Consolas" panose="020B0609020204030204" pitchFamily="49" charset="0"/>
+              </a:rPr>
+              <a:t>if</a:t>
+            </a:r>
+            <a:r>
+              <a:rPr lang="de-CH" dirty="0">
+                <a:latin typeface="Consolas" panose="020B0609020204030204" pitchFamily="49" charset="0"/>
+              </a:rPr>
+              <a:t>(</a:t>
+            </a:r>
+            <a:r>
+              <a:rPr lang="de-CH" dirty="0" err="1">
+                <a:latin typeface="Consolas" panose="020B0609020204030204" pitchFamily="49" charset="0"/>
+              </a:rPr>
+              <a:t>true</a:t>
+            </a:r>
+            <a:r>
+              <a:rPr lang="de-CH" dirty="0">
+                <a:latin typeface="Consolas" panose="020B0609020204030204" pitchFamily="49" charset="0"/>
+              </a:rPr>
+              <a:t>){</a:t>
+            </a:r>
+          </a:p>
+          <a:p>
+            <a:pPr marL="0" indent="0">
+              <a:buNone/>
+            </a:pPr>
+            <a:r>
+              <a:rPr lang="de-CH" dirty="0">
+                <a:latin typeface="Consolas" panose="020B0609020204030204" pitchFamily="49" charset="0"/>
+              </a:rPr>
+              <a:t>	do </a:t>
+            </a:r>
+            <a:r>
+              <a:rPr lang="de-CH" dirty="0" err="1">
+                <a:latin typeface="Consolas" panose="020B0609020204030204" pitchFamily="49" charset="0"/>
+              </a:rPr>
+              <a:t>other</a:t>
+            </a:r>
+            <a:r>
+              <a:rPr lang="de-CH" dirty="0">
+                <a:latin typeface="Consolas" panose="020B0609020204030204" pitchFamily="49" charset="0"/>
+              </a:rPr>
+              <a:t> </a:t>
+            </a:r>
+            <a:r>
+              <a:rPr lang="de-CH" dirty="0" err="1">
+                <a:latin typeface="Consolas" panose="020B0609020204030204" pitchFamily="49" charset="0"/>
+              </a:rPr>
+              <a:t>stuff</a:t>
+            </a:r>
+            <a:endParaRPr lang="de-CH" dirty="0">
+              <a:latin typeface="Consolas" panose="020B0609020204030204" pitchFamily="49" charset="0"/>
+            </a:endParaRPr>
+          </a:p>
+          <a:p>
+            <a:pPr marL="0" indent="0">
+              <a:buNone/>
+            </a:pPr>
+            <a:r>
+              <a:rPr lang="de-CH" dirty="0">
+                <a:latin typeface="Consolas" panose="020B0609020204030204" pitchFamily="49" charset="0"/>
+              </a:rPr>
+              <a:t>}</a:t>
+            </a:r>
+            <a:r>
+              <a:rPr lang="de-CH" dirty="0" err="1">
+                <a:latin typeface="Consolas" panose="020B0609020204030204" pitchFamily="49" charset="0"/>
+              </a:rPr>
+              <a:t>else</a:t>
+            </a:r>
+            <a:r>
+              <a:rPr lang="de-CH" dirty="0">
+                <a:latin typeface="Consolas" panose="020B0609020204030204" pitchFamily="49" charset="0"/>
+              </a:rPr>
+              <a:t> {</a:t>
+            </a:r>
+          </a:p>
+          <a:p>
+            <a:pPr marL="0" indent="0">
+              <a:buNone/>
+            </a:pPr>
+            <a:r>
+              <a:rPr lang="de-CH" dirty="0">
+                <a:latin typeface="Consolas" panose="020B0609020204030204" pitchFamily="49" charset="0"/>
+              </a:rPr>
+              <a:t>	do </a:t>
+            </a:r>
+            <a:r>
+              <a:rPr lang="de-CH" dirty="0" err="1">
+                <a:latin typeface="Consolas" panose="020B0609020204030204" pitchFamily="49" charset="0"/>
+              </a:rPr>
+              <a:t>everything</a:t>
+            </a:r>
+            <a:r>
+              <a:rPr lang="de-CH" dirty="0">
+                <a:latin typeface="Consolas" panose="020B0609020204030204" pitchFamily="49" charset="0"/>
+              </a:rPr>
+              <a:t> </a:t>
+            </a:r>
+            <a:r>
+              <a:rPr lang="de-CH" dirty="0" err="1">
+                <a:latin typeface="Consolas" panose="020B0609020204030204" pitchFamily="49" charset="0"/>
+              </a:rPr>
+              <a:t>else</a:t>
+            </a:r>
+            <a:endParaRPr lang="de-CH" dirty="0">
+              <a:latin typeface="Consolas" panose="020B0609020204030204" pitchFamily="49" charset="0"/>
+            </a:endParaRPr>
+          </a:p>
+          <a:p>
+            <a:pPr marL="0" indent="0">
+              <a:buNone/>
+            </a:pPr>
+            <a:r>
+              <a:rPr lang="de-CH" dirty="0">
+                <a:latin typeface="Consolas" panose="020B0609020204030204" pitchFamily="49" charset="0"/>
+              </a:rPr>
+              <a:t>}</a:t>
+            </a:r>
+          </a:p>
+          <a:p>
             <a:endParaRPr lang="de-CH" dirty="0"/>
           </a:p>
-          <a:p>
-            <a:r>
-              <a:rPr lang="de-CH" dirty="0" err="1"/>
-              <a:t>let</a:t>
-            </a:r>
-            <a:r>
-              <a:rPr lang="de-CH" dirty="0"/>
-              <a:t>: kein </a:t>
-            </a:r>
-            <a:r>
-              <a:rPr lang="de-CH" dirty="0" err="1"/>
-              <a:t>re-declaring</a:t>
-            </a:r>
-            <a:r>
-              <a:rPr lang="de-CH" dirty="0"/>
-              <a:t>, anderer </a:t>
-            </a:r>
-            <a:r>
-              <a:rPr lang="de-CH" dirty="0" err="1"/>
-              <a:t>Scope</a:t>
-            </a:r>
-            <a:endParaRPr lang="de-CH" dirty="0"/>
-          </a:p>
-          <a:p>
-            <a:r>
-              <a:rPr lang="de-CH" dirty="0" err="1"/>
-              <a:t>const</a:t>
-            </a:r>
-            <a:r>
-              <a:rPr lang="de-CH" dirty="0"/>
-              <a:t>: kein </a:t>
-            </a:r>
-            <a:r>
-              <a:rPr lang="de-CH" dirty="0" err="1"/>
-              <a:t>re-declaring</a:t>
-            </a:r>
-            <a:r>
-              <a:rPr lang="de-CH" dirty="0"/>
-              <a:t>, kein </a:t>
-            </a:r>
-            <a:r>
-              <a:rPr lang="de-CH" dirty="0" err="1"/>
-              <a:t>re-assignment</a:t>
-            </a:r>
-            <a:r>
-              <a:rPr lang="de-CH" dirty="0"/>
-              <a:t> </a:t>
-            </a:r>
-          </a:p>
-        </p:txBody>
-      </p:sp>
+        </p:txBody>
+      </p:sp>
+      <p:pic>
+        <p:nvPicPr>
+          <p:cNvPr id="4" name="Picture 3"/>
+          <p:cNvPicPr>
+            <a:picLocks noChangeAspect="1"/>
+          </p:cNvPicPr>
+          <p:nvPr/>
+        </p:nvPicPr>
+        <p:blipFill>
+          <a:blip r:embed="rId2"/>
+          <a:stretch>
+            <a:fillRect/>
+          </a:stretch>
+        </p:blipFill>
+        <p:spPr>
+          <a:xfrm>
+            <a:off x="7181850" y="1825625"/>
+            <a:ext cx="3505200" cy="3443052"/>
+          </a:xfrm>
+          <a:prstGeom prst="rect">
+            <a:avLst/>
+          </a:prstGeom>
+        </p:spPr>
+      </p:pic>
     </p:spTree>
     <p:extLst>
       <p:ext uri="{BB962C8B-B14F-4D97-AF65-F5344CB8AC3E}">
-        <p14:creationId xmlns:p14="http://schemas.microsoft.com/office/powerpoint/2010/main" val="1754301545"/>
+        <p14:creationId xmlns:p14="http://schemas.microsoft.com/office/powerpoint/2010/main" val="1450258862"/>
       </p:ext>
     </p:extLst>
   </p:cSld>

--- a/JSTraining.pptx
+++ b/JSTraining.pptx
@@ -5,7 +5,7 @@
     <p:sldMasterId id="2147483648" r:id="rId1"/>
   </p:sldMasterIdLst>
   <p:notesMasterIdLst>
-    <p:notesMasterId r:id="rId26"/>
+    <p:notesMasterId r:id="rId25"/>
   </p:notesMasterIdLst>
   <p:sldIdLst>
     <p:sldId id="256" r:id="rId2"/>
@@ -25,13 +25,12 @@
     <p:sldId id="273" r:id="rId16"/>
     <p:sldId id="272" r:id="rId17"/>
     <p:sldId id="274" r:id="rId18"/>
-    <p:sldId id="275" r:id="rId19"/>
-    <p:sldId id="276" r:id="rId20"/>
-    <p:sldId id="277" r:id="rId21"/>
-    <p:sldId id="282" r:id="rId22"/>
-    <p:sldId id="278" r:id="rId23"/>
-    <p:sldId id="279" r:id="rId24"/>
-    <p:sldId id="281" r:id="rId25"/>
+    <p:sldId id="276" r:id="rId19"/>
+    <p:sldId id="277" r:id="rId20"/>
+    <p:sldId id="282" r:id="rId21"/>
+    <p:sldId id="278" r:id="rId22"/>
+    <p:sldId id="279" r:id="rId23"/>
+    <p:sldId id="281" r:id="rId24"/>
   </p:sldIdLst>
   <p:sldSz cx="12192000" cy="6858000"/>
   <p:notesSz cx="6858000" cy="9144000"/>
@@ -227,7 +226,7 @@
           <a:p>
             <a:fld id="{B09D8FFF-C90B-E940-9216-23AD5EAD5BA9}" type="datetimeFigureOut">
               <a:rPr lang="en-GB" smtClean="0"/>
-              <a:t>06/03/2018</a:t>
+              <a:t>07/03/2018</a:t>
             </a:fld>
             <a:endParaRPr lang="en-GB"/>
           </a:p>
@@ -697,13 +696,7 @@
           <a:p>
             <a:r>
               <a:rPr lang="de-CH" dirty="0"/>
-              <a:t>JS unsicher, weil Variablen keine Deklaration brauchen</a:t>
-            </a:r>
-          </a:p>
-          <a:p>
-            <a:r>
-              <a:rPr lang="de-CH" dirty="0"/>
-              <a:t>https://www.w3schools.com/js/js_strict.asp</a:t>
+              <a:t>DEMO</a:t>
             </a:r>
           </a:p>
         </p:txBody>
@@ -725,7 +718,274 @@
           <a:p>
             <a:fld id="{44771577-2C5A-D741-B4F8-1C3FD3942A98}" type="slidenum">
               <a:rPr lang="en-GB" smtClean="0"/>
-              <a:t>21</a:t>
+              <a:t>15</a:t>
+            </a:fld>
+            <a:endParaRPr lang="en-GB"/>
+          </a:p>
+        </p:txBody>
+      </p:sp>
+    </p:spTree>
+    <p:extLst>
+      <p:ext uri="{BB962C8B-B14F-4D97-AF65-F5344CB8AC3E}">
+        <p14:creationId xmlns:p14="http://schemas.microsoft.com/office/powerpoint/2010/main" val="1040180754"/>
+      </p:ext>
+    </p:extLst>
+  </p:cSld>
+  <p:clrMapOvr>
+    <a:masterClrMapping/>
+  </p:clrMapOvr>
+</p:notes>
+</file>
+
+<file path=ppt/notesSlides/notesSlide11.xml><?xml version="1.0" encoding="utf-8"?>
+<p:notes xmlns:a="http://schemas.openxmlformats.org/drawingml/2006/main" xmlns:r="http://schemas.openxmlformats.org/officeDocument/2006/relationships" xmlns:p="http://schemas.openxmlformats.org/presentationml/2006/main">
+  <p:cSld>
+    <p:spTree>
+      <p:nvGrpSpPr>
+        <p:cNvPr id="1" name=""/>
+        <p:cNvGrpSpPr/>
+        <p:nvPr/>
+      </p:nvGrpSpPr>
+      <p:grpSpPr>
+        <a:xfrm>
+          <a:off x="0" y="0"/>
+          <a:ext cx="0" cy="0"/>
+          <a:chOff x="0" y="0"/>
+          <a:chExt cx="0" cy="0"/>
+        </a:xfrm>
+      </p:grpSpPr>
+      <p:sp>
+        <p:nvSpPr>
+          <p:cNvPr id="2" name="Folienbildplatzhalter 1"/>
+          <p:cNvSpPr>
+            <a:spLocks noGrp="1" noRot="1" noChangeAspect="1"/>
+          </p:cNvSpPr>
+          <p:nvPr>
+            <p:ph type="sldImg"/>
+          </p:nvPr>
+        </p:nvSpPr>
+        <p:spPr/>
+      </p:sp>
+      <p:sp>
+        <p:nvSpPr>
+          <p:cNvPr id="3" name="Notizenplatzhalter 2"/>
+          <p:cNvSpPr>
+            <a:spLocks noGrp="1"/>
+          </p:cNvSpPr>
+          <p:nvPr>
+            <p:ph type="body" idx="1"/>
+          </p:nvPr>
+        </p:nvSpPr>
+        <p:spPr/>
+        <p:txBody>
+          <a:bodyPr/>
+          <a:lstStyle/>
+          <a:p>
+            <a:r>
+              <a:rPr lang="de-CH" dirty="0"/>
+              <a:t>https://www.w3schools.com/js/js_array_methods.asp </a:t>
+            </a:r>
+          </a:p>
+        </p:txBody>
+      </p:sp>
+      <p:sp>
+        <p:nvSpPr>
+          <p:cNvPr id="4" name="Foliennummernplatzhalter 3"/>
+          <p:cNvSpPr>
+            <a:spLocks noGrp="1"/>
+          </p:cNvSpPr>
+          <p:nvPr>
+            <p:ph type="sldNum" sz="quarter" idx="10"/>
+          </p:nvPr>
+        </p:nvSpPr>
+        <p:spPr/>
+        <p:txBody>
+          <a:bodyPr/>
+          <a:lstStyle/>
+          <a:p>
+            <a:fld id="{44771577-2C5A-D741-B4F8-1C3FD3942A98}" type="slidenum">
+              <a:rPr lang="en-GB" smtClean="0"/>
+              <a:t>16</a:t>
+            </a:fld>
+            <a:endParaRPr lang="en-GB"/>
+          </a:p>
+        </p:txBody>
+      </p:sp>
+    </p:spTree>
+    <p:extLst>
+      <p:ext uri="{BB962C8B-B14F-4D97-AF65-F5344CB8AC3E}">
+        <p14:creationId xmlns:p14="http://schemas.microsoft.com/office/powerpoint/2010/main" val="3629272503"/>
+      </p:ext>
+    </p:extLst>
+  </p:cSld>
+  <p:clrMapOvr>
+    <a:masterClrMapping/>
+  </p:clrMapOvr>
+</p:notes>
+</file>
+
+<file path=ppt/notesSlides/notesSlide12.xml><?xml version="1.0" encoding="utf-8"?>
+<p:notes xmlns:a="http://schemas.openxmlformats.org/drawingml/2006/main" xmlns:r="http://schemas.openxmlformats.org/officeDocument/2006/relationships" xmlns:p="http://schemas.openxmlformats.org/presentationml/2006/main">
+  <p:cSld>
+    <p:spTree>
+      <p:nvGrpSpPr>
+        <p:cNvPr id="1" name=""/>
+        <p:cNvGrpSpPr/>
+        <p:nvPr/>
+      </p:nvGrpSpPr>
+      <p:grpSpPr>
+        <a:xfrm>
+          <a:off x="0" y="0"/>
+          <a:ext cx="0" cy="0"/>
+          <a:chOff x="0" y="0"/>
+          <a:chExt cx="0" cy="0"/>
+        </a:xfrm>
+      </p:grpSpPr>
+      <p:sp>
+        <p:nvSpPr>
+          <p:cNvPr id="2" name="Folienbildplatzhalter 1"/>
+          <p:cNvSpPr>
+            <a:spLocks noGrp="1" noRot="1" noChangeAspect="1"/>
+          </p:cNvSpPr>
+          <p:nvPr>
+            <p:ph type="sldImg"/>
+          </p:nvPr>
+        </p:nvSpPr>
+        <p:spPr/>
+      </p:sp>
+      <p:sp>
+        <p:nvSpPr>
+          <p:cNvPr id="3" name="Notizenplatzhalter 2"/>
+          <p:cNvSpPr>
+            <a:spLocks noGrp="1"/>
+          </p:cNvSpPr>
+          <p:nvPr>
+            <p:ph type="body" idx="1"/>
+          </p:nvPr>
+        </p:nvSpPr>
+        <p:spPr/>
+        <p:txBody>
+          <a:bodyPr/>
+          <a:lstStyle/>
+          <a:p>
+            <a:r>
+              <a:rPr lang="de-CH" dirty="0"/>
+              <a:t>DEMO</a:t>
+            </a:r>
+          </a:p>
+        </p:txBody>
+      </p:sp>
+      <p:sp>
+        <p:nvSpPr>
+          <p:cNvPr id="4" name="Foliennummernplatzhalter 3"/>
+          <p:cNvSpPr>
+            <a:spLocks noGrp="1"/>
+          </p:cNvSpPr>
+          <p:nvPr>
+            <p:ph type="sldNum" sz="quarter" idx="10"/>
+          </p:nvPr>
+        </p:nvSpPr>
+        <p:spPr/>
+        <p:txBody>
+          <a:bodyPr/>
+          <a:lstStyle/>
+          <a:p>
+            <a:fld id="{44771577-2C5A-D741-B4F8-1C3FD3942A98}" type="slidenum">
+              <a:rPr lang="en-GB" smtClean="0"/>
+              <a:t>17</a:t>
+            </a:fld>
+            <a:endParaRPr lang="en-GB"/>
+          </a:p>
+        </p:txBody>
+      </p:sp>
+    </p:spTree>
+    <p:extLst>
+      <p:ext uri="{BB962C8B-B14F-4D97-AF65-F5344CB8AC3E}">
+        <p14:creationId xmlns:p14="http://schemas.microsoft.com/office/powerpoint/2010/main" val="3141060128"/>
+      </p:ext>
+    </p:extLst>
+  </p:cSld>
+  <p:clrMapOvr>
+    <a:masterClrMapping/>
+  </p:clrMapOvr>
+</p:notes>
+</file>
+
+<file path=ppt/notesSlides/notesSlide13.xml><?xml version="1.0" encoding="utf-8"?>
+<p:notes xmlns:a="http://schemas.openxmlformats.org/drawingml/2006/main" xmlns:r="http://schemas.openxmlformats.org/officeDocument/2006/relationships" xmlns:p="http://schemas.openxmlformats.org/presentationml/2006/main">
+  <p:cSld>
+    <p:spTree>
+      <p:nvGrpSpPr>
+        <p:cNvPr id="1" name=""/>
+        <p:cNvGrpSpPr/>
+        <p:nvPr/>
+      </p:nvGrpSpPr>
+      <p:grpSpPr>
+        <a:xfrm>
+          <a:off x="0" y="0"/>
+          <a:ext cx="0" cy="0"/>
+          <a:chOff x="0" y="0"/>
+          <a:chExt cx="0" cy="0"/>
+        </a:xfrm>
+      </p:grpSpPr>
+      <p:sp>
+        <p:nvSpPr>
+          <p:cNvPr id="2" name="Folienbildplatzhalter 1"/>
+          <p:cNvSpPr>
+            <a:spLocks noGrp="1" noRot="1" noChangeAspect="1"/>
+          </p:cNvSpPr>
+          <p:nvPr>
+            <p:ph type="sldImg"/>
+          </p:nvPr>
+        </p:nvSpPr>
+        <p:spPr/>
+      </p:sp>
+      <p:sp>
+        <p:nvSpPr>
+          <p:cNvPr id="3" name="Notizenplatzhalter 2"/>
+          <p:cNvSpPr>
+            <a:spLocks noGrp="1"/>
+          </p:cNvSpPr>
+          <p:nvPr>
+            <p:ph type="body" idx="1"/>
+          </p:nvPr>
+        </p:nvSpPr>
+        <p:spPr/>
+        <p:txBody>
+          <a:bodyPr/>
+          <a:lstStyle/>
+          <a:p>
+            <a:r>
+              <a:rPr lang="de-CH" dirty="0"/>
+              <a:t>JS unsicher, weil Variablen keine Deklaration brauchen</a:t>
+            </a:r>
+          </a:p>
+          <a:p>
+            <a:r>
+              <a:rPr lang="de-CH" dirty="0"/>
+              <a:t>https://www.w3schools.com/js/js_strict.asp</a:t>
+            </a:r>
+          </a:p>
+        </p:txBody>
+      </p:sp>
+      <p:sp>
+        <p:nvSpPr>
+          <p:cNvPr id="4" name="Foliennummernplatzhalter 3"/>
+          <p:cNvSpPr>
+            <a:spLocks noGrp="1"/>
+          </p:cNvSpPr>
+          <p:nvPr>
+            <p:ph type="sldNum" sz="quarter" idx="10"/>
+          </p:nvPr>
+        </p:nvSpPr>
+        <p:spPr/>
+        <p:txBody>
+          <a:bodyPr/>
+          <a:lstStyle/>
+          <a:p>
+            <a:fld id="{44771577-2C5A-D741-B4F8-1C3FD3942A98}" type="slidenum">
+              <a:rPr lang="en-GB" smtClean="0"/>
+              <a:t>20</a:t>
             </a:fld>
             <a:endParaRPr lang="en-GB"/>
           </a:p>
@@ -1552,8 +1812,22 @@
           <a:p>
             <a:r>
               <a:rPr lang="de-CH" dirty="0"/>
-              <a:t>https://www.w3schools.com/js/js_array_methods.asp </a:t>
-            </a:r>
+              <a:t>DEMO</a:t>
+            </a:r>
+          </a:p>
+          <a:p>
+            <a:r>
+              <a:rPr lang="de-CH" dirty="0"/>
+              <a:t>http://www.w3schools.com/js/js_operators.asp</a:t>
+            </a:r>
+            <a:endParaRPr lang="de-CH" sz="1200" kern="1200" dirty="0">
+              <a:solidFill>
+                <a:schemeClr val="tx1"/>
+              </a:solidFill>
+              <a:latin typeface="+mn-lt"/>
+              <a:ea typeface="+mn-ea"/>
+              <a:cs typeface="+mn-cs"/>
+            </a:endParaRPr>
           </a:p>
         </p:txBody>
       </p:sp>
@@ -1574,7 +1848,7 @@
           <a:p>
             <a:fld id="{44771577-2C5A-D741-B4F8-1C3FD3942A98}" type="slidenum">
               <a:rPr lang="en-GB" smtClean="0"/>
-              <a:t>16</a:t>
+              <a:t>14</a:t>
             </a:fld>
             <a:endParaRPr lang="en-GB"/>
           </a:p>
@@ -1583,7 +1857,7 @@
     </p:spTree>
     <p:extLst>
       <p:ext uri="{BB962C8B-B14F-4D97-AF65-F5344CB8AC3E}">
-        <p14:creationId xmlns:p14="http://schemas.microsoft.com/office/powerpoint/2010/main" val="3629272503"/>
+        <p14:creationId xmlns:p14="http://schemas.microsoft.com/office/powerpoint/2010/main" val="4193090416"/>
       </p:ext>
     </p:extLst>
   </p:cSld>
@@ -1724,7 +1998,7 @@
           <a:p>
             <a:fld id="{AD0C2843-B122-3545-BEB5-3CB839A21497}" type="datetimeFigureOut">
               <a:rPr lang="en-GB" smtClean="0"/>
-              <a:t>06/03/2018</a:t>
+              <a:t>07/03/2018</a:t>
             </a:fld>
             <a:endParaRPr lang="en-GB"/>
           </a:p>
@@ -1894,7 +2168,7 @@
           <a:p>
             <a:fld id="{AD0C2843-B122-3545-BEB5-3CB839A21497}" type="datetimeFigureOut">
               <a:rPr lang="en-GB" smtClean="0"/>
-              <a:t>06/03/2018</a:t>
+              <a:t>07/03/2018</a:t>
             </a:fld>
             <a:endParaRPr lang="en-GB"/>
           </a:p>
@@ -2074,7 +2348,7 @@
           <a:p>
             <a:fld id="{AD0C2843-B122-3545-BEB5-3CB839A21497}" type="datetimeFigureOut">
               <a:rPr lang="en-GB" smtClean="0"/>
-              <a:t>06/03/2018</a:t>
+              <a:t>07/03/2018</a:t>
             </a:fld>
             <a:endParaRPr lang="en-GB"/>
           </a:p>
@@ -2244,7 +2518,7 @@
           <a:p>
             <a:fld id="{AD0C2843-B122-3545-BEB5-3CB839A21497}" type="datetimeFigureOut">
               <a:rPr lang="en-GB" smtClean="0"/>
-              <a:t>06/03/2018</a:t>
+              <a:t>07/03/2018</a:t>
             </a:fld>
             <a:endParaRPr lang="en-GB"/>
           </a:p>
@@ -2490,7 +2764,7 @@
           <a:p>
             <a:fld id="{AD0C2843-B122-3545-BEB5-3CB839A21497}" type="datetimeFigureOut">
               <a:rPr lang="en-GB" smtClean="0"/>
-              <a:t>06/03/2018</a:t>
+              <a:t>07/03/2018</a:t>
             </a:fld>
             <a:endParaRPr lang="en-GB"/>
           </a:p>
@@ -2722,7 +2996,7 @@
           <a:p>
             <a:fld id="{AD0C2843-B122-3545-BEB5-3CB839A21497}" type="datetimeFigureOut">
               <a:rPr lang="en-GB" smtClean="0"/>
-              <a:t>06/03/2018</a:t>
+              <a:t>07/03/2018</a:t>
             </a:fld>
             <a:endParaRPr lang="en-GB"/>
           </a:p>
@@ -3089,7 +3363,7 @@
           <a:p>
             <a:fld id="{AD0C2843-B122-3545-BEB5-3CB839A21497}" type="datetimeFigureOut">
               <a:rPr lang="en-GB" smtClean="0"/>
-              <a:t>06/03/2018</a:t>
+              <a:t>07/03/2018</a:t>
             </a:fld>
             <a:endParaRPr lang="en-GB"/>
           </a:p>
@@ -3207,7 +3481,7 @@
           <a:p>
             <a:fld id="{AD0C2843-B122-3545-BEB5-3CB839A21497}" type="datetimeFigureOut">
               <a:rPr lang="en-GB" smtClean="0"/>
-              <a:t>06/03/2018</a:t>
+              <a:t>07/03/2018</a:t>
             </a:fld>
             <a:endParaRPr lang="en-GB"/>
           </a:p>
@@ -3302,7 +3576,7 @@
           <a:p>
             <a:fld id="{AD0C2843-B122-3545-BEB5-3CB839A21497}" type="datetimeFigureOut">
               <a:rPr lang="en-GB" smtClean="0"/>
-              <a:t>06/03/2018</a:t>
+              <a:t>07/03/2018</a:t>
             </a:fld>
             <a:endParaRPr lang="en-GB"/>
           </a:p>
@@ -3579,7 +3853,7 @@
           <a:p>
             <a:fld id="{AD0C2843-B122-3545-BEB5-3CB839A21497}" type="datetimeFigureOut">
               <a:rPr lang="en-GB" smtClean="0"/>
-              <a:t>06/03/2018</a:t>
+              <a:t>07/03/2018</a:t>
             </a:fld>
             <a:endParaRPr lang="en-GB"/>
           </a:p>
@@ -3832,7 +4106,7 @@
           <a:p>
             <a:fld id="{AD0C2843-B122-3545-BEB5-3CB839A21497}" type="datetimeFigureOut">
               <a:rPr lang="en-GB" smtClean="0"/>
-              <a:t>06/03/2018</a:t>
+              <a:t>07/03/2018</a:t>
             </a:fld>
             <a:endParaRPr lang="en-GB"/>
           </a:p>
@@ -4045,7 +4319,7 @@
           <a:p>
             <a:fld id="{AD0C2843-B122-3545-BEB5-3CB839A21497}" type="datetimeFigureOut">
               <a:rPr lang="en-GB" smtClean="0"/>
-              <a:t>06/03/2018</a:t>
+              <a:t>07/03/2018</a:t>
             </a:fld>
             <a:endParaRPr lang="en-GB"/>
           </a:p>
@@ -5456,34 +5730,322 @@
           </a:p>
         </p:txBody>
       </p:sp>
-      <p:sp>
-        <p:nvSpPr>
-          <p:cNvPr id="3" name="Content Placeholder 2"/>
-          <p:cNvSpPr>
-            <a:spLocks noGrp="1"/>
-          </p:cNvSpPr>
+      <p:graphicFrame>
+        <p:nvGraphicFramePr>
+          <p:cNvPr id="6" name="Inhaltsplatzhalter 5">
+            <a:extLst>
+              <a:ext uri="{FF2B5EF4-FFF2-40B4-BE49-F238E27FC236}">
+                <a16:creationId xmlns:a16="http://schemas.microsoft.com/office/drawing/2014/main" id="{DE811C3D-1F9B-4EB1-B087-21C4FC988376}"/>
+              </a:ext>
+            </a:extLst>
+          </p:cNvPr>
+          <p:cNvGraphicFramePr>
+            <a:graphicFrameLocks noGrp="1"/>
+          </p:cNvGraphicFramePr>
           <p:nvPr>
             <p:ph idx="1"/>
-          </p:nvPr>
-        </p:nvSpPr>
-        <p:spPr/>
-        <p:txBody>
-          <a:bodyPr/>
-          <a:lstStyle/>
-          <a:p>
-            <a:r>
-              <a:rPr lang="en-GB" dirty="0">
-                <a:hlinkClick r:id="rId2"/>
-              </a:rPr>
-              <a:t>http://www.w3schools.com/js/js_operators.asp</a:t>
-            </a:r>
-            <a:r>
-              <a:rPr lang="en-GB" dirty="0"/>
-              <a:t> </a:t>
-            </a:r>
-          </a:p>
-        </p:txBody>
-      </p:sp>
+            <p:extLst>
+              <p:ext uri="{D42A27DB-BD31-4B8C-83A1-F6EECF244321}">
+                <p14:modId xmlns:p14="http://schemas.microsoft.com/office/powerpoint/2010/main" val="1487324630"/>
+              </p:ext>
+            </p:extLst>
+          </p:nvPr>
+        </p:nvGraphicFramePr>
+        <p:xfrm>
+          <a:off x="838200" y="1825625"/>
+          <a:ext cx="10515600" cy="2966720"/>
+        </p:xfrm>
+        <a:graphic>
+          <a:graphicData uri="http://schemas.openxmlformats.org/drawingml/2006/table">
+            <a:tbl>
+              <a:tblPr firstRow="1" bandRow="1">
+                <a:tableStyleId>{5C22544A-7EE6-4342-B048-85BDC9FD1C3A}</a:tableStyleId>
+              </a:tblPr>
+              <a:tblGrid>
+                <a:gridCol w="5257800">
+                  <a:extLst>
+                    <a:ext uri="{9D8B030D-6E8A-4147-A177-3AD203B41FA5}">
+                      <a16:colId xmlns:a16="http://schemas.microsoft.com/office/drawing/2014/main" val="3539009696"/>
+                    </a:ext>
+                  </a:extLst>
+                </a:gridCol>
+                <a:gridCol w="5257800">
+                  <a:extLst>
+                    <a:ext uri="{9D8B030D-6E8A-4147-A177-3AD203B41FA5}">
+                      <a16:colId xmlns:a16="http://schemas.microsoft.com/office/drawing/2014/main" val="324625088"/>
+                    </a:ext>
+                  </a:extLst>
+                </a:gridCol>
+              </a:tblGrid>
+              <a:tr h="370840">
+                <a:tc>
+                  <a:txBody>
+                    <a:bodyPr/>
+                    <a:lstStyle/>
+                    <a:p>
+                      <a:r>
+                        <a:rPr lang="de-CH" dirty="0"/>
+                        <a:t>Operator</a:t>
+                      </a:r>
+                    </a:p>
+                  </a:txBody>
+                  <a:tcPr/>
+                </a:tc>
+                <a:tc>
+                  <a:txBody>
+                    <a:bodyPr/>
+                    <a:lstStyle/>
+                    <a:p>
+                      <a:r>
+                        <a:rPr lang="de-CH" dirty="0"/>
+                        <a:t>Beschreibung</a:t>
+                      </a:r>
+                    </a:p>
+                  </a:txBody>
+                  <a:tcPr/>
+                </a:tc>
+                <a:extLst>
+                  <a:ext uri="{0D108BD9-81ED-4DB2-BD59-A6C34878D82A}">
+                    <a16:rowId xmlns:a16="http://schemas.microsoft.com/office/drawing/2014/main" val="3147367315"/>
+                  </a:ext>
+                </a:extLst>
+              </a:tr>
+              <a:tr h="370840">
+                <a:tc>
+                  <a:txBody>
+                    <a:bodyPr/>
+                    <a:lstStyle/>
+                    <a:p>
+                      <a:r>
+                        <a:rPr lang="de-CH" dirty="0"/>
+                        <a:t>+</a:t>
+                      </a:r>
+                    </a:p>
+                  </a:txBody>
+                  <a:tcPr/>
+                </a:tc>
+                <a:tc>
+                  <a:txBody>
+                    <a:bodyPr/>
+                    <a:lstStyle/>
+                    <a:p>
+                      <a:r>
+                        <a:rPr lang="de-CH" dirty="0"/>
+                        <a:t>Addition</a:t>
+                      </a:r>
+                    </a:p>
+                  </a:txBody>
+                  <a:tcPr/>
+                </a:tc>
+                <a:extLst>
+                  <a:ext uri="{0D108BD9-81ED-4DB2-BD59-A6C34878D82A}">
+                    <a16:rowId xmlns:a16="http://schemas.microsoft.com/office/drawing/2014/main" val="2415025008"/>
+                  </a:ext>
+                </a:extLst>
+              </a:tr>
+              <a:tr h="370840">
+                <a:tc>
+                  <a:txBody>
+                    <a:bodyPr/>
+                    <a:lstStyle/>
+                    <a:p>
+                      <a:r>
+                        <a:rPr lang="de-CH" dirty="0"/>
+                        <a:t>-</a:t>
+                      </a:r>
+                    </a:p>
+                  </a:txBody>
+                  <a:tcPr/>
+                </a:tc>
+                <a:tc>
+                  <a:txBody>
+                    <a:bodyPr/>
+                    <a:lstStyle/>
+                    <a:p>
+                      <a:r>
+                        <a:rPr lang="de-CH" dirty="0"/>
+                        <a:t>Subtraktion</a:t>
+                      </a:r>
+                    </a:p>
+                  </a:txBody>
+                  <a:tcPr/>
+                </a:tc>
+                <a:extLst>
+                  <a:ext uri="{0D108BD9-81ED-4DB2-BD59-A6C34878D82A}">
+                    <a16:rowId xmlns:a16="http://schemas.microsoft.com/office/drawing/2014/main" val="665022889"/>
+                  </a:ext>
+                </a:extLst>
+              </a:tr>
+              <a:tr h="370840">
+                <a:tc>
+                  <a:txBody>
+                    <a:bodyPr/>
+                    <a:lstStyle/>
+                    <a:p>
+                      <a:r>
+                        <a:rPr lang="de-CH" dirty="0"/>
+                        <a:t>*</a:t>
+                      </a:r>
+                    </a:p>
+                  </a:txBody>
+                  <a:tcPr/>
+                </a:tc>
+                <a:tc>
+                  <a:txBody>
+                    <a:bodyPr/>
+                    <a:lstStyle/>
+                    <a:p>
+                      <a:r>
+                        <a:rPr lang="de-CH" dirty="0"/>
+                        <a:t>Multiplikation</a:t>
+                      </a:r>
+                    </a:p>
+                  </a:txBody>
+                  <a:tcPr/>
+                </a:tc>
+                <a:extLst>
+                  <a:ext uri="{0D108BD9-81ED-4DB2-BD59-A6C34878D82A}">
+                    <a16:rowId xmlns:a16="http://schemas.microsoft.com/office/drawing/2014/main" val="4161740375"/>
+                  </a:ext>
+                </a:extLst>
+              </a:tr>
+              <a:tr h="370840">
+                <a:tc>
+                  <a:txBody>
+                    <a:bodyPr/>
+                    <a:lstStyle/>
+                    <a:p>
+                      <a:r>
+                        <a:rPr lang="de-CH" dirty="0"/>
+                        <a:t>/</a:t>
+                      </a:r>
+                    </a:p>
+                  </a:txBody>
+                  <a:tcPr/>
+                </a:tc>
+                <a:tc>
+                  <a:txBody>
+                    <a:bodyPr/>
+                    <a:lstStyle/>
+                    <a:p>
+                      <a:r>
+                        <a:rPr lang="de-CH" dirty="0"/>
+                        <a:t>Division</a:t>
+                      </a:r>
+                    </a:p>
+                  </a:txBody>
+                  <a:tcPr/>
+                </a:tc>
+                <a:extLst>
+                  <a:ext uri="{0D108BD9-81ED-4DB2-BD59-A6C34878D82A}">
+                    <a16:rowId xmlns:a16="http://schemas.microsoft.com/office/drawing/2014/main" val="3811539094"/>
+                  </a:ext>
+                </a:extLst>
+              </a:tr>
+              <a:tr h="370840">
+                <a:tc>
+                  <a:txBody>
+                    <a:bodyPr/>
+                    <a:lstStyle/>
+                    <a:p>
+                      <a:r>
+                        <a:rPr lang="de-CH" dirty="0"/>
+                        <a:t>%</a:t>
+                      </a:r>
+                    </a:p>
+                  </a:txBody>
+                  <a:tcPr/>
+                </a:tc>
+                <a:tc>
+                  <a:txBody>
+                    <a:bodyPr/>
+                    <a:lstStyle/>
+                    <a:p>
+                      <a:r>
+                        <a:rPr lang="de-CH" dirty="0" err="1"/>
+                        <a:t>Modulus</a:t>
+                      </a:r>
+                      <a:endParaRPr lang="de-CH" dirty="0"/>
+                    </a:p>
+                  </a:txBody>
+                  <a:tcPr/>
+                </a:tc>
+                <a:extLst>
+                  <a:ext uri="{0D108BD9-81ED-4DB2-BD59-A6C34878D82A}">
+                    <a16:rowId xmlns:a16="http://schemas.microsoft.com/office/drawing/2014/main" val="1294310359"/>
+                  </a:ext>
+                </a:extLst>
+              </a:tr>
+              <a:tr h="370840">
+                <a:tc>
+                  <a:txBody>
+                    <a:bodyPr/>
+                    <a:lstStyle/>
+                    <a:p>
+                      <a:r>
+                        <a:rPr lang="de-CH" dirty="0"/>
+                        <a:t>++</a:t>
+                      </a:r>
+                    </a:p>
+                  </a:txBody>
+                  <a:tcPr/>
+                </a:tc>
+                <a:tc>
+                  <a:txBody>
+                    <a:bodyPr/>
+                    <a:lstStyle/>
+                    <a:p>
+                      <a:r>
+                        <a:rPr lang="de-CH" dirty="0"/>
+                        <a:t>Inkrement</a:t>
+                      </a:r>
+                    </a:p>
+                  </a:txBody>
+                  <a:tcPr/>
+                </a:tc>
+                <a:extLst>
+                  <a:ext uri="{0D108BD9-81ED-4DB2-BD59-A6C34878D82A}">
+                    <a16:rowId xmlns:a16="http://schemas.microsoft.com/office/drawing/2014/main" val="3265943284"/>
+                  </a:ext>
+                </a:extLst>
+              </a:tr>
+              <a:tr h="370840">
+                <a:tc>
+                  <a:txBody>
+                    <a:bodyPr/>
+                    <a:lstStyle/>
+                    <a:p>
+                      <a:r>
+                        <a:rPr lang="de-CH" dirty="0"/>
+                        <a:t>--</a:t>
+                      </a:r>
+                    </a:p>
+                  </a:txBody>
+                  <a:tcPr/>
+                </a:tc>
+                <a:tc>
+                  <a:txBody>
+                    <a:bodyPr/>
+                    <a:lstStyle/>
+                    <a:p>
+                      <a:r>
+                        <a:rPr lang="de-CH" dirty="0"/>
+                        <a:t>Dekrement</a:t>
+                      </a:r>
+                    </a:p>
+                  </a:txBody>
+                  <a:tcPr/>
+                </a:tc>
+                <a:extLst>
+                  <a:ext uri="{0D108BD9-81ED-4DB2-BD59-A6C34878D82A}">
+                    <a16:rowId xmlns:a16="http://schemas.microsoft.com/office/drawing/2014/main" val="1296013455"/>
+                  </a:ext>
+                </a:extLst>
+              </a:tr>
+            </a:tbl>
+          </a:graphicData>
+        </a:graphic>
+      </p:graphicFrame>
     </p:spTree>
     <p:extLst>
       <p:ext uri="{BB962C8B-B14F-4D97-AF65-F5344CB8AC3E}">
@@ -5625,6 +6187,23 @@
               <a:t>”};</a:t>
             </a:r>
           </a:p>
+          <a:p>
+            <a:endParaRPr lang="de-CH" dirty="0">
+              <a:latin typeface="Consolas" panose="020B0609020204030204" pitchFamily="49" charset="0"/>
+            </a:endParaRPr>
+          </a:p>
+          <a:p>
+            <a:r>
+              <a:rPr lang="de-CH" dirty="0">
+                <a:hlinkClick r:id="rId3"/>
+              </a:rPr>
+              <a:t>https://github.com/martiph/JSTraining_ICT-Campus/blob/master/Objects/Objects.js</a:t>
+            </a:r>
+            <a:r>
+              <a:rPr lang="de-CH" dirty="0"/>
+              <a:t> </a:t>
+            </a:r>
+          </a:p>
         </p:txBody>
       </p:sp>
     </p:spTree>
@@ -5970,13 +6549,13 @@
           </a:p>
           <a:p>
             <a:endParaRPr lang="de-CH" dirty="0">
-              <a:hlinkClick r:id="rId2"/>
+              <a:hlinkClick r:id="rId3"/>
             </a:endParaRPr>
           </a:p>
           <a:p>
             <a:r>
               <a:rPr lang="de-CH" dirty="0">
-                <a:hlinkClick r:id="rId2"/>
+                <a:hlinkClick r:id="rId3"/>
               </a:rPr>
               <a:t>https://github.com/martiph/JSTraining_ICT-Campus/blob/master/functions.js</a:t>
             </a:r>
@@ -6033,8 +6612,12 @@
           <a:lstStyle/>
           <a:p>
             <a:r>
-              <a:rPr lang="de-CH" dirty="0"/>
-              <a:t>Objects</a:t>
+              <a:rPr lang="de-CH" dirty="0" err="1"/>
+              <a:t>Exception</a:t>
+            </a:r>
+            <a:r>
+              <a:rPr lang="de-CH" dirty="0"/>
+              <a:t>-Handling</a:t>
             </a:r>
           </a:p>
         </p:txBody>
@@ -6054,62 +6637,154 @@
           <a:bodyPr/>
           <a:lstStyle/>
           <a:p>
-            <a:r>
-              <a:rPr lang="en-GB" dirty="0">
-                <a:hlinkClick r:id="rId2"/>
-              </a:rPr>
-              <a:t>https://</a:t>
-            </a:r>
-            <a:r>
-              <a:rPr lang="en-GB" dirty="0" err="1">
-                <a:hlinkClick r:id="rId2"/>
-              </a:rPr>
-              <a:t>github.com</a:t>
-            </a:r>
-            <a:r>
-              <a:rPr lang="en-GB" dirty="0">
-                <a:hlinkClick r:id="rId2"/>
-              </a:rPr>
-              <a:t>/</a:t>
-            </a:r>
-            <a:r>
-              <a:rPr lang="en-GB" dirty="0" err="1">
-                <a:hlinkClick r:id="rId2"/>
-              </a:rPr>
-              <a:t>jorisbaiutti</a:t>
-            </a:r>
-            <a:r>
-              <a:rPr lang="en-GB" dirty="0">
-                <a:hlinkClick r:id="rId2"/>
-              </a:rPr>
-              <a:t>/</a:t>
-            </a:r>
-            <a:r>
-              <a:rPr lang="en-GB" dirty="0" err="1">
-                <a:hlinkClick r:id="rId2"/>
-              </a:rPr>
-              <a:t>JSTraining</a:t>
-            </a:r>
-            <a:r>
-              <a:rPr lang="en-GB" dirty="0">
-                <a:hlinkClick r:id="rId2"/>
-              </a:rPr>
-              <a:t>/blob/master/Objects/</a:t>
-            </a:r>
-            <a:r>
-              <a:rPr lang="en-GB" dirty="0" err="1">
-                <a:hlinkClick r:id="rId2"/>
-              </a:rPr>
-              <a:t>Objects.js</a:t>
-            </a:r>
-            <a:endParaRPr lang="en-GB" dirty="0"/>
+            <a:pPr marL="0" indent="0">
+              <a:buNone/>
+            </a:pPr>
+            <a:r>
+              <a:rPr lang="de-CH" dirty="0" err="1">
+                <a:latin typeface="Consolas" panose="020B0609020204030204" pitchFamily="49" charset="0"/>
+              </a:rPr>
+              <a:t>try</a:t>
+            </a:r>
+            <a:r>
+              <a:rPr lang="de-CH" dirty="0">
+                <a:latin typeface="Consolas" panose="020B0609020204030204" pitchFamily="49" charset="0"/>
+              </a:rPr>
+              <a:t>{</a:t>
+            </a:r>
+          </a:p>
+          <a:p>
+            <a:pPr marL="0" indent="0">
+              <a:buNone/>
+            </a:pPr>
+            <a:r>
+              <a:rPr lang="de-CH" dirty="0">
+                <a:latin typeface="Consolas" panose="020B0609020204030204" pitchFamily="49" charset="0"/>
+              </a:rPr>
+              <a:t>	do </a:t>
+            </a:r>
+            <a:r>
+              <a:rPr lang="de-CH" dirty="0" err="1">
+                <a:latin typeface="Consolas" panose="020B0609020204030204" pitchFamily="49" charset="0"/>
+              </a:rPr>
+              <a:t>stuff</a:t>
+            </a:r>
+            <a:r>
+              <a:rPr lang="de-CH" dirty="0">
+                <a:latin typeface="Consolas" panose="020B0609020204030204" pitchFamily="49" charset="0"/>
+              </a:rPr>
+              <a:t>;</a:t>
+            </a:r>
+          </a:p>
+          <a:p>
+            <a:pPr marL="0" indent="0">
+              <a:buNone/>
+            </a:pPr>
+            <a:r>
+              <a:rPr lang="de-CH" dirty="0">
+                <a:latin typeface="Consolas" panose="020B0609020204030204" pitchFamily="49" charset="0"/>
+              </a:rPr>
+              <a:t>}catch(</a:t>
+            </a:r>
+            <a:r>
+              <a:rPr lang="de-CH" dirty="0" err="1">
+                <a:latin typeface="Consolas" panose="020B0609020204030204" pitchFamily="49" charset="0"/>
+              </a:rPr>
+              <a:t>err</a:t>
+            </a:r>
+            <a:r>
+              <a:rPr lang="de-CH" dirty="0">
+                <a:latin typeface="Consolas" panose="020B0609020204030204" pitchFamily="49" charset="0"/>
+              </a:rPr>
+              <a:t>){</a:t>
+            </a:r>
+          </a:p>
+          <a:p>
+            <a:pPr marL="0" indent="0">
+              <a:buNone/>
+            </a:pPr>
+            <a:r>
+              <a:rPr lang="de-CH" dirty="0">
+                <a:latin typeface="Consolas" panose="020B0609020204030204" pitchFamily="49" charset="0"/>
+              </a:rPr>
+              <a:t>	console.log(</a:t>
+            </a:r>
+            <a:r>
+              <a:rPr lang="de-CH" dirty="0" err="1">
+                <a:latin typeface="Consolas" panose="020B0609020204030204" pitchFamily="49" charset="0"/>
+              </a:rPr>
+              <a:t>err</a:t>
+            </a:r>
+            <a:r>
+              <a:rPr lang="de-CH" dirty="0">
+                <a:latin typeface="Consolas" panose="020B0609020204030204" pitchFamily="49" charset="0"/>
+              </a:rPr>
+              <a:t>);</a:t>
+            </a:r>
+          </a:p>
+          <a:p>
+            <a:pPr marL="0" indent="0">
+              <a:buNone/>
+            </a:pPr>
+            <a:r>
+              <a:rPr lang="de-CH" dirty="0">
+                <a:latin typeface="Consolas" panose="020B0609020204030204" pitchFamily="49" charset="0"/>
+              </a:rPr>
+              <a:t>}</a:t>
+            </a:r>
+            <a:r>
+              <a:rPr lang="de-CH" dirty="0" err="1">
+                <a:latin typeface="Consolas" panose="020B0609020204030204" pitchFamily="49" charset="0"/>
+              </a:rPr>
+              <a:t>finally</a:t>
+            </a:r>
+            <a:r>
+              <a:rPr lang="de-CH" dirty="0">
+                <a:latin typeface="Consolas" panose="020B0609020204030204" pitchFamily="49" charset="0"/>
+              </a:rPr>
+              <a:t>{</a:t>
+            </a:r>
+          </a:p>
+          <a:p>
+            <a:pPr marL="0" indent="0">
+              <a:buNone/>
+            </a:pPr>
+            <a:r>
+              <a:rPr lang="de-CH" dirty="0">
+                <a:latin typeface="Consolas" panose="020B0609020204030204" pitchFamily="49" charset="0"/>
+              </a:rPr>
+              <a:t>	do </a:t>
+            </a:r>
+            <a:r>
+              <a:rPr lang="de-CH" dirty="0" err="1">
+                <a:latin typeface="Consolas" panose="020B0609020204030204" pitchFamily="49" charset="0"/>
+              </a:rPr>
+              <a:t>anyway</a:t>
+            </a:r>
+            <a:r>
+              <a:rPr lang="de-CH" dirty="0">
+                <a:latin typeface="Consolas" panose="020B0609020204030204" pitchFamily="49" charset="0"/>
+              </a:rPr>
+              <a:t>;</a:t>
+            </a:r>
+          </a:p>
+          <a:p>
+            <a:pPr marL="0" indent="0">
+              <a:buNone/>
+            </a:pPr>
+            <a:r>
+              <a:rPr lang="de-CH" dirty="0">
+                <a:latin typeface="Consolas" panose="020B0609020204030204" pitchFamily="49" charset="0"/>
+              </a:rPr>
+              <a:t>}</a:t>
+            </a:r>
           </a:p>
         </p:txBody>
       </p:sp>
     </p:spTree>
     <p:extLst>
       <p:ext uri="{BB962C8B-B14F-4D97-AF65-F5344CB8AC3E}">
-        <p14:creationId xmlns:p14="http://schemas.microsoft.com/office/powerpoint/2010/main" val="1633889420"/>
+        <p14:creationId xmlns:p14="http://schemas.microsoft.com/office/powerpoint/2010/main" val="1512234174"/>
       </p:ext>
     </p:extLst>
   </p:cSld>
@@ -6152,12 +6827,8 @@
           <a:lstStyle/>
           <a:p>
             <a:r>
-              <a:rPr lang="de-CH" dirty="0" err="1"/>
-              <a:t>Exception</a:t>
-            </a:r>
-            <a:r>
-              <a:rPr lang="de-CH" dirty="0"/>
-              <a:t>-Handling</a:t>
+              <a:rPr lang="de-CH" dirty="0"/>
+              <a:t>Debugging</a:t>
             </a:r>
           </a:p>
         </p:txBody>
@@ -6177,146 +6848,25 @@
           <a:bodyPr/>
           <a:lstStyle/>
           <a:p>
-            <a:pPr marL="0" indent="0">
-              <a:buNone/>
-            </a:pPr>
+            <a:r>
+              <a:rPr lang="de-CH" dirty="0">
+                <a:latin typeface="Consolas" panose="020B0609020204030204" pitchFamily="49" charset="0"/>
+              </a:rPr>
+              <a:t>Console.log() ;)</a:t>
+            </a:r>
+          </a:p>
+          <a:p>
             <a:r>
               <a:rPr lang="de-CH" dirty="0" err="1">
                 <a:latin typeface="Consolas" panose="020B0609020204030204" pitchFamily="49" charset="0"/>
               </a:rPr>
-              <a:t>try</a:t>
-            </a:r>
-            <a:r>
-              <a:rPr lang="de-CH" dirty="0">
-                <a:latin typeface="Consolas" panose="020B0609020204030204" pitchFamily="49" charset="0"/>
-              </a:rPr>
-              <a:t>{</a:t>
-            </a:r>
-          </a:p>
-          <a:p>
-            <a:pPr marL="0" indent="0">
-              <a:buNone/>
-            </a:pPr>
-            <a:r>
-              <a:rPr lang="de-CH" dirty="0">
-                <a:latin typeface="Consolas" panose="020B0609020204030204" pitchFamily="49" charset="0"/>
-              </a:rPr>
-              <a:t>	do </a:t>
-            </a:r>
-            <a:r>
-              <a:rPr lang="de-CH" dirty="0" err="1">
-                <a:latin typeface="Consolas" panose="020B0609020204030204" pitchFamily="49" charset="0"/>
-              </a:rPr>
-              <a:t>stuff</a:t>
-            </a:r>
-            <a:r>
-              <a:rPr lang="de-CH" dirty="0">
-                <a:latin typeface="Consolas" panose="020B0609020204030204" pitchFamily="49" charset="0"/>
-              </a:rPr>
-              <a:t>;</a:t>
-            </a:r>
-          </a:p>
-          <a:p>
-            <a:pPr marL="0" indent="0">
-              <a:buNone/>
-            </a:pPr>
-            <a:r>
-              <a:rPr lang="de-CH" dirty="0">
-                <a:latin typeface="Consolas" panose="020B0609020204030204" pitchFamily="49" charset="0"/>
-              </a:rPr>
-              <a:t>}catch(</a:t>
-            </a:r>
-            <a:r>
-              <a:rPr lang="de-CH" dirty="0" err="1">
-                <a:latin typeface="Consolas" panose="020B0609020204030204" pitchFamily="49" charset="0"/>
-              </a:rPr>
-              <a:t>err</a:t>
-            </a:r>
-            <a:r>
-              <a:rPr lang="de-CH" dirty="0">
-                <a:latin typeface="Consolas" panose="020B0609020204030204" pitchFamily="49" charset="0"/>
-              </a:rPr>
-              <a:t>){</a:t>
-            </a:r>
-          </a:p>
-          <a:p>
-            <a:pPr marL="0" indent="0">
-              <a:buNone/>
-            </a:pPr>
-            <a:r>
-              <a:rPr lang="de-CH" dirty="0">
-                <a:latin typeface="Consolas" panose="020B0609020204030204" pitchFamily="49" charset="0"/>
-              </a:rPr>
-              <a:t>	console.log(</a:t>
-            </a:r>
-            <a:r>
-              <a:rPr lang="de-CH" dirty="0" err="1">
-                <a:latin typeface="Consolas" panose="020B0609020204030204" pitchFamily="49" charset="0"/>
-              </a:rPr>
-              <a:t>err</a:t>
-            </a:r>
-            <a:r>
-              <a:rPr lang="de-CH" dirty="0">
-                <a:latin typeface="Consolas" panose="020B0609020204030204" pitchFamily="49" charset="0"/>
-              </a:rPr>
-              <a:t>);</a:t>
-            </a:r>
-          </a:p>
-          <a:p>
-            <a:pPr marL="0" indent="0">
-              <a:buNone/>
-            </a:pPr>
-            <a:r>
-              <a:rPr lang="de-CH" dirty="0">
-                <a:latin typeface="Consolas" panose="020B0609020204030204" pitchFamily="49" charset="0"/>
-              </a:rPr>
-              <a:t>}</a:t>
-            </a:r>
-            <a:r>
-              <a:rPr lang="de-CH" dirty="0" err="1">
-                <a:latin typeface="Consolas" panose="020B0609020204030204" pitchFamily="49" charset="0"/>
-              </a:rPr>
-              <a:t>finally</a:t>
-            </a:r>
-            <a:r>
-              <a:rPr lang="de-CH" dirty="0">
-                <a:latin typeface="Consolas" panose="020B0609020204030204" pitchFamily="49" charset="0"/>
-              </a:rPr>
-              <a:t>{</a:t>
-            </a:r>
-          </a:p>
-          <a:p>
-            <a:pPr marL="0" indent="0">
-              <a:buNone/>
-            </a:pPr>
-            <a:r>
-              <a:rPr lang="de-CH" dirty="0">
-                <a:latin typeface="Consolas" panose="020B0609020204030204" pitchFamily="49" charset="0"/>
-              </a:rPr>
-              <a:t>	do </a:t>
-            </a:r>
-            <a:r>
-              <a:rPr lang="de-CH" dirty="0" err="1">
-                <a:latin typeface="Consolas" panose="020B0609020204030204" pitchFamily="49" charset="0"/>
-              </a:rPr>
-              <a:t>anyway</a:t>
-            </a:r>
-            <a:r>
-              <a:rPr lang="de-CH" dirty="0">
-                <a:latin typeface="Consolas" panose="020B0609020204030204" pitchFamily="49" charset="0"/>
-              </a:rPr>
-              <a:t>;</a:t>
-            </a:r>
-          </a:p>
-          <a:p>
-            <a:pPr marL="0" indent="0">
-              <a:buNone/>
-            </a:pPr>
-            <a:r>
-              <a:rPr lang="de-CH" dirty="0">
-                <a:latin typeface="Consolas" panose="020B0609020204030204" pitchFamily="49" charset="0"/>
-              </a:rPr>
-              <a:t>}</a:t>
+              <a:t>debugger</a:t>
+            </a:r>
+            <a:r>
+              <a:rPr lang="de-CH" dirty="0">
+                <a:latin typeface="Consolas" panose="020B0609020204030204" pitchFamily="49" charset="0"/>
+              </a:rPr>
+              <a:t>; //erstellt einen Breakpoint</a:t>
             </a:r>
           </a:p>
         </p:txBody>
@@ -6324,7 +6874,7 @@
     </p:spTree>
     <p:extLst>
       <p:ext uri="{BB962C8B-B14F-4D97-AF65-F5344CB8AC3E}">
-        <p14:creationId xmlns:p14="http://schemas.microsoft.com/office/powerpoint/2010/main" val="1512234174"/>
+        <p14:creationId xmlns:p14="http://schemas.microsoft.com/office/powerpoint/2010/main" val="34123637"/>
       </p:ext>
     </p:extLst>
   </p:cSld>
@@ -6455,7 +7005,13 @@
       </p:grpSpPr>
       <p:sp>
         <p:nvSpPr>
-          <p:cNvPr id="2" name="Title 1"/>
+          <p:cNvPr id="2" name="Titel 1">
+            <a:extLst>
+              <a:ext uri="{FF2B5EF4-FFF2-40B4-BE49-F238E27FC236}">
+                <a16:creationId xmlns:a16="http://schemas.microsoft.com/office/drawing/2014/main" id="{0016EDD1-C5C8-4540-A7E4-E9F9435164D6}"/>
+              </a:ext>
+            </a:extLst>
+          </p:cNvPr>
           <p:cNvSpPr>
             <a:spLocks noGrp="1"/>
           </p:cNvSpPr>
@@ -6469,15 +7025,25 @@
           <a:lstStyle/>
           <a:p>
             <a:r>
-              <a:rPr lang="de-CH" dirty="0"/>
-              <a:t>Debugging</a:t>
-            </a:r>
-          </a:p>
-        </p:txBody>
-      </p:sp>
-      <p:sp>
-        <p:nvSpPr>
-          <p:cNvPr id="3" name="Content Placeholder 2"/>
+              <a:rPr lang="de-CH" dirty="0" err="1"/>
+              <a:t>Strict</a:t>
+            </a:r>
+            <a:r>
+              <a:rPr lang="de-CH" dirty="0"/>
+              <a:t> Mode</a:t>
+            </a:r>
+          </a:p>
+        </p:txBody>
+      </p:sp>
+      <p:sp>
+        <p:nvSpPr>
+          <p:cNvPr id="3" name="Inhaltsplatzhalter 2">
+            <a:extLst>
+              <a:ext uri="{FF2B5EF4-FFF2-40B4-BE49-F238E27FC236}">
+                <a16:creationId xmlns:a16="http://schemas.microsoft.com/office/drawing/2014/main" id="{F9275C41-2819-45CC-A074-C1B6D29A3359}"/>
+              </a:ext>
+            </a:extLst>
+          </p:cNvPr>
           <p:cNvSpPr>
             <a:spLocks noGrp="1"/>
           </p:cNvSpPr>
@@ -6491,24 +7057,89 @@
           <a:lstStyle/>
           <a:p>
             <a:r>
-              <a:rPr lang="de-CH" dirty="0">
-                <a:latin typeface="Consolas" panose="020B0609020204030204" pitchFamily="49" charset="0"/>
-              </a:rPr>
-              <a:t>Console.log() ;)</a:t>
-            </a:r>
-          </a:p>
-          <a:p>
+              <a:rPr lang="de-CH" dirty="0"/>
+              <a:t>Seit ES5</a:t>
+            </a:r>
+          </a:p>
+          <a:p>
+            <a:r>
+              <a:rPr lang="de-CH" dirty="0"/>
+              <a:t>JavaScript ist unsicher</a:t>
+            </a:r>
+          </a:p>
+          <a:p>
+            <a:r>
+              <a:rPr lang="de-CH" dirty="0">
+                <a:latin typeface="Consolas" panose="020B0609020204030204" pitchFamily="49" charset="0"/>
+              </a:rPr>
+              <a:t>‘‘</a:t>
+            </a:r>
             <a:r>
               <a:rPr lang="de-CH" dirty="0" err="1">
                 <a:latin typeface="Consolas" panose="020B0609020204030204" pitchFamily="49" charset="0"/>
               </a:rPr>
-              <a:t>debugger</a:t>
-            </a:r>
-            <a:r>
-              <a:rPr lang="de-CH" dirty="0">
-                <a:latin typeface="Consolas" panose="020B0609020204030204" pitchFamily="49" charset="0"/>
-              </a:rPr>
-              <a:t>; //erstellt einen Breakpoint</a:t>
+              <a:t>use</a:t>
+            </a:r>
+            <a:r>
+              <a:rPr lang="de-CH" dirty="0">
+                <a:latin typeface="Consolas" panose="020B0609020204030204" pitchFamily="49" charset="0"/>
+              </a:rPr>
+              <a:t> </a:t>
+            </a:r>
+            <a:r>
+              <a:rPr lang="de-CH" dirty="0" err="1">
+                <a:latin typeface="Consolas" panose="020B0609020204030204" pitchFamily="49" charset="0"/>
+              </a:rPr>
+              <a:t>strict</a:t>
+            </a:r>
+            <a:r>
+              <a:rPr lang="de-CH" dirty="0">
+                <a:latin typeface="Consolas" panose="020B0609020204030204" pitchFamily="49" charset="0"/>
+              </a:rPr>
+              <a:t>’’;</a:t>
+            </a:r>
+          </a:p>
+          <a:p>
+            <a:r>
+              <a:rPr lang="de-CH" dirty="0"/>
+              <a:t>Verhindert:</a:t>
+            </a:r>
+          </a:p>
+          <a:p>
+            <a:pPr lvl="1"/>
+            <a:r>
+              <a:rPr lang="de-CH" sz="2800" dirty="0"/>
+              <a:t>Verwendung von nicht deklarierten Variablen/Objekten</a:t>
+            </a:r>
+          </a:p>
+          <a:p>
+            <a:pPr lvl="1"/>
+            <a:r>
+              <a:rPr lang="de-CH" sz="2800" dirty="0"/>
+              <a:t>Löschen von Funktionen/Variablen/Objekten (mit </a:t>
+            </a:r>
+            <a:r>
+              <a:rPr lang="de-CH" sz="2800" dirty="0" err="1">
+                <a:latin typeface="Consolas" panose="020B0609020204030204" pitchFamily="49" charset="0"/>
+              </a:rPr>
+              <a:t>delete</a:t>
+            </a:r>
+            <a:r>
+              <a:rPr lang="de-CH" sz="2800" dirty="0">
+                <a:latin typeface="Consolas" panose="020B0609020204030204" pitchFamily="49" charset="0"/>
+              </a:rPr>
+              <a:t> x;</a:t>
+            </a:r>
+            <a:r>
+              <a:rPr lang="de-CH" sz="2800" dirty="0"/>
+              <a:t>)</a:t>
+            </a:r>
+          </a:p>
+          <a:p>
+            <a:pPr lvl="1"/>
+            <a:r>
+              <a:rPr lang="de-CH" sz="2800" dirty="0"/>
+              <a:t>Gebrauch von reservierten Wörtern</a:t>
             </a:r>
           </a:p>
         </p:txBody>
@@ -6516,7 +7147,7 @@
     </p:spTree>
     <p:extLst>
       <p:ext uri="{BB962C8B-B14F-4D97-AF65-F5344CB8AC3E}">
-        <p14:creationId xmlns:p14="http://schemas.microsoft.com/office/powerpoint/2010/main" val="34123637"/>
+        <p14:creationId xmlns:p14="http://schemas.microsoft.com/office/powerpoint/2010/main" val="2227674156"/>
       </p:ext>
     </p:extLst>
   </p:cSld>
@@ -6545,13 +7176,7 @@
       </p:grpSpPr>
       <p:sp>
         <p:nvSpPr>
-          <p:cNvPr id="2" name="Titel 1">
-            <a:extLst>
-              <a:ext uri="{FF2B5EF4-FFF2-40B4-BE49-F238E27FC236}">
-                <a16:creationId xmlns:a16="http://schemas.microsoft.com/office/drawing/2014/main" id="{0016EDD1-C5C8-4540-A7E4-E9F9435164D6}"/>
-              </a:ext>
-            </a:extLst>
-          </p:cNvPr>
+          <p:cNvPr id="2" name="Title 1"/>
           <p:cNvSpPr>
             <a:spLocks noGrp="1"/>
           </p:cNvSpPr>
@@ -6565,25 +7190,15 @@
           <a:lstStyle/>
           <a:p>
             <a:r>
-              <a:rPr lang="de-CH" dirty="0" err="1"/>
-              <a:t>Strict</a:t>
-            </a:r>
-            <a:r>
-              <a:rPr lang="de-CH" dirty="0"/>
-              <a:t> Mode</a:t>
-            </a:r>
-          </a:p>
-        </p:txBody>
-      </p:sp>
-      <p:sp>
-        <p:nvSpPr>
-          <p:cNvPr id="3" name="Inhaltsplatzhalter 2">
-            <a:extLst>
-              <a:ext uri="{FF2B5EF4-FFF2-40B4-BE49-F238E27FC236}">
-                <a16:creationId xmlns:a16="http://schemas.microsoft.com/office/drawing/2014/main" id="{F9275C41-2819-45CC-A074-C1B6D29A3359}"/>
-              </a:ext>
-            </a:extLst>
-          </p:cNvPr>
+              <a:rPr lang="en-GB" dirty="0"/>
+              <a:t>Your Turn</a:t>
+            </a:r>
+          </a:p>
+        </p:txBody>
+      </p:sp>
+      <p:sp>
+        <p:nvSpPr>
+          <p:cNvPr id="3" name="Content Placeholder 2"/>
           <p:cNvSpPr>
             <a:spLocks noGrp="1"/>
           </p:cNvSpPr>
@@ -6598,88 +7213,26 @@
           <a:p>
             <a:r>
               <a:rPr lang="de-CH" dirty="0"/>
-              <a:t>Seit ES5</a:t>
-            </a:r>
-          </a:p>
-          <a:p>
-            <a:r>
-              <a:rPr lang="de-CH" dirty="0"/>
-              <a:t>JavaScript ist unsicher</a:t>
-            </a:r>
-          </a:p>
-          <a:p>
-            <a:r>
-              <a:rPr lang="de-CH" dirty="0">
-                <a:latin typeface="Consolas" panose="020B0609020204030204" pitchFamily="49" charset="0"/>
-              </a:rPr>
-              <a:t>‘‘</a:t>
-            </a:r>
-            <a:r>
-              <a:rPr lang="de-CH" dirty="0" err="1">
-                <a:latin typeface="Consolas" panose="020B0609020204030204" pitchFamily="49" charset="0"/>
-              </a:rPr>
-              <a:t>use</a:t>
-            </a:r>
-            <a:r>
-              <a:rPr lang="de-CH" dirty="0">
-                <a:latin typeface="Consolas" panose="020B0609020204030204" pitchFamily="49" charset="0"/>
-              </a:rPr>
-              <a:t> </a:t>
-            </a:r>
-            <a:r>
-              <a:rPr lang="de-CH" dirty="0" err="1">
-                <a:latin typeface="Consolas" panose="020B0609020204030204" pitchFamily="49" charset="0"/>
-              </a:rPr>
-              <a:t>strict</a:t>
-            </a:r>
-            <a:r>
-              <a:rPr lang="de-CH" dirty="0">
-                <a:latin typeface="Consolas" panose="020B0609020204030204" pitchFamily="49" charset="0"/>
-              </a:rPr>
-              <a:t>’’;</a:t>
-            </a:r>
-          </a:p>
-          <a:p>
-            <a:r>
-              <a:rPr lang="de-CH" dirty="0"/>
-              <a:t>Verhindert:</a:t>
-            </a:r>
-          </a:p>
-          <a:p>
-            <a:pPr lvl="1"/>
-            <a:r>
-              <a:rPr lang="de-CH" sz="2800" dirty="0"/>
-              <a:t>Verwendung von nicht deklarierten Variablen/Objekten</a:t>
-            </a:r>
-          </a:p>
-          <a:p>
-            <a:pPr lvl="1"/>
-            <a:r>
-              <a:rPr lang="de-CH" sz="2800" dirty="0"/>
-              <a:t>Löschen von Funktionen/Variablen/Objekten (mit </a:t>
-            </a:r>
-            <a:r>
-              <a:rPr lang="de-CH" sz="2800" dirty="0" err="1">
-                <a:latin typeface="Consolas" panose="020B0609020204030204" pitchFamily="49" charset="0"/>
-              </a:rPr>
-              <a:t>delete</a:t>
-            </a:r>
-            <a:r>
-              <a:rPr lang="de-CH" sz="2800" dirty="0">
-                <a:latin typeface="Consolas" panose="020B0609020204030204" pitchFamily="49" charset="0"/>
-              </a:rPr>
-              <a:t> x;</a:t>
-            </a:r>
-            <a:r>
-              <a:rPr lang="de-CH" sz="2800" dirty="0"/>
-              <a:t>)</a:t>
-            </a:r>
-          </a:p>
-          <a:p>
-            <a:pPr lvl="1"/>
-            <a:r>
-              <a:rPr lang="de-CH" sz="2800" dirty="0"/>
-              <a:t>Gebrauch von reservierten Wörtern</a:t>
+              <a:t>Installiere den Editor deiner Wahl (VS Code)</a:t>
+            </a:r>
+          </a:p>
+          <a:p>
+            <a:r>
+              <a:rPr lang="de-CH" dirty="0"/>
+              <a:t>Gehe auf </a:t>
+            </a:r>
+            <a:r>
+              <a:rPr lang="de-CH" dirty="0">
+                <a:hlinkClick r:id="rId2"/>
+              </a:rPr>
+              <a:t>Code Academy</a:t>
+            </a:r>
+            <a:endParaRPr lang="de-CH" dirty="0"/>
+          </a:p>
+          <a:p>
+            <a:r>
+              <a:rPr lang="de-CH" dirty="0"/>
+              <a:t>Erstelle einen Account und beginne mit den Übungen</a:t>
             </a:r>
           </a:p>
         </p:txBody>
@@ -6687,7 +7240,7 @@
     </p:spTree>
     <p:extLst>
       <p:ext uri="{BB962C8B-B14F-4D97-AF65-F5344CB8AC3E}">
-        <p14:creationId xmlns:p14="http://schemas.microsoft.com/office/powerpoint/2010/main" val="2227674156"/>
+        <p14:creationId xmlns:p14="http://schemas.microsoft.com/office/powerpoint/2010/main" val="1783093731"/>
       </p:ext>
     </p:extLst>
   </p:cSld>
@@ -6731,99 +7284,6 @@
           <a:p>
             <a:r>
               <a:rPr lang="en-GB" dirty="0"/>
-              <a:t>Your Turn</a:t>
-            </a:r>
-          </a:p>
-        </p:txBody>
-      </p:sp>
-      <p:sp>
-        <p:nvSpPr>
-          <p:cNvPr id="3" name="Content Placeholder 2"/>
-          <p:cNvSpPr>
-            <a:spLocks noGrp="1"/>
-          </p:cNvSpPr>
-          <p:nvPr>
-            <p:ph idx="1"/>
-          </p:nvPr>
-        </p:nvSpPr>
-        <p:spPr/>
-        <p:txBody>
-          <a:bodyPr/>
-          <a:lstStyle/>
-          <a:p>
-            <a:r>
-              <a:rPr lang="de-CH" dirty="0"/>
-              <a:t>Installiere den Editor deiner Wahl (VS Code)</a:t>
-            </a:r>
-          </a:p>
-          <a:p>
-            <a:r>
-              <a:rPr lang="de-CH" dirty="0"/>
-              <a:t>Gehe auf </a:t>
-            </a:r>
-            <a:r>
-              <a:rPr lang="de-CH" dirty="0">
-                <a:hlinkClick r:id="rId2"/>
-              </a:rPr>
-              <a:t>Code Academy</a:t>
-            </a:r>
-            <a:endParaRPr lang="de-CH" dirty="0"/>
-          </a:p>
-          <a:p>
-            <a:r>
-              <a:rPr lang="de-CH" dirty="0"/>
-              <a:t>Erstelle einen Account und beginne mit den Übungen</a:t>
-            </a:r>
-          </a:p>
-        </p:txBody>
-      </p:sp>
-    </p:spTree>
-    <p:extLst>
-      <p:ext uri="{BB962C8B-B14F-4D97-AF65-F5344CB8AC3E}">
-        <p14:creationId xmlns:p14="http://schemas.microsoft.com/office/powerpoint/2010/main" val="1783093731"/>
-      </p:ext>
-    </p:extLst>
-  </p:cSld>
-  <p:clrMapOvr>
-    <a:masterClrMapping/>
-  </p:clrMapOvr>
-</p:sld>
-</file>
-
-<file path=ppt/slides/slide23.xml><?xml version="1.0" encoding="utf-8"?>
-<p:sld xmlns:a="http://schemas.openxmlformats.org/drawingml/2006/main" xmlns:r="http://schemas.openxmlformats.org/officeDocument/2006/relationships" xmlns:p="http://schemas.openxmlformats.org/presentationml/2006/main">
-  <p:cSld>
-    <p:spTree>
-      <p:nvGrpSpPr>
-        <p:cNvPr id="1" name=""/>
-        <p:cNvGrpSpPr/>
-        <p:nvPr/>
-      </p:nvGrpSpPr>
-      <p:grpSpPr>
-        <a:xfrm>
-          <a:off x="0" y="0"/>
-          <a:ext cx="0" cy="0"/>
-          <a:chOff x="0" y="0"/>
-          <a:chExt cx="0" cy="0"/>
-        </a:xfrm>
-      </p:grpSpPr>
-      <p:sp>
-        <p:nvSpPr>
-          <p:cNvPr id="2" name="Title 1"/>
-          <p:cNvSpPr>
-            <a:spLocks noGrp="1"/>
-          </p:cNvSpPr>
-          <p:nvPr>
-            <p:ph type="title"/>
-          </p:nvPr>
-        </p:nvSpPr>
-        <p:spPr/>
-        <p:txBody>
-          <a:bodyPr/>
-          <a:lstStyle/>
-          <a:p>
-            <a:r>
-              <a:rPr lang="en-GB" dirty="0"/>
               <a:t>Your turn, again</a:t>
             </a:r>
           </a:p>
@@ -6877,7 +7337,7 @@
 </p:sld>
 </file>
 
-<file path=ppt/slides/slide24.xml><?xml version="1.0" encoding="utf-8"?>
+<file path=ppt/slides/slide23.xml><?xml version="1.0" encoding="utf-8"?>
 <p:sld xmlns:a="http://schemas.openxmlformats.org/drawingml/2006/main" xmlns:r="http://schemas.openxmlformats.org/officeDocument/2006/relationships" xmlns:p="http://schemas.openxmlformats.org/presentationml/2006/main">
   <p:cSld>
     <p:spTree>
@@ -7860,9 +8320,12 @@
               </a:rPr>
               <a:t>stuff</a:t>
             </a:r>
-            <a:endParaRPr lang="de-CH" dirty="0">
-              <a:latin typeface="Consolas" panose="020B0609020204030204" pitchFamily="49" charset="0"/>
-            </a:endParaRPr>
+            <a:r>
+              <a:rPr lang="de-CH" dirty="0">
+                <a:latin typeface="Consolas" panose="020B0609020204030204" pitchFamily="49" charset="0"/>
+              </a:rPr>
+              <a:t>;</a:t>
+            </a:r>
           </a:p>
           <a:p>
             <a:pPr marL="0" indent="0">
@@ -7939,9 +8402,12 @@
               </a:rPr>
               <a:t>stuff</a:t>
             </a:r>
-            <a:endParaRPr lang="de-CH" dirty="0">
-              <a:latin typeface="Consolas" panose="020B0609020204030204" pitchFamily="49" charset="0"/>
-            </a:endParaRPr>
+            <a:r>
+              <a:rPr lang="de-CH" dirty="0">
+                <a:latin typeface="Consolas" panose="020B0609020204030204" pitchFamily="49" charset="0"/>
+              </a:rPr>
+              <a:t>;</a:t>
+            </a:r>
           </a:p>
           <a:p>
             <a:pPr marL="0" indent="0">
@@ -7994,9 +8460,12 @@
               </a:rPr>
               <a:t>else</a:t>
             </a:r>
-            <a:endParaRPr lang="de-CH" dirty="0">
-              <a:latin typeface="Consolas" panose="020B0609020204030204" pitchFamily="49" charset="0"/>
-            </a:endParaRPr>
+            <a:r>
+              <a:rPr lang="de-CH" dirty="0">
+                <a:latin typeface="Consolas" panose="020B0609020204030204" pitchFamily="49" charset="0"/>
+              </a:rPr>
+              <a:t>;</a:t>
+            </a:r>
           </a:p>
           <a:p>
             <a:pPr marL="0" indent="0">
